--- a/powerpoint/projektarbete_ai_del1.pptx
+++ b/powerpoint/projektarbete_ai_del1.pptx
@@ -4,15 +4,24 @@
   <p:sldMasterIdLst>
     <p:sldMasterId id="2147483780" r:id="rId1"/>
   </p:sldMasterIdLst>
+  <p:notesMasterIdLst>
+    <p:notesMasterId r:id="rId16"/>
+  </p:notesMasterIdLst>
   <p:sldIdLst>
     <p:sldId id="257" r:id="rId2"/>
     <p:sldId id="258" r:id="rId3"/>
-    <p:sldId id="260" r:id="rId4"/>
-    <p:sldId id="263" r:id="rId5"/>
-    <p:sldId id="264" r:id="rId6"/>
+    <p:sldId id="264" r:id="rId4"/>
+    <p:sldId id="268" r:id="rId5"/>
+    <p:sldId id="269" r:id="rId6"/>
     <p:sldId id="265" r:id="rId7"/>
-    <p:sldId id="266" r:id="rId8"/>
-    <p:sldId id="267" r:id="rId9"/>
+    <p:sldId id="274" r:id="rId8"/>
+    <p:sldId id="270" r:id="rId9"/>
+    <p:sldId id="273" r:id="rId10"/>
+    <p:sldId id="277" r:id="rId11"/>
+    <p:sldId id="275" r:id="rId12"/>
+    <p:sldId id="278" r:id="rId13"/>
+    <p:sldId id="279" r:id="rId14"/>
+    <p:sldId id="272" r:id="rId15"/>
   </p:sldIdLst>
   <p:sldSz cx="12192000" cy="6858000"/>
   <p:notesSz cx="6858000" cy="9144000"/>
@@ -111,19 +120,1005 @@
       </a:defRPr>
     </a:lvl9pPr>
   </p:defaultTextStyle>
+  <p:extLst>
+    <p:ext uri="{EFAFB233-063F-42B5-8137-9DF3F51BA10A}">
+      <p15:sldGuideLst xmlns:p15="http://schemas.microsoft.com/office/powerpoint/2012/main"/>
+    </p:ext>
+  </p:extLst>
 </p:presentation>
 </file>
 
 <file path=ppt/revisionInfo.xml><?xml version="1.0" encoding="utf-8"?>
 <p1510:revInfo xmlns:a="http://schemas.openxmlformats.org/drawingml/2006/main" xmlns:r="http://schemas.openxmlformats.org/officeDocument/2006/relationships" xmlns:p1510="http://schemas.microsoft.com/office/powerpoint/2015/10/main">
   <p1510:revLst>
+    <p1510:client id="{1E2C4AAE-8A73-1019-EAEB-0D6A9AF4569B}" v="23" dt="2024-06-11T19:37:31.018"/>
+    <p1510:client id="{84EFE000-56AC-1D14-27DE-3F7F29FC8F8F}" v="2579" dt="2024-06-11T14:54:44.852"/>
+    <p1510:client id="{96D481BA-FE04-DE0A-8B80-8292EB50C642}" v="773" dt="2024-06-11T12:30:44.740"/>
+    <p1510:client id="{97B296B3-A6F6-EC12-DD90-8FAA43D8E438}" v="3840" dt="2024-06-11T19:38:34.583"/>
+    <p1510:client id="{B7F979BE-17A1-4F1F-6480-9B6FFC159A35}" v="105" dt="2024-06-11T19:50:42.043"/>
     <p1510:client id="{BBE01BD4-FF84-4E3F-BF0E-DDDFB839D157}" v="132" dt="2024-06-09T20:50:02.961"/>
+    <p1510:client id="{D91179FB-796B-B44D-5422-D98C196EAEBA}" v="840" dt="2024-06-11T15:18:12.572"/>
+    <p1510:client id="{E05821A5-DDF6-5ACD-685A-A2FFC4D25C5C}" v="58" dt="2024-06-11T11:44:39.462"/>
   </p1510:revLst>
 </p1510:revInfo>
 </file>
 
 <file path=ppt/changesInfos/changesInfo1.xml><?xml version="1.0" encoding="utf-8"?>
 <pc:chgInfo xmlns:a="http://schemas.openxmlformats.org/drawingml/2006/main" xmlns:r="http://schemas.openxmlformats.org/officeDocument/2006/relationships" xmlns:ac="http://schemas.microsoft.com/office/drawing/2013/main/command" xmlns:pc="http://schemas.microsoft.com/office/powerpoint/2013/main/command">
+  <pc:docChgLst>
+    <pc:chgData name="Guy Bartell" userId="S::guy.bartell@student.nbi-handelsakademin.se::701488a6-8f71-4c5d-ab4c-6ba2e47d04f2" providerId="AD" clId="Web-{D91179FB-796B-B44D-5422-D98C196EAEBA}"/>
+    <pc:docChg chg="modSld">
+      <pc:chgData name="Guy Bartell" userId="S::guy.bartell@student.nbi-handelsakademin.se::701488a6-8f71-4c5d-ab4c-6ba2e47d04f2" providerId="AD" clId="Web-{D91179FB-796B-B44D-5422-D98C196EAEBA}" dt="2024-06-11T15:18:09.837" v="498" actId="20577"/>
+      <pc:docMkLst>
+        <pc:docMk/>
+      </pc:docMkLst>
+      <pc:sldChg chg="addSp delSp modSp">
+        <pc:chgData name="Guy Bartell" userId="S::guy.bartell@student.nbi-handelsakademin.se::701488a6-8f71-4c5d-ab4c-6ba2e47d04f2" providerId="AD" clId="Web-{D91179FB-796B-B44D-5422-D98C196EAEBA}" dt="2024-06-11T11:39:03.697" v="54"/>
+        <pc:sldMkLst>
+          <pc:docMk/>
+          <pc:sldMk cId="1604379288" sldId="257"/>
+        </pc:sldMkLst>
+        <pc:spChg chg="mod">
+          <ac:chgData name="Guy Bartell" userId="S::guy.bartell@student.nbi-handelsakademin.se::701488a6-8f71-4c5d-ab4c-6ba2e47d04f2" providerId="AD" clId="Web-{D91179FB-796B-B44D-5422-D98C196EAEBA}" dt="2024-06-11T11:35:04.437" v="52" actId="20577"/>
+          <ac:spMkLst>
+            <pc:docMk/>
+            <pc:sldMk cId="1604379288" sldId="257"/>
+            <ac:spMk id="2" creationId="{6C5F4BDA-DE9C-9D0A-CBB8-F292D3FFE10C}"/>
+          </ac:spMkLst>
+        </pc:spChg>
+        <pc:picChg chg="add del mod">
+          <ac:chgData name="Guy Bartell" userId="S::guy.bartell@student.nbi-handelsakademin.se::701488a6-8f71-4c5d-ab4c-6ba2e47d04f2" providerId="AD" clId="Web-{D91179FB-796B-B44D-5422-D98C196EAEBA}" dt="2024-06-11T11:32:18.556" v="49"/>
+          <ac:picMkLst>
+            <pc:docMk/>
+            <pc:sldMk cId="1604379288" sldId="257"/>
+            <ac:picMk id="3" creationId="{979815AE-7BC6-98C7-0CEE-225E22466FF1}"/>
+          </ac:picMkLst>
+        </pc:picChg>
+        <pc:picChg chg="add del mod">
+          <ac:chgData name="Guy Bartell" userId="S::guy.bartell@student.nbi-handelsakademin.se::701488a6-8f71-4c5d-ab4c-6ba2e47d04f2" providerId="AD" clId="Web-{D91179FB-796B-B44D-5422-D98C196EAEBA}" dt="2024-06-11T11:39:03.697" v="54"/>
+          <ac:picMkLst>
+            <pc:docMk/>
+            <pc:sldMk cId="1604379288" sldId="257"/>
+            <ac:picMk id="6" creationId="{9281C2E4-E23C-4E42-25A8-71E8C87CBAB5}"/>
+          </ac:picMkLst>
+        </pc:picChg>
+      </pc:sldChg>
+      <pc:sldChg chg="addSp delSp modSp">
+        <pc:chgData name="Guy Bartell" userId="S::guy.bartell@student.nbi-handelsakademin.se::701488a6-8f71-4c5d-ab4c-6ba2e47d04f2" providerId="AD" clId="Web-{D91179FB-796B-B44D-5422-D98C196EAEBA}" dt="2024-06-11T14:42:39.828" v="321" actId="1076"/>
+        <pc:sldMkLst>
+          <pc:docMk/>
+          <pc:sldMk cId="1121474661" sldId="258"/>
+        </pc:sldMkLst>
+        <pc:spChg chg="add del mod">
+          <ac:chgData name="Guy Bartell" userId="S::guy.bartell@student.nbi-handelsakademin.se::701488a6-8f71-4c5d-ab4c-6ba2e47d04f2" providerId="AD" clId="Web-{D91179FB-796B-B44D-5422-D98C196EAEBA}" dt="2024-06-11T14:40:50.120" v="309"/>
+          <ac:spMkLst>
+            <pc:docMk/>
+            <pc:sldMk cId="1121474661" sldId="258"/>
+            <ac:spMk id="2" creationId="{449AF503-5D26-7179-D12C-CDC03F66ED76}"/>
+          </ac:spMkLst>
+        </pc:spChg>
+        <pc:spChg chg="add del mod">
+          <ac:chgData name="Guy Bartell" userId="S::guy.bartell@student.nbi-handelsakademin.se::701488a6-8f71-4c5d-ab4c-6ba2e47d04f2" providerId="AD" clId="Web-{D91179FB-796B-B44D-5422-D98C196EAEBA}" dt="2024-06-11T14:41:14.888" v="313"/>
+          <ac:spMkLst>
+            <pc:docMk/>
+            <pc:sldMk cId="1121474661" sldId="258"/>
+            <ac:spMk id="7" creationId="{4FABFE63-DC0A-9A7F-778E-F72C5DFF95F3}"/>
+          </ac:spMkLst>
+        </pc:spChg>
+        <pc:picChg chg="add del mod">
+          <ac:chgData name="Guy Bartell" userId="S::guy.bartell@student.nbi-handelsakademin.se::701488a6-8f71-4c5d-ab4c-6ba2e47d04f2" providerId="AD" clId="Web-{D91179FB-796B-B44D-5422-D98C196EAEBA}" dt="2024-06-11T11:39:14.135" v="56"/>
+          <ac:picMkLst>
+            <pc:docMk/>
+            <pc:sldMk cId="1121474661" sldId="258"/>
+            <ac:picMk id="2" creationId="{C53BA979-773A-8D71-7BE7-543E3B89D079}"/>
+          </ac:picMkLst>
+        </pc:picChg>
+        <pc:picChg chg="add mod">
+          <ac:chgData name="Guy Bartell" userId="S::guy.bartell@student.nbi-handelsakademin.se::701488a6-8f71-4c5d-ab4c-6ba2e47d04f2" providerId="AD" clId="Web-{D91179FB-796B-B44D-5422-D98C196EAEBA}" dt="2024-06-11T14:40:32.088" v="305" actId="1076"/>
+          <ac:picMkLst>
+            <pc:docMk/>
+            <pc:sldMk cId="1121474661" sldId="258"/>
+            <ac:picMk id="3" creationId="{8B3991A4-8855-AB45-36C8-B8CF8CBC3B02}"/>
+          </ac:picMkLst>
+        </pc:picChg>
+        <pc:picChg chg="add mod">
+          <ac:chgData name="Guy Bartell" userId="S::guy.bartell@student.nbi-handelsakademin.se::701488a6-8f71-4c5d-ab4c-6ba2e47d04f2" providerId="AD" clId="Web-{D91179FB-796B-B44D-5422-D98C196EAEBA}" dt="2024-06-11T14:42:39.828" v="321" actId="1076"/>
+          <ac:picMkLst>
+            <pc:docMk/>
+            <pc:sldMk cId="1121474661" sldId="258"/>
+            <ac:picMk id="8" creationId="{3979358E-CF07-6FB4-A393-0EFBF69A6F05}"/>
+          </ac:picMkLst>
+        </pc:picChg>
+      </pc:sldChg>
+      <pc:sldChg chg="addSp delSp modSp">
+        <pc:chgData name="Guy Bartell" userId="S::guy.bartell@student.nbi-handelsakademin.se::701488a6-8f71-4c5d-ab4c-6ba2e47d04f2" providerId="AD" clId="Web-{D91179FB-796B-B44D-5422-D98C196EAEBA}" dt="2024-06-11T12:13:26.606" v="128" actId="1076"/>
+        <pc:sldMkLst>
+          <pc:docMk/>
+          <pc:sldMk cId="538095569" sldId="264"/>
+        </pc:sldMkLst>
+        <pc:picChg chg="add del mod">
+          <ac:chgData name="Guy Bartell" userId="S::guy.bartell@student.nbi-handelsakademin.se::701488a6-8f71-4c5d-ab4c-6ba2e47d04f2" providerId="AD" clId="Web-{D91179FB-796B-B44D-5422-D98C196EAEBA}" dt="2024-06-11T11:59:39.339" v="61"/>
+          <ac:picMkLst>
+            <pc:docMk/>
+            <pc:sldMk cId="538095569" sldId="264"/>
+            <ac:picMk id="2" creationId="{DBB8878F-2B7D-411F-1297-B2B1DA538A5B}"/>
+          </ac:picMkLst>
+        </pc:picChg>
+        <pc:picChg chg="add mod">
+          <ac:chgData name="Guy Bartell" userId="S::guy.bartell@student.nbi-handelsakademin.se::701488a6-8f71-4c5d-ab4c-6ba2e47d04f2" providerId="AD" clId="Web-{D91179FB-796B-B44D-5422-D98C196EAEBA}" dt="2024-06-11T12:13:26.606" v="128" actId="1076"/>
+          <ac:picMkLst>
+            <pc:docMk/>
+            <pc:sldMk cId="538095569" sldId="264"/>
+            <ac:picMk id="6" creationId="{4A3A0986-B187-D8B4-6545-75EA7926AAD2}"/>
+          </ac:picMkLst>
+        </pc:picChg>
+      </pc:sldChg>
+      <pc:sldChg chg="addSp delSp modSp">
+        <pc:chgData name="Guy Bartell" userId="S::guy.bartell@student.nbi-handelsakademin.se::701488a6-8f71-4c5d-ab4c-6ba2e47d04f2" providerId="AD" clId="Web-{D91179FB-796B-B44D-5422-D98C196EAEBA}" dt="2024-06-11T13:10:41.372" v="267" actId="20577"/>
+        <pc:sldMkLst>
+          <pc:docMk/>
+          <pc:sldMk cId="3125510018" sldId="265"/>
+        </pc:sldMkLst>
+        <pc:spChg chg="add mod">
+          <ac:chgData name="Guy Bartell" userId="S::guy.bartell@student.nbi-handelsakademin.se::701488a6-8f71-4c5d-ab4c-6ba2e47d04f2" providerId="AD" clId="Web-{D91179FB-796B-B44D-5422-D98C196EAEBA}" dt="2024-06-11T13:10:41.372" v="267" actId="20577"/>
+          <ac:spMkLst>
+            <pc:docMk/>
+            <pc:sldMk cId="3125510018" sldId="265"/>
+            <ac:spMk id="2" creationId="{5F7F4788-8A99-EE0B-B294-485491E8E394}"/>
+          </ac:spMkLst>
+        </pc:spChg>
+        <pc:spChg chg="add del">
+          <ac:chgData name="Guy Bartell" userId="S::guy.bartell@student.nbi-handelsakademin.se::701488a6-8f71-4c5d-ab4c-6ba2e47d04f2" providerId="AD" clId="Web-{D91179FB-796B-B44D-5422-D98C196EAEBA}" dt="2024-06-11T12:20:36.654" v="209"/>
+          <ac:spMkLst>
+            <pc:docMk/>
+            <pc:sldMk cId="3125510018" sldId="265"/>
+            <ac:spMk id="4" creationId="{AA0D2E22-21D8-C8BE-5944-13B34E301B40}"/>
+          </ac:spMkLst>
+        </pc:spChg>
+        <pc:spChg chg="add del mod">
+          <ac:chgData name="Guy Bartell" userId="S::guy.bartell@student.nbi-handelsakademin.se::701488a6-8f71-4c5d-ab4c-6ba2e47d04f2" providerId="AD" clId="Web-{D91179FB-796B-B44D-5422-D98C196EAEBA}" dt="2024-06-11T12:20:33.200" v="207"/>
+          <ac:spMkLst>
+            <pc:docMk/>
+            <pc:sldMk cId="3125510018" sldId="265"/>
+            <ac:spMk id="9" creationId="{A4EDA87E-37A8-A3AF-35BC-DEA035D40E58}"/>
+          </ac:spMkLst>
+        </pc:spChg>
+        <pc:spChg chg="add del">
+          <ac:chgData name="Guy Bartell" userId="S::guy.bartell@student.nbi-handelsakademin.se::701488a6-8f71-4c5d-ab4c-6ba2e47d04f2" providerId="AD" clId="Web-{D91179FB-796B-B44D-5422-D98C196EAEBA}" dt="2024-06-11T12:20:34.716" v="208"/>
+          <ac:spMkLst>
+            <pc:docMk/>
+            <pc:sldMk cId="3125510018" sldId="265"/>
+            <ac:spMk id="12" creationId="{C617C0E4-DC6C-1904-F5D6-16370215997E}"/>
+          </ac:spMkLst>
+        </pc:spChg>
+        <pc:spChg chg="add mod">
+          <ac:chgData name="Guy Bartell" userId="S::guy.bartell@student.nbi-handelsakademin.se::701488a6-8f71-4c5d-ab4c-6ba2e47d04f2" providerId="AD" clId="Web-{D91179FB-796B-B44D-5422-D98C196EAEBA}" dt="2024-06-11T12:22:20.783" v="219" actId="14100"/>
+          <ac:spMkLst>
+            <pc:docMk/>
+            <pc:sldMk cId="3125510018" sldId="265"/>
+            <ac:spMk id="15" creationId="{997456D9-6748-B0D0-460F-5CE36D520E48}"/>
+          </ac:spMkLst>
+        </pc:spChg>
+        <pc:picChg chg="mod">
+          <ac:chgData name="Guy Bartell" userId="S::guy.bartell@student.nbi-handelsakademin.se::701488a6-8f71-4c5d-ab4c-6ba2e47d04f2" providerId="AD" clId="Web-{D91179FB-796B-B44D-5422-D98C196EAEBA}" dt="2024-06-11T12:20:42.935" v="212" actId="1076"/>
+          <ac:picMkLst>
+            <pc:docMk/>
+            <pc:sldMk cId="3125510018" sldId="265"/>
+            <ac:picMk id="11" creationId="{4FFB985F-0D8C-2025-A935-99697FF9007D}"/>
+          </ac:picMkLst>
+        </pc:picChg>
+      </pc:sldChg>
+      <pc:sldChg chg="modSp">
+        <pc:chgData name="Guy Bartell" userId="S::guy.bartell@student.nbi-handelsakademin.se::701488a6-8f71-4c5d-ab4c-6ba2e47d04f2" providerId="AD" clId="Web-{D91179FB-796B-B44D-5422-D98C196EAEBA}" dt="2024-06-11T12:16:03.190" v="201" actId="20577"/>
+        <pc:sldMkLst>
+          <pc:docMk/>
+          <pc:sldMk cId="2390436597" sldId="268"/>
+        </pc:sldMkLst>
+        <pc:spChg chg="mod">
+          <ac:chgData name="Guy Bartell" userId="S::guy.bartell@student.nbi-handelsakademin.se::701488a6-8f71-4c5d-ab4c-6ba2e47d04f2" providerId="AD" clId="Web-{D91179FB-796B-B44D-5422-D98C196EAEBA}" dt="2024-06-11T12:16:03.190" v="201" actId="20577"/>
+          <ac:spMkLst>
+            <pc:docMk/>
+            <pc:sldMk cId="2390436597" sldId="268"/>
+            <ac:spMk id="2" creationId="{97D012D7-687C-FC95-6F12-10350EE0CB16}"/>
+          </ac:spMkLst>
+        </pc:spChg>
+      </pc:sldChg>
+      <pc:sldChg chg="addSp delSp modSp">
+        <pc:chgData name="Guy Bartell" userId="S::guy.bartell@student.nbi-handelsakademin.se::701488a6-8f71-4c5d-ab4c-6ba2e47d04f2" providerId="AD" clId="Web-{D91179FB-796B-B44D-5422-D98C196EAEBA}" dt="2024-06-11T15:08:34.282" v="393" actId="1076"/>
+        <pc:sldMkLst>
+          <pc:docMk/>
+          <pc:sldMk cId="2713108800" sldId="273"/>
+        </pc:sldMkLst>
+        <pc:picChg chg="mod">
+          <ac:chgData name="Guy Bartell" userId="S::guy.bartell@student.nbi-handelsakademin.se::701488a6-8f71-4c5d-ab4c-6ba2e47d04f2" providerId="AD" clId="Web-{D91179FB-796B-B44D-5422-D98C196EAEBA}" dt="2024-06-11T14:01:52.584" v="302" actId="1076"/>
+          <ac:picMkLst>
+            <pc:docMk/>
+            <pc:sldMk cId="2713108800" sldId="273"/>
+            <ac:picMk id="2" creationId="{BDC03872-3AF3-A926-9BDF-C3F14869C1CC}"/>
+          </ac:picMkLst>
+        </pc:picChg>
+        <pc:picChg chg="mod">
+          <ac:chgData name="Guy Bartell" userId="S::guy.bartell@student.nbi-handelsakademin.se::701488a6-8f71-4c5d-ab4c-6ba2e47d04f2" providerId="AD" clId="Web-{D91179FB-796B-B44D-5422-D98C196EAEBA}" dt="2024-06-11T14:01:28.724" v="298" actId="1076"/>
+          <ac:picMkLst>
+            <pc:docMk/>
+            <pc:sldMk cId="2713108800" sldId="273"/>
+            <ac:picMk id="3" creationId="{895394EA-3AE0-06B0-A5BE-1B7C4708C12C}"/>
+          </ac:picMkLst>
+        </pc:picChg>
+        <pc:picChg chg="add del mod">
+          <ac:chgData name="Guy Bartell" userId="S::guy.bartell@student.nbi-handelsakademin.se::701488a6-8f71-4c5d-ab4c-6ba2e47d04f2" providerId="AD" clId="Web-{D91179FB-796B-B44D-5422-D98C196EAEBA}" dt="2024-06-11T13:54:11.899" v="276"/>
+          <ac:picMkLst>
+            <pc:docMk/>
+            <pc:sldMk cId="2713108800" sldId="273"/>
+            <ac:picMk id="6" creationId="{B95C2DA4-7719-DDB4-F5EF-0B5259B79F8C}"/>
+          </ac:picMkLst>
+        </pc:picChg>
+        <pc:picChg chg="add del mod">
+          <ac:chgData name="Guy Bartell" userId="S::guy.bartell@student.nbi-handelsakademin.se::701488a6-8f71-4c5d-ab4c-6ba2e47d04f2" providerId="AD" clId="Web-{D91179FB-796B-B44D-5422-D98C196EAEBA}" dt="2024-06-11T14:01:06.223" v="294"/>
+          <ac:picMkLst>
+            <pc:docMk/>
+            <pc:sldMk cId="2713108800" sldId="273"/>
+            <ac:picMk id="7" creationId="{08B212E9-675D-D602-B72E-B3587B8E274B}"/>
+          </ac:picMkLst>
+        </pc:picChg>
+        <pc:picChg chg="mod">
+          <ac:chgData name="Guy Bartell" userId="S::guy.bartell@student.nbi-handelsakademin.se::701488a6-8f71-4c5d-ab4c-6ba2e47d04f2" providerId="AD" clId="Web-{D91179FB-796B-B44D-5422-D98C196EAEBA}" dt="2024-06-11T15:08:34.282" v="393" actId="1076"/>
+          <ac:picMkLst>
+            <pc:docMk/>
+            <pc:sldMk cId="2713108800" sldId="273"/>
+            <ac:picMk id="9" creationId="{3F827E2A-74B2-BB86-058C-2B3D247AEBFA}"/>
+          </ac:picMkLst>
+        </pc:picChg>
+        <pc:picChg chg="add mod">
+          <ac:chgData name="Guy Bartell" userId="S::guy.bartell@student.nbi-handelsakademin.se::701488a6-8f71-4c5d-ab4c-6ba2e47d04f2" providerId="AD" clId="Web-{D91179FB-796B-B44D-5422-D98C196EAEBA}" dt="2024-06-11T14:01:42.350" v="301" actId="1076"/>
+          <ac:picMkLst>
+            <pc:docMk/>
+            <pc:sldMk cId="2713108800" sldId="273"/>
+            <ac:picMk id="11" creationId="{FE7B58CC-5FE0-7385-98C8-FEB342F17E52}"/>
+          </ac:picMkLst>
+        </pc:picChg>
+        <pc:picChg chg="del mod">
+          <ac:chgData name="Guy Bartell" userId="S::guy.bartell@student.nbi-handelsakademin.se::701488a6-8f71-4c5d-ab4c-6ba2e47d04f2" providerId="AD" clId="Web-{D91179FB-796B-B44D-5422-D98C196EAEBA}" dt="2024-06-11T14:01:56.725" v="303"/>
+          <ac:picMkLst>
+            <pc:docMk/>
+            <pc:sldMk cId="2713108800" sldId="273"/>
+            <ac:picMk id="12" creationId="{C7F170EB-DCBC-F34A-EFE9-D8D94742B703}"/>
+          </ac:picMkLst>
+        </pc:picChg>
+      </pc:sldChg>
+      <pc:sldChg chg="addSp modSp">
+        <pc:chgData name="Guy Bartell" userId="S::guy.bartell@student.nbi-handelsakademin.se::701488a6-8f71-4c5d-ab4c-6ba2e47d04f2" providerId="AD" clId="Web-{D91179FB-796B-B44D-5422-D98C196EAEBA}" dt="2024-06-11T15:00:51.388" v="389" actId="20577"/>
+        <pc:sldMkLst>
+          <pc:docMk/>
+          <pc:sldMk cId="1466891409" sldId="277"/>
+        </pc:sldMkLst>
+        <pc:spChg chg="add mod">
+          <ac:chgData name="Guy Bartell" userId="S::guy.bartell@student.nbi-handelsakademin.se::701488a6-8f71-4c5d-ab4c-6ba2e47d04f2" providerId="AD" clId="Web-{D91179FB-796B-B44D-5422-D98C196EAEBA}" dt="2024-06-11T15:00:49.919" v="388" actId="20577"/>
+          <ac:spMkLst>
+            <pc:docMk/>
+            <pc:sldMk cId="1466891409" sldId="277"/>
+            <ac:spMk id="4" creationId="{5D9BEA0B-18BE-7C15-CB78-393B06C2BC97}"/>
+          </ac:spMkLst>
+        </pc:spChg>
+        <pc:spChg chg="add mod">
+          <ac:chgData name="Guy Bartell" userId="S::guy.bartell@student.nbi-handelsakademin.se::701488a6-8f71-4c5d-ab4c-6ba2e47d04f2" providerId="AD" clId="Web-{D91179FB-796B-B44D-5422-D98C196EAEBA}" dt="2024-06-11T15:00:51.388" v="389" actId="20577"/>
+          <ac:spMkLst>
+            <pc:docMk/>
+            <pc:sldMk cId="1466891409" sldId="277"/>
+            <ac:spMk id="6" creationId="{65768FC5-89AF-6AA3-66A7-360D98469B04}"/>
+          </ac:spMkLst>
+        </pc:spChg>
+        <pc:picChg chg="add mod">
+          <ac:chgData name="Guy Bartell" userId="S::guy.bartell@student.nbi-handelsakademin.se::701488a6-8f71-4c5d-ab4c-6ba2e47d04f2" providerId="AD" clId="Web-{D91179FB-796B-B44D-5422-D98C196EAEBA}" dt="2024-06-11T14:59:10.290" v="326" actId="14100"/>
+          <ac:picMkLst>
+            <pc:docMk/>
+            <pc:sldMk cId="1466891409" sldId="277"/>
+            <ac:picMk id="2" creationId="{D7356F1C-3C19-CC0D-B4CD-A28D95DF8AF1}"/>
+          </ac:picMkLst>
+        </pc:picChg>
+      </pc:sldChg>
+      <pc:sldChg chg="modSp">
+        <pc:chgData name="Guy Bartell" userId="S::guy.bartell@student.nbi-handelsakademin.se::701488a6-8f71-4c5d-ab4c-6ba2e47d04f2" providerId="AD" clId="Web-{D91179FB-796B-B44D-5422-D98C196EAEBA}" dt="2024-06-11T15:18:09.837" v="498" actId="20577"/>
+        <pc:sldMkLst>
+          <pc:docMk/>
+          <pc:sldMk cId="270228202" sldId="279"/>
+        </pc:sldMkLst>
+        <pc:spChg chg="mod">
+          <ac:chgData name="Guy Bartell" userId="S::guy.bartell@student.nbi-handelsakademin.se::701488a6-8f71-4c5d-ab4c-6ba2e47d04f2" providerId="AD" clId="Web-{D91179FB-796B-B44D-5422-D98C196EAEBA}" dt="2024-06-11T15:18:09.837" v="498" actId="20577"/>
+          <ac:spMkLst>
+            <pc:docMk/>
+            <pc:sldMk cId="270228202" sldId="279"/>
+            <ac:spMk id="8" creationId="{45BED702-FE40-C2F2-AAB4-11E6D4B749AE}"/>
+          </ac:spMkLst>
+        </pc:spChg>
+      </pc:sldChg>
+    </pc:docChg>
+  </pc:docChgLst>
+  <pc:docChgLst>
+    <pc:chgData name="Mustafa Qadan" userId="S::mustafa.qadan@student.nbi-handelsakademin.se::10a2b619-3710-45aa-a538-aff011aaf1b4" providerId="AD" clId="Web-{84EFE000-56AC-1D14-27DE-3F7F29FC8F8F}"/>
+    <pc:docChg chg="addSld delSld modSld sldOrd">
+      <pc:chgData name="Mustafa Qadan" userId="S::mustafa.qadan@student.nbi-handelsakademin.se::10a2b619-3710-45aa-a538-aff011aaf1b4" providerId="AD" clId="Web-{84EFE000-56AC-1D14-27DE-3F7F29FC8F8F}" dt="2024-06-11T14:54:44.852" v="1734" actId="20577"/>
+      <pc:docMkLst>
+        <pc:docMk/>
+      </pc:docMkLst>
+      <pc:sldChg chg="modSp">
+        <pc:chgData name="Mustafa Qadan" userId="S::mustafa.qadan@student.nbi-handelsakademin.se::10a2b619-3710-45aa-a538-aff011aaf1b4" providerId="AD" clId="Web-{84EFE000-56AC-1D14-27DE-3F7F29FC8F8F}" dt="2024-06-11T12:04:01.398" v="242" actId="14100"/>
+        <pc:sldMkLst>
+          <pc:docMk/>
+          <pc:sldMk cId="1121474661" sldId="258"/>
+        </pc:sldMkLst>
+        <pc:spChg chg="mod">
+          <ac:chgData name="Mustafa Qadan" userId="S::mustafa.qadan@student.nbi-handelsakademin.se::10a2b619-3710-45aa-a538-aff011aaf1b4" providerId="AD" clId="Web-{84EFE000-56AC-1D14-27DE-3F7F29FC8F8F}" dt="2024-06-11T12:04:01.398" v="242" actId="14100"/>
+          <ac:spMkLst>
+            <pc:docMk/>
+            <pc:sldMk cId="1121474661" sldId="258"/>
+            <ac:spMk id="5" creationId="{3BC64304-B6C0-FC94-369A-E33C0C727BBB}"/>
+          </ac:spMkLst>
+        </pc:spChg>
+      </pc:sldChg>
+      <pc:sldChg chg="modSp">
+        <pc:chgData name="Mustafa Qadan" userId="S::mustafa.qadan@student.nbi-handelsakademin.se::10a2b619-3710-45aa-a538-aff011aaf1b4" providerId="AD" clId="Web-{84EFE000-56AC-1D14-27DE-3F7F29FC8F8F}" dt="2024-06-11T12:29:24.698" v="453" actId="1076"/>
+        <pc:sldMkLst>
+          <pc:docMk/>
+          <pc:sldMk cId="4055604317" sldId="260"/>
+        </pc:sldMkLst>
+        <pc:spChg chg="mod">
+          <ac:chgData name="Mustafa Qadan" userId="S::mustafa.qadan@student.nbi-handelsakademin.se::10a2b619-3710-45aa-a538-aff011aaf1b4" providerId="AD" clId="Web-{84EFE000-56AC-1D14-27DE-3F7F29FC8F8F}" dt="2024-06-11T12:29:24.698" v="453" actId="1076"/>
+          <ac:spMkLst>
+            <pc:docMk/>
+            <pc:sldMk cId="4055604317" sldId="260"/>
+            <ac:spMk id="12" creationId="{A7105219-BF73-9512-BBF8-EF5F712CDC75}"/>
+          </ac:spMkLst>
+        </pc:spChg>
+        <pc:picChg chg="mod">
+          <ac:chgData name="Mustafa Qadan" userId="S::mustafa.qadan@student.nbi-handelsakademin.se::10a2b619-3710-45aa-a538-aff011aaf1b4" providerId="AD" clId="Web-{84EFE000-56AC-1D14-27DE-3F7F29FC8F8F}" dt="2024-06-11T12:28:53.745" v="452" actId="1076"/>
+          <ac:picMkLst>
+            <pc:docMk/>
+            <pc:sldMk cId="4055604317" sldId="260"/>
+            <ac:picMk id="2" creationId="{ED59C338-759B-5C48-F6D4-1A420614BEF8}"/>
+          </ac:picMkLst>
+        </pc:picChg>
+      </pc:sldChg>
+      <pc:sldChg chg="addSp delSp modSp ord">
+        <pc:chgData name="Mustafa Qadan" userId="S::mustafa.qadan@student.nbi-handelsakademin.se::10a2b619-3710-45aa-a538-aff011aaf1b4" providerId="AD" clId="Web-{84EFE000-56AC-1D14-27DE-3F7F29FC8F8F}" dt="2024-06-11T13:47:30.360" v="507"/>
+        <pc:sldMkLst>
+          <pc:docMk/>
+          <pc:sldMk cId="538095569" sldId="264"/>
+        </pc:sldMkLst>
+        <pc:spChg chg="add del mod">
+          <ac:chgData name="Mustafa Qadan" userId="S::mustafa.qadan@student.nbi-handelsakademin.se::10a2b619-3710-45aa-a538-aff011aaf1b4" providerId="AD" clId="Web-{84EFE000-56AC-1D14-27DE-3F7F29FC8F8F}" dt="2024-06-11T11:51:34.444" v="116"/>
+          <ac:spMkLst>
+            <pc:docMk/>
+            <pc:sldMk cId="538095569" sldId="264"/>
+            <ac:spMk id="2" creationId="{28B304C5-8C39-251C-2808-A9B4C33E1A31}"/>
+          </ac:spMkLst>
+        </pc:spChg>
+        <pc:spChg chg="add mod">
+          <ac:chgData name="Mustafa Qadan" userId="S::mustafa.qadan@student.nbi-handelsakademin.se::10a2b619-3710-45aa-a538-aff011aaf1b4" providerId="AD" clId="Web-{84EFE000-56AC-1D14-27DE-3F7F29FC8F8F}" dt="2024-06-11T12:17:04.916" v="405"/>
+          <ac:spMkLst>
+            <pc:docMk/>
+            <pc:sldMk cId="538095569" sldId="264"/>
+            <ac:spMk id="3" creationId="{8B9DF840-4D7B-4CC9-DB15-1541B6C9E98C}"/>
+          </ac:spMkLst>
+        </pc:spChg>
+        <pc:spChg chg="add mod">
+          <ac:chgData name="Mustafa Qadan" userId="S::mustafa.qadan@student.nbi-handelsakademin.se::10a2b619-3710-45aa-a538-aff011aaf1b4" providerId="AD" clId="Web-{84EFE000-56AC-1D14-27DE-3F7F29FC8F8F}" dt="2024-06-11T12:17:04.947" v="406"/>
+          <ac:spMkLst>
+            <pc:docMk/>
+            <pc:sldMk cId="538095569" sldId="264"/>
+            <ac:spMk id="4" creationId="{B48E9DAD-12E5-67B3-26FA-09D34E6ABF87}"/>
+          </ac:spMkLst>
+        </pc:spChg>
+        <pc:spChg chg="mod">
+          <ac:chgData name="Mustafa Qadan" userId="S::mustafa.qadan@student.nbi-handelsakademin.se::10a2b619-3710-45aa-a538-aff011aaf1b4" providerId="AD" clId="Web-{84EFE000-56AC-1D14-27DE-3F7F29FC8F8F}" dt="2024-06-11T12:17:04.916" v="404"/>
+          <ac:spMkLst>
+            <pc:docMk/>
+            <pc:sldMk cId="538095569" sldId="264"/>
+            <ac:spMk id="5" creationId="{3BC64304-B6C0-FC94-369A-E33C0C727BBB}"/>
+          </ac:spMkLst>
+        </pc:spChg>
+        <pc:picChg chg="mod">
+          <ac:chgData name="Mustafa Qadan" userId="S::mustafa.qadan@student.nbi-handelsakademin.se::10a2b619-3710-45aa-a538-aff011aaf1b4" providerId="AD" clId="Web-{84EFE000-56AC-1D14-27DE-3F7F29FC8F8F}" dt="2024-06-11T12:05:53.760" v="244" actId="1076"/>
+          <ac:picMkLst>
+            <pc:docMk/>
+            <pc:sldMk cId="538095569" sldId="264"/>
+            <ac:picMk id="6" creationId="{4A3A0986-B187-D8B4-6545-75EA7926AAD2}"/>
+          </ac:picMkLst>
+        </pc:picChg>
+        <pc:picChg chg="mod">
+          <ac:chgData name="Mustafa Qadan" userId="S::mustafa.qadan@student.nbi-handelsakademin.se::10a2b619-3710-45aa-a538-aff011aaf1b4" providerId="AD" clId="Web-{84EFE000-56AC-1D14-27DE-3F7F29FC8F8F}" dt="2024-06-11T11:50:55.568" v="0" actId="1076"/>
+          <ac:picMkLst>
+            <pc:docMk/>
+            <pc:sldMk cId="538095569" sldId="264"/>
+            <ac:picMk id="9" creationId="{DF33D2EE-855F-799C-E9C9-DAF3271B7493}"/>
+          </ac:picMkLst>
+        </pc:picChg>
+        <pc:picChg chg="mod">
+          <ac:chgData name="Mustafa Qadan" userId="S::mustafa.qadan@student.nbi-handelsakademin.se::10a2b619-3710-45aa-a538-aff011aaf1b4" providerId="AD" clId="Web-{84EFE000-56AC-1D14-27DE-3F7F29FC8F8F}" dt="2024-06-11T11:50:55.599" v="1" actId="1076"/>
+          <ac:picMkLst>
+            <pc:docMk/>
+            <pc:sldMk cId="538095569" sldId="264"/>
+            <ac:picMk id="12" creationId="{4A2E9BFE-EA85-484A-E55E-A861034907C4}"/>
+          </ac:picMkLst>
+        </pc:picChg>
+      </pc:sldChg>
+      <pc:sldChg chg="addSp delSp modSp">
+        <pc:chgData name="Mustafa Qadan" userId="S::mustafa.qadan@student.nbi-handelsakademin.se::10a2b619-3710-45aa-a538-aff011aaf1b4" providerId="AD" clId="Web-{84EFE000-56AC-1D14-27DE-3F7F29FC8F8F}" dt="2024-06-11T12:33:31.220" v="472" actId="1076"/>
+        <pc:sldMkLst>
+          <pc:docMk/>
+          <pc:sldMk cId="3125510018" sldId="265"/>
+        </pc:sldMkLst>
+        <pc:spChg chg="mod">
+          <ac:chgData name="Mustafa Qadan" userId="S::mustafa.qadan@student.nbi-handelsakademin.se::10a2b619-3710-45aa-a538-aff011aaf1b4" providerId="AD" clId="Web-{84EFE000-56AC-1D14-27DE-3F7F29FC8F8F}" dt="2024-06-11T12:31:43.420" v="470" actId="1076"/>
+          <ac:spMkLst>
+            <pc:docMk/>
+            <pc:sldMk cId="3125510018" sldId="265"/>
+            <ac:spMk id="15" creationId="{997456D9-6748-B0D0-460F-5CE36D520E48}"/>
+          </ac:spMkLst>
+        </pc:spChg>
+        <pc:grpChg chg="mod">
+          <ac:chgData name="Mustafa Qadan" userId="S::mustafa.qadan@student.nbi-handelsakademin.se::10a2b619-3710-45aa-a538-aff011aaf1b4" providerId="AD" clId="Web-{84EFE000-56AC-1D14-27DE-3F7F29FC8F8F}" dt="2024-06-11T12:31:28.045" v="468" actId="1076"/>
+          <ac:grpSpMkLst>
+            <pc:docMk/>
+            <pc:sldMk cId="3125510018" sldId="265"/>
+            <ac:grpSpMk id="12" creationId="{8F4EA8F9-1C56-DCCD-2EF4-C92D4E2F3025}"/>
+          </ac:grpSpMkLst>
+        </pc:grpChg>
+        <pc:picChg chg="add del mod">
+          <ac:chgData name="Mustafa Qadan" userId="S::mustafa.qadan@student.nbi-handelsakademin.se::10a2b619-3710-45aa-a538-aff011aaf1b4" providerId="AD" clId="Web-{84EFE000-56AC-1D14-27DE-3F7F29FC8F8F}" dt="2024-06-11T12:30:36.059" v="454"/>
+          <ac:picMkLst>
+            <pc:docMk/>
+            <pc:sldMk cId="3125510018" sldId="265"/>
+            <ac:picMk id="2" creationId="{24A0C595-7024-1D63-587D-C58DF5A17706}"/>
+          </ac:picMkLst>
+        </pc:picChg>
+        <pc:picChg chg="add del mod">
+          <ac:chgData name="Mustafa Qadan" userId="S::mustafa.qadan@student.nbi-handelsakademin.se::10a2b619-3710-45aa-a538-aff011aaf1b4" providerId="AD" clId="Web-{84EFE000-56AC-1D14-27DE-3F7F29FC8F8F}" dt="2024-06-11T12:28:29.932" v="446"/>
+          <ac:picMkLst>
+            <pc:docMk/>
+            <pc:sldMk cId="3125510018" sldId="265"/>
+            <ac:picMk id="7" creationId="{03A53196-B3F5-53F2-B937-E5ACB72150BB}"/>
+          </ac:picMkLst>
+        </pc:picChg>
+        <pc:picChg chg="mod">
+          <ac:chgData name="Mustafa Qadan" userId="S::mustafa.qadan@student.nbi-handelsakademin.se::10a2b619-3710-45aa-a538-aff011aaf1b4" providerId="AD" clId="Web-{84EFE000-56AC-1D14-27DE-3F7F29FC8F8F}" dt="2024-06-11T12:31:43.420" v="469" actId="1076"/>
+          <ac:picMkLst>
+            <pc:docMk/>
+            <pc:sldMk cId="3125510018" sldId="265"/>
+            <ac:picMk id="8" creationId="{65105216-EDA8-116E-849F-C0CAF84735E1}"/>
+          </ac:picMkLst>
+        </pc:picChg>
+        <pc:picChg chg="add del mod">
+          <ac:chgData name="Mustafa Qadan" userId="S::mustafa.qadan@student.nbi-handelsakademin.se::10a2b619-3710-45aa-a538-aff011aaf1b4" providerId="AD" clId="Web-{84EFE000-56AC-1D14-27DE-3F7F29FC8F8F}" dt="2024-06-11T12:30:37.513" v="455"/>
+          <ac:picMkLst>
+            <pc:docMk/>
+            <pc:sldMk cId="3125510018" sldId="265"/>
+            <ac:picMk id="10" creationId="{39088810-4F21-E398-DBBB-038E97315EC5}"/>
+          </ac:picMkLst>
+        </pc:picChg>
+        <pc:picChg chg="mod modCrop">
+          <ac:chgData name="Mustafa Qadan" userId="S::mustafa.qadan@student.nbi-handelsakademin.se::10a2b619-3710-45aa-a538-aff011aaf1b4" providerId="AD" clId="Web-{84EFE000-56AC-1D14-27DE-3F7F29FC8F8F}" dt="2024-06-11T12:31:09.732" v="463" actId="14100"/>
+          <ac:picMkLst>
+            <pc:docMk/>
+            <pc:sldMk cId="3125510018" sldId="265"/>
+            <ac:picMk id="11" creationId="{4FFB985F-0D8C-2025-A935-99697FF9007D}"/>
+          </ac:picMkLst>
+        </pc:picChg>
+        <pc:picChg chg="add del mod">
+          <ac:chgData name="Mustafa Qadan" userId="S::mustafa.qadan@student.nbi-handelsakademin.se::10a2b619-3710-45aa-a538-aff011aaf1b4" providerId="AD" clId="Web-{84EFE000-56AC-1D14-27DE-3F7F29FC8F8F}" dt="2024-06-11T12:27:22.024" v="443"/>
+          <ac:picMkLst>
+            <pc:docMk/>
+            <pc:sldMk cId="3125510018" sldId="265"/>
+            <ac:picMk id="14" creationId="{24CED3A1-DDCD-F225-C1AA-104E84AE9273}"/>
+          </ac:picMkLst>
+        </pc:picChg>
+        <pc:picChg chg="add del mod">
+          <ac:chgData name="Mustafa Qadan" userId="S::mustafa.qadan@student.nbi-handelsakademin.se::10a2b619-3710-45aa-a538-aff011aaf1b4" providerId="AD" clId="Web-{84EFE000-56AC-1D14-27DE-3F7F29FC8F8F}" dt="2024-06-11T12:28:45.651" v="450"/>
+          <ac:picMkLst>
+            <pc:docMk/>
+            <pc:sldMk cId="3125510018" sldId="265"/>
+            <ac:picMk id="16" creationId="{B4E38707-9D5F-34D4-9573-74FE2089AFA0}"/>
+          </ac:picMkLst>
+        </pc:picChg>
+        <pc:picChg chg="add del mod">
+          <ac:chgData name="Mustafa Qadan" userId="S::mustafa.qadan@student.nbi-handelsakademin.se::10a2b619-3710-45aa-a538-aff011aaf1b4" providerId="AD" clId="Web-{84EFE000-56AC-1D14-27DE-3F7F29FC8F8F}" dt="2024-06-11T12:28:47.307" v="451"/>
+          <ac:picMkLst>
+            <pc:docMk/>
+            <pc:sldMk cId="3125510018" sldId="265"/>
+            <ac:picMk id="17" creationId="{EF852330-D95A-A48B-6452-B15A3847481A}"/>
+          </ac:picMkLst>
+        </pc:picChg>
+        <pc:picChg chg="add mod">
+          <ac:chgData name="Mustafa Qadan" userId="S::mustafa.qadan@student.nbi-handelsakademin.se::10a2b619-3710-45aa-a538-aff011aaf1b4" providerId="AD" clId="Web-{84EFE000-56AC-1D14-27DE-3F7F29FC8F8F}" dt="2024-06-11T12:33:31.220" v="472" actId="1076"/>
+          <ac:picMkLst>
+            <pc:docMk/>
+            <pc:sldMk cId="3125510018" sldId="265"/>
+            <ac:picMk id="18" creationId="{34C66F9D-B39B-61E3-FCB0-3B1B84D8A2B7}"/>
+          </ac:picMkLst>
+        </pc:picChg>
+        <pc:picChg chg="add mod">
+          <ac:chgData name="Mustafa Qadan" userId="S::mustafa.qadan@student.nbi-handelsakademin.se::10a2b619-3710-45aa-a538-aff011aaf1b4" providerId="AD" clId="Web-{84EFE000-56AC-1D14-27DE-3F7F29FC8F8F}" dt="2024-06-11T12:30:48.982" v="459" actId="1076"/>
+          <ac:picMkLst>
+            <pc:docMk/>
+            <pc:sldMk cId="3125510018" sldId="265"/>
+            <ac:picMk id="19" creationId="{40BDEFC4-7387-748E-9E83-9598728712CC}"/>
+          </ac:picMkLst>
+        </pc:picChg>
+      </pc:sldChg>
+      <pc:sldChg chg="addSp delSp modSp ord">
+        <pc:chgData name="Mustafa Qadan" userId="S::mustafa.qadan@student.nbi-handelsakademin.se::10a2b619-3710-45aa-a538-aff011aaf1b4" providerId="AD" clId="Web-{84EFE000-56AC-1D14-27DE-3F7F29FC8F8F}" dt="2024-06-11T13:47:24.563" v="506"/>
+        <pc:sldMkLst>
+          <pc:docMk/>
+          <pc:sldMk cId="2390436597" sldId="268"/>
+        </pc:sldMkLst>
+        <pc:spChg chg="add mod">
+          <ac:chgData name="Mustafa Qadan" userId="S::mustafa.qadan@student.nbi-handelsakademin.se::10a2b619-3710-45aa-a538-aff011aaf1b4" providerId="AD" clId="Web-{84EFE000-56AC-1D14-27DE-3F7F29FC8F8F}" dt="2024-06-11T12:17:42.214" v="414" actId="20577"/>
+          <ac:spMkLst>
+            <pc:docMk/>
+            <pc:sldMk cId="2390436597" sldId="268"/>
+            <ac:spMk id="2" creationId="{97D012D7-687C-FC95-6F12-10350EE0CB16}"/>
+          </ac:spMkLst>
+        </pc:spChg>
+        <pc:spChg chg="del mod">
+          <ac:chgData name="Mustafa Qadan" userId="S::mustafa.qadan@student.nbi-handelsakademin.se::10a2b619-3710-45aa-a538-aff011aaf1b4" providerId="AD" clId="Web-{84EFE000-56AC-1D14-27DE-3F7F29FC8F8F}" dt="2024-06-11T12:06:33.996" v="246"/>
+          <ac:spMkLst>
+            <pc:docMk/>
+            <pc:sldMk cId="2390436597" sldId="268"/>
+            <ac:spMk id="6" creationId="{0F4B7E67-D246-8232-A180-CDC14DBA2397}"/>
+          </ac:spMkLst>
+        </pc:spChg>
+      </pc:sldChg>
+      <pc:sldChg chg="modSp">
+        <pc:chgData name="Mustafa Qadan" userId="S::mustafa.qadan@student.nbi-handelsakademin.se::10a2b619-3710-45aa-a538-aff011aaf1b4" providerId="AD" clId="Web-{84EFE000-56AC-1D14-27DE-3F7F29FC8F8F}" dt="2024-06-11T13:25:02.493" v="502" actId="1076"/>
+        <pc:sldMkLst>
+          <pc:docMk/>
+          <pc:sldMk cId="3703693321" sldId="270"/>
+        </pc:sldMkLst>
+        <pc:picChg chg="mod ord">
+          <ac:chgData name="Mustafa Qadan" userId="S::mustafa.qadan@student.nbi-handelsakademin.se::10a2b619-3710-45aa-a538-aff011aaf1b4" providerId="AD" clId="Web-{84EFE000-56AC-1D14-27DE-3F7F29FC8F8F}" dt="2024-06-11T13:24:46.914" v="498"/>
+          <ac:picMkLst>
+            <pc:docMk/>
+            <pc:sldMk cId="3703693321" sldId="270"/>
+            <ac:picMk id="2" creationId="{E323A4CF-F6B9-CE0A-9970-07756D2AABD2}"/>
+          </ac:picMkLst>
+        </pc:picChg>
+        <pc:picChg chg="mod">
+          <ac:chgData name="Mustafa Qadan" userId="S::mustafa.qadan@student.nbi-handelsakademin.se::10a2b619-3710-45aa-a538-aff011aaf1b4" providerId="AD" clId="Web-{84EFE000-56AC-1D14-27DE-3F7F29FC8F8F}" dt="2024-06-11T13:24:34.617" v="494" actId="1076"/>
+          <ac:picMkLst>
+            <pc:docMk/>
+            <pc:sldMk cId="3703693321" sldId="270"/>
+            <ac:picMk id="3" creationId="{B27C9A95-DC26-5565-1F94-EEF2D9645046}"/>
+          </ac:picMkLst>
+        </pc:picChg>
+        <pc:picChg chg="mod">
+          <ac:chgData name="Mustafa Qadan" userId="S::mustafa.qadan@student.nbi-handelsakademin.se::10a2b619-3710-45aa-a538-aff011aaf1b4" providerId="AD" clId="Web-{84EFE000-56AC-1D14-27DE-3F7F29FC8F8F}" dt="2024-06-11T13:25:02.493" v="502" actId="1076"/>
+          <ac:picMkLst>
+            <pc:docMk/>
+            <pc:sldMk cId="3703693321" sldId="270"/>
+            <ac:picMk id="7" creationId="{5395A73B-9660-90F7-E1BC-99B5817F9266}"/>
+          </ac:picMkLst>
+        </pc:picChg>
+      </pc:sldChg>
+      <pc:sldChg chg="delSp del">
+        <pc:chgData name="Mustafa Qadan" userId="S::mustafa.qadan@student.nbi-handelsakademin.se::10a2b619-3710-45aa-a538-aff011aaf1b4" providerId="AD" clId="Web-{84EFE000-56AC-1D14-27DE-3F7F29FC8F8F}" dt="2024-06-11T13:48:14.814" v="515"/>
+        <pc:sldMkLst>
+          <pc:docMk/>
+          <pc:sldMk cId="4293620081" sldId="271"/>
+        </pc:sldMkLst>
+        <pc:spChg chg="del">
+          <ac:chgData name="Mustafa Qadan" userId="S::mustafa.qadan@student.nbi-handelsakademin.se::10a2b619-3710-45aa-a538-aff011aaf1b4" providerId="AD" clId="Web-{84EFE000-56AC-1D14-27DE-3F7F29FC8F8F}" dt="2024-06-11T13:48:09.830" v="513"/>
+          <ac:spMkLst>
+            <pc:docMk/>
+            <pc:sldMk cId="4293620081" sldId="271"/>
+            <ac:spMk id="6" creationId="{0F4B7E67-D246-8232-A180-CDC14DBA2397}"/>
+          </ac:spMkLst>
+        </pc:spChg>
+      </pc:sldChg>
+      <pc:sldChg chg="new del">
+        <pc:chgData name="Mustafa Qadan" userId="S::mustafa.qadan@student.nbi-handelsakademin.se::10a2b619-3710-45aa-a538-aff011aaf1b4" providerId="AD" clId="Web-{84EFE000-56AC-1D14-27DE-3F7F29FC8F8F}" dt="2024-06-11T11:52:05.085" v="118"/>
+        <pc:sldMkLst>
+          <pc:docMk/>
+          <pc:sldMk cId="1795741732" sldId="273"/>
+        </pc:sldMkLst>
+      </pc:sldChg>
+      <pc:sldChg chg="modSp">
+        <pc:chgData name="Mustafa Qadan" userId="S::mustafa.qadan@student.nbi-handelsakademin.se::10a2b619-3710-45aa-a538-aff011aaf1b4" providerId="AD" clId="Web-{84EFE000-56AC-1D14-27DE-3F7F29FC8F8F}" dt="2024-06-11T13:26:47.433" v="504"/>
+        <pc:sldMkLst>
+          <pc:docMk/>
+          <pc:sldMk cId="2713108800" sldId="273"/>
+        </pc:sldMkLst>
+        <pc:picChg chg="mod modCrop">
+          <ac:chgData name="Mustafa Qadan" userId="S::mustafa.qadan@student.nbi-handelsakademin.se::10a2b619-3710-45aa-a538-aff011aaf1b4" providerId="AD" clId="Web-{84EFE000-56AC-1D14-27DE-3F7F29FC8F8F}" dt="2024-06-11T13:24:04.632" v="488" actId="1076"/>
+          <ac:picMkLst>
+            <pc:docMk/>
+            <pc:sldMk cId="2713108800" sldId="273"/>
+            <ac:picMk id="2" creationId="{BDC03872-3AF3-A926-9BDF-C3F14869C1CC}"/>
+          </ac:picMkLst>
+        </pc:picChg>
+        <pc:picChg chg="mod">
+          <ac:chgData name="Mustafa Qadan" userId="S::mustafa.qadan@student.nbi-handelsakademin.se::10a2b619-3710-45aa-a538-aff011aaf1b4" providerId="AD" clId="Web-{84EFE000-56AC-1D14-27DE-3F7F29FC8F8F}" dt="2024-06-11T13:26:10.729" v="503" actId="1076"/>
+          <ac:picMkLst>
+            <pc:docMk/>
+            <pc:sldMk cId="2713108800" sldId="273"/>
+            <ac:picMk id="3" creationId="{895394EA-3AE0-06B0-A5BE-1B7C4708C12C}"/>
+          </ac:picMkLst>
+        </pc:picChg>
+        <pc:picChg chg="mod">
+          <ac:chgData name="Mustafa Qadan" userId="S::mustafa.qadan@student.nbi-handelsakademin.se::10a2b619-3710-45aa-a538-aff011aaf1b4" providerId="AD" clId="Web-{84EFE000-56AC-1D14-27DE-3F7F29FC8F8F}" dt="2024-06-11T13:23:14.630" v="478" actId="1076"/>
+          <ac:picMkLst>
+            <pc:docMk/>
+            <pc:sldMk cId="2713108800" sldId="273"/>
+            <ac:picMk id="8" creationId="{B66C11F0-3ECE-E5E7-02D8-F1A1552A21D4}"/>
+          </ac:picMkLst>
+        </pc:picChg>
+        <pc:picChg chg="mod">
+          <ac:chgData name="Mustafa Qadan" userId="S::mustafa.qadan@student.nbi-handelsakademin.se::10a2b619-3710-45aa-a538-aff011aaf1b4" providerId="AD" clId="Web-{84EFE000-56AC-1D14-27DE-3F7F29FC8F8F}" dt="2024-06-11T13:23:30.209" v="480" actId="1076"/>
+          <ac:picMkLst>
+            <pc:docMk/>
+            <pc:sldMk cId="2713108800" sldId="273"/>
+            <ac:picMk id="9" creationId="{3F827E2A-74B2-BB86-058C-2B3D247AEBFA}"/>
+          </ac:picMkLst>
+        </pc:picChg>
+        <pc:picChg chg="mod ord">
+          <ac:chgData name="Mustafa Qadan" userId="S::mustafa.qadan@student.nbi-handelsakademin.se::10a2b619-3710-45aa-a538-aff011aaf1b4" providerId="AD" clId="Web-{84EFE000-56AC-1D14-27DE-3F7F29FC8F8F}" dt="2024-06-11T13:26:47.433" v="504"/>
+          <ac:picMkLst>
+            <pc:docMk/>
+            <pc:sldMk cId="2713108800" sldId="273"/>
+            <ac:picMk id="10" creationId="{D7613664-205E-F6DA-197F-26BEA8C0383C}"/>
+          </ac:picMkLst>
+        </pc:picChg>
+        <pc:picChg chg="mod">
+          <ac:chgData name="Mustafa Qadan" userId="S::mustafa.qadan@student.nbi-handelsakademin.se::10a2b619-3710-45aa-a538-aff011aaf1b4" providerId="AD" clId="Web-{84EFE000-56AC-1D14-27DE-3F7F29FC8F8F}" dt="2024-06-11T13:23:07.114" v="476" actId="1076"/>
+          <ac:picMkLst>
+            <pc:docMk/>
+            <pc:sldMk cId="2713108800" sldId="273"/>
+            <ac:picMk id="12" creationId="{C7F170EB-DCBC-F34A-EFE9-D8D94742B703}"/>
+          </ac:picMkLst>
+        </pc:picChg>
+      </pc:sldChg>
+      <pc:sldChg chg="addSp delSp modSp add del">
+        <pc:chgData name="Mustafa Qadan" userId="S::mustafa.qadan@student.nbi-handelsakademin.se::10a2b619-3710-45aa-a538-aff011aaf1b4" providerId="AD" clId="Web-{84EFE000-56AC-1D14-27DE-3F7F29FC8F8F}" dt="2024-06-11T14:15:39.674" v="1497" actId="14100"/>
+        <pc:sldMkLst>
+          <pc:docMk/>
+          <pc:sldMk cId="2378278582" sldId="275"/>
+        </pc:sldMkLst>
+        <pc:spChg chg="add del mod">
+          <ac:chgData name="Mustafa Qadan" userId="S::mustafa.qadan@student.nbi-handelsakademin.se::10a2b619-3710-45aa-a538-aff011aaf1b4" providerId="AD" clId="Web-{84EFE000-56AC-1D14-27DE-3F7F29FC8F8F}" dt="2024-06-11T14:15:28.737" v="1494" actId="1076"/>
+          <ac:spMkLst>
+            <pc:docMk/>
+            <pc:sldMk cId="2378278582" sldId="275"/>
+            <ac:spMk id="2" creationId="{6EFCD189-3C06-6CA9-7A77-A3AA7B47A70A}"/>
+          </ac:spMkLst>
+        </pc:spChg>
+        <pc:spChg chg="add del mod">
+          <ac:chgData name="Mustafa Qadan" userId="S::mustafa.qadan@student.nbi-handelsakademin.se::10a2b619-3710-45aa-a538-aff011aaf1b4" providerId="AD" clId="Web-{84EFE000-56AC-1D14-27DE-3F7F29FC8F8F}" dt="2024-06-11T14:15:23.877" v="1493"/>
+          <ac:spMkLst>
+            <pc:docMk/>
+            <pc:sldMk cId="2378278582" sldId="275"/>
+            <ac:spMk id="3" creationId="{73BF91F1-9A8F-6E8E-38C2-A1C65446F708}"/>
+          </ac:spMkLst>
+        </pc:spChg>
+        <pc:spChg chg="add del">
+          <ac:chgData name="Mustafa Qadan" userId="S::mustafa.qadan@student.nbi-handelsakademin.se::10a2b619-3710-45aa-a538-aff011aaf1b4" providerId="AD" clId="Web-{84EFE000-56AC-1D14-27DE-3F7F29FC8F8F}" dt="2024-06-11T14:02:40.839" v="1000"/>
+          <ac:spMkLst>
+            <pc:docMk/>
+            <pc:sldMk cId="2378278582" sldId="275"/>
+            <ac:spMk id="4" creationId="{AB6868EF-DA95-CDCF-E66C-77E6FB2FA094}"/>
+          </ac:spMkLst>
+        </pc:spChg>
+        <pc:spChg chg="add del">
+          <ac:chgData name="Mustafa Qadan" userId="S::mustafa.qadan@student.nbi-handelsakademin.se::10a2b619-3710-45aa-a538-aff011aaf1b4" providerId="AD" clId="Web-{84EFE000-56AC-1D14-27DE-3F7F29FC8F8F}" dt="2024-06-11T14:02:40.839" v="999"/>
+          <ac:spMkLst>
+            <pc:docMk/>
+            <pc:sldMk cId="2378278582" sldId="275"/>
+            <ac:spMk id="5" creationId="{3BC64304-B6C0-FC94-369A-E33C0C727BBB}"/>
+          </ac:spMkLst>
+        </pc:spChg>
+        <pc:spChg chg="del mod">
+          <ac:chgData name="Mustafa Qadan" userId="S::mustafa.qadan@student.nbi-handelsakademin.se::10a2b619-3710-45aa-a538-aff011aaf1b4" providerId="AD" clId="Web-{84EFE000-56AC-1D14-27DE-3F7F29FC8F8F}" dt="2024-06-11T13:52:52.135" v="639"/>
+          <ac:spMkLst>
+            <pc:docMk/>
+            <pc:sldMk cId="2378278582" sldId="275"/>
+            <ac:spMk id="6" creationId="{0F4B7E67-D246-8232-A180-CDC14DBA2397}"/>
+          </ac:spMkLst>
+        </pc:spChg>
+        <pc:spChg chg="add del mod">
+          <ac:chgData name="Mustafa Qadan" userId="S::mustafa.qadan@student.nbi-handelsakademin.se::10a2b619-3710-45aa-a538-aff011aaf1b4" providerId="AD" clId="Web-{84EFE000-56AC-1D14-27DE-3F7F29FC8F8F}" dt="2024-06-11T14:03:16.184" v="1008"/>
+          <ac:spMkLst>
+            <pc:docMk/>
+            <pc:sldMk cId="2378278582" sldId="275"/>
+            <ac:spMk id="8" creationId="{B53C97C9-07F5-1371-4183-F0464DCD1E50}"/>
+          </ac:spMkLst>
+        </pc:spChg>
+        <pc:spChg chg="add del mod">
+          <ac:chgData name="Mustafa Qadan" userId="S::mustafa.qadan@student.nbi-handelsakademin.se::10a2b619-3710-45aa-a538-aff011aaf1b4" providerId="AD" clId="Web-{84EFE000-56AC-1D14-27DE-3F7F29FC8F8F}" dt="2024-06-11T14:02:40.839" v="1000"/>
+          <ac:spMkLst>
+            <pc:docMk/>
+            <pc:sldMk cId="2378278582" sldId="275"/>
+            <ac:spMk id="10" creationId="{CC522D56-A4D4-370D-97C7-C21026A26AFC}"/>
+          </ac:spMkLst>
+        </pc:spChg>
+        <pc:spChg chg="add mod">
+          <ac:chgData name="Mustafa Qadan" userId="S::mustafa.qadan@student.nbi-handelsakademin.se::10a2b619-3710-45aa-a538-aff011aaf1b4" providerId="AD" clId="Web-{84EFE000-56AC-1D14-27DE-3F7F29FC8F8F}" dt="2024-06-11T14:15:39.674" v="1497" actId="14100"/>
+          <ac:spMkLst>
+            <pc:docMk/>
+            <pc:sldMk cId="2378278582" sldId="275"/>
+            <ac:spMk id="11" creationId="{D2002DBF-3430-A2A3-F2BC-92B44DB72160}"/>
+          </ac:spMkLst>
+        </pc:spChg>
+        <pc:graphicFrameChg chg="add del mod modGraphic">
+          <ac:chgData name="Mustafa Qadan" userId="S::mustafa.qadan@student.nbi-handelsakademin.se::10a2b619-3710-45aa-a538-aff011aaf1b4" providerId="AD" clId="Web-{84EFE000-56AC-1D14-27DE-3F7F29FC8F8F}" dt="2024-06-11T14:15:33.081" v="1495" actId="1076"/>
+          <ac:graphicFrameMkLst>
+            <pc:docMk/>
+            <pc:sldMk cId="2378278582" sldId="275"/>
+            <ac:graphicFrameMk id="7" creationId="{8A799C06-967D-FF66-2579-063CCA184E34}"/>
+          </ac:graphicFrameMkLst>
+        </pc:graphicFrameChg>
+      </pc:sldChg>
+      <pc:sldChg chg="addSp delSp modSp add replId">
+        <pc:chgData name="Mustafa Qadan" userId="S::mustafa.qadan@student.nbi-handelsakademin.se::10a2b619-3710-45aa-a538-aff011aaf1b4" providerId="AD" clId="Web-{84EFE000-56AC-1D14-27DE-3F7F29FC8F8F}" dt="2024-06-11T14:53:22.834" v="1661" actId="1076"/>
+        <pc:sldMkLst>
+          <pc:docMk/>
+          <pc:sldMk cId="1466891409" sldId="277"/>
+        </pc:sldMkLst>
+        <pc:spChg chg="del">
+          <ac:chgData name="Mustafa Qadan" userId="S::mustafa.qadan@student.nbi-handelsakademin.se::10a2b619-3710-45aa-a538-aff011aaf1b4" providerId="AD" clId="Web-{84EFE000-56AC-1D14-27DE-3F7F29FC8F8F}" dt="2024-06-11T13:48:44.956" v="546"/>
+          <ac:spMkLst>
+            <pc:docMk/>
+            <pc:sldMk cId="1466891409" sldId="277"/>
+            <ac:spMk id="2" creationId="{6EFCD189-3C06-6CA9-7A77-A3AA7B47A70A}"/>
+          </ac:spMkLst>
+        </pc:spChg>
+        <pc:spChg chg="del">
+          <ac:chgData name="Mustafa Qadan" userId="S::mustafa.qadan@student.nbi-handelsakademin.se::10a2b619-3710-45aa-a538-aff011aaf1b4" providerId="AD" clId="Web-{84EFE000-56AC-1D14-27DE-3F7F29FC8F8F}" dt="2024-06-11T13:48:47.815" v="547"/>
+          <ac:spMkLst>
+            <pc:docMk/>
+            <pc:sldMk cId="1466891409" sldId="277"/>
+            <ac:spMk id="4" creationId="{AB6868EF-DA95-CDCF-E66C-77E6FB2FA094}"/>
+          </ac:spMkLst>
+        </pc:spChg>
+        <pc:spChg chg="add mod">
+          <ac:chgData name="Mustafa Qadan" userId="S::mustafa.qadan@student.nbi-handelsakademin.se::10a2b619-3710-45aa-a538-aff011aaf1b4" providerId="AD" clId="Web-{84EFE000-56AC-1D14-27DE-3F7F29FC8F8F}" dt="2024-06-11T13:48:47.815" v="547"/>
+          <ac:spMkLst>
+            <pc:docMk/>
+            <pc:sldMk cId="1466891409" sldId="277"/>
+            <ac:spMk id="7" creationId="{84CC851D-EABE-6A78-5184-C9D4939FC376}"/>
+          </ac:spMkLst>
+        </pc:spChg>
+        <pc:spChg chg="mod">
+          <ac:chgData name="Mustafa Qadan" userId="S::mustafa.qadan@student.nbi-handelsakademin.se::10a2b619-3710-45aa-a538-aff011aaf1b4" providerId="AD" clId="Web-{84EFE000-56AC-1D14-27DE-3F7F29FC8F8F}" dt="2024-06-11T14:53:22.834" v="1661" actId="1076"/>
+          <ac:spMkLst>
+            <pc:docMk/>
+            <pc:sldMk cId="1466891409" sldId="277"/>
+            <ac:spMk id="14" creationId="{671F47FD-D2A4-50EB-48E0-9F4B3819958B}"/>
+          </ac:spMkLst>
+        </pc:spChg>
+        <pc:picChg chg="mod">
+          <ac:chgData name="Mustafa Qadan" userId="S::mustafa.qadan@student.nbi-handelsakademin.se::10a2b619-3710-45aa-a538-aff011aaf1b4" providerId="AD" clId="Web-{84EFE000-56AC-1D14-27DE-3F7F29FC8F8F}" dt="2024-06-11T14:53:13.740" v="1660" actId="14100"/>
+          <ac:picMkLst>
+            <pc:docMk/>
+            <pc:sldMk cId="1466891409" sldId="277"/>
+            <ac:picMk id="9" creationId="{C6C1BD9D-9156-2F8A-E298-D8F8FACE4AE5}"/>
+          </ac:picMkLst>
+        </pc:picChg>
+        <pc:picChg chg="mod">
+          <ac:chgData name="Mustafa Qadan" userId="S::mustafa.qadan@student.nbi-handelsakademin.se::10a2b619-3710-45aa-a538-aff011aaf1b4" providerId="AD" clId="Web-{84EFE000-56AC-1D14-27DE-3F7F29FC8F8F}" dt="2024-06-11T14:53:03.224" v="1658" actId="1076"/>
+          <ac:picMkLst>
+            <pc:docMk/>
+            <pc:sldMk cId="1466891409" sldId="277"/>
+            <ac:picMk id="11" creationId="{E13F5F81-5693-D254-2B42-856A988E5920}"/>
+          </ac:picMkLst>
+        </pc:picChg>
+      </pc:sldChg>
+      <pc:sldChg chg="addSp delSp modSp add replId">
+        <pc:chgData name="Mustafa Qadan" userId="S::mustafa.qadan@student.nbi-handelsakademin.se::10a2b619-3710-45aa-a538-aff011aaf1b4" providerId="AD" clId="Web-{84EFE000-56AC-1D14-27DE-3F7F29FC8F8F}" dt="2024-06-11T14:20:28.277" v="1652"/>
+        <pc:sldMkLst>
+          <pc:docMk/>
+          <pc:sldMk cId="4207180296" sldId="278"/>
+        </pc:sldMkLst>
+        <pc:spChg chg="mod">
+          <ac:chgData name="Mustafa Qadan" userId="S::mustafa.qadan@student.nbi-handelsakademin.se::10a2b619-3710-45aa-a538-aff011aaf1b4" providerId="AD" clId="Web-{84EFE000-56AC-1D14-27DE-3F7F29FC8F8F}" dt="2024-06-11T14:15:54.831" v="1501" actId="1076"/>
+          <ac:spMkLst>
+            <pc:docMk/>
+            <pc:sldMk cId="4207180296" sldId="278"/>
+            <ac:spMk id="2" creationId="{6EFCD189-3C06-6CA9-7A77-A3AA7B47A70A}"/>
+          </ac:spMkLst>
+        </pc:spChg>
+        <pc:spChg chg="del">
+          <ac:chgData name="Mustafa Qadan" userId="S::mustafa.qadan@student.nbi-handelsakademin.se::10a2b619-3710-45aa-a538-aff011aaf1b4" providerId="AD" clId="Web-{84EFE000-56AC-1D14-27DE-3F7F29FC8F8F}" dt="2024-06-11T13:51:23.429" v="596"/>
+          <ac:spMkLst>
+            <pc:docMk/>
+            <pc:sldMk cId="4207180296" sldId="278"/>
+            <ac:spMk id="6" creationId="{0F4B7E67-D246-8232-A180-CDC14DBA2397}"/>
+          </ac:spMkLst>
+        </pc:spChg>
+        <pc:spChg chg="add del mod">
+          <ac:chgData name="Mustafa Qadan" userId="S::mustafa.qadan@student.nbi-handelsakademin.se::10a2b619-3710-45aa-a538-aff011aaf1b4" providerId="AD" clId="Web-{84EFE000-56AC-1D14-27DE-3F7F29FC8F8F}" dt="2024-06-11T14:15:50.722" v="1500"/>
+          <ac:spMkLst>
+            <pc:docMk/>
+            <pc:sldMk cId="4207180296" sldId="278"/>
+            <ac:spMk id="7" creationId="{0B7D5476-B473-F34A-E1B4-1E64981B2342}"/>
+          </ac:spMkLst>
+        </pc:spChg>
+        <pc:spChg chg="add del">
+          <ac:chgData name="Mustafa Qadan" userId="S::mustafa.qadan@student.nbi-handelsakademin.se::10a2b619-3710-45aa-a538-aff011aaf1b4" providerId="AD" clId="Web-{84EFE000-56AC-1D14-27DE-3F7F29FC8F8F}" dt="2024-06-11T14:11:01.057" v="1282"/>
+          <ac:spMkLst>
+            <pc:docMk/>
+            <pc:sldMk cId="4207180296" sldId="278"/>
+            <ac:spMk id="10" creationId="{9B3830D2-FDF2-7054-BDF4-66DDC4C0E317}"/>
+          </ac:spMkLst>
+        </pc:spChg>
+        <pc:graphicFrameChg chg="add del mod modGraphic">
+          <ac:chgData name="Mustafa Qadan" userId="S::mustafa.qadan@student.nbi-handelsakademin.se::10a2b619-3710-45aa-a538-aff011aaf1b4" providerId="AD" clId="Web-{84EFE000-56AC-1D14-27DE-3F7F29FC8F8F}" dt="2024-06-11T14:12:38.529" v="1317"/>
+          <ac:graphicFrameMkLst>
+            <pc:docMk/>
+            <pc:sldMk cId="4207180296" sldId="278"/>
+            <ac:graphicFrameMk id="11" creationId="{C39738C9-CBD2-42C7-24DD-59824DD287E8}"/>
+          </ac:graphicFrameMkLst>
+        </pc:graphicFrameChg>
+        <pc:graphicFrameChg chg="add del mod modGraphic">
+          <ac:chgData name="Mustafa Qadan" userId="S::mustafa.qadan@student.nbi-handelsakademin.se::10a2b619-3710-45aa-a538-aff011aaf1b4" providerId="AD" clId="Web-{84EFE000-56AC-1D14-27DE-3F7F29FC8F8F}" dt="2024-06-11T14:18:16.288" v="1535"/>
+          <ac:graphicFrameMkLst>
+            <pc:docMk/>
+            <pc:sldMk cId="4207180296" sldId="278"/>
+            <ac:graphicFrameMk id="12" creationId="{6F0E3D3D-04D7-C3BD-46CD-4E78F2117CA3}"/>
+          </ac:graphicFrameMkLst>
+        </pc:graphicFrameChg>
+        <pc:graphicFrameChg chg="add del mod modGraphic">
+          <ac:chgData name="Mustafa Qadan" userId="S::mustafa.qadan@student.nbi-handelsakademin.se::10a2b619-3710-45aa-a538-aff011aaf1b4" providerId="AD" clId="Web-{84EFE000-56AC-1D14-27DE-3F7F29FC8F8F}" dt="2024-06-11T14:19:18.697" v="1629"/>
+          <ac:graphicFrameMkLst>
+            <pc:docMk/>
+            <pc:sldMk cId="4207180296" sldId="278"/>
+            <ac:graphicFrameMk id="13" creationId="{EE8D1573-41EC-ECF7-C3AC-6708DDD4F161}"/>
+          </ac:graphicFrameMkLst>
+        </pc:graphicFrameChg>
+        <pc:graphicFrameChg chg="add del mod">
+          <ac:chgData name="Mustafa Qadan" userId="S::mustafa.qadan@student.nbi-handelsakademin.se::10a2b619-3710-45aa-a538-aff011aaf1b4" providerId="AD" clId="Web-{84EFE000-56AC-1D14-27DE-3F7F29FC8F8F}" dt="2024-06-11T14:18:13.820" v="1528"/>
+          <ac:graphicFrameMkLst>
+            <pc:docMk/>
+            <pc:sldMk cId="4207180296" sldId="278"/>
+            <ac:graphicFrameMk id="15" creationId="{EB736A3D-F9DF-3D53-DD75-1855909DA910}"/>
+          </ac:graphicFrameMkLst>
+        </pc:graphicFrameChg>
+        <pc:graphicFrameChg chg="add del mod">
+          <ac:chgData name="Mustafa Qadan" userId="S::mustafa.qadan@student.nbi-handelsakademin.se::10a2b619-3710-45aa-a538-aff011aaf1b4" providerId="AD" clId="Web-{84EFE000-56AC-1D14-27DE-3F7F29FC8F8F}" dt="2024-06-11T14:18:12.554" v="1527"/>
+          <ac:graphicFrameMkLst>
+            <pc:docMk/>
+            <pc:sldMk cId="4207180296" sldId="278"/>
+            <ac:graphicFrameMk id="17" creationId="{63815A02-A8DC-1A8B-037F-54C92D19F5F6}"/>
+          </ac:graphicFrameMkLst>
+        </pc:graphicFrameChg>
+        <pc:graphicFrameChg chg="add mod modGraphic">
+          <ac:chgData name="Mustafa Qadan" userId="S::mustafa.qadan@student.nbi-handelsakademin.se::10a2b619-3710-45aa-a538-aff011aaf1b4" providerId="AD" clId="Web-{84EFE000-56AC-1D14-27DE-3F7F29FC8F8F}" dt="2024-06-11T14:20:28.277" v="1652"/>
+          <ac:graphicFrameMkLst>
+            <pc:docMk/>
+            <pc:sldMk cId="4207180296" sldId="278"/>
+            <ac:graphicFrameMk id="18" creationId="{CEDEA1BF-D521-2DCB-A9B5-B71F4B4C6EA4}"/>
+          </ac:graphicFrameMkLst>
+        </pc:graphicFrameChg>
+        <pc:picChg chg="add mod">
+          <ac:chgData name="Mustafa Qadan" userId="S::mustafa.qadan@student.nbi-handelsakademin.se::10a2b619-3710-45aa-a538-aff011aaf1b4" providerId="AD" clId="Web-{84EFE000-56AC-1D14-27DE-3F7F29FC8F8F}" dt="2024-06-11T14:17:01.755" v="1506" actId="14100"/>
+          <ac:picMkLst>
+            <pc:docMk/>
+            <pc:sldMk cId="4207180296" sldId="278"/>
+            <ac:picMk id="9" creationId="{0B8375DB-68FF-733E-6119-017BAA768FF6}"/>
+          </ac:picMkLst>
+        </pc:picChg>
+      </pc:sldChg>
+      <pc:sldChg chg="addSp delSp modSp add replId">
+        <pc:chgData name="Mustafa Qadan" userId="S::mustafa.qadan@student.nbi-handelsakademin.se::10a2b619-3710-45aa-a538-aff011aaf1b4" providerId="AD" clId="Web-{84EFE000-56AC-1D14-27DE-3F7F29FC8F8F}" dt="2024-06-11T14:54:44.852" v="1734" actId="20577"/>
+        <pc:sldMkLst>
+          <pc:docMk/>
+          <pc:sldMk cId="270228202" sldId="279"/>
+        </pc:sldMkLst>
+        <pc:spChg chg="mod">
+          <ac:chgData name="Mustafa Qadan" userId="S::mustafa.qadan@student.nbi-handelsakademin.se::10a2b619-3710-45aa-a538-aff011aaf1b4" providerId="AD" clId="Web-{84EFE000-56AC-1D14-27DE-3F7F29FC8F8F}" dt="2024-06-11T14:53:58.272" v="1667" actId="20577"/>
+          <ac:spMkLst>
+            <pc:docMk/>
+            <pc:sldMk cId="270228202" sldId="279"/>
+            <ac:spMk id="2" creationId="{6EFCD189-3C06-6CA9-7A77-A3AA7B47A70A}"/>
+          </ac:spMkLst>
+        </pc:spChg>
+        <pc:spChg chg="del">
+          <ac:chgData name="Mustafa Qadan" userId="S::mustafa.qadan@student.nbi-handelsakademin.se::10a2b619-3710-45aa-a538-aff011aaf1b4" providerId="AD" clId="Web-{84EFE000-56AC-1D14-27DE-3F7F29FC8F8F}" dt="2024-06-11T13:52:08.821" v="622"/>
+          <ac:spMkLst>
+            <pc:docMk/>
+            <pc:sldMk cId="270228202" sldId="279"/>
+            <ac:spMk id="6" creationId="{0F4B7E67-D246-8232-A180-CDC14DBA2397}"/>
+          </ac:spMkLst>
+        </pc:spChg>
+        <pc:spChg chg="add del mod">
+          <ac:chgData name="Mustafa Qadan" userId="S::mustafa.qadan@student.nbi-handelsakademin.se::10a2b619-3710-45aa-a538-aff011aaf1b4" providerId="AD" clId="Web-{84EFE000-56AC-1D14-27DE-3F7F29FC8F8F}" dt="2024-06-11T14:53:50.710" v="1662"/>
+          <ac:spMkLst>
+            <pc:docMk/>
+            <pc:sldMk cId="270228202" sldId="279"/>
+            <ac:spMk id="7" creationId="{A5B901EF-96DC-FDCA-07DA-007C68A2B7A4}"/>
+          </ac:spMkLst>
+        </pc:spChg>
+        <pc:spChg chg="add mod">
+          <ac:chgData name="Mustafa Qadan" userId="S::mustafa.qadan@student.nbi-handelsakademin.se::10a2b619-3710-45aa-a538-aff011aaf1b4" providerId="AD" clId="Web-{84EFE000-56AC-1D14-27DE-3F7F29FC8F8F}" dt="2024-06-11T14:54:44.852" v="1734" actId="20577"/>
+          <ac:spMkLst>
+            <pc:docMk/>
+            <pc:sldMk cId="270228202" sldId="279"/>
+            <ac:spMk id="8" creationId="{45BED702-FE40-C2F2-AAB4-11E6D4B749AE}"/>
+          </ac:spMkLst>
+        </pc:spChg>
+      </pc:sldChg>
+    </pc:docChg>
+  </pc:docChgLst>
+  <pc:docChgLst>
+    <pc:chgData name="Guy Bartell" userId="S::guy.bartell@student.nbi-handelsakademin.se::701488a6-8f71-4c5d-ab4c-6ba2e47d04f2" providerId="AD" clId="Web-{1E2C4AAE-8A73-1019-EAEB-0D6A9AF4569B}"/>
+    <pc:docChg chg="addSld delSld modSld">
+      <pc:chgData name="Guy Bartell" userId="S::guy.bartell@student.nbi-handelsakademin.se::701488a6-8f71-4c5d-ab4c-6ba2e47d04f2" providerId="AD" clId="Web-{1E2C4AAE-8A73-1019-EAEB-0D6A9AF4569B}" dt="2024-06-11T19:37:31.018" v="21"/>
+      <pc:docMkLst>
+        <pc:docMk/>
+      </pc:docMkLst>
+      <pc:sldChg chg="mod modShow">
+        <pc:chgData name="Guy Bartell" userId="S::guy.bartell@student.nbi-handelsakademin.se::701488a6-8f71-4c5d-ab4c-6ba2e47d04f2" providerId="AD" clId="Web-{1E2C4AAE-8A73-1019-EAEB-0D6A9AF4569B}" dt="2024-06-11T19:37:31.018" v="21"/>
+        <pc:sldMkLst>
+          <pc:docMk/>
+          <pc:sldMk cId="1604379288" sldId="257"/>
+        </pc:sldMkLst>
+      </pc:sldChg>
+      <pc:sldChg chg="del">
+        <pc:chgData name="Guy Bartell" userId="S::guy.bartell@student.nbi-handelsakademin.se::701488a6-8f71-4c5d-ab4c-6ba2e47d04f2" providerId="AD" clId="Web-{1E2C4AAE-8A73-1019-EAEB-0D6A9AF4569B}" dt="2024-06-11T18:59:05.364" v="0"/>
+        <pc:sldMkLst>
+          <pc:docMk/>
+          <pc:sldMk cId="4055604317" sldId="260"/>
+        </pc:sldMkLst>
+      </pc:sldChg>
+      <pc:sldChg chg="del">
+        <pc:chgData name="Guy Bartell" userId="S::guy.bartell@student.nbi-handelsakademin.se::701488a6-8f71-4c5d-ab4c-6ba2e47d04f2" providerId="AD" clId="Web-{1E2C4AAE-8A73-1019-EAEB-0D6A9AF4569B}" dt="2024-06-11T18:59:08.442" v="1"/>
+        <pc:sldMkLst>
+          <pc:docMk/>
+          <pc:sldMk cId="2918011769" sldId="263"/>
+        </pc:sldMkLst>
+      </pc:sldChg>
+      <pc:sldChg chg="modSp">
+        <pc:chgData name="Guy Bartell" userId="S::guy.bartell@student.nbi-handelsakademin.se::701488a6-8f71-4c5d-ab4c-6ba2e47d04f2" providerId="AD" clId="Web-{1E2C4AAE-8A73-1019-EAEB-0D6A9AF4569B}" dt="2024-06-11T19:01:53.589" v="17" actId="20577"/>
+        <pc:sldMkLst>
+          <pc:docMk/>
+          <pc:sldMk cId="3125510018" sldId="265"/>
+        </pc:sldMkLst>
+        <pc:spChg chg="mod">
+          <ac:chgData name="Guy Bartell" userId="S::guy.bartell@student.nbi-handelsakademin.se::701488a6-8f71-4c5d-ab4c-6ba2e47d04f2" providerId="AD" clId="Web-{1E2C4AAE-8A73-1019-EAEB-0D6A9AF4569B}" dt="2024-06-11T19:01:53.589" v="17" actId="20577"/>
+          <ac:spMkLst>
+            <pc:docMk/>
+            <pc:sldMk cId="3125510018" sldId="265"/>
+            <ac:spMk id="6" creationId="{CE3C1C24-EEE9-3523-B02D-AC2663E78BAC}"/>
+          </ac:spMkLst>
+        </pc:spChg>
+      </pc:sldChg>
+      <pc:sldChg chg="del">
+        <pc:chgData name="Guy Bartell" userId="S::guy.bartell@student.nbi-handelsakademin.se::701488a6-8f71-4c5d-ab4c-6ba2e47d04f2" providerId="AD" clId="Web-{1E2C4AAE-8A73-1019-EAEB-0D6A9AF4569B}" dt="2024-06-11T18:59:13.895" v="3"/>
+        <pc:sldMkLst>
+          <pc:docMk/>
+          <pc:sldMk cId="3148306597" sldId="266"/>
+        </pc:sldMkLst>
+      </pc:sldChg>
+      <pc:sldChg chg="del">
+        <pc:chgData name="Guy Bartell" userId="S::guy.bartell@student.nbi-handelsakademin.se::701488a6-8f71-4c5d-ab4c-6ba2e47d04f2" providerId="AD" clId="Web-{1E2C4AAE-8A73-1019-EAEB-0D6A9AF4569B}" dt="2024-06-11T18:59:30.552" v="4"/>
+        <pc:sldMkLst>
+          <pc:docMk/>
+          <pc:sldMk cId="4039465091" sldId="267"/>
+        </pc:sldMkLst>
+      </pc:sldChg>
+      <pc:sldChg chg="del">
+        <pc:chgData name="Guy Bartell" userId="S::guy.bartell@student.nbi-handelsakademin.se::701488a6-8f71-4c5d-ab4c-6ba2e47d04f2" providerId="AD" clId="Web-{1E2C4AAE-8A73-1019-EAEB-0D6A9AF4569B}" dt="2024-06-11T18:59:10.895" v="2"/>
+        <pc:sldMkLst>
+          <pc:docMk/>
+          <pc:sldMk cId="646095265" sldId="276"/>
+        </pc:sldMkLst>
+      </pc:sldChg>
+      <pc:sldChg chg="add del replId">
+        <pc:chgData name="Guy Bartell" userId="S::guy.bartell@student.nbi-handelsakademin.se::701488a6-8f71-4c5d-ab4c-6ba2e47d04f2" providerId="AD" clId="Web-{1E2C4AAE-8A73-1019-EAEB-0D6A9AF4569B}" dt="2024-06-11T19:34:29.683" v="19"/>
+        <pc:sldMkLst>
+          <pc:docMk/>
+          <pc:sldMk cId="837028278" sldId="280"/>
+        </pc:sldMkLst>
+      </pc:sldChg>
+    </pc:docChg>
+  </pc:docChgLst>
   <pc:docChgLst>
     <pc:chgData name="pawel bielawski" userId="2d19a888eccaf2bc" providerId="LiveId" clId="{BBE01BD4-FF84-4E3F-BF0E-DDDFB839D157}"/>
     <pc:docChg chg="undo custSel addSld modSld">
@@ -541,7 +1536,1732 @@
       </pc:sldChg>
     </pc:docChg>
   </pc:docChgLst>
+  <pc:docChgLst>
+    <pc:chgData name="Mustafa Qadan" userId="S::mustafa.qadan@student.nbi-handelsakademin.se::10a2b619-3710-45aa-a538-aff011aaf1b4" providerId="AD" clId="Web-{E05821A5-DDF6-5ACD-685A-A2FFC4D25C5C}"/>
+    <pc:docChg chg="modSld">
+      <pc:chgData name="Mustafa Qadan" userId="S::mustafa.qadan@student.nbi-handelsakademin.se::10a2b619-3710-45aa-a538-aff011aaf1b4" providerId="AD" clId="Web-{E05821A5-DDF6-5ACD-685A-A2FFC4D25C5C}" dt="2024-06-11T11:44:39.462" v="46" actId="14100"/>
+      <pc:docMkLst>
+        <pc:docMk/>
+      </pc:docMkLst>
+      <pc:sldChg chg="addSp delSp modSp mod modShow">
+        <pc:chgData name="Mustafa Qadan" userId="S::mustafa.qadan@student.nbi-handelsakademin.se::10a2b619-3710-45aa-a538-aff011aaf1b4" providerId="AD" clId="Web-{E05821A5-DDF6-5ACD-685A-A2FFC4D25C5C}" dt="2024-06-11T11:34:48.450" v="44"/>
+        <pc:sldMkLst>
+          <pc:docMk/>
+          <pc:sldMk cId="1604379288" sldId="257"/>
+        </pc:sldMkLst>
+        <pc:spChg chg="mod">
+          <ac:chgData name="Mustafa Qadan" userId="S::mustafa.qadan@student.nbi-handelsakademin.se::10a2b619-3710-45aa-a538-aff011aaf1b4" providerId="AD" clId="Web-{E05821A5-DDF6-5ACD-685A-A2FFC4D25C5C}" dt="2024-06-11T11:33:59.793" v="39" actId="14100"/>
+          <ac:spMkLst>
+            <pc:docMk/>
+            <pc:sldMk cId="1604379288" sldId="257"/>
+            <ac:spMk id="2" creationId="{6C5F4BDA-DE9C-9D0A-CBB8-F292D3FFE10C}"/>
+          </ac:spMkLst>
+        </pc:spChg>
+        <pc:spChg chg="add del">
+          <ac:chgData name="Mustafa Qadan" userId="S::mustafa.qadan@student.nbi-handelsakademin.se::10a2b619-3710-45aa-a538-aff011aaf1b4" providerId="AD" clId="Web-{E05821A5-DDF6-5ACD-685A-A2FFC4D25C5C}" dt="2024-06-11T11:34:48.450" v="44"/>
+          <ac:spMkLst>
+            <pc:docMk/>
+            <pc:sldMk cId="1604379288" sldId="257"/>
+            <ac:spMk id="4" creationId="{902CC001-1553-2F57-9022-602D80A365DF}"/>
+          </ac:spMkLst>
+        </pc:spChg>
+        <pc:spChg chg="add del">
+          <ac:chgData name="Mustafa Qadan" userId="S::mustafa.qadan@student.nbi-handelsakademin.se::10a2b619-3710-45aa-a538-aff011aaf1b4" providerId="AD" clId="Web-{E05821A5-DDF6-5ACD-685A-A2FFC4D25C5C}" dt="2024-06-11T11:33:57.418" v="37"/>
+          <ac:spMkLst>
+            <pc:docMk/>
+            <pc:sldMk cId="1604379288" sldId="257"/>
+            <ac:spMk id="5" creationId="{3BC64304-B6C0-FC94-369A-E33C0C727BBB}"/>
+          </ac:spMkLst>
+        </pc:spChg>
+        <pc:picChg chg="mod">
+          <ac:chgData name="Mustafa Qadan" userId="S::mustafa.qadan@student.nbi-handelsakademin.se::10a2b619-3710-45aa-a538-aff011aaf1b4" providerId="AD" clId="Web-{E05821A5-DDF6-5ACD-685A-A2FFC4D25C5C}" dt="2024-06-11T11:34:21.653" v="42" actId="1076"/>
+          <ac:picMkLst>
+            <pc:docMk/>
+            <pc:sldMk cId="1604379288" sldId="257"/>
+            <ac:picMk id="20" creationId="{339E92B9-35DE-2F79-9F0A-F2832CE6D071}"/>
+          </ac:picMkLst>
+        </pc:picChg>
+      </pc:sldChg>
+      <pc:sldChg chg="delSp modSp">
+        <pc:chgData name="Mustafa Qadan" userId="S::mustafa.qadan@student.nbi-handelsakademin.se::10a2b619-3710-45aa-a538-aff011aaf1b4" providerId="AD" clId="Web-{E05821A5-DDF6-5ACD-685A-A2FFC4D25C5C}" dt="2024-06-11T11:44:39.462" v="46" actId="14100"/>
+        <pc:sldMkLst>
+          <pc:docMk/>
+          <pc:sldMk cId="1121474661" sldId="258"/>
+        </pc:sldMkLst>
+        <pc:spChg chg="mod">
+          <ac:chgData name="Mustafa Qadan" userId="S::mustafa.qadan@student.nbi-handelsakademin.se::10a2b619-3710-45aa-a538-aff011aaf1b4" providerId="AD" clId="Web-{E05821A5-DDF6-5ACD-685A-A2FFC4D25C5C}" dt="2024-06-11T11:44:39.462" v="46" actId="14100"/>
+          <ac:spMkLst>
+            <pc:docMk/>
+            <pc:sldMk cId="1121474661" sldId="258"/>
+            <ac:spMk id="5" creationId="{3BC64304-B6C0-FC94-369A-E33C0C727BBB}"/>
+          </ac:spMkLst>
+        </pc:spChg>
+        <pc:spChg chg="del mod">
+          <ac:chgData name="Mustafa Qadan" userId="S::mustafa.qadan@student.nbi-handelsakademin.se::10a2b619-3710-45aa-a538-aff011aaf1b4" providerId="AD" clId="Web-{E05821A5-DDF6-5ACD-685A-A2FFC4D25C5C}" dt="2024-06-11T11:24:37.375" v="3"/>
+          <ac:spMkLst>
+            <pc:docMk/>
+            <pc:sldMk cId="1121474661" sldId="258"/>
+            <ac:spMk id="7" creationId="{CBDE66A4-65B4-297A-262A-49FE32D00C36}"/>
+          </ac:spMkLst>
+        </pc:spChg>
+      </pc:sldChg>
+      <pc:sldChg chg="modSp">
+        <pc:chgData name="Mustafa Qadan" userId="S::mustafa.qadan@student.nbi-handelsakademin.se::10a2b619-3710-45aa-a538-aff011aaf1b4" providerId="AD" clId="Web-{E05821A5-DDF6-5ACD-685A-A2FFC4D25C5C}" dt="2024-06-11T09:56:25.059" v="1" actId="1076"/>
+        <pc:sldMkLst>
+          <pc:docMk/>
+          <pc:sldMk cId="4055604317" sldId="260"/>
+        </pc:sldMkLst>
+        <pc:picChg chg="mod">
+          <ac:chgData name="Mustafa Qadan" userId="S::mustafa.qadan@student.nbi-handelsakademin.se::10a2b619-3710-45aa-a538-aff011aaf1b4" providerId="AD" clId="Web-{E05821A5-DDF6-5ACD-685A-A2FFC4D25C5C}" dt="2024-06-11T09:56:25.059" v="1" actId="1076"/>
+          <ac:picMkLst>
+            <pc:docMk/>
+            <pc:sldMk cId="4055604317" sldId="260"/>
+            <ac:picMk id="2" creationId="{ED59C338-759B-5C48-F6D4-1A420614BEF8}"/>
+          </ac:picMkLst>
+        </pc:picChg>
+      </pc:sldChg>
+    </pc:docChg>
+  </pc:docChgLst>
+  <pc:docChgLst>
+    <pc:chgData name="Pawel Bielawski" userId="S::pawel.bielawski@student.nbi-handelsakademin.se::2bb2d16d-87cf-40a9-8ee5-25781d966c22" providerId="AD" clId="Web-{B7F979BE-17A1-4F1F-6480-9B6FFC159A35}"/>
+    <pc:docChg chg="addSld modSld sldOrd">
+      <pc:chgData name="Pawel Bielawski" userId="S::pawel.bielawski@student.nbi-handelsakademin.se::2bb2d16d-87cf-40a9-8ee5-25781d966c22" providerId="AD" clId="Web-{B7F979BE-17A1-4F1F-6480-9B6FFC159A35}" dt="2024-06-11T19:50:42.043" v="93" actId="1076"/>
+      <pc:docMkLst>
+        <pc:docMk/>
+      </pc:docMkLst>
+      <pc:sldChg chg="modSp">
+        <pc:chgData name="Pawel Bielawski" userId="S::pawel.bielawski@student.nbi-handelsakademin.se::2bb2d16d-87cf-40a9-8ee5-25781d966c22" providerId="AD" clId="Web-{B7F979BE-17A1-4F1F-6480-9B6FFC159A35}" dt="2024-06-11T12:26:29.712" v="0" actId="14100"/>
+        <pc:sldMkLst>
+          <pc:docMk/>
+          <pc:sldMk cId="3125510018" sldId="265"/>
+        </pc:sldMkLst>
+        <pc:picChg chg="mod">
+          <ac:chgData name="Pawel Bielawski" userId="S::pawel.bielawski@student.nbi-handelsakademin.se::2bb2d16d-87cf-40a9-8ee5-25781d966c22" providerId="AD" clId="Web-{B7F979BE-17A1-4F1F-6480-9B6FFC159A35}" dt="2024-06-11T12:26:29.712" v="0" actId="14100"/>
+          <ac:picMkLst>
+            <pc:docMk/>
+            <pc:sldMk cId="3125510018" sldId="265"/>
+            <ac:picMk id="11" creationId="{4FFB985F-0D8C-2025-A935-99697FF9007D}"/>
+          </ac:picMkLst>
+        </pc:picChg>
+      </pc:sldChg>
+      <pc:sldChg chg="addSp delSp modSp">
+        <pc:chgData name="Pawel Bielawski" userId="S::pawel.bielawski@student.nbi-handelsakademin.se::2bb2d16d-87cf-40a9-8ee5-25781d966c22" providerId="AD" clId="Web-{B7F979BE-17A1-4F1F-6480-9B6FFC159A35}" dt="2024-06-11T19:50:42.043" v="93" actId="1076"/>
+        <pc:sldMkLst>
+          <pc:docMk/>
+          <pc:sldMk cId="3703693321" sldId="270"/>
+        </pc:sldMkLst>
+        <pc:spChg chg="del">
+          <ac:chgData name="Pawel Bielawski" userId="S::pawel.bielawski@student.nbi-handelsakademin.se::2bb2d16d-87cf-40a9-8ee5-25781d966c22" providerId="AD" clId="Web-{B7F979BE-17A1-4F1F-6480-9B6FFC159A35}" dt="2024-06-11T12:34:30.401" v="3"/>
+          <ac:spMkLst>
+            <pc:docMk/>
+            <pc:sldMk cId="3703693321" sldId="270"/>
+            <ac:spMk id="6" creationId="{0F4B7E67-D246-8232-A180-CDC14DBA2397}"/>
+          </ac:spMkLst>
+        </pc:spChg>
+        <pc:picChg chg="add del mod">
+          <ac:chgData name="Pawel Bielawski" userId="S::pawel.bielawski@student.nbi-handelsakademin.se::2bb2d16d-87cf-40a9-8ee5-25781d966c22" providerId="AD" clId="Web-{B7F979BE-17A1-4F1F-6480-9B6FFC159A35}" dt="2024-06-11T14:02:26.678" v="53"/>
+          <ac:picMkLst>
+            <pc:docMk/>
+            <pc:sldMk cId="3703693321" sldId="270"/>
+            <ac:picMk id="2" creationId="{5A297B87-5A73-D997-9E33-DBFC2F9B0FD2}"/>
+          </ac:picMkLst>
+        </pc:picChg>
+        <pc:picChg chg="add mod">
+          <ac:chgData name="Pawel Bielawski" userId="S::pawel.bielawski@student.nbi-handelsakademin.se::2bb2d16d-87cf-40a9-8ee5-25781d966c22" providerId="AD" clId="Web-{B7F979BE-17A1-4F1F-6480-9B6FFC159A35}" dt="2024-06-11T12:34:43.276" v="7" actId="1076"/>
+          <ac:picMkLst>
+            <pc:docMk/>
+            <pc:sldMk cId="3703693321" sldId="270"/>
+            <ac:picMk id="2" creationId="{E323A4CF-F6B9-CE0A-9970-07756D2AABD2}"/>
+          </ac:picMkLst>
+        </pc:picChg>
+        <pc:picChg chg="add mod">
+          <ac:chgData name="Pawel Bielawski" userId="S::pawel.bielawski@student.nbi-handelsakademin.se::2bb2d16d-87cf-40a9-8ee5-25781d966c22" providerId="AD" clId="Web-{B7F979BE-17A1-4F1F-6480-9B6FFC159A35}" dt="2024-06-11T12:34:40.339" v="6" actId="1076"/>
+          <ac:picMkLst>
+            <pc:docMk/>
+            <pc:sldMk cId="3703693321" sldId="270"/>
+            <ac:picMk id="3" creationId="{B27C9A95-DC26-5565-1F94-EEF2D9645046}"/>
+          </ac:picMkLst>
+        </pc:picChg>
+        <pc:picChg chg="add mod">
+          <ac:chgData name="Pawel Bielawski" userId="S::pawel.bielawski@student.nbi-handelsakademin.se::2bb2d16d-87cf-40a9-8ee5-25781d966c22" providerId="AD" clId="Web-{B7F979BE-17A1-4F1F-6480-9B6FFC159A35}" dt="2024-06-11T19:50:42.043" v="93" actId="1076"/>
+          <ac:picMkLst>
+            <pc:docMk/>
+            <pc:sldMk cId="3703693321" sldId="270"/>
+            <ac:picMk id="7" creationId="{5395A73B-9660-90F7-E1BC-99B5817F9266}"/>
+          </ac:picMkLst>
+        </pc:picChg>
+      </pc:sldChg>
+      <pc:sldChg chg="addSp delSp modSp add replId">
+        <pc:chgData name="Pawel Bielawski" userId="S::pawel.bielawski@student.nbi-handelsakademin.se::2bb2d16d-87cf-40a9-8ee5-25781d966c22" providerId="AD" clId="Web-{B7F979BE-17A1-4F1F-6480-9B6FFC159A35}" dt="2024-06-11T14:24:09.413" v="90" actId="14100"/>
+        <pc:sldMkLst>
+          <pc:docMk/>
+          <pc:sldMk cId="2713108800" sldId="273"/>
+        </pc:sldMkLst>
+        <pc:spChg chg="add del mod">
+          <ac:chgData name="Pawel Bielawski" userId="S::pawel.bielawski@student.nbi-handelsakademin.se::2bb2d16d-87cf-40a9-8ee5-25781d966c22" providerId="AD" clId="Web-{B7F979BE-17A1-4F1F-6480-9B6FFC159A35}" dt="2024-06-11T12:41:35.463" v="32"/>
+          <ac:spMkLst>
+            <pc:docMk/>
+            <pc:sldMk cId="2713108800" sldId="273"/>
+            <ac:spMk id="11" creationId="{1884B98B-FFB2-1AD2-DA49-10095541B3E4}"/>
+          </ac:spMkLst>
+        </pc:spChg>
+        <pc:picChg chg="add mod">
+          <ac:chgData name="Pawel Bielawski" userId="S::pawel.bielawski@student.nbi-handelsakademin.se::2bb2d16d-87cf-40a9-8ee5-25781d966c22" providerId="AD" clId="Web-{B7F979BE-17A1-4F1F-6480-9B6FFC159A35}" dt="2024-06-11T14:20:57.620" v="74" actId="1076"/>
+          <ac:picMkLst>
+            <pc:docMk/>
+            <pc:sldMk cId="2713108800" sldId="273"/>
+            <ac:picMk id="2" creationId="{BDC03872-3AF3-A926-9BDF-C3F14869C1CC}"/>
+          </ac:picMkLst>
+        </pc:picChg>
+        <pc:picChg chg="del">
+          <ac:chgData name="Pawel Bielawski" userId="S::pawel.bielawski@student.nbi-handelsakademin.se::2bb2d16d-87cf-40a9-8ee5-25781d966c22" providerId="AD" clId="Web-{B7F979BE-17A1-4F1F-6480-9B6FFC159A35}" dt="2024-06-11T12:37:09.906" v="13"/>
+          <ac:picMkLst>
+            <pc:docMk/>
+            <pc:sldMk cId="2713108800" sldId="273"/>
+            <ac:picMk id="2" creationId="{E323A4CF-F6B9-CE0A-9970-07756D2AABD2}"/>
+          </ac:picMkLst>
+        </pc:picChg>
+        <pc:picChg chg="add mod">
+          <ac:chgData name="Pawel Bielawski" userId="S::pawel.bielawski@student.nbi-handelsakademin.se::2bb2d16d-87cf-40a9-8ee5-25781d966c22" providerId="AD" clId="Web-{B7F979BE-17A1-4F1F-6480-9B6FFC159A35}" dt="2024-06-11T14:20:54.948" v="73" actId="1076"/>
+          <ac:picMkLst>
+            <pc:docMk/>
+            <pc:sldMk cId="2713108800" sldId="273"/>
+            <ac:picMk id="3" creationId="{895394EA-3AE0-06B0-A5BE-1B7C4708C12C}"/>
+          </ac:picMkLst>
+        </pc:picChg>
+        <pc:picChg chg="del">
+          <ac:chgData name="Pawel Bielawski" userId="S::pawel.bielawski@student.nbi-handelsakademin.se::2bb2d16d-87cf-40a9-8ee5-25781d966c22" providerId="AD" clId="Web-{B7F979BE-17A1-4F1F-6480-9B6FFC159A35}" dt="2024-06-11T12:37:10.500" v="14"/>
+          <ac:picMkLst>
+            <pc:docMk/>
+            <pc:sldMk cId="2713108800" sldId="273"/>
+            <ac:picMk id="3" creationId="{B27C9A95-DC26-5565-1F94-EEF2D9645046}"/>
+          </ac:picMkLst>
+        </pc:picChg>
+        <pc:picChg chg="add del mod">
+          <ac:chgData name="Pawel Bielawski" userId="S::pawel.bielawski@student.nbi-handelsakademin.se::2bb2d16d-87cf-40a9-8ee5-25781d966c22" providerId="AD" clId="Web-{B7F979BE-17A1-4F1F-6480-9B6FFC159A35}" dt="2024-06-11T12:37:29.032" v="16"/>
+          <ac:picMkLst>
+            <pc:docMk/>
+            <pc:sldMk cId="2713108800" sldId="273"/>
+            <ac:picMk id="6" creationId="{51A498AA-0A7B-278E-5278-D134940C5315}"/>
+          </ac:picMkLst>
+        </pc:picChg>
+        <pc:picChg chg="mod modCrop">
+          <ac:chgData name="Pawel Bielawski" userId="S::pawel.bielawski@student.nbi-handelsakademin.se::2bb2d16d-87cf-40a9-8ee5-25781d966c22" providerId="AD" clId="Web-{B7F979BE-17A1-4F1F-6480-9B6FFC159A35}" dt="2024-06-11T13:45:58.851" v="45"/>
+          <ac:picMkLst>
+            <pc:docMk/>
+            <pc:sldMk cId="2713108800" sldId="273"/>
+            <ac:picMk id="6" creationId="{B95C2DA4-7719-DDB4-F5EF-0B5259B79F8C}"/>
+          </ac:picMkLst>
+        </pc:picChg>
+        <pc:picChg chg="del">
+          <ac:chgData name="Pawel Bielawski" userId="S::pawel.bielawski@student.nbi-handelsakademin.se::2bb2d16d-87cf-40a9-8ee5-25781d966c22" providerId="AD" clId="Web-{B7F979BE-17A1-4F1F-6480-9B6FFC159A35}" dt="2024-06-11T12:37:09.110" v="12"/>
+          <ac:picMkLst>
+            <pc:docMk/>
+            <pc:sldMk cId="2713108800" sldId="273"/>
+            <ac:picMk id="7" creationId="{5395A73B-9660-90F7-E1BC-99B5817F9266}"/>
+          </ac:picMkLst>
+        </pc:picChg>
+        <pc:picChg chg="add del mod">
+          <ac:chgData name="Pawel Bielawski" userId="S::pawel.bielawski@student.nbi-handelsakademin.se::2bb2d16d-87cf-40a9-8ee5-25781d966c22" providerId="AD" clId="Web-{B7F979BE-17A1-4F1F-6480-9B6FFC159A35}" dt="2024-06-11T14:23:12.738" v="80"/>
+          <ac:picMkLst>
+            <pc:docMk/>
+            <pc:sldMk cId="2713108800" sldId="273"/>
+            <ac:picMk id="8" creationId="{B66C11F0-3ECE-E5E7-02D8-F1A1552A21D4}"/>
+          </ac:picMkLst>
+        </pc:picChg>
+        <pc:picChg chg="add mod">
+          <ac:chgData name="Pawel Bielawski" userId="S::pawel.bielawski@student.nbi-handelsakademin.se::2bb2d16d-87cf-40a9-8ee5-25781d966c22" providerId="AD" clId="Web-{B7F979BE-17A1-4F1F-6480-9B6FFC159A35}" dt="2024-06-11T14:23:54.568" v="87" actId="1076"/>
+          <ac:picMkLst>
+            <pc:docMk/>
+            <pc:sldMk cId="2713108800" sldId="273"/>
+            <ac:picMk id="9" creationId="{3F827E2A-74B2-BB86-058C-2B3D247AEBFA}"/>
+          </ac:picMkLst>
+        </pc:picChg>
+        <pc:picChg chg="add mod">
+          <ac:chgData name="Pawel Bielawski" userId="S::pawel.bielawski@student.nbi-handelsakademin.se::2bb2d16d-87cf-40a9-8ee5-25781d966c22" providerId="AD" clId="Web-{B7F979BE-17A1-4F1F-6480-9B6FFC159A35}" dt="2024-06-11T14:23:59.287" v="88" actId="1076"/>
+          <ac:picMkLst>
+            <pc:docMk/>
+            <pc:sldMk cId="2713108800" sldId="273"/>
+            <ac:picMk id="10" creationId="{D7613664-205E-F6DA-197F-26BEA8C0383C}"/>
+          </ac:picMkLst>
+        </pc:picChg>
+        <pc:picChg chg="mod">
+          <ac:chgData name="Pawel Bielawski" userId="S::pawel.bielawski@student.nbi-handelsakademin.se::2bb2d16d-87cf-40a9-8ee5-25781d966c22" providerId="AD" clId="Web-{B7F979BE-17A1-4F1F-6480-9B6FFC159A35}" dt="2024-06-11T14:24:09.413" v="90" actId="14100"/>
+          <ac:picMkLst>
+            <pc:docMk/>
+            <pc:sldMk cId="2713108800" sldId="273"/>
+            <ac:picMk id="11" creationId="{FE7B58CC-5FE0-7385-98C8-FEB342F17E52}"/>
+          </ac:picMkLst>
+        </pc:picChg>
+        <pc:picChg chg="add mod">
+          <ac:chgData name="Pawel Bielawski" userId="S::pawel.bielawski@student.nbi-handelsakademin.se::2bb2d16d-87cf-40a9-8ee5-25781d966c22" providerId="AD" clId="Web-{B7F979BE-17A1-4F1F-6480-9B6FFC159A35}" dt="2024-06-11T12:41:44.447" v="35" actId="1076"/>
+          <ac:picMkLst>
+            <pc:docMk/>
+            <pc:sldMk cId="2713108800" sldId="273"/>
+            <ac:picMk id="12" creationId="{C7F170EB-DCBC-F34A-EFE9-D8D94742B703}"/>
+          </ac:picMkLst>
+        </pc:picChg>
+        <pc:picChg chg="add mod">
+          <ac:chgData name="Pawel Bielawski" userId="S::pawel.bielawski@student.nbi-handelsakademin.se::2bb2d16d-87cf-40a9-8ee5-25781d966c22" providerId="AD" clId="Web-{B7F979BE-17A1-4F1F-6480-9B6FFC159A35}" dt="2024-06-11T14:23:51.412" v="86" actId="1076"/>
+          <ac:picMkLst>
+            <pc:docMk/>
+            <pc:sldMk cId="2713108800" sldId="273"/>
+            <ac:picMk id="13" creationId="{0A1DBA61-8043-ACEF-2B21-66E970A55CD3}"/>
+          </ac:picMkLst>
+        </pc:picChg>
+      </pc:sldChg>
+      <pc:sldChg chg="add ord replId">
+        <pc:chgData name="Pawel Bielawski" userId="S::pawel.bielawski@student.nbi-handelsakademin.se::2bb2d16d-87cf-40a9-8ee5-25781d966c22" providerId="AD" clId="Web-{B7F979BE-17A1-4F1F-6480-9B6FFC159A35}" dt="2024-06-11T13:47:37.810" v="47"/>
+        <pc:sldMkLst>
+          <pc:docMk/>
+          <pc:sldMk cId="2378278582" sldId="275"/>
+        </pc:sldMkLst>
+      </pc:sldChg>
+      <pc:sldChg chg="add replId">
+        <pc:chgData name="Pawel Bielawski" userId="S::pawel.bielawski@student.nbi-handelsakademin.se::2bb2d16d-87cf-40a9-8ee5-25781d966c22" providerId="AD" clId="Web-{B7F979BE-17A1-4F1F-6480-9B6FFC159A35}" dt="2024-06-11T13:48:39.392" v="48"/>
+        <pc:sldMkLst>
+          <pc:docMk/>
+          <pc:sldMk cId="646095265" sldId="276"/>
+        </pc:sldMkLst>
+      </pc:sldChg>
+      <pc:sldChg chg="addSp delSp modSp">
+        <pc:chgData name="Pawel Bielawski" userId="S::pawel.bielawski@student.nbi-handelsakademin.se::2bb2d16d-87cf-40a9-8ee5-25781d966c22" providerId="AD" clId="Web-{B7F979BE-17A1-4F1F-6480-9B6FFC159A35}" dt="2024-06-11T14:51:46.740" v="92" actId="1076"/>
+        <pc:sldMkLst>
+          <pc:docMk/>
+          <pc:sldMk cId="1466891409" sldId="277"/>
+        </pc:sldMkLst>
+        <pc:spChg chg="del">
+          <ac:chgData name="Pawel Bielawski" userId="S::pawel.bielawski@student.nbi-handelsakademin.se::2bb2d16d-87cf-40a9-8ee5-25781d966c22" providerId="AD" clId="Web-{B7F979BE-17A1-4F1F-6480-9B6FFC159A35}" dt="2024-06-11T13:48:58.111" v="49"/>
+          <ac:spMkLst>
+            <pc:docMk/>
+            <pc:sldMk cId="1466891409" sldId="277"/>
+            <ac:spMk id="6" creationId="{0F4B7E67-D246-8232-A180-CDC14DBA2397}"/>
+          </ac:spMkLst>
+        </pc:spChg>
+        <pc:spChg chg="del mod">
+          <ac:chgData name="Pawel Bielawski" userId="S::pawel.bielawski@student.nbi-handelsakademin.se::2bb2d16d-87cf-40a9-8ee5-25781d966c22" providerId="AD" clId="Web-{B7F979BE-17A1-4F1F-6480-9B6FFC159A35}" dt="2024-06-11T13:49:23.785" v="51"/>
+          <ac:spMkLst>
+            <pc:docMk/>
+            <pc:sldMk cId="1466891409" sldId="277"/>
+            <ac:spMk id="7" creationId="{84CC851D-EABE-6A78-5184-C9D4939FC376}"/>
+          </ac:spMkLst>
+        </pc:spChg>
+        <pc:spChg chg="add del mod">
+          <ac:chgData name="Pawel Bielawski" userId="S::pawel.bielawski@student.nbi-handelsakademin.se::2bb2d16d-87cf-40a9-8ee5-25781d966c22" providerId="AD" clId="Web-{B7F979BE-17A1-4F1F-6480-9B6FFC159A35}" dt="2024-06-11T14:05:51.347" v="64"/>
+          <ac:spMkLst>
+            <pc:docMk/>
+            <pc:sldMk cId="1466891409" sldId="277"/>
+            <ac:spMk id="10" creationId="{299D95B0-5C81-3119-3846-3EA1DA362DD3}"/>
+          </ac:spMkLst>
+        </pc:spChg>
+        <pc:picChg chg="add mod">
+          <ac:chgData name="Pawel Bielawski" userId="S::pawel.bielawski@student.nbi-handelsakademin.se::2bb2d16d-87cf-40a9-8ee5-25781d966c22" providerId="AD" clId="Web-{B7F979BE-17A1-4F1F-6480-9B6FFC159A35}" dt="2024-06-11T14:51:46.740" v="92" actId="1076"/>
+          <ac:picMkLst>
+            <pc:docMk/>
+            <pc:sldMk cId="1466891409" sldId="277"/>
+            <ac:picMk id="3" creationId="{69DFF847-5C5F-EFB0-7130-43DC8F7A0126}"/>
+          </ac:picMkLst>
+        </pc:picChg>
+        <pc:picChg chg="add mod">
+          <ac:chgData name="Pawel Bielawski" userId="S::pawel.bielawski@student.nbi-handelsakademin.se::2bb2d16d-87cf-40a9-8ee5-25781d966c22" providerId="AD" clId="Web-{B7F979BE-17A1-4F1F-6480-9B6FFC159A35}" dt="2024-06-11T14:06:12.286" v="67" actId="1076"/>
+          <ac:picMkLst>
+            <pc:docMk/>
+            <pc:sldMk cId="1466891409" sldId="277"/>
+            <ac:picMk id="9" creationId="{C6C1BD9D-9156-2F8A-E298-D8F8FACE4AE5}"/>
+          </ac:picMkLst>
+        </pc:picChg>
+        <pc:picChg chg="add mod">
+          <ac:chgData name="Pawel Bielawski" userId="S::pawel.bielawski@student.nbi-handelsakademin.se::2bb2d16d-87cf-40a9-8ee5-25781d966c22" providerId="AD" clId="Web-{B7F979BE-17A1-4F1F-6480-9B6FFC159A35}" dt="2024-06-11T14:14:32.566" v="71" actId="1076"/>
+          <ac:picMkLst>
+            <pc:docMk/>
+            <pc:sldMk cId="1466891409" sldId="277"/>
+            <ac:picMk id="11" creationId="{E13F5F81-5693-D254-2B42-856A988E5920}"/>
+          </ac:picMkLst>
+        </pc:picChg>
+      </pc:sldChg>
+      <pc:sldChg chg="addSp delSp modSp">
+        <pc:chgData name="Pawel Bielawski" userId="S::pawel.bielawski@student.nbi-handelsakademin.se::2bb2d16d-87cf-40a9-8ee5-25781d966c22" providerId="AD" clId="Web-{B7F979BE-17A1-4F1F-6480-9B6FFC159A35}" dt="2024-06-11T14:03:19.681" v="56"/>
+        <pc:sldMkLst>
+          <pc:docMk/>
+          <pc:sldMk cId="4207180296" sldId="278"/>
+        </pc:sldMkLst>
+        <pc:picChg chg="add del mod">
+          <ac:chgData name="Pawel Bielawski" userId="S::pawel.bielawski@student.nbi-handelsakademin.se::2bb2d16d-87cf-40a9-8ee5-25781d966c22" providerId="AD" clId="Web-{B7F979BE-17A1-4F1F-6480-9B6FFC159A35}" dt="2024-06-11T14:03:19.681" v="56"/>
+          <ac:picMkLst>
+            <pc:docMk/>
+            <pc:sldMk cId="4207180296" sldId="278"/>
+            <ac:picMk id="3" creationId="{2012813F-7C89-AF96-7E84-54DFE6CC02EF}"/>
+          </ac:picMkLst>
+        </pc:picChg>
+      </pc:sldChg>
+    </pc:docChg>
+  </pc:docChgLst>
+  <pc:docChgLst>
+    <pc:chgData name="Vidar Angviken" userId="S::vidar.angviken@student.nbi-handelsakademin.se::e6737514-7315-45fb-9742-a773f62b3226" providerId="AD" clId="Web-{97B296B3-A6F6-EC12-DD90-8FAA43D8E438}"/>
+    <pc:docChg chg="addSld delSld modSld sldOrd">
+      <pc:chgData name="Vidar Angviken" userId="S::vidar.angviken@student.nbi-handelsakademin.se::e6737514-7315-45fb-9742-a773f62b3226" providerId="AD" clId="Web-{97B296B3-A6F6-EC12-DD90-8FAA43D8E438}" dt="2024-06-11T19:38:34.583" v="2093"/>
+      <pc:docMkLst>
+        <pc:docMk/>
+      </pc:docMkLst>
+      <pc:sldChg chg="addSp delSp modSp mod modShow">
+        <pc:chgData name="Vidar Angviken" userId="S::vidar.angviken@student.nbi-handelsakademin.se::e6737514-7315-45fb-9742-a773f62b3226" providerId="AD" clId="Web-{97B296B3-A6F6-EC12-DD90-8FAA43D8E438}" dt="2024-06-11T19:36:40.206" v="2092"/>
+        <pc:sldMkLst>
+          <pc:docMk/>
+          <pc:sldMk cId="1604379288" sldId="257"/>
+        </pc:sldMkLst>
+        <pc:spChg chg="add mod">
+          <ac:chgData name="Vidar Angviken" userId="S::vidar.angviken@student.nbi-handelsakademin.se::e6737514-7315-45fb-9742-a773f62b3226" providerId="AD" clId="Web-{97B296B3-A6F6-EC12-DD90-8FAA43D8E438}" dt="2024-06-11T11:36:58.146" v="46" actId="20577"/>
+          <ac:spMkLst>
+            <pc:docMk/>
+            <pc:sldMk cId="1604379288" sldId="257"/>
+            <ac:spMk id="2" creationId="{6C5F4BDA-DE9C-9D0A-CBB8-F292D3FFE10C}"/>
+          </ac:spMkLst>
+        </pc:spChg>
+        <pc:spChg chg="mod">
+          <ac:chgData name="Vidar Angviken" userId="S::vidar.angviken@student.nbi-handelsakademin.se::e6737514-7315-45fb-9742-a773f62b3226" providerId="AD" clId="Web-{97B296B3-A6F6-EC12-DD90-8FAA43D8E438}" dt="2024-06-11T13:38:01.848" v="1002" actId="20577"/>
+          <ac:spMkLst>
+            <pc:docMk/>
+            <pc:sldMk cId="1604379288" sldId="257"/>
+            <ac:spMk id="22" creationId="{A7DC87CF-9DB2-41E8-48B3-8DB921FD126D}"/>
+          </ac:spMkLst>
+        </pc:spChg>
+        <pc:spChg chg="del mod">
+          <ac:chgData name="Vidar Angviken" userId="S::vidar.angviken@student.nbi-handelsakademin.se::e6737514-7315-45fb-9742-a773f62b3226" providerId="AD" clId="Web-{97B296B3-A6F6-EC12-DD90-8FAA43D8E438}" dt="2024-06-11T12:08:23.865" v="413"/>
+          <ac:spMkLst>
+            <pc:docMk/>
+            <pc:sldMk cId="1604379288" sldId="257"/>
+            <ac:spMk id="23" creationId="{F9C4604B-890D-A03A-219F-F463030A4D03}"/>
+          </ac:spMkLst>
+        </pc:spChg>
+      </pc:sldChg>
+      <pc:sldChg chg="modSp">
+        <pc:chgData name="Vidar Angviken" userId="S::vidar.angviken@student.nbi-handelsakademin.se::e6737514-7315-45fb-9742-a773f62b3226" providerId="AD" clId="Web-{97B296B3-A6F6-EC12-DD90-8FAA43D8E438}" dt="2024-06-11T18:56:58.441" v="2085" actId="20577"/>
+        <pc:sldMkLst>
+          <pc:docMk/>
+          <pc:sldMk cId="1121474661" sldId="258"/>
+        </pc:sldMkLst>
+        <pc:spChg chg="mod">
+          <ac:chgData name="Vidar Angviken" userId="S::vidar.angviken@student.nbi-handelsakademin.se::e6737514-7315-45fb-9742-a773f62b3226" providerId="AD" clId="Web-{97B296B3-A6F6-EC12-DD90-8FAA43D8E438}" dt="2024-06-11T11:47:27.203" v="50" actId="20577"/>
+          <ac:spMkLst>
+            <pc:docMk/>
+            <pc:sldMk cId="1121474661" sldId="258"/>
+            <ac:spMk id="4" creationId="{AB6868EF-DA95-CDCF-E66C-77E6FB2FA094}"/>
+          </ac:spMkLst>
+        </pc:spChg>
+        <pc:spChg chg="mod">
+          <ac:chgData name="Vidar Angviken" userId="S::vidar.angviken@student.nbi-handelsakademin.se::e6737514-7315-45fb-9742-a773f62b3226" providerId="AD" clId="Web-{97B296B3-A6F6-EC12-DD90-8FAA43D8E438}" dt="2024-06-11T18:56:58.441" v="2085" actId="20577"/>
+          <ac:spMkLst>
+            <pc:docMk/>
+            <pc:sldMk cId="1121474661" sldId="258"/>
+            <ac:spMk id="6" creationId="{0F4B7E67-D246-8232-A180-CDC14DBA2397}"/>
+          </ac:spMkLst>
+        </pc:spChg>
+        <pc:picChg chg="mod">
+          <ac:chgData name="Vidar Angviken" userId="S::vidar.angviken@student.nbi-handelsakademin.se::e6737514-7315-45fb-9742-a773f62b3226" providerId="AD" clId="Web-{97B296B3-A6F6-EC12-DD90-8FAA43D8E438}" dt="2024-06-11T14:33:31.045" v="1625" actId="1076"/>
+          <ac:picMkLst>
+            <pc:docMk/>
+            <pc:sldMk cId="1121474661" sldId="258"/>
+            <ac:picMk id="3" creationId="{8B3991A4-8855-AB45-36C8-B8CF8CBC3B02}"/>
+          </ac:picMkLst>
+        </pc:picChg>
+      </pc:sldChg>
+      <pc:sldChg chg="ord">
+        <pc:chgData name="Vidar Angviken" userId="S::vidar.angviken@student.nbi-handelsakademin.se::e6737514-7315-45fb-9742-a773f62b3226" providerId="AD" clId="Web-{97B296B3-A6F6-EC12-DD90-8FAA43D8E438}" dt="2024-06-11T12:37:35.864" v="712"/>
+        <pc:sldMkLst>
+          <pc:docMk/>
+          <pc:sldMk cId="4055604317" sldId="260"/>
+        </pc:sldMkLst>
+      </pc:sldChg>
+      <pc:sldChg chg="ord">
+        <pc:chgData name="Vidar Angviken" userId="S::vidar.angviken@student.nbi-handelsakademin.se::e6737514-7315-45fb-9742-a773f62b3226" providerId="AD" clId="Web-{97B296B3-A6F6-EC12-DD90-8FAA43D8E438}" dt="2024-06-11T12:37:42.676" v="713"/>
+        <pc:sldMkLst>
+          <pc:docMk/>
+          <pc:sldMk cId="2918011769" sldId="263"/>
+        </pc:sldMkLst>
+      </pc:sldChg>
+      <pc:sldChg chg="addSp delSp modSp ord">
+        <pc:chgData name="Vidar Angviken" userId="S::vidar.angviken@student.nbi-handelsakademin.se::e6737514-7315-45fb-9742-a773f62b3226" providerId="AD" clId="Web-{97B296B3-A6F6-EC12-DD90-8FAA43D8E438}" dt="2024-06-11T15:11:56.233" v="1727" actId="1076"/>
+        <pc:sldMkLst>
+          <pc:docMk/>
+          <pc:sldMk cId="538095569" sldId="264"/>
+        </pc:sldMkLst>
+        <pc:spChg chg="mod">
+          <ac:chgData name="Vidar Angviken" userId="S::vidar.angviken@student.nbi-handelsakademin.se::e6737514-7315-45fb-9742-a773f62b3226" providerId="AD" clId="Web-{97B296B3-A6F6-EC12-DD90-8FAA43D8E438}" dt="2024-06-11T14:45:36.997" v="1649" actId="20577"/>
+          <ac:spMkLst>
+            <pc:docMk/>
+            <pc:sldMk cId="538095569" sldId="264"/>
+            <ac:spMk id="4" creationId="{B48E9DAD-12E5-67B3-26FA-09D34E6ABF87}"/>
+          </ac:spMkLst>
+        </pc:spChg>
+        <pc:spChg chg="add del mod">
+          <ac:chgData name="Vidar Angviken" userId="S::vidar.angviken@student.nbi-handelsakademin.se::e6737514-7315-45fb-9742-a773f62b3226" providerId="AD" clId="Web-{97B296B3-A6F6-EC12-DD90-8FAA43D8E438}" dt="2024-06-11T11:48:19.282" v="66" actId="20577"/>
+          <ac:spMkLst>
+            <pc:docMk/>
+            <pc:sldMk cId="538095569" sldId="264"/>
+            <ac:spMk id="16" creationId="{402F0127-5BFC-4D3D-282B-D685B4E86BD8}"/>
+          </ac:spMkLst>
+        </pc:spChg>
+        <pc:spChg chg="del mod">
+          <ac:chgData name="Vidar Angviken" userId="S::vidar.angviken@student.nbi-handelsakademin.se::e6737514-7315-45fb-9742-a773f62b3226" providerId="AD" clId="Web-{97B296B3-A6F6-EC12-DD90-8FAA43D8E438}" dt="2024-06-11T11:48:41.408" v="68"/>
+          <ac:spMkLst>
+            <pc:docMk/>
+            <pc:sldMk cId="538095569" sldId="264"/>
+            <ac:spMk id="17" creationId="{2C2FA215-49E1-EF12-1D86-891517E53E2A}"/>
+          </ac:spMkLst>
+        </pc:spChg>
+        <pc:picChg chg="mod">
+          <ac:chgData name="Vidar Angviken" userId="S::vidar.angviken@student.nbi-handelsakademin.se::e6737514-7315-45fb-9742-a773f62b3226" providerId="AD" clId="Web-{97B296B3-A6F6-EC12-DD90-8FAA43D8E438}" dt="2024-06-11T14:34:29.108" v="1629" actId="1076"/>
+          <ac:picMkLst>
+            <pc:docMk/>
+            <pc:sldMk cId="538095569" sldId="264"/>
+            <ac:picMk id="6" creationId="{4A3A0986-B187-D8B4-6545-75EA7926AAD2}"/>
+          </ac:picMkLst>
+        </pc:picChg>
+        <pc:picChg chg="mod">
+          <ac:chgData name="Vidar Angviken" userId="S::vidar.angviken@student.nbi-handelsakademin.se::e6737514-7315-45fb-9742-a773f62b3226" providerId="AD" clId="Web-{97B296B3-A6F6-EC12-DD90-8FAA43D8E438}" dt="2024-06-11T14:34:01.670" v="1627" actId="1076"/>
+          <ac:picMkLst>
+            <pc:docMk/>
+            <pc:sldMk cId="538095569" sldId="264"/>
+            <ac:picMk id="9" creationId="{DF33D2EE-855F-799C-E9C9-DAF3271B7493}"/>
+          </ac:picMkLst>
+        </pc:picChg>
+        <pc:picChg chg="mod">
+          <ac:chgData name="Vidar Angviken" userId="S::vidar.angviken@student.nbi-handelsakademin.se::e6737514-7315-45fb-9742-a773f62b3226" providerId="AD" clId="Web-{97B296B3-A6F6-EC12-DD90-8FAA43D8E438}" dt="2024-06-11T15:11:56.233" v="1727" actId="1076"/>
+          <ac:picMkLst>
+            <pc:docMk/>
+            <pc:sldMk cId="538095569" sldId="264"/>
+            <ac:picMk id="12" creationId="{4A2E9BFE-EA85-484A-E55E-A861034907C4}"/>
+          </ac:picMkLst>
+        </pc:picChg>
+      </pc:sldChg>
+      <pc:sldChg chg="addSp delSp modSp">
+        <pc:chgData name="Vidar Angviken" userId="S::vidar.angviken@student.nbi-handelsakademin.se::e6737514-7315-45fb-9742-a773f62b3226" providerId="AD" clId="Web-{97B296B3-A6F6-EC12-DD90-8FAA43D8E438}" dt="2024-06-11T14:36:13.251" v="1636" actId="20577"/>
+        <pc:sldMkLst>
+          <pc:docMk/>
+          <pc:sldMk cId="3125510018" sldId="265"/>
+        </pc:sldMkLst>
+        <pc:spChg chg="mod">
+          <ac:chgData name="Vidar Angviken" userId="S::vidar.angviken@student.nbi-handelsakademin.se::e6737514-7315-45fb-9742-a773f62b3226" providerId="AD" clId="Web-{97B296B3-A6F6-EC12-DD90-8FAA43D8E438}" dt="2024-06-11T14:36:13.251" v="1636" actId="20577"/>
+          <ac:spMkLst>
+            <pc:docMk/>
+            <pc:sldMk cId="3125510018" sldId="265"/>
+            <ac:spMk id="2" creationId="{5F7F4788-8A99-EE0B-B294-485491E8E394}"/>
+          </ac:spMkLst>
+        </pc:spChg>
+        <pc:spChg chg="add del mod">
+          <ac:chgData name="Vidar Angviken" userId="S::vidar.angviken@student.nbi-handelsakademin.se::e6737514-7315-45fb-9742-a773f62b3226" providerId="AD" clId="Web-{97B296B3-A6F6-EC12-DD90-8FAA43D8E438}" dt="2024-06-11T12:20:37.815" v="609"/>
+          <ac:spMkLst>
+            <pc:docMk/>
+            <pc:sldMk cId="3125510018" sldId="265"/>
+            <ac:spMk id="3" creationId="{5CA29230-8E2C-E1DF-2B00-ABC9BD5F2E0D}"/>
+          </ac:spMkLst>
+        </pc:spChg>
+        <pc:spChg chg="mod">
+          <ac:chgData name="Vidar Angviken" userId="S::vidar.angviken@student.nbi-handelsakademin.se::e6737514-7315-45fb-9742-a773f62b3226" providerId="AD" clId="Web-{97B296B3-A6F6-EC12-DD90-8FAA43D8E438}" dt="2024-06-11T14:10:18.560" v="1310" actId="20577"/>
+          <ac:spMkLst>
+            <pc:docMk/>
+            <pc:sldMk cId="3125510018" sldId="265"/>
+            <ac:spMk id="6" creationId="{CE3C1C24-EEE9-3523-B02D-AC2663E78BAC}"/>
+          </ac:spMkLst>
+        </pc:spChg>
+        <pc:spChg chg="del mod">
+          <ac:chgData name="Vidar Angviken" userId="S::vidar.angviken@student.nbi-handelsakademin.se::e6737514-7315-45fb-9742-a773f62b3226" providerId="AD" clId="Web-{97B296B3-A6F6-EC12-DD90-8FAA43D8E438}" dt="2024-06-11T12:31:33.326" v="648"/>
+          <ac:spMkLst>
+            <pc:docMk/>
+            <pc:sldMk cId="3125510018" sldId="265"/>
+            <ac:spMk id="13" creationId="{D37B68F4-F971-1BAF-720B-957C1D2AF45B}"/>
+          </ac:spMkLst>
+        </pc:spChg>
+        <pc:spChg chg="mod">
+          <ac:chgData name="Vidar Angviken" userId="S::vidar.angviken@student.nbi-handelsakademin.se::e6737514-7315-45fb-9742-a773f62b3226" providerId="AD" clId="Web-{97B296B3-A6F6-EC12-DD90-8FAA43D8E438}" dt="2024-06-11T12:42:49.682" v="718" actId="1076"/>
+          <ac:spMkLst>
+            <pc:docMk/>
+            <pc:sldMk cId="3125510018" sldId="265"/>
+            <ac:spMk id="15" creationId="{997456D9-6748-B0D0-460F-5CE36D520E48}"/>
+          </ac:spMkLst>
+        </pc:spChg>
+        <pc:spChg chg="add mod">
+          <ac:chgData name="Vidar Angviken" userId="S::vidar.angviken@student.nbi-handelsakademin.se::e6737514-7315-45fb-9742-a773f62b3226" providerId="AD" clId="Web-{97B296B3-A6F6-EC12-DD90-8FAA43D8E438}" dt="2024-06-11T14:09:30.341" v="1309" actId="20577"/>
+          <ac:spMkLst>
+            <pc:docMk/>
+            <pc:sldMk cId="3125510018" sldId="265"/>
+            <ac:spMk id="20" creationId="{B84B3F4C-C36B-09A6-0559-867AB2E497AD}"/>
+          </ac:spMkLst>
+        </pc:spChg>
+        <pc:grpChg chg="add del mod">
+          <ac:chgData name="Vidar Angviken" userId="S::vidar.angviken@student.nbi-handelsakademin.se::e6737514-7315-45fb-9742-a773f62b3226" providerId="AD" clId="Web-{97B296B3-A6F6-EC12-DD90-8FAA43D8E438}" dt="2024-06-11T12:48:17.187" v="768"/>
+          <ac:grpSpMkLst>
+            <pc:docMk/>
+            <pc:sldMk cId="3125510018" sldId="265"/>
+            <ac:grpSpMk id="12" creationId="{8F4EA8F9-1C56-DCCD-2EF4-C92D4E2F3025}"/>
+          </ac:grpSpMkLst>
+        </pc:grpChg>
+        <pc:picChg chg="mod">
+          <ac:chgData name="Vidar Angviken" userId="S::vidar.angviken@student.nbi-handelsakademin.se::e6737514-7315-45fb-9742-a773f62b3226" providerId="AD" clId="Web-{97B296B3-A6F6-EC12-DD90-8FAA43D8E438}" dt="2024-06-11T12:25:52.696" v="610" actId="1076"/>
+          <ac:picMkLst>
+            <pc:docMk/>
+            <pc:sldMk cId="3125510018" sldId="265"/>
+            <ac:picMk id="2" creationId="{24A0C595-7024-1D63-587D-C58DF5A17706}"/>
+          </ac:picMkLst>
+        </pc:picChg>
+        <pc:picChg chg="mod">
+          <ac:chgData name="Vidar Angviken" userId="S::vidar.angviken@student.nbi-handelsakademin.se::e6737514-7315-45fb-9742-a773f62b3226" providerId="AD" clId="Web-{97B296B3-A6F6-EC12-DD90-8FAA43D8E438}" dt="2024-06-11T12:42:44.775" v="717" actId="1076"/>
+          <ac:picMkLst>
+            <pc:docMk/>
+            <pc:sldMk cId="3125510018" sldId="265"/>
+            <ac:picMk id="8" creationId="{65105216-EDA8-116E-849F-C0CAF84735E1}"/>
+          </ac:picMkLst>
+        </pc:picChg>
+        <pc:picChg chg="mod">
+          <ac:chgData name="Vidar Angviken" userId="S::vidar.angviken@student.nbi-handelsakademin.se::e6737514-7315-45fb-9742-a773f62b3226" providerId="AD" clId="Web-{97B296B3-A6F6-EC12-DD90-8FAA43D8E438}" dt="2024-06-11T12:43:41.011" v="728" actId="1076"/>
+          <ac:picMkLst>
+            <pc:docMk/>
+            <pc:sldMk cId="3125510018" sldId="265"/>
+            <ac:picMk id="18" creationId="{34C66F9D-B39B-61E3-FCB0-3B1B84D8A2B7}"/>
+          </ac:picMkLst>
+        </pc:picChg>
+        <pc:picChg chg="mod">
+          <ac:chgData name="Vidar Angviken" userId="S::vidar.angviken@student.nbi-handelsakademin.se::e6737514-7315-45fb-9742-a773f62b3226" providerId="AD" clId="Web-{97B296B3-A6F6-EC12-DD90-8FAA43D8E438}" dt="2024-06-11T12:43:37.136" v="727" actId="1076"/>
+          <ac:picMkLst>
+            <pc:docMk/>
+            <pc:sldMk cId="3125510018" sldId="265"/>
+            <ac:picMk id="19" creationId="{40BDEFC4-7387-748E-9E83-9598728712CC}"/>
+          </ac:picMkLst>
+        </pc:picChg>
+      </pc:sldChg>
+      <pc:sldChg chg="ord">
+        <pc:chgData name="Vidar Angviken" userId="S::vidar.angviken@student.nbi-handelsakademin.se::e6737514-7315-45fb-9742-a773f62b3226" providerId="AD" clId="Web-{97B296B3-A6F6-EC12-DD90-8FAA43D8E438}" dt="2024-06-11T12:37:55.942" v="714"/>
+        <pc:sldMkLst>
+          <pc:docMk/>
+          <pc:sldMk cId="3148306597" sldId="266"/>
+        </pc:sldMkLst>
+      </pc:sldChg>
+      <pc:sldChg chg="ord">
+        <pc:chgData name="Vidar Angviken" userId="S::vidar.angviken@student.nbi-handelsakademin.se::e6737514-7315-45fb-9742-a773f62b3226" providerId="AD" clId="Web-{97B296B3-A6F6-EC12-DD90-8FAA43D8E438}" dt="2024-06-11T12:38:01.989" v="715"/>
+        <pc:sldMkLst>
+          <pc:docMk/>
+          <pc:sldMk cId="4039465091" sldId="267"/>
+        </pc:sldMkLst>
+      </pc:sldChg>
+      <pc:sldChg chg="modSp">
+        <pc:chgData name="Vidar Angviken" userId="S::vidar.angviken@student.nbi-handelsakademin.se::e6737514-7315-45fb-9742-a773f62b3226" providerId="AD" clId="Web-{97B296B3-A6F6-EC12-DD90-8FAA43D8E438}" dt="2024-06-11T14:46:43.327" v="1650" actId="1076"/>
+        <pc:sldMkLst>
+          <pc:docMk/>
+          <pc:sldMk cId="2390436597" sldId="268"/>
+        </pc:sldMkLst>
+        <pc:spChg chg="mod">
+          <ac:chgData name="Vidar Angviken" userId="S::vidar.angviken@student.nbi-handelsakademin.se::e6737514-7315-45fb-9742-a773f62b3226" providerId="AD" clId="Web-{97B296B3-A6F6-EC12-DD90-8FAA43D8E438}" dt="2024-06-11T12:17:17.374" v="600" actId="20577"/>
+          <ac:spMkLst>
+            <pc:docMk/>
+            <pc:sldMk cId="2390436597" sldId="268"/>
+            <ac:spMk id="2" creationId="{97D012D7-687C-FC95-6F12-10350EE0CB16}"/>
+          </ac:spMkLst>
+        </pc:spChg>
+        <pc:spChg chg="mod">
+          <ac:chgData name="Vidar Angviken" userId="S::vidar.angviken@student.nbi-handelsakademin.se::e6737514-7315-45fb-9742-a773f62b3226" providerId="AD" clId="Web-{97B296B3-A6F6-EC12-DD90-8FAA43D8E438}" dt="2024-06-11T14:46:43.327" v="1650" actId="1076"/>
+          <ac:spMkLst>
+            <pc:docMk/>
+            <pc:sldMk cId="2390436597" sldId="268"/>
+            <ac:spMk id="4" creationId="{AB6868EF-DA95-CDCF-E66C-77E6FB2FA094}"/>
+          </ac:spMkLst>
+        </pc:spChg>
+      </pc:sldChg>
+      <pc:sldChg chg="addSp modSp">
+        <pc:chgData name="Vidar Angviken" userId="S::vidar.angviken@student.nbi-handelsakademin.se::e6737514-7315-45fb-9742-a773f62b3226" providerId="AD" clId="Web-{97B296B3-A6F6-EC12-DD90-8FAA43D8E438}" dt="2024-06-11T15:21:13.763" v="1767" actId="20577"/>
+        <pc:sldMkLst>
+          <pc:docMk/>
+          <pc:sldMk cId="2475600775" sldId="269"/>
+        </pc:sldMkLst>
+        <pc:spChg chg="mod">
+          <ac:chgData name="Vidar Angviken" userId="S::vidar.angviken@student.nbi-handelsakademin.se::e6737514-7315-45fb-9742-a773f62b3226" providerId="AD" clId="Web-{97B296B3-A6F6-EC12-DD90-8FAA43D8E438}" dt="2024-06-11T15:21:13.763" v="1767" actId="20577"/>
+          <ac:spMkLst>
+            <pc:docMk/>
+            <pc:sldMk cId="2475600775" sldId="269"/>
+            <ac:spMk id="2" creationId="{06B03ED2-F212-E49D-38F9-3EFF480E3BEB}"/>
+          </ac:spMkLst>
+        </pc:spChg>
+        <pc:picChg chg="add mod">
+          <ac:chgData name="Vidar Angviken" userId="S::vidar.angviken@student.nbi-handelsakademin.se::e6737514-7315-45fb-9742-a773f62b3226" providerId="AD" clId="Web-{97B296B3-A6F6-EC12-DD90-8FAA43D8E438}" dt="2024-06-11T13:31:31.168" v="976" actId="1076"/>
+          <ac:picMkLst>
+            <pc:docMk/>
+            <pc:sldMk cId="2475600775" sldId="269"/>
+            <ac:picMk id="3" creationId="{EA5BA625-372C-8D5E-A4D3-FCD22334A180}"/>
+          </ac:picMkLst>
+        </pc:picChg>
+      </pc:sldChg>
+      <pc:sldChg chg="addSp delSp modSp">
+        <pc:chgData name="Vidar Angviken" userId="S::vidar.angviken@student.nbi-handelsakademin.se::e6737514-7315-45fb-9742-a773f62b3226" providerId="AD" clId="Web-{97B296B3-A6F6-EC12-DD90-8FAA43D8E438}" dt="2024-06-11T14:11:33.421" v="1321" actId="1076"/>
+        <pc:sldMkLst>
+          <pc:docMk/>
+          <pc:sldMk cId="3703693321" sldId="270"/>
+        </pc:sldMkLst>
+        <pc:spChg chg="mod">
+          <ac:chgData name="Vidar Angviken" userId="S::vidar.angviken@student.nbi-handelsakademin.se::e6737514-7315-45fb-9742-a773f62b3226" providerId="AD" clId="Web-{97B296B3-A6F6-EC12-DD90-8FAA43D8E438}" dt="2024-06-11T13:42:26.385" v="1008" actId="20577"/>
+          <ac:spMkLst>
+            <pc:docMk/>
+            <pc:sldMk cId="3703693321" sldId="270"/>
+            <ac:spMk id="4" creationId="{AB6868EF-DA95-CDCF-E66C-77E6FB2FA094}"/>
+          </ac:spMkLst>
+        </pc:spChg>
+        <pc:spChg chg="add mod">
+          <ac:chgData name="Vidar Angviken" userId="S::vidar.angviken@student.nbi-handelsakademin.se::e6737514-7315-45fb-9742-a773f62b3226" providerId="AD" clId="Web-{97B296B3-A6F6-EC12-DD90-8FAA43D8E438}" dt="2024-06-11T14:11:14.765" v="1319" actId="1076"/>
+          <ac:spMkLst>
+            <pc:docMk/>
+            <pc:sldMk cId="3703693321" sldId="270"/>
+            <ac:spMk id="6" creationId="{48FC8053-4EB7-63BC-91EB-F26DEE55BEE5}"/>
+          </ac:spMkLst>
+        </pc:spChg>
+        <pc:picChg chg="del">
+          <ac:chgData name="Vidar Angviken" userId="S::vidar.angviken@student.nbi-handelsakademin.se::e6737514-7315-45fb-9742-a773f62b3226" providerId="AD" clId="Web-{97B296B3-A6F6-EC12-DD90-8FAA43D8E438}" dt="2024-06-11T13:51:50.803" v="1030"/>
+          <ac:picMkLst>
+            <pc:docMk/>
+            <pc:sldMk cId="3703693321" sldId="270"/>
+            <ac:picMk id="2" creationId="{E323A4CF-F6B9-CE0A-9970-07756D2AABD2}"/>
+          </ac:picMkLst>
+        </pc:picChg>
+        <pc:picChg chg="mod">
+          <ac:chgData name="Vidar Angviken" userId="S::vidar.angviken@student.nbi-handelsakademin.se::e6737514-7315-45fb-9742-a773f62b3226" providerId="AD" clId="Web-{97B296B3-A6F6-EC12-DD90-8FAA43D8E438}" dt="2024-06-11T14:11:20.234" v="1320" actId="1076"/>
+          <ac:picMkLst>
+            <pc:docMk/>
+            <pc:sldMk cId="3703693321" sldId="270"/>
+            <ac:picMk id="3" creationId="{B27C9A95-DC26-5565-1F94-EEF2D9645046}"/>
+          </ac:picMkLst>
+        </pc:picChg>
+        <pc:picChg chg="mod">
+          <ac:chgData name="Vidar Angviken" userId="S::vidar.angviken@student.nbi-handelsakademin.se::e6737514-7315-45fb-9742-a773f62b3226" providerId="AD" clId="Web-{97B296B3-A6F6-EC12-DD90-8FAA43D8E438}" dt="2024-06-11T14:11:33.421" v="1321" actId="1076"/>
+          <ac:picMkLst>
+            <pc:docMk/>
+            <pc:sldMk cId="3703693321" sldId="270"/>
+            <ac:picMk id="7" creationId="{5395A73B-9660-90F7-E1BC-99B5817F9266}"/>
+          </ac:picMkLst>
+        </pc:picChg>
+      </pc:sldChg>
+      <pc:sldChg chg="addSp delSp modSp">
+        <pc:chgData name="Vidar Angviken" userId="S::vidar.angviken@student.nbi-handelsakademin.se::e6737514-7315-45fb-9742-a773f62b3226" providerId="AD" clId="Web-{97B296B3-A6F6-EC12-DD90-8FAA43D8E438}" dt="2024-06-11T13:31:09.806" v="971"/>
+        <pc:sldMkLst>
+          <pc:docMk/>
+          <pc:sldMk cId="4293620081" sldId="271"/>
+        </pc:sldMkLst>
+        <pc:picChg chg="add del mod">
+          <ac:chgData name="Vidar Angviken" userId="S::vidar.angviken@student.nbi-handelsakademin.se::e6737514-7315-45fb-9742-a773f62b3226" providerId="AD" clId="Web-{97B296B3-A6F6-EC12-DD90-8FAA43D8E438}" dt="2024-06-11T13:31:09.806" v="971"/>
+          <ac:picMkLst>
+            <pc:docMk/>
+            <pc:sldMk cId="4293620081" sldId="271"/>
+            <ac:picMk id="2" creationId="{CCC487A4-15C8-9B9B-0A10-E9015E92CBE6}"/>
+          </ac:picMkLst>
+        </pc:picChg>
+      </pc:sldChg>
+      <pc:sldChg chg="addSp modSp">
+        <pc:chgData name="Vidar Angviken" userId="S::vidar.angviken@student.nbi-handelsakademin.se::e6737514-7315-45fb-9742-a773f62b3226" providerId="AD" clId="Web-{97B296B3-A6F6-EC12-DD90-8FAA43D8E438}" dt="2024-06-11T15:16:55.493" v="1741" actId="1076"/>
+        <pc:sldMkLst>
+          <pc:docMk/>
+          <pc:sldMk cId="3986378545" sldId="272"/>
+        </pc:sldMkLst>
+        <pc:spChg chg="mod">
+          <ac:chgData name="Vidar Angviken" userId="S::vidar.angviken@student.nbi-handelsakademin.se::e6737514-7315-45fb-9742-a773f62b3226" providerId="AD" clId="Web-{97B296B3-A6F6-EC12-DD90-8FAA43D8E438}" dt="2024-06-11T15:16:47.133" v="1740" actId="1076"/>
+          <ac:spMkLst>
+            <pc:docMk/>
+            <pc:sldMk cId="3986378545" sldId="272"/>
+            <ac:spMk id="4" creationId="{AB6868EF-DA95-CDCF-E66C-77E6FB2FA094}"/>
+          </ac:spMkLst>
+        </pc:spChg>
+        <pc:picChg chg="add mod">
+          <ac:chgData name="Vidar Angviken" userId="S::vidar.angviken@student.nbi-handelsakademin.se::e6737514-7315-45fb-9742-a773f62b3226" providerId="AD" clId="Web-{97B296B3-A6F6-EC12-DD90-8FAA43D8E438}" dt="2024-06-11T15:16:55.493" v="1741" actId="1076"/>
+          <ac:picMkLst>
+            <pc:docMk/>
+            <pc:sldMk cId="3986378545" sldId="272"/>
+            <ac:picMk id="2" creationId="{3639B572-8017-E577-F641-A5EF6599973C}"/>
+          </ac:picMkLst>
+        </pc:picChg>
+      </pc:sldChg>
+      <pc:sldChg chg="addSp delSp modSp">
+        <pc:chgData name="Vidar Angviken" userId="S::vidar.angviken@student.nbi-handelsakademin.se::e6737514-7315-45fb-9742-a773f62b3226" providerId="AD" clId="Web-{97B296B3-A6F6-EC12-DD90-8FAA43D8E438}" dt="2024-06-11T18:44:51.068" v="2064" actId="1076"/>
+        <pc:sldMkLst>
+          <pc:docMk/>
+          <pc:sldMk cId="2713108800" sldId="273"/>
+        </pc:sldMkLst>
+        <pc:spChg chg="add mod">
+          <ac:chgData name="Vidar Angviken" userId="S::vidar.angviken@student.nbi-handelsakademin.se::e6737514-7315-45fb-9742-a773f62b3226" providerId="AD" clId="Web-{97B296B3-A6F6-EC12-DD90-8FAA43D8E438}" dt="2024-06-11T14:27:52.413" v="1481" actId="1076"/>
+          <ac:spMkLst>
+            <pc:docMk/>
+            <pc:sldMk cId="2713108800" sldId="273"/>
+            <ac:spMk id="14" creationId="{E9DAD1DE-6EF4-504C-021D-5D74A33E66F1}"/>
+          </ac:spMkLst>
+        </pc:spChg>
+        <pc:picChg chg="del">
+          <ac:chgData name="Vidar Angviken" userId="S::vidar.angviken@student.nbi-handelsakademin.se::e6737514-7315-45fb-9742-a773f62b3226" providerId="AD" clId="Web-{97B296B3-A6F6-EC12-DD90-8FAA43D8E438}" dt="2024-06-11T15:07:46.634" v="1724"/>
+          <ac:picMkLst>
+            <pc:docMk/>
+            <pc:sldMk cId="2713108800" sldId="273"/>
+            <ac:picMk id="2" creationId="{BDC03872-3AF3-A926-9BDF-C3F14869C1CC}"/>
+          </ac:picMkLst>
+        </pc:picChg>
+        <pc:picChg chg="del mod">
+          <ac:chgData name="Vidar Angviken" userId="S::vidar.angviken@student.nbi-handelsakademin.se::e6737514-7315-45fb-9742-a773f62b3226" providerId="AD" clId="Web-{97B296B3-A6F6-EC12-DD90-8FAA43D8E438}" dt="2024-06-11T15:07:47.665" v="1725"/>
+          <ac:picMkLst>
+            <pc:docMk/>
+            <pc:sldMk cId="2713108800" sldId="273"/>
+            <ac:picMk id="3" creationId="{895394EA-3AE0-06B0-A5BE-1B7C4708C12C}"/>
+          </ac:picMkLst>
+        </pc:picChg>
+        <pc:picChg chg="mod">
+          <ac:chgData name="Vidar Angviken" userId="S::vidar.angviken@student.nbi-handelsakademin.se::e6737514-7315-45fb-9742-a773f62b3226" providerId="AD" clId="Web-{97B296B3-A6F6-EC12-DD90-8FAA43D8E438}" dt="2024-06-11T14:27:29.615" v="1478" actId="1076"/>
+          <ac:picMkLst>
+            <pc:docMk/>
+            <pc:sldMk cId="2713108800" sldId="273"/>
+            <ac:picMk id="9" creationId="{3F827E2A-74B2-BB86-058C-2B3D247AEBFA}"/>
+          </ac:picMkLst>
+        </pc:picChg>
+        <pc:picChg chg="mod">
+          <ac:chgData name="Vidar Angviken" userId="S::vidar.angviken@student.nbi-handelsakademin.se::e6737514-7315-45fb-9742-a773f62b3226" providerId="AD" clId="Web-{97B296B3-A6F6-EC12-DD90-8FAA43D8E438}" dt="2024-06-11T14:27:40.100" v="1479" actId="1076"/>
+          <ac:picMkLst>
+            <pc:docMk/>
+            <pc:sldMk cId="2713108800" sldId="273"/>
+            <ac:picMk id="10" creationId="{D7613664-205E-F6DA-197F-26BEA8C0383C}"/>
+          </ac:picMkLst>
+        </pc:picChg>
+        <pc:picChg chg="del mod">
+          <ac:chgData name="Vidar Angviken" userId="S::vidar.angviken@student.nbi-handelsakademin.se::e6737514-7315-45fb-9742-a773f62b3226" providerId="AD" clId="Web-{97B296B3-A6F6-EC12-DD90-8FAA43D8E438}" dt="2024-06-11T14:48:54.408" v="1651"/>
+          <ac:picMkLst>
+            <pc:docMk/>
+            <pc:sldMk cId="2713108800" sldId="273"/>
+            <ac:picMk id="11" creationId="{FE7B58CC-5FE0-7385-98C8-FEB342F17E52}"/>
+          </ac:picMkLst>
+        </pc:picChg>
+        <pc:picChg chg="mod">
+          <ac:chgData name="Vidar Angviken" userId="S::vidar.angviken@student.nbi-handelsakademin.se::e6737514-7315-45fb-9742-a773f62b3226" providerId="AD" clId="Web-{97B296B3-A6F6-EC12-DD90-8FAA43D8E438}" dt="2024-06-11T18:44:51.068" v="2064" actId="1076"/>
+          <ac:picMkLst>
+            <pc:docMk/>
+            <pc:sldMk cId="2713108800" sldId="273"/>
+            <ac:picMk id="13" creationId="{0A1DBA61-8043-ACEF-2B21-66E970A55CD3}"/>
+          </ac:picMkLst>
+        </pc:picChg>
+        <pc:picChg chg="add mod">
+          <ac:chgData name="Vidar Angviken" userId="S::vidar.angviken@student.nbi-handelsakademin.se::e6737514-7315-45fb-9742-a773f62b3226" providerId="AD" clId="Web-{97B296B3-A6F6-EC12-DD90-8FAA43D8E438}" dt="2024-06-11T14:50:12.190" v="1661" actId="1076"/>
+          <ac:picMkLst>
+            <pc:docMk/>
+            <pc:sldMk cId="2713108800" sldId="273"/>
+            <ac:picMk id="15" creationId="{A8ED86F9-5478-7D74-BA91-ECBA36466886}"/>
+          </ac:picMkLst>
+        </pc:picChg>
+      </pc:sldChg>
+      <pc:sldChg chg="new del">
+        <pc:chgData name="Vidar Angviken" userId="S::vidar.angviken@student.nbi-handelsakademin.se::e6737514-7315-45fb-9742-a773f62b3226" providerId="AD" clId="Web-{97B296B3-A6F6-EC12-DD90-8FAA43D8E438}" dt="2024-06-11T12:47:25.467" v="761"/>
+        <pc:sldMkLst>
+          <pc:docMk/>
+          <pc:sldMk cId="2787134648" sldId="274"/>
+        </pc:sldMkLst>
+      </pc:sldChg>
+      <pc:sldChg chg="addSp delSp modSp add ord replId">
+        <pc:chgData name="Vidar Angviken" userId="S::vidar.angviken@student.nbi-handelsakademin.se::e6737514-7315-45fb-9742-a773f62b3226" providerId="AD" clId="Web-{97B296B3-A6F6-EC12-DD90-8FAA43D8E438}" dt="2024-06-11T14:36:58.908" v="1639" actId="1076"/>
+        <pc:sldMkLst>
+          <pc:docMk/>
+          <pc:sldMk cId="3813097769" sldId="274"/>
+        </pc:sldMkLst>
+        <pc:spChg chg="mod">
+          <ac:chgData name="Vidar Angviken" userId="S::vidar.angviken@student.nbi-handelsakademin.se::e6737514-7315-45fb-9742-a773f62b3226" providerId="AD" clId="Web-{97B296B3-A6F6-EC12-DD90-8FAA43D8E438}" dt="2024-06-11T14:10:22.232" v="1311" actId="20577"/>
+          <ac:spMkLst>
+            <pc:docMk/>
+            <pc:sldMk cId="3813097769" sldId="274"/>
+            <ac:spMk id="4" creationId="{AB6868EF-DA95-CDCF-E66C-77E6FB2FA094}"/>
+          </ac:spMkLst>
+        </pc:spChg>
+        <pc:spChg chg="del">
+          <ac:chgData name="Vidar Angviken" userId="S::vidar.angviken@student.nbi-handelsakademin.se::e6737514-7315-45fb-9742-a773f62b3226" providerId="AD" clId="Web-{97B296B3-A6F6-EC12-DD90-8FAA43D8E438}" dt="2024-06-11T13:11:41.173" v="797"/>
+          <ac:spMkLst>
+            <pc:docMk/>
+            <pc:sldMk cId="3813097769" sldId="274"/>
+            <ac:spMk id="6" creationId="{0F4B7E67-D246-8232-A180-CDC14DBA2397}"/>
+          </ac:spMkLst>
+        </pc:spChg>
+        <pc:spChg chg="add">
+          <ac:chgData name="Vidar Angviken" userId="S::vidar.angviken@student.nbi-handelsakademin.se::e6737514-7315-45fb-9742-a773f62b3226" providerId="AD" clId="Web-{97B296B3-A6F6-EC12-DD90-8FAA43D8E438}" dt="2024-06-11T12:48:19.093" v="769"/>
+          <ac:spMkLst>
+            <pc:docMk/>
+            <pc:sldMk cId="3813097769" sldId="274"/>
+            <ac:spMk id="7" creationId="{7ADE18C5-2F3F-9850-9B90-AC1BE3632F0A}"/>
+          </ac:spMkLst>
+        </pc:spChg>
+        <pc:spChg chg="add del">
+          <ac:chgData name="Vidar Angviken" userId="S::vidar.angviken@student.nbi-handelsakademin.se::e6737514-7315-45fb-9742-a773f62b3226" providerId="AD" clId="Web-{97B296B3-A6F6-EC12-DD90-8FAA43D8E438}" dt="2024-06-11T13:12:15.673" v="801"/>
+          <ac:spMkLst>
+            <pc:docMk/>
+            <pc:sldMk cId="3813097769" sldId="274"/>
+            <ac:spMk id="12" creationId="{2A6468D4-30AA-475D-0D5C-8FB9C9E76EF9}"/>
+          </ac:spMkLst>
+        </pc:spChg>
+        <pc:spChg chg="add mod">
+          <ac:chgData name="Vidar Angviken" userId="S::vidar.angviken@student.nbi-handelsakademin.se::e6737514-7315-45fb-9742-a773f62b3226" providerId="AD" clId="Web-{97B296B3-A6F6-EC12-DD90-8FAA43D8E438}" dt="2024-06-11T14:36:58.908" v="1639" actId="1076"/>
+          <ac:spMkLst>
+            <pc:docMk/>
+            <pc:sldMk cId="3813097769" sldId="274"/>
+            <ac:spMk id="13" creationId="{3617EFE8-73B2-EFA2-845B-C35507A1521F}"/>
+          </ac:spMkLst>
+        </pc:spChg>
+        <pc:grpChg chg="add del mod">
+          <ac:chgData name="Vidar Angviken" userId="S::vidar.angviken@student.nbi-handelsakademin.se::e6737514-7315-45fb-9742-a773f62b3226" providerId="AD" clId="Web-{97B296B3-A6F6-EC12-DD90-8FAA43D8E438}" dt="2024-06-11T13:11:40.329" v="796"/>
+          <ac:grpSpMkLst>
+            <pc:docMk/>
+            <pc:sldMk cId="3813097769" sldId="274"/>
+            <ac:grpSpMk id="2" creationId="{8F4EA8F9-1C56-DCCD-2EF4-C92D4E2F3025}"/>
+          </ac:grpSpMkLst>
+        </pc:grpChg>
+        <pc:grpChg chg="add mod">
+          <ac:chgData name="Vidar Angviken" userId="S::vidar.angviken@student.nbi-handelsakademin.se::e6737514-7315-45fb-9742-a773f62b3226" providerId="AD" clId="Web-{97B296B3-A6F6-EC12-DD90-8FAA43D8E438}" dt="2024-06-11T14:36:49.908" v="1638" actId="1076"/>
+          <ac:grpSpMkLst>
+            <pc:docMk/>
+            <pc:sldMk cId="3813097769" sldId="274"/>
+            <ac:grpSpMk id="11" creationId="{5F4A5773-4491-7BB1-3BEE-D74A0691A928}"/>
+          </ac:grpSpMkLst>
+        </pc:grpChg>
+        <pc:picChg chg="add">
+          <ac:chgData name="Vidar Angviken" userId="S::vidar.angviken@student.nbi-handelsakademin.se::e6737514-7315-45fb-9742-a773f62b3226" providerId="AD" clId="Web-{97B296B3-A6F6-EC12-DD90-8FAA43D8E438}" dt="2024-06-11T12:48:19.093" v="769"/>
+          <ac:picMkLst>
+            <pc:docMk/>
+            <pc:sldMk cId="3813097769" sldId="274"/>
+            <ac:picMk id="3" creationId="{D4394524-55AC-D21E-98DE-D8B906D21F23}"/>
+          </ac:picMkLst>
+        </pc:picChg>
+      </pc:sldChg>
+      <pc:sldChg chg="modSp">
+        <pc:chgData name="Vidar Angviken" userId="S::vidar.angviken@student.nbi-handelsakademin.se::e6737514-7315-45fb-9742-a773f62b3226" providerId="AD" clId="Web-{97B296B3-A6F6-EC12-DD90-8FAA43D8E438}" dt="2024-06-11T18:30:46.578" v="1789" actId="1076"/>
+        <pc:sldMkLst>
+          <pc:docMk/>
+          <pc:sldMk cId="2378278582" sldId="275"/>
+        </pc:sldMkLst>
+        <pc:spChg chg="mod">
+          <ac:chgData name="Vidar Angviken" userId="S::vidar.angviken@student.nbi-handelsakademin.se::e6737514-7315-45fb-9742-a773f62b3226" providerId="AD" clId="Web-{97B296B3-A6F6-EC12-DD90-8FAA43D8E438}" dt="2024-06-11T15:14:28.928" v="1729" actId="1076"/>
+          <ac:spMkLst>
+            <pc:docMk/>
+            <pc:sldMk cId="2378278582" sldId="275"/>
+            <ac:spMk id="2" creationId="{6EFCD189-3C06-6CA9-7A77-A3AA7B47A70A}"/>
+          </ac:spMkLst>
+        </pc:spChg>
+        <pc:spChg chg="mod">
+          <ac:chgData name="Vidar Angviken" userId="S::vidar.angviken@student.nbi-handelsakademin.se::e6737514-7315-45fb-9742-a773f62b3226" providerId="AD" clId="Web-{97B296B3-A6F6-EC12-DD90-8FAA43D8E438}" dt="2024-06-11T18:30:46.578" v="1789" actId="1076"/>
+          <ac:spMkLst>
+            <pc:docMk/>
+            <pc:sldMk cId="2378278582" sldId="275"/>
+            <ac:spMk id="4" creationId="{AB6868EF-DA95-CDCF-E66C-77E6FB2FA094}"/>
+          </ac:spMkLst>
+        </pc:spChg>
+        <pc:spChg chg="mod">
+          <ac:chgData name="Vidar Angviken" userId="S::vidar.angviken@student.nbi-handelsakademin.se::e6737514-7315-45fb-9742-a773f62b3226" providerId="AD" clId="Web-{97B296B3-A6F6-EC12-DD90-8FAA43D8E438}" dt="2024-06-11T15:14:45.365" v="1734" actId="20577"/>
+          <ac:spMkLst>
+            <pc:docMk/>
+            <pc:sldMk cId="2378278582" sldId="275"/>
+            <ac:spMk id="11" creationId="{D2002DBF-3430-A2A3-F2BC-92B44DB72160}"/>
+          </ac:spMkLst>
+        </pc:spChg>
+        <pc:graphicFrameChg chg="mod">
+          <ac:chgData name="Vidar Angviken" userId="S::vidar.angviken@student.nbi-handelsakademin.se::e6737514-7315-45fb-9742-a773f62b3226" providerId="AD" clId="Web-{97B296B3-A6F6-EC12-DD90-8FAA43D8E438}" dt="2024-06-11T15:14:28.943" v="1730" actId="1076"/>
+          <ac:graphicFrameMkLst>
+            <pc:docMk/>
+            <pc:sldMk cId="2378278582" sldId="275"/>
+            <ac:graphicFrameMk id="7" creationId="{8A799C06-967D-FF66-2579-063CCA184E34}"/>
+          </ac:graphicFrameMkLst>
+        </pc:graphicFrameChg>
+      </pc:sldChg>
+      <pc:sldChg chg="addSp delSp modSp ord">
+        <pc:chgData name="Vidar Angviken" userId="S::vidar.angviken@student.nbi-handelsakademin.se::e6737514-7315-45fb-9742-a773f62b3226" providerId="AD" clId="Web-{97B296B3-A6F6-EC12-DD90-8FAA43D8E438}" dt="2024-06-11T15:11:17.826" v="1726" actId="1076"/>
+        <pc:sldMkLst>
+          <pc:docMk/>
+          <pc:sldMk cId="1466891409" sldId="277"/>
+        </pc:sldMkLst>
+        <pc:spChg chg="mod">
+          <ac:chgData name="Vidar Angviken" userId="S::vidar.angviken@student.nbi-handelsakademin.se::e6737514-7315-45fb-9742-a773f62b3226" providerId="AD" clId="Web-{97B296B3-A6F6-EC12-DD90-8FAA43D8E438}" dt="2024-06-11T15:03:18.175" v="1708" actId="1076"/>
+          <ac:spMkLst>
+            <pc:docMk/>
+            <pc:sldMk cId="1466891409" sldId="277"/>
+            <ac:spMk id="4" creationId="{5D9BEA0B-18BE-7C15-CB78-393B06C2BC97}"/>
+          </ac:spMkLst>
+        </pc:spChg>
+        <pc:spChg chg="mod">
+          <ac:chgData name="Vidar Angviken" userId="S::vidar.angviken@student.nbi-handelsakademin.se::e6737514-7315-45fb-9742-a773f62b3226" providerId="AD" clId="Web-{97B296B3-A6F6-EC12-DD90-8FAA43D8E438}" dt="2024-06-11T15:03:18.191" v="1709" actId="1076"/>
+          <ac:spMkLst>
+            <pc:docMk/>
+            <pc:sldMk cId="1466891409" sldId="277"/>
+            <ac:spMk id="6" creationId="{65768FC5-89AF-6AA3-66A7-360D98469B04}"/>
+          </ac:spMkLst>
+        </pc:spChg>
+        <pc:spChg chg="add mod">
+          <ac:chgData name="Vidar Angviken" userId="S::vidar.angviken@student.nbi-handelsakademin.se::e6737514-7315-45fb-9742-a773f62b3226" providerId="AD" clId="Web-{97B296B3-A6F6-EC12-DD90-8FAA43D8E438}" dt="2024-06-11T14:18:52.899" v="1325" actId="1076"/>
+          <ac:spMkLst>
+            <pc:docMk/>
+            <pc:sldMk cId="1466891409" sldId="277"/>
+            <ac:spMk id="13" creationId="{60E38BBF-3AD8-2B2D-E4CB-2339D4997965}"/>
+          </ac:spMkLst>
+        </pc:spChg>
+        <pc:spChg chg="add mod">
+          <ac:chgData name="Vidar Angviken" userId="S::vidar.angviken@student.nbi-handelsakademin.se::e6737514-7315-45fb-9742-a773f62b3226" providerId="AD" clId="Web-{97B296B3-A6F6-EC12-DD90-8FAA43D8E438}" dt="2024-06-11T15:11:17.826" v="1726" actId="1076"/>
+          <ac:spMkLst>
+            <pc:docMk/>
+            <pc:sldMk cId="1466891409" sldId="277"/>
+            <ac:spMk id="14" creationId="{671F47FD-D2A4-50EB-48E0-9F4B3819958B}"/>
+          </ac:spMkLst>
+        </pc:spChg>
+        <pc:picChg chg="mod">
+          <ac:chgData name="Vidar Angviken" userId="S::vidar.angviken@student.nbi-handelsakademin.se::e6737514-7315-45fb-9742-a773f62b3226" providerId="AD" clId="Web-{97B296B3-A6F6-EC12-DD90-8FAA43D8E438}" dt="2024-06-11T15:03:18.175" v="1707" actId="1076"/>
+          <ac:picMkLst>
+            <pc:docMk/>
+            <pc:sldMk cId="1466891409" sldId="277"/>
+            <ac:picMk id="2" creationId="{D7356F1C-3C19-CC0D-B4CD-A28D95DF8AF1}"/>
+          </ac:picMkLst>
+        </pc:picChg>
+        <pc:picChg chg="mod">
+          <ac:chgData name="Vidar Angviken" userId="S::vidar.angviken@student.nbi-handelsakademin.se::e6737514-7315-45fb-9742-a773f62b3226" providerId="AD" clId="Web-{97B296B3-A6F6-EC12-DD90-8FAA43D8E438}" dt="2024-06-11T15:03:18.113" v="1704" actId="1076"/>
+          <ac:picMkLst>
+            <pc:docMk/>
+            <pc:sldMk cId="1466891409" sldId="277"/>
+            <ac:picMk id="3" creationId="{69DFF847-5C5F-EFB0-7130-43DC8F7A0126}"/>
+          </ac:picMkLst>
+        </pc:picChg>
+        <pc:picChg chg="add del mod">
+          <ac:chgData name="Vidar Angviken" userId="S::vidar.angviken@student.nbi-handelsakademin.se::e6737514-7315-45fb-9742-a773f62b3226" providerId="AD" clId="Web-{97B296B3-A6F6-EC12-DD90-8FAA43D8E438}" dt="2024-06-11T14:18:17.648" v="1323"/>
+          <ac:picMkLst>
+            <pc:docMk/>
+            <pc:sldMk cId="1466891409" sldId="277"/>
+            <ac:picMk id="8" creationId="{3D47DE68-1622-C274-C827-AF89CAF97A31}"/>
+          </ac:picMkLst>
+        </pc:picChg>
+        <pc:picChg chg="mod">
+          <ac:chgData name="Vidar Angviken" userId="S::vidar.angviken@student.nbi-handelsakademin.se::e6737514-7315-45fb-9742-a773f62b3226" providerId="AD" clId="Web-{97B296B3-A6F6-EC12-DD90-8FAA43D8E438}" dt="2024-06-11T15:03:40.426" v="1711" actId="14100"/>
+          <ac:picMkLst>
+            <pc:docMk/>
+            <pc:sldMk cId="1466891409" sldId="277"/>
+            <ac:picMk id="9" creationId="{C6C1BD9D-9156-2F8A-E298-D8F8FACE4AE5}"/>
+          </ac:picMkLst>
+        </pc:picChg>
+        <pc:picChg chg="mod">
+          <ac:chgData name="Vidar Angviken" userId="S::vidar.angviken@student.nbi-handelsakademin.se::e6737514-7315-45fb-9742-a773f62b3226" providerId="AD" clId="Web-{97B296B3-A6F6-EC12-DD90-8FAA43D8E438}" dt="2024-06-11T15:03:18.160" v="1706" actId="1076"/>
+          <ac:picMkLst>
+            <pc:docMk/>
+            <pc:sldMk cId="1466891409" sldId="277"/>
+            <ac:picMk id="11" creationId="{E13F5F81-5693-D254-2B42-856A988E5920}"/>
+          </ac:picMkLst>
+        </pc:picChg>
+        <pc:picChg chg="add del mod">
+          <ac:chgData name="Vidar Angviken" userId="S::vidar.angviken@student.nbi-handelsakademin.se::e6737514-7315-45fb-9742-a773f62b3226" providerId="AD" clId="Web-{97B296B3-A6F6-EC12-DD90-8FAA43D8E438}" dt="2024-06-11T14:49:58.409" v="1657"/>
+          <ac:picMkLst>
+            <pc:docMk/>
+            <pc:sldMk cId="1466891409" sldId="277"/>
+            <ac:picMk id="15" creationId="{6DEC5BFC-7A96-6200-0F65-9FD6FB4C0A5B}"/>
+          </ac:picMkLst>
+        </pc:picChg>
+      </pc:sldChg>
+      <pc:sldChg chg="modSp">
+        <pc:chgData name="Vidar Angviken" userId="S::vidar.angviken@student.nbi-handelsakademin.se::e6737514-7315-45fb-9742-a773f62b3226" providerId="AD" clId="Web-{97B296B3-A6F6-EC12-DD90-8FAA43D8E438}" dt="2024-06-11T18:30:27.156" v="1787" actId="1076"/>
+        <pc:sldMkLst>
+          <pc:docMk/>
+          <pc:sldMk cId="4207180296" sldId="278"/>
+        </pc:sldMkLst>
+        <pc:spChg chg="mod">
+          <ac:chgData name="Vidar Angviken" userId="S::vidar.angviken@student.nbi-handelsakademin.se::e6737514-7315-45fb-9742-a773f62b3226" providerId="AD" clId="Web-{97B296B3-A6F6-EC12-DD90-8FAA43D8E438}" dt="2024-06-11T18:30:27.156" v="1787" actId="1076"/>
+          <ac:spMkLst>
+            <pc:docMk/>
+            <pc:sldMk cId="4207180296" sldId="278"/>
+            <ac:spMk id="4" creationId="{AB6868EF-DA95-CDCF-E66C-77E6FB2FA094}"/>
+          </ac:spMkLst>
+        </pc:spChg>
+        <pc:graphicFrameChg chg="mod">
+          <ac:chgData name="Vidar Angviken" userId="S::vidar.angviken@student.nbi-handelsakademin.se::e6737514-7315-45fb-9742-a773f62b3226" providerId="AD" clId="Web-{97B296B3-A6F6-EC12-DD90-8FAA43D8E438}" dt="2024-06-11T15:15:14.444" v="1736" actId="1076"/>
+          <ac:graphicFrameMkLst>
+            <pc:docMk/>
+            <pc:sldMk cId="4207180296" sldId="278"/>
+            <ac:graphicFrameMk id="18" creationId="{CEDEA1BF-D521-2DCB-A9B5-B71F4B4C6EA4}"/>
+          </ac:graphicFrameMkLst>
+        </pc:graphicFrameChg>
+        <pc:picChg chg="mod">
+          <ac:chgData name="Vidar Angviken" userId="S::vidar.angviken@student.nbi-handelsakademin.se::e6737514-7315-45fb-9742-a773f62b3226" providerId="AD" clId="Web-{97B296B3-A6F6-EC12-DD90-8FAA43D8E438}" dt="2024-06-11T15:15:23.975" v="1737" actId="1076"/>
+          <ac:picMkLst>
+            <pc:docMk/>
+            <pc:sldMk cId="4207180296" sldId="278"/>
+            <ac:picMk id="9" creationId="{0B8375DB-68FF-733E-6119-017BAA768FF6}"/>
+          </ac:picMkLst>
+        </pc:picChg>
+      </pc:sldChg>
+      <pc:sldChg chg="addSp delSp modSp">
+        <pc:chgData name="Vidar Angviken" userId="S::vidar.angviken@student.nbi-handelsakademin.se::e6737514-7315-45fb-9742-a773f62b3226" providerId="AD" clId="Web-{97B296B3-A6F6-EC12-DD90-8FAA43D8E438}" dt="2024-06-11T18:44:03.942" v="2062" actId="20577"/>
+        <pc:sldMkLst>
+          <pc:docMk/>
+          <pc:sldMk cId="270228202" sldId="279"/>
+        </pc:sldMkLst>
+        <pc:spChg chg="mod">
+          <ac:chgData name="Vidar Angviken" userId="S::vidar.angviken@student.nbi-handelsakademin.se::e6737514-7315-45fb-9742-a773f62b3226" providerId="AD" clId="Web-{97B296B3-A6F6-EC12-DD90-8FAA43D8E438}" dt="2024-06-11T15:17:59.822" v="1743" actId="1076"/>
+          <ac:spMkLst>
+            <pc:docMk/>
+            <pc:sldMk cId="270228202" sldId="279"/>
+            <ac:spMk id="2" creationId="{6EFCD189-3C06-6CA9-7A77-A3AA7B47A70A}"/>
+          </ac:spMkLst>
+        </pc:spChg>
+        <pc:spChg chg="add del">
+          <ac:chgData name="Vidar Angviken" userId="S::vidar.angviken@student.nbi-handelsakademin.se::e6737514-7315-45fb-9742-a773f62b3226" providerId="AD" clId="Web-{97B296B3-A6F6-EC12-DD90-8FAA43D8E438}" dt="2024-06-11T18:31:13.969" v="1793"/>
+          <ac:spMkLst>
+            <pc:docMk/>
+            <pc:sldMk cId="270228202" sldId="279"/>
+            <ac:spMk id="3" creationId="{8322D192-42F8-BD0B-539D-AE44F879C380}"/>
+          </ac:spMkLst>
+        </pc:spChg>
+        <pc:spChg chg="mod">
+          <ac:chgData name="Vidar Angviken" userId="S::vidar.angviken@student.nbi-handelsakademin.se::e6737514-7315-45fb-9742-a773f62b3226" providerId="AD" clId="Web-{97B296B3-A6F6-EC12-DD90-8FAA43D8E438}" dt="2024-06-11T18:30:59.547" v="1791" actId="1076"/>
+          <ac:spMkLst>
+            <pc:docMk/>
+            <pc:sldMk cId="270228202" sldId="279"/>
+            <ac:spMk id="4" creationId="{AB6868EF-DA95-CDCF-E66C-77E6FB2FA094}"/>
+          </ac:spMkLst>
+        </pc:spChg>
+        <pc:spChg chg="add del mod">
+          <ac:chgData name="Vidar Angviken" userId="S::vidar.angviken@student.nbi-handelsakademin.se::e6737514-7315-45fb-9742-a773f62b3226" providerId="AD" clId="Web-{97B296B3-A6F6-EC12-DD90-8FAA43D8E438}" dt="2024-06-11T18:31:46.376" v="1798"/>
+          <ac:spMkLst>
+            <pc:docMk/>
+            <pc:sldMk cId="270228202" sldId="279"/>
+            <ac:spMk id="6" creationId="{40B677C7-508F-C152-1FFF-3F7ED02321C6}"/>
+          </ac:spMkLst>
+        </pc:spChg>
+        <pc:spChg chg="add mod">
+          <ac:chgData name="Vidar Angviken" userId="S::vidar.angviken@student.nbi-handelsakademin.se::e6737514-7315-45fb-9742-a773f62b3226" providerId="AD" clId="Web-{97B296B3-A6F6-EC12-DD90-8FAA43D8E438}" dt="2024-06-11T18:44:03.942" v="2062" actId="20577"/>
+          <ac:spMkLst>
+            <pc:docMk/>
+            <pc:sldMk cId="270228202" sldId="279"/>
+            <ac:spMk id="7" creationId="{FFD16E7C-2BEC-4C2A-F7B4-941F5161DDB0}"/>
+          </ac:spMkLst>
+        </pc:spChg>
+        <pc:spChg chg="mod">
+          <ac:chgData name="Vidar Angviken" userId="S::vidar.angviken@student.nbi-handelsakademin.se::e6737514-7315-45fb-9742-a773f62b3226" providerId="AD" clId="Web-{97B296B3-A6F6-EC12-DD90-8FAA43D8E438}" dt="2024-06-11T18:38:57.124" v="2059" actId="1076"/>
+          <ac:spMkLst>
+            <pc:docMk/>
+            <pc:sldMk cId="270228202" sldId="279"/>
+            <ac:spMk id="8" creationId="{45BED702-FE40-C2F2-AAB4-11E6D4B749AE}"/>
+          </ac:spMkLst>
+        </pc:spChg>
+      </pc:sldChg>
+      <pc:sldChg chg="add del mod replId modShow">
+        <pc:chgData name="Vidar Angviken" userId="S::vidar.angviken@student.nbi-handelsakademin.se::e6737514-7315-45fb-9742-a773f62b3226" providerId="AD" clId="Web-{97B296B3-A6F6-EC12-DD90-8FAA43D8E438}" dt="2024-06-11T19:38:34.583" v="2093"/>
+        <pc:sldMkLst>
+          <pc:docMk/>
+          <pc:sldMk cId="4122333513" sldId="280"/>
+        </pc:sldMkLst>
+      </pc:sldChg>
+    </pc:docChg>
+  </pc:docChgLst>
+  <pc:docChgLst>
+    <pc:chgData name="Asami Jonsson" userId="S::asami.jonsson@student.nbi-handelsakademin.se::c64cae7b-6530-4cc8-8a42-470936f18f2e" providerId="AD" clId="Web-{96D481BA-FE04-DE0A-8B80-8292EB50C642}"/>
+    <pc:docChg chg="addSld delSld modSld sldOrd">
+      <pc:chgData name="Asami Jonsson" userId="S::asami.jonsson@student.nbi-handelsakademin.se::c64cae7b-6530-4cc8-8a42-470936f18f2e" providerId="AD" clId="Web-{96D481BA-FE04-DE0A-8B80-8292EB50C642}" dt="2024-06-11T12:28:49.614" v="529" actId="20577"/>
+      <pc:docMkLst>
+        <pc:docMk/>
+      </pc:docMkLst>
+      <pc:sldChg chg="modNotes">
+        <pc:chgData name="Asami Jonsson" userId="S::asami.jonsson@student.nbi-handelsakademin.se::c64cae7b-6530-4cc8-8a42-470936f18f2e" providerId="AD" clId="Web-{96D481BA-FE04-DE0A-8B80-8292EB50C642}" dt="2024-06-11T12:00:51.051" v="181"/>
+        <pc:sldMkLst>
+          <pc:docMk/>
+          <pc:sldMk cId="538095569" sldId="264"/>
+        </pc:sldMkLst>
+      </pc:sldChg>
+      <pc:sldChg chg="modSp add replId">
+        <pc:chgData name="Asami Jonsson" userId="S::asami.jonsson@student.nbi-handelsakademin.se::c64cae7b-6530-4cc8-8a42-470936f18f2e" providerId="AD" clId="Web-{96D481BA-FE04-DE0A-8B80-8292EB50C642}" dt="2024-06-11T11:31:20.294" v="21" actId="20577"/>
+        <pc:sldMkLst>
+          <pc:docMk/>
+          <pc:sldMk cId="2390436597" sldId="268"/>
+        </pc:sldMkLst>
+        <pc:spChg chg="mod">
+          <ac:chgData name="Asami Jonsson" userId="S::asami.jonsson@student.nbi-handelsakademin.se::c64cae7b-6530-4cc8-8a42-470936f18f2e" providerId="AD" clId="Web-{96D481BA-FE04-DE0A-8B80-8292EB50C642}" dt="2024-06-11T11:29:34.810" v="13" actId="20577"/>
+          <ac:spMkLst>
+            <pc:docMk/>
+            <pc:sldMk cId="2390436597" sldId="268"/>
+            <ac:spMk id="4" creationId="{AB6868EF-DA95-CDCF-E66C-77E6FB2FA094}"/>
+          </ac:spMkLst>
+        </pc:spChg>
+        <pc:spChg chg="mod">
+          <ac:chgData name="Asami Jonsson" userId="S::asami.jonsson@student.nbi-handelsakademin.se::c64cae7b-6530-4cc8-8a42-470936f18f2e" providerId="AD" clId="Web-{96D481BA-FE04-DE0A-8B80-8292EB50C642}" dt="2024-06-11T11:31:20.294" v="21" actId="20577"/>
+          <ac:spMkLst>
+            <pc:docMk/>
+            <pc:sldMk cId="2390436597" sldId="268"/>
+            <ac:spMk id="6" creationId="{0F4B7E67-D246-8232-A180-CDC14DBA2397}"/>
+          </ac:spMkLst>
+        </pc:spChg>
+      </pc:sldChg>
+      <pc:sldChg chg="new del ord">
+        <pc:chgData name="Asami Jonsson" userId="S::asami.jonsson@student.nbi-handelsakademin.se::c64cae7b-6530-4cc8-8a42-470936f18f2e" providerId="AD" clId="Web-{96D481BA-FE04-DE0A-8B80-8292EB50C642}" dt="2024-06-11T11:29:05.419" v="2"/>
+        <pc:sldMkLst>
+          <pc:docMk/>
+          <pc:sldMk cId="3019174363" sldId="268"/>
+        </pc:sldMkLst>
+      </pc:sldChg>
+      <pc:sldChg chg="addSp delSp modSp add replId">
+        <pc:chgData name="Asami Jonsson" userId="S::asami.jonsson@student.nbi-handelsakademin.se::c64cae7b-6530-4cc8-8a42-470936f18f2e" providerId="AD" clId="Web-{96D481BA-FE04-DE0A-8B80-8292EB50C642}" dt="2024-06-11T12:28:49.614" v="529" actId="20577"/>
+        <pc:sldMkLst>
+          <pc:docMk/>
+          <pc:sldMk cId="2475600775" sldId="269"/>
+        </pc:sldMkLst>
+        <pc:spChg chg="add mod">
+          <ac:chgData name="Asami Jonsson" userId="S::asami.jonsson@student.nbi-handelsakademin.se::c64cae7b-6530-4cc8-8a42-470936f18f2e" providerId="AD" clId="Web-{96D481BA-FE04-DE0A-8B80-8292EB50C642}" dt="2024-06-11T12:28:49.614" v="529" actId="20577"/>
+          <ac:spMkLst>
+            <pc:docMk/>
+            <pc:sldMk cId="2475600775" sldId="269"/>
+            <ac:spMk id="2" creationId="{06B03ED2-F212-E49D-38F9-3EFF480E3BEB}"/>
+          </ac:spMkLst>
+        </pc:spChg>
+        <pc:spChg chg="mod">
+          <ac:chgData name="Asami Jonsson" userId="S::asami.jonsson@student.nbi-handelsakademin.se::c64cae7b-6530-4cc8-8a42-470936f18f2e" providerId="AD" clId="Web-{96D481BA-FE04-DE0A-8B80-8292EB50C642}" dt="2024-06-11T11:32:50.450" v="28" actId="20577"/>
+          <ac:spMkLst>
+            <pc:docMk/>
+            <pc:sldMk cId="2475600775" sldId="269"/>
+            <ac:spMk id="4" creationId="{AB6868EF-DA95-CDCF-E66C-77E6FB2FA094}"/>
+          </ac:spMkLst>
+        </pc:spChg>
+        <pc:spChg chg="del mod">
+          <ac:chgData name="Asami Jonsson" userId="S::asami.jonsson@student.nbi-handelsakademin.se::c64cae7b-6530-4cc8-8a42-470936f18f2e" providerId="AD" clId="Web-{96D481BA-FE04-DE0A-8B80-8292EB50C642}" dt="2024-06-11T11:33:13.607" v="34"/>
+          <ac:spMkLst>
+            <pc:docMk/>
+            <pc:sldMk cId="2475600775" sldId="269"/>
+            <ac:spMk id="6" creationId="{0F4B7E67-D246-8232-A180-CDC14DBA2397}"/>
+          </ac:spMkLst>
+        </pc:spChg>
+      </pc:sldChg>
+      <pc:sldChg chg="modSp add ord replId">
+        <pc:chgData name="Asami Jonsson" userId="S::asami.jonsson@student.nbi-handelsakademin.se::c64cae7b-6530-4cc8-8a42-470936f18f2e" providerId="AD" clId="Web-{96D481BA-FE04-DE0A-8B80-8292EB50C642}" dt="2024-06-11T11:33:20.107" v="42" actId="20577"/>
+        <pc:sldMkLst>
+          <pc:docMk/>
+          <pc:sldMk cId="3703693321" sldId="270"/>
+        </pc:sldMkLst>
+        <pc:spChg chg="mod">
+          <ac:chgData name="Asami Jonsson" userId="S::asami.jonsson@student.nbi-handelsakademin.se::c64cae7b-6530-4cc8-8a42-470936f18f2e" providerId="AD" clId="Web-{96D481BA-FE04-DE0A-8B80-8292EB50C642}" dt="2024-06-11T11:33:20.107" v="42" actId="20577"/>
+          <ac:spMkLst>
+            <pc:docMk/>
+            <pc:sldMk cId="3703693321" sldId="270"/>
+            <ac:spMk id="4" creationId="{AB6868EF-DA95-CDCF-E66C-77E6FB2FA094}"/>
+          </ac:spMkLst>
+        </pc:spChg>
+      </pc:sldChg>
+      <pc:sldChg chg="modSp add replId">
+        <pc:chgData name="Asami Jonsson" userId="S::asami.jonsson@student.nbi-handelsakademin.se::c64cae7b-6530-4cc8-8a42-470936f18f2e" providerId="AD" clId="Web-{96D481BA-FE04-DE0A-8B80-8292EB50C642}" dt="2024-06-11T11:33:49.372" v="68" actId="20577"/>
+        <pc:sldMkLst>
+          <pc:docMk/>
+          <pc:sldMk cId="4293620081" sldId="271"/>
+        </pc:sldMkLst>
+        <pc:spChg chg="mod">
+          <ac:chgData name="Asami Jonsson" userId="S::asami.jonsson@student.nbi-handelsakademin.se::c64cae7b-6530-4cc8-8a42-470936f18f2e" providerId="AD" clId="Web-{96D481BA-FE04-DE0A-8B80-8292EB50C642}" dt="2024-06-11T11:33:49.372" v="68" actId="20577"/>
+          <ac:spMkLst>
+            <pc:docMk/>
+            <pc:sldMk cId="4293620081" sldId="271"/>
+            <ac:spMk id="4" creationId="{AB6868EF-DA95-CDCF-E66C-77E6FB2FA094}"/>
+          </ac:spMkLst>
+        </pc:spChg>
+      </pc:sldChg>
+      <pc:sldChg chg="delSp modSp add replId">
+        <pc:chgData name="Asami Jonsson" userId="S::asami.jonsson@student.nbi-handelsakademin.se::c64cae7b-6530-4cc8-8a42-470936f18f2e" providerId="AD" clId="Web-{96D481BA-FE04-DE0A-8B80-8292EB50C642}" dt="2024-06-11T11:37:15.826" v="105" actId="20577"/>
+        <pc:sldMkLst>
+          <pc:docMk/>
+          <pc:sldMk cId="3986378545" sldId="272"/>
+        </pc:sldMkLst>
+        <pc:spChg chg="mod">
+          <ac:chgData name="Asami Jonsson" userId="S::asami.jonsson@student.nbi-handelsakademin.se::c64cae7b-6530-4cc8-8a42-470936f18f2e" providerId="AD" clId="Web-{96D481BA-FE04-DE0A-8B80-8292EB50C642}" dt="2024-06-11T11:37:15.826" v="105" actId="20577"/>
+          <ac:spMkLst>
+            <pc:docMk/>
+            <pc:sldMk cId="3986378545" sldId="272"/>
+            <ac:spMk id="4" creationId="{AB6868EF-DA95-CDCF-E66C-77E6FB2FA094}"/>
+          </ac:spMkLst>
+        </pc:spChg>
+        <pc:spChg chg="mod">
+          <ac:chgData name="Asami Jonsson" userId="S::asami.jonsson@student.nbi-handelsakademin.se::c64cae7b-6530-4cc8-8a42-470936f18f2e" providerId="AD" clId="Web-{96D481BA-FE04-DE0A-8B80-8292EB50C642}" dt="2024-06-11T11:34:09.326" v="76" actId="1076"/>
+          <ac:spMkLst>
+            <pc:docMk/>
+            <pc:sldMk cId="3986378545" sldId="272"/>
+            <ac:spMk id="5" creationId="{3BC64304-B6C0-FC94-369A-E33C0C727BBB}"/>
+          </ac:spMkLst>
+        </pc:spChg>
+        <pc:spChg chg="del">
+          <ac:chgData name="Asami Jonsson" userId="S::asami.jonsson@student.nbi-handelsakademin.se::c64cae7b-6530-4cc8-8a42-470936f18f2e" providerId="AD" clId="Web-{96D481BA-FE04-DE0A-8B80-8292EB50C642}" dt="2024-06-11T11:34:44.544" v="85"/>
+          <ac:spMkLst>
+            <pc:docMk/>
+            <pc:sldMk cId="3986378545" sldId="272"/>
+            <ac:spMk id="6" creationId="{0F4B7E67-D246-8232-A180-CDC14DBA2397}"/>
+          </ac:spMkLst>
+        </pc:spChg>
+      </pc:sldChg>
+    </pc:docChg>
+  </pc:docChgLst>
 </pc:chgInfo>
+</file>
+
+<file path=ppt/notesMasters/notesMaster1.xml><?xml version="1.0" encoding="utf-8"?>
+<p:notesMaster xmlns:a="http://schemas.openxmlformats.org/drawingml/2006/main" xmlns:r="http://schemas.openxmlformats.org/officeDocument/2006/relationships" xmlns:p="http://schemas.openxmlformats.org/presentationml/2006/main">
+  <p:cSld>
+    <p:bg>
+      <p:bgRef idx="1001">
+        <a:schemeClr val="bg1"/>
+      </p:bgRef>
+    </p:bg>
+    <p:spTree>
+      <p:nvGrpSpPr>
+        <p:cNvPr id="1" name=""/>
+        <p:cNvGrpSpPr/>
+        <p:nvPr/>
+      </p:nvGrpSpPr>
+      <p:grpSpPr>
+        <a:xfrm>
+          <a:off x="0" y="0"/>
+          <a:ext cx="0" cy="0"/>
+          <a:chOff x="0" y="0"/>
+          <a:chExt cx="0" cy="0"/>
+        </a:xfrm>
+      </p:grpSpPr>
+      <p:sp>
+        <p:nvSpPr>
+          <p:cNvPr id="2" name="Platshållare för sidhuvud 1"/>
+          <p:cNvSpPr>
+            <a:spLocks noGrp="1"/>
+          </p:cNvSpPr>
+          <p:nvPr>
+            <p:ph type="hdr" sz="quarter"/>
+          </p:nvPr>
+        </p:nvSpPr>
+        <p:spPr>
+          <a:xfrm>
+            <a:off x="0" y="0"/>
+            <a:ext cx="2971800" cy="458788"/>
+          </a:xfrm>
+          <a:prstGeom prst="rect">
+            <a:avLst/>
+          </a:prstGeom>
+        </p:spPr>
+        <p:txBody>
+          <a:bodyPr vert="horz" lIns="91440" tIns="45720" rIns="91440" bIns="45720" rtlCol="0"/>
+          <a:lstStyle>
+            <a:lvl1pPr algn="l">
+              <a:defRPr sz="1200"/>
+            </a:lvl1pPr>
+          </a:lstStyle>
+          <a:p>
+            <a:endParaRPr lang="sv-SE"/>
+          </a:p>
+        </p:txBody>
+      </p:sp>
+      <p:sp>
+        <p:nvSpPr>
+          <p:cNvPr id="3" name="Platshållare för datum 2"/>
+          <p:cNvSpPr>
+            <a:spLocks noGrp="1"/>
+          </p:cNvSpPr>
+          <p:nvPr>
+            <p:ph type="dt" idx="1"/>
+          </p:nvPr>
+        </p:nvSpPr>
+        <p:spPr>
+          <a:xfrm>
+            <a:off x="3884613" y="0"/>
+            <a:ext cx="2971800" cy="458788"/>
+          </a:xfrm>
+          <a:prstGeom prst="rect">
+            <a:avLst/>
+          </a:prstGeom>
+        </p:spPr>
+        <p:txBody>
+          <a:bodyPr vert="horz" lIns="91440" tIns="45720" rIns="91440" bIns="45720" rtlCol="0"/>
+          <a:lstStyle>
+            <a:lvl1pPr algn="r">
+              <a:defRPr sz="1200"/>
+            </a:lvl1pPr>
+          </a:lstStyle>
+          <a:p>
+            <a:fld id="{A2ADF33E-D375-461B-B1FA-EB6C508FB108}" type="datetimeFigureOut">
+              <a:t>6/11/2024</a:t>
+            </a:fld>
+            <a:endParaRPr lang="sv-SE"/>
+          </a:p>
+        </p:txBody>
+      </p:sp>
+      <p:sp>
+        <p:nvSpPr>
+          <p:cNvPr id="4" name="Platshållare för bildobjekt 3"/>
+          <p:cNvSpPr>
+            <a:spLocks noGrp="1" noRot="1" noChangeAspect="1"/>
+          </p:cNvSpPr>
+          <p:nvPr>
+            <p:ph type="sldImg" idx="2"/>
+          </p:nvPr>
+        </p:nvSpPr>
+        <p:spPr>
+          <a:xfrm>
+            <a:off x="685800" y="1143000"/>
+            <a:ext cx="5486400" cy="3086100"/>
+          </a:xfrm>
+          <a:prstGeom prst="rect">
+            <a:avLst/>
+          </a:prstGeom>
+          <a:noFill/>
+          <a:ln w="12700">
+            <a:solidFill>
+              <a:prstClr val="black"/>
+            </a:solidFill>
+          </a:ln>
+        </p:spPr>
+        <p:txBody>
+          <a:bodyPr vert="horz" lIns="91440" tIns="45720" rIns="91440" bIns="45720" rtlCol="0" anchor="ctr"/>
+          <a:lstStyle/>
+          <a:p>
+            <a:endParaRPr lang="sv-SE"/>
+          </a:p>
+        </p:txBody>
+      </p:sp>
+      <p:sp>
+        <p:nvSpPr>
+          <p:cNvPr id="5" name="Platshållare för anteckningar 4"/>
+          <p:cNvSpPr>
+            <a:spLocks noGrp="1"/>
+          </p:cNvSpPr>
+          <p:nvPr>
+            <p:ph type="body" sz="quarter" idx="3"/>
+          </p:nvPr>
+        </p:nvSpPr>
+        <p:spPr>
+          <a:xfrm>
+            <a:off x="685800" y="4400550"/>
+            <a:ext cx="5486400" cy="3600450"/>
+          </a:xfrm>
+          <a:prstGeom prst="rect">
+            <a:avLst/>
+          </a:prstGeom>
+        </p:spPr>
+        <p:txBody>
+          <a:bodyPr vert="horz" lIns="91440" tIns="45720" rIns="91440" bIns="45720" rtlCol="0"/>
+          <a:lstStyle/>
+          <a:p>
+            <a:pPr lvl="0"/>
+            <a:r>
+              <a:rPr lang="sv-SE"/>
+              <a:t>Klicka här för att ändra format på bakgrundstexten</a:t>
+            </a:r>
+          </a:p>
+          <a:p>
+            <a:pPr lvl="1"/>
+            <a:r>
+              <a:rPr lang="sv-SE"/>
+              <a:t>Nivå två</a:t>
+            </a:r>
+          </a:p>
+          <a:p>
+            <a:pPr lvl="2"/>
+            <a:r>
+              <a:rPr lang="sv-SE"/>
+              <a:t>Nivå tre</a:t>
+            </a:r>
+          </a:p>
+          <a:p>
+            <a:pPr lvl="3"/>
+            <a:r>
+              <a:rPr lang="sv-SE"/>
+              <a:t>Nivå fyra</a:t>
+            </a:r>
+          </a:p>
+          <a:p>
+            <a:pPr lvl="4"/>
+            <a:r>
+              <a:rPr lang="sv-SE"/>
+              <a:t>Nivå fem</a:t>
+            </a:r>
+          </a:p>
+        </p:txBody>
+      </p:sp>
+      <p:sp>
+        <p:nvSpPr>
+          <p:cNvPr id="6" name="Platshållare för sidfot 5"/>
+          <p:cNvSpPr>
+            <a:spLocks noGrp="1"/>
+          </p:cNvSpPr>
+          <p:nvPr>
+            <p:ph type="ftr" sz="quarter" idx="4"/>
+          </p:nvPr>
+        </p:nvSpPr>
+        <p:spPr>
+          <a:xfrm>
+            <a:off x="0" y="8685213"/>
+            <a:ext cx="2971800" cy="458787"/>
+          </a:xfrm>
+          <a:prstGeom prst="rect">
+            <a:avLst/>
+          </a:prstGeom>
+        </p:spPr>
+        <p:txBody>
+          <a:bodyPr vert="horz" lIns="91440" tIns="45720" rIns="91440" bIns="45720" rtlCol="0" anchor="b"/>
+          <a:lstStyle>
+            <a:lvl1pPr algn="l">
+              <a:defRPr sz="1200"/>
+            </a:lvl1pPr>
+          </a:lstStyle>
+          <a:p>
+            <a:endParaRPr lang="sv-SE"/>
+          </a:p>
+        </p:txBody>
+      </p:sp>
+      <p:sp>
+        <p:nvSpPr>
+          <p:cNvPr id="7" name="Platshållare för bildnummer 6"/>
+          <p:cNvSpPr>
+            <a:spLocks noGrp="1"/>
+          </p:cNvSpPr>
+          <p:nvPr>
+            <p:ph type="sldNum" sz="quarter" idx="5"/>
+          </p:nvPr>
+        </p:nvSpPr>
+        <p:spPr>
+          <a:xfrm>
+            <a:off x="3884613" y="8685213"/>
+            <a:ext cx="2971800" cy="458787"/>
+          </a:xfrm>
+          <a:prstGeom prst="rect">
+            <a:avLst/>
+          </a:prstGeom>
+        </p:spPr>
+        <p:txBody>
+          <a:bodyPr vert="horz" lIns="91440" tIns="45720" rIns="91440" bIns="45720" rtlCol="0" anchor="b"/>
+          <a:lstStyle>
+            <a:lvl1pPr algn="r">
+              <a:defRPr sz="1200"/>
+            </a:lvl1pPr>
+          </a:lstStyle>
+          <a:p>
+            <a:fld id="{529055D1-7BB6-4556-9E8B-2A538AF724FE}" type="slidenum">
+              <a:t>‹#›</a:t>
+            </a:fld>
+            <a:endParaRPr lang="sv-SE"/>
+          </a:p>
+        </p:txBody>
+      </p:sp>
+    </p:spTree>
+    <p:extLst>
+      <p:ext uri="{BB962C8B-B14F-4D97-AF65-F5344CB8AC3E}">
+        <p14:creationId xmlns:p14="http://schemas.microsoft.com/office/powerpoint/2010/main" val="173982725"/>
+      </p:ext>
+    </p:extLst>
+  </p:cSld>
+  <p:clrMap bg1="lt1" tx1="dk1" bg2="lt2" tx2="dk2" accent1="accent1" accent2="accent2" accent3="accent3" accent4="accent4" accent5="accent5" accent6="accent6" hlink="hlink" folHlink="folHlink"/>
+  <p:notesStyle>
+    <a:lvl1pPr marL="0" algn="l" defTabSz="914400" rtl="0" eaLnBrk="1" latinLnBrk="0" hangingPunct="1">
+      <a:defRPr sz="1200" kern="1200">
+        <a:solidFill>
+          <a:schemeClr val="tx1"/>
+        </a:solidFill>
+        <a:latin typeface="+mn-lt"/>
+        <a:ea typeface="+mn-ea"/>
+        <a:cs typeface="+mn-cs"/>
+      </a:defRPr>
+    </a:lvl1pPr>
+    <a:lvl2pPr marL="457200" algn="l" defTabSz="914400" rtl="0" eaLnBrk="1" latinLnBrk="0" hangingPunct="1">
+      <a:defRPr sz="1200" kern="1200">
+        <a:solidFill>
+          <a:schemeClr val="tx1"/>
+        </a:solidFill>
+        <a:latin typeface="+mn-lt"/>
+        <a:ea typeface="+mn-ea"/>
+        <a:cs typeface="+mn-cs"/>
+      </a:defRPr>
+    </a:lvl2pPr>
+    <a:lvl3pPr marL="914400" algn="l" defTabSz="914400" rtl="0" eaLnBrk="1" latinLnBrk="0" hangingPunct="1">
+      <a:defRPr sz="1200" kern="1200">
+        <a:solidFill>
+          <a:schemeClr val="tx1"/>
+        </a:solidFill>
+        <a:latin typeface="+mn-lt"/>
+        <a:ea typeface="+mn-ea"/>
+        <a:cs typeface="+mn-cs"/>
+      </a:defRPr>
+    </a:lvl3pPr>
+    <a:lvl4pPr marL="1371600" algn="l" defTabSz="914400" rtl="0" eaLnBrk="1" latinLnBrk="0" hangingPunct="1">
+      <a:defRPr sz="1200" kern="1200">
+        <a:solidFill>
+          <a:schemeClr val="tx1"/>
+        </a:solidFill>
+        <a:latin typeface="+mn-lt"/>
+        <a:ea typeface="+mn-ea"/>
+        <a:cs typeface="+mn-cs"/>
+      </a:defRPr>
+    </a:lvl4pPr>
+    <a:lvl5pPr marL="1828800" algn="l" defTabSz="914400" rtl="0" eaLnBrk="1" latinLnBrk="0" hangingPunct="1">
+      <a:defRPr sz="1200" kern="1200">
+        <a:solidFill>
+          <a:schemeClr val="tx1"/>
+        </a:solidFill>
+        <a:latin typeface="+mn-lt"/>
+        <a:ea typeface="+mn-ea"/>
+        <a:cs typeface="+mn-cs"/>
+      </a:defRPr>
+    </a:lvl5pPr>
+    <a:lvl6pPr marL="2286000" algn="l" defTabSz="914400" rtl="0" eaLnBrk="1" latinLnBrk="0" hangingPunct="1">
+      <a:defRPr sz="1200" kern="1200">
+        <a:solidFill>
+          <a:schemeClr val="tx1"/>
+        </a:solidFill>
+        <a:latin typeface="+mn-lt"/>
+        <a:ea typeface="+mn-ea"/>
+        <a:cs typeface="+mn-cs"/>
+      </a:defRPr>
+    </a:lvl6pPr>
+    <a:lvl7pPr marL="2743200" algn="l" defTabSz="914400" rtl="0" eaLnBrk="1" latinLnBrk="0" hangingPunct="1">
+      <a:defRPr sz="1200" kern="1200">
+        <a:solidFill>
+          <a:schemeClr val="tx1"/>
+        </a:solidFill>
+        <a:latin typeface="+mn-lt"/>
+        <a:ea typeface="+mn-ea"/>
+        <a:cs typeface="+mn-cs"/>
+      </a:defRPr>
+    </a:lvl7pPr>
+    <a:lvl8pPr marL="3200400" algn="l" defTabSz="914400" rtl="0" eaLnBrk="1" latinLnBrk="0" hangingPunct="1">
+      <a:defRPr sz="1200" kern="1200">
+        <a:solidFill>
+          <a:schemeClr val="tx1"/>
+        </a:solidFill>
+        <a:latin typeface="+mn-lt"/>
+        <a:ea typeface="+mn-ea"/>
+        <a:cs typeface="+mn-cs"/>
+      </a:defRPr>
+    </a:lvl8pPr>
+    <a:lvl9pPr marL="3657600" algn="l" defTabSz="914400" rtl="0" eaLnBrk="1" latinLnBrk="0" hangingPunct="1">
+      <a:defRPr sz="1200" kern="1200">
+        <a:solidFill>
+          <a:schemeClr val="tx1"/>
+        </a:solidFill>
+        <a:latin typeface="+mn-lt"/>
+        <a:ea typeface="+mn-ea"/>
+        <a:cs typeface="+mn-cs"/>
+      </a:defRPr>
+    </a:lvl9pPr>
+  </p:notesStyle>
+</p:notesMaster>
+</file>
+
+<file path=ppt/notesSlides/notesSlide1.xml><?xml version="1.0" encoding="utf-8"?>
+<p:notes xmlns:a="http://schemas.openxmlformats.org/drawingml/2006/main" xmlns:r="http://schemas.openxmlformats.org/officeDocument/2006/relationships" xmlns:p="http://schemas.openxmlformats.org/presentationml/2006/main">
+  <p:cSld>
+    <p:spTree>
+      <p:nvGrpSpPr>
+        <p:cNvPr id="1" name=""/>
+        <p:cNvGrpSpPr/>
+        <p:nvPr/>
+      </p:nvGrpSpPr>
+      <p:grpSpPr>
+        <a:xfrm>
+          <a:off x="0" y="0"/>
+          <a:ext cx="0" cy="0"/>
+          <a:chOff x="0" y="0"/>
+          <a:chExt cx="0" cy="0"/>
+        </a:xfrm>
+      </p:grpSpPr>
+      <p:sp>
+        <p:nvSpPr>
+          <p:cNvPr id="2" name="Platshållare för bildobjekt 1"/>
+          <p:cNvSpPr>
+            <a:spLocks noGrp="1" noRot="1" noChangeAspect="1"/>
+          </p:cNvSpPr>
+          <p:nvPr>
+            <p:ph type="sldImg"/>
+          </p:nvPr>
+        </p:nvSpPr>
+        <p:spPr/>
+      </p:sp>
+      <p:sp>
+        <p:nvSpPr>
+          <p:cNvPr id="3" name="Platshållare för anteckningar 2"/>
+          <p:cNvSpPr>
+            <a:spLocks noGrp="1"/>
+          </p:cNvSpPr>
+          <p:nvPr>
+            <p:ph type="body" idx="1"/>
+          </p:nvPr>
+        </p:nvSpPr>
+        <p:spPr/>
+        <p:txBody>
+          <a:bodyPr/>
+          <a:lstStyle/>
+          <a:p>
+            <a:r>
+              <a:rPr lang="en-US">
+                <a:cs typeface="Calibri"/>
+              </a:rPr>
+              <a:t>Bild till </a:t>
+            </a:r>
+            <a:r>
+              <a:rPr lang="en-US" err="1">
+                <a:cs typeface="Calibri"/>
+              </a:rPr>
+              <a:t>höger</a:t>
+            </a:r>
+            <a:r>
+              <a:rPr lang="en-US">
+                <a:cs typeface="Calibri"/>
+              </a:rPr>
+              <a:t>: </a:t>
+            </a:r>
+            <a:r>
+              <a:rPr lang="en-US" err="1">
+                <a:cs typeface="Calibri"/>
+              </a:rPr>
+              <a:t>tydliga</a:t>
+            </a:r>
+            <a:r>
+              <a:rPr lang="en-US">
+                <a:cs typeface="Calibri"/>
+              </a:rPr>
+              <a:t> </a:t>
+            </a:r>
+            <a:r>
+              <a:rPr lang="en-US" err="1">
+                <a:cs typeface="Calibri"/>
+              </a:rPr>
+              <a:t>grupperingar</a:t>
+            </a:r>
+            <a:r>
+              <a:rPr lang="en-US">
+                <a:cs typeface="Calibri"/>
+              </a:rPr>
+              <a:t> med median house value I California</a:t>
+            </a:r>
+            <a:br>
+              <a:rPr lang="en-US">
+                <a:cs typeface="+mn-lt"/>
+              </a:rPr>
+            </a:br>
+            <a:endParaRPr lang="en-US">
+              <a:cs typeface="Calibri"/>
+            </a:endParaRPr>
+          </a:p>
+        </p:txBody>
+      </p:sp>
+      <p:sp>
+        <p:nvSpPr>
+          <p:cNvPr id="4" name="Platshållare för bildnummer 3"/>
+          <p:cNvSpPr>
+            <a:spLocks noGrp="1"/>
+          </p:cNvSpPr>
+          <p:nvPr>
+            <p:ph type="sldNum" sz="quarter" idx="5"/>
+          </p:nvPr>
+        </p:nvSpPr>
+        <p:spPr/>
+        <p:txBody>
+          <a:bodyPr/>
+          <a:lstStyle/>
+          <a:p>
+            <a:fld id="{529055D1-7BB6-4556-9E8B-2A538AF724FE}" type="slidenum">
+              <a:t>3</a:t>
+            </a:fld>
+            <a:endParaRPr lang="sv-SE"/>
+          </a:p>
+        </p:txBody>
+      </p:sp>
+    </p:spTree>
+    <p:extLst>
+      <p:ext uri="{BB962C8B-B14F-4D97-AF65-F5344CB8AC3E}">
+        <p14:creationId xmlns:p14="http://schemas.microsoft.com/office/powerpoint/2010/main" val="996770018"/>
+      </p:ext>
+    </p:extLst>
+  </p:cSld>
+  <p:clrMapOvr>
+    <a:masterClrMapping/>
+  </p:clrMapOvr>
+</p:notes>
 </file>
 
 <file path=ppt/slideLayouts/slideLayout1.xml><?xml version="1.0" encoding="utf-8"?>
@@ -589,7 +3309,7 @@
               <a:rPr lang="sv-SE"/>
               <a:t>Klicka här för att ändra mall för rubrikformat</a:t>
             </a:r>
-            <a:endParaRPr lang="en-US" dirty="0"/>
+            <a:endParaRPr lang="en-US"/>
           </a:p>
         </p:txBody>
       </p:sp>
@@ -654,7 +3374,7 @@
               <a:rPr lang="sv-SE"/>
               <a:t>Klicka här för att ändra mall för underrubrikformat</a:t>
             </a:r>
-            <a:endParaRPr lang="en-US" dirty="0"/>
+            <a:endParaRPr lang="en-US"/>
           </a:p>
         </p:txBody>
       </p:sp>
@@ -675,7 +3395,7 @@
           <a:p>
             <a:fld id="{FED1F9A6-D5C0-4D06-9A98-183D236989D8}" type="datetimeFigureOut">
               <a:rPr lang="en-US" smtClean="0"/>
-              <a:t>6/9/2024</a:t>
+              <a:t>6/11/2024</a:t>
             </a:fld>
             <a:endParaRPr lang="en-US"/>
           </a:p>
@@ -772,7 +3492,7 @@
               <a:rPr lang="sv-SE"/>
               <a:t>Klicka här för att ändra mall för rubrikformat</a:t>
             </a:r>
-            <a:endParaRPr lang="en-US" dirty="0"/>
+            <a:endParaRPr lang="en-US"/>
           </a:p>
         </p:txBody>
       </p:sp>
@@ -824,7 +3544,7 @@
               <a:rPr lang="sv-SE"/>
               <a:t>Nivå fem</a:t>
             </a:r>
-            <a:endParaRPr lang="en-US" dirty="0"/>
+            <a:endParaRPr lang="en-US"/>
           </a:p>
         </p:txBody>
       </p:sp>
@@ -845,7 +3565,7 @@
           <a:p>
             <a:fld id="{FED1F9A6-D5C0-4D06-9A98-183D236989D8}" type="datetimeFigureOut">
               <a:rPr lang="en-US" smtClean="0"/>
-              <a:t>6/9/2024</a:t>
+              <a:t>6/11/2024</a:t>
             </a:fld>
             <a:endParaRPr lang="en-US"/>
           </a:p>
@@ -947,7 +3667,7 @@
               <a:rPr lang="sv-SE"/>
               <a:t>Klicka här för att ändra mall för rubrikformat</a:t>
             </a:r>
-            <a:endParaRPr lang="en-US" dirty="0"/>
+            <a:endParaRPr lang="en-US"/>
           </a:p>
         </p:txBody>
       </p:sp>
@@ -1004,7 +3724,7 @@
               <a:rPr lang="sv-SE"/>
               <a:t>Nivå fem</a:t>
             </a:r>
-            <a:endParaRPr lang="en-US" dirty="0"/>
+            <a:endParaRPr lang="en-US"/>
           </a:p>
         </p:txBody>
       </p:sp>
@@ -1025,7 +3745,7 @@
           <a:p>
             <a:fld id="{FED1F9A6-D5C0-4D06-9A98-183D236989D8}" type="datetimeFigureOut">
               <a:rPr lang="en-US" smtClean="0"/>
-              <a:t>6/9/2024</a:t>
+              <a:t>6/11/2024</a:t>
             </a:fld>
             <a:endParaRPr lang="en-US"/>
           </a:p>
@@ -1122,7 +3842,7 @@
               <a:rPr lang="sv-SE"/>
               <a:t>Klicka här för att ändra mall för rubrikformat</a:t>
             </a:r>
-            <a:endParaRPr lang="en-US" dirty="0"/>
+            <a:endParaRPr lang="en-US"/>
           </a:p>
         </p:txBody>
       </p:sp>
@@ -1174,7 +3894,7 @@
               <a:rPr lang="sv-SE"/>
               <a:t>Nivå fem</a:t>
             </a:r>
-            <a:endParaRPr lang="en-US" dirty="0"/>
+            <a:endParaRPr lang="en-US"/>
           </a:p>
         </p:txBody>
       </p:sp>
@@ -1195,7 +3915,7 @@
           <a:p>
             <a:fld id="{FED1F9A6-D5C0-4D06-9A98-183D236989D8}" type="datetimeFigureOut">
               <a:rPr lang="en-US" smtClean="0"/>
-              <a:t>6/9/2024</a:t>
+              <a:t>6/11/2024</a:t>
             </a:fld>
             <a:endParaRPr lang="en-US"/>
           </a:p>
@@ -1301,7 +4021,7 @@
               <a:rPr lang="sv-SE"/>
               <a:t>Klicka här för att ändra mall för rubrikformat</a:t>
             </a:r>
-            <a:endParaRPr lang="en-US" dirty="0"/>
+            <a:endParaRPr lang="en-US"/>
           </a:p>
         </p:txBody>
       </p:sp>
@@ -1441,7 +4161,7 @@
           <a:p>
             <a:fld id="{FED1F9A6-D5C0-4D06-9A98-183D236989D8}" type="datetimeFigureOut">
               <a:rPr lang="en-US" smtClean="0"/>
-              <a:t>6/9/2024</a:t>
+              <a:t>6/11/2024</a:t>
             </a:fld>
             <a:endParaRPr lang="en-US"/>
           </a:p>
@@ -1538,7 +4258,7 @@
               <a:rPr lang="sv-SE"/>
               <a:t>Klicka här för att ändra mall för rubrikformat</a:t>
             </a:r>
-            <a:endParaRPr lang="en-US" dirty="0"/>
+            <a:endParaRPr lang="en-US"/>
           </a:p>
         </p:txBody>
       </p:sp>
@@ -1595,7 +4315,7 @@
               <a:rPr lang="sv-SE"/>
               <a:t>Nivå fem</a:t>
             </a:r>
-            <a:endParaRPr lang="en-US" dirty="0"/>
+            <a:endParaRPr lang="en-US"/>
           </a:p>
         </p:txBody>
       </p:sp>
@@ -1652,7 +4372,7 @@
               <a:rPr lang="sv-SE"/>
               <a:t>Nivå fem</a:t>
             </a:r>
-            <a:endParaRPr lang="en-US" dirty="0"/>
+            <a:endParaRPr lang="en-US"/>
           </a:p>
         </p:txBody>
       </p:sp>
@@ -1673,7 +4393,7 @@
           <a:p>
             <a:fld id="{FED1F9A6-D5C0-4D06-9A98-183D236989D8}" type="datetimeFigureOut">
               <a:rPr lang="en-US" smtClean="0"/>
-              <a:t>6/9/2024</a:t>
+              <a:t>6/11/2024</a:t>
             </a:fld>
             <a:endParaRPr lang="en-US"/>
           </a:p>
@@ -1775,7 +4495,7 @@
               <a:rPr lang="sv-SE"/>
               <a:t>Klicka här för att ändra mall för rubrikformat</a:t>
             </a:r>
-            <a:endParaRPr lang="en-US" dirty="0"/>
+            <a:endParaRPr lang="en-US"/>
           </a:p>
         </p:txBody>
       </p:sp>
@@ -1897,7 +4617,7 @@
               <a:rPr lang="sv-SE"/>
               <a:t>Nivå fem</a:t>
             </a:r>
-            <a:endParaRPr lang="en-US" dirty="0"/>
+            <a:endParaRPr lang="en-US"/>
           </a:p>
         </p:txBody>
       </p:sp>
@@ -2019,7 +4739,7 @@
               <a:rPr lang="sv-SE"/>
               <a:t>Nivå fem</a:t>
             </a:r>
-            <a:endParaRPr lang="en-US" dirty="0"/>
+            <a:endParaRPr lang="en-US"/>
           </a:p>
         </p:txBody>
       </p:sp>
@@ -2040,7 +4760,7 @@
           <a:p>
             <a:fld id="{FED1F9A6-D5C0-4D06-9A98-183D236989D8}" type="datetimeFigureOut">
               <a:rPr lang="en-US" smtClean="0"/>
-              <a:t>6/9/2024</a:t>
+              <a:t>6/11/2024</a:t>
             </a:fld>
             <a:endParaRPr lang="en-US"/>
           </a:p>
@@ -2137,7 +4857,7 @@
               <a:rPr lang="sv-SE"/>
               <a:t>Klicka här för att ändra mall för rubrikformat</a:t>
             </a:r>
-            <a:endParaRPr lang="en-US" dirty="0"/>
+            <a:endParaRPr lang="en-US"/>
           </a:p>
         </p:txBody>
       </p:sp>
@@ -2158,7 +4878,7 @@
           <a:p>
             <a:fld id="{FED1F9A6-D5C0-4D06-9A98-183D236989D8}" type="datetimeFigureOut">
               <a:rPr lang="en-US" smtClean="0"/>
-              <a:t>6/9/2024</a:t>
+              <a:t>6/11/2024</a:t>
             </a:fld>
             <a:endParaRPr lang="en-US"/>
           </a:p>
@@ -2253,7 +4973,7 @@
           <a:p>
             <a:fld id="{FED1F9A6-D5C0-4D06-9A98-183D236989D8}" type="datetimeFigureOut">
               <a:rPr lang="en-US" smtClean="0"/>
-              <a:t>6/9/2024</a:t>
+              <a:t>6/11/2024</a:t>
             </a:fld>
             <a:endParaRPr lang="en-US"/>
           </a:p>
@@ -2359,7 +5079,7 @@
               <a:rPr lang="sv-SE"/>
               <a:t>Klicka här för att ändra mall för rubrikformat</a:t>
             </a:r>
-            <a:endParaRPr lang="en-US" dirty="0"/>
+            <a:endParaRPr lang="en-US"/>
           </a:p>
         </p:txBody>
       </p:sp>
@@ -2444,7 +5164,7 @@
               <a:rPr lang="sv-SE"/>
               <a:t>Nivå fem</a:t>
             </a:r>
-            <a:endParaRPr lang="en-US" dirty="0"/>
+            <a:endParaRPr lang="en-US"/>
           </a:p>
         </p:txBody>
       </p:sp>
@@ -2530,7 +5250,7 @@
           <a:p>
             <a:fld id="{FED1F9A6-D5C0-4D06-9A98-183D236989D8}" type="datetimeFigureOut">
               <a:rPr lang="en-US" smtClean="0"/>
-              <a:t>6/9/2024</a:t>
+              <a:t>6/11/2024</a:t>
             </a:fld>
             <a:endParaRPr lang="en-US"/>
           </a:p>
@@ -2636,7 +5356,7 @@
               <a:rPr lang="sv-SE"/>
               <a:t>Klicka här för att ändra mall för rubrikformat</a:t>
             </a:r>
-            <a:endParaRPr lang="en-US" dirty="0"/>
+            <a:endParaRPr lang="en-US"/>
           </a:p>
         </p:txBody>
       </p:sp>
@@ -2701,7 +5421,7 @@
               <a:rPr lang="sv-SE"/>
               <a:t>Klicka på ikonen för att lägga till en bild</a:t>
             </a:r>
-            <a:endParaRPr lang="en-US" dirty="0"/>
+            <a:endParaRPr lang="en-US"/>
           </a:p>
         </p:txBody>
       </p:sp>
@@ -2787,7 +5507,7 @@
           <a:p>
             <a:fld id="{FED1F9A6-D5C0-4D06-9A98-183D236989D8}" type="datetimeFigureOut">
               <a:rPr lang="en-US" smtClean="0"/>
-              <a:t>6/9/2024</a:t>
+              <a:t>6/11/2024</a:t>
             </a:fld>
             <a:endParaRPr lang="en-US"/>
           </a:p>
@@ -2899,7 +5619,7 @@
               <a:rPr lang="sv-SE"/>
               <a:t>Klicka här för att ändra mall för rubrikformat</a:t>
             </a:r>
-            <a:endParaRPr lang="en-US" dirty="0"/>
+            <a:endParaRPr lang="en-US"/>
           </a:p>
         </p:txBody>
       </p:sp>
@@ -2961,7 +5681,7 @@
               <a:rPr lang="sv-SE"/>
               <a:t>Nivå fem</a:t>
             </a:r>
-            <a:endParaRPr lang="en-US" dirty="0"/>
+            <a:endParaRPr lang="en-US"/>
           </a:p>
         </p:txBody>
       </p:sp>
@@ -3000,7 +5720,7 @@
           <a:p>
             <a:fld id="{FED1F9A6-D5C0-4D06-9A98-183D236989D8}" type="datetimeFigureOut">
               <a:rPr lang="en-US" smtClean="0"/>
-              <a:t>6/9/2024</a:t>
+              <a:t>6/11/2024</a:t>
             </a:fld>
             <a:endParaRPr lang="en-US"/>
           </a:p>
@@ -3493,7 +6213,7 @@
         </p:blipFill>
         <p:spPr>
           <a:xfrm>
-            <a:off x="1910443" y="-7374"/>
+            <a:off x="1910442" y="-19097"/>
             <a:ext cx="10310935" cy="6882550"/>
           </a:xfrm>
           <a:prstGeom prst="rect">
@@ -3529,7 +6249,7 @@
           <a:p>
             <a:pPr algn="ctr"/>
             <a:r>
-              <a:rPr lang="sv-SE" b="1" dirty="0">
+              <a:rPr lang="sv-SE" b="1">
                 <a:ln w="6350">
                   <a:solidFill>
                     <a:schemeClr val="accent6">
@@ -3548,14 +6268,13 @@
                     </a:schemeClr>
                   </a:glow>
                 </a:effectLst>
-                <a:latin typeface="Calibri Light" panose="020F0302020204030204" pitchFamily="34" charset="0"/>
-                <a:ea typeface="Calibri Light" panose="020F0302020204030204" pitchFamily="34" charset="0"/>
-                <a:cs typeface="Calibri Light" panose="020F0302020204030204" pitchFamily="34" charset="0"/>
-              </a:rPr>
-              <a:t>Huspris-prediktion</a:t>
-            </a:r>
-            <a:r>
-              <a:rPr lang="sv-SE" b="1" dirty="0">
+                <a:latin typeface="Calibri Light"/>
+                <a:cs typeface="Calibri Light"/>
+              </a:rPr>
+              <a:t>The Predicator</a:t>
+            </a:r>
+            <a:r>
+              <a:rPr lang="sv-SE" b="1">
                 <a:ln w="6350">
                   <a:solidFill>
                     <a:schemeClr val="accent6">
@@ -3574,11 +6293,13 @@
                     </a:schemeClr>
                   </a:glow>
                 </a:effectLst>
+                <a:latin typeface="Aptos Display"/>
+                <a:cs typeface="Calibri Light"/>
               </a:rPr>
               <a:t> </a:t>
             </a:r>
             <a:r>
-              <a:rPr lang="sv-SE" b="1" dirty="0">
+              <a:rPr lang="sv-SE" b="1">
                 <a:ln w="6350">
                   <a:solidFill>
                     <a:schemeClr val="accent6">
@@ -3597,13 +6318,12 @@
                     </a:schemeClr>
                   </a:glow>
                 </a:effectLst>
-                <a:latin typeface="Calibri Light" panose="020F0302020204030204" pitchFamily="34" charset="0"/>
-                <a:ea typeface="Calibri Light" panose="020F0302020204030204" pitchFamily="34" charset="0"/>
-                <a:cs typeface="Calibri Light" panose="020F0302020204030204" pitchFamily="34" charset="0"/>
-              </a:rPr>
-              <a:t>Kalifornien</a:t>
-            </a:r>
-            <a:endParaRPr lang="en-US" b="1" dirty="0">
+                <a:latin typeface="Calibri Light"/>
+                <a:cs typeface="Calibri Light"/>
+              </a:rPr>
+              <a:t>Kalifornia</a:t>
+            </a:r>
+            <a:endParaRPr lang="en-US" b="1">
               <a:ln w="6350">
                 <a:solidFill>
                   <a:schemeClr val="accent6">
@@ -3622,53 +6342,9 @@
                   </a:schemeClr>
                 </a:glow>
               </a:effectLst>
-              <a:latin typeface="Calibri Light" panose="020F0302020204030204" pitchFamily="34" charset="0"/>
+              <a:latin typeface="Calibri Light"/>
               <a:ea typeface="Calibri Light" panose="020F0302020204030204" pitchFamily="34" charset="0"/>
-              <a:cs typeface="Calibri Light" panose="020F0302020204030204" pitchFamily="34" charset="0"/>
-            </a:endParaRPr>
-          </a:p>
-        </p:txBody>
-      </p:sp>
-      <p:sp>
-        <p:nvSpPr>
-          <p:cNvPr id="23" name="textruta 22">
-            <a:extLst>
-              <a:ext uri="{FF2B5EF4-FFF2-40B4-BE49-F238E27FC236}">
-                <a16:creationId xmlns:a16="http://schemas.microsoft.com/office/drawing/2014/main" id="{F9C4604B-890D-A03A-219F-F463030A4D03}"/>
-              </a:ext>
-            </a:extLst>
-          </p:cNvPr>
-          <p:cNvSpPr txBox="1"/>
-          <p:nvPr/>
-        </p:nvSpPr>
-        <p:spPr>
-          <a:xfrm>
-            <a:off x="95746" y="872289"/>
-            <a:ext cx="1785319" cy="276999"/>
-          </a:xfrm>
-          <a:prstGeom prst="rect">
-            <a:avLst/>
-          </a:prstGeom>
-          <a:noFill/>
-        </p:spPr>
-        <p:txBody>
-          <a:bodyPr wrap="square" rtlCol="0">
-            <a:spAutoFit/>
-          </a:bodyPr>
-          <a:lstStyle/>
-          <a:p>
-            <a:r>
-              <a:rPr lang="sv-SE" sz="1200" dirty="0" err="1">
-                <a:latin typeface="Calibri Light" panose="020F0302020204030204" pitchFamily="34" charset="0"/>
-                <a:ea typeface="Calibri Light" panose="020F0302020204030204" pitchFamily="34" charset="0"/>
-                <a:cs typeface="Calibri Light" panose="020F0302020204030204" pitchFamily="34" charset="0"/>
-              </a:rPr>
-              <a:t>skhdjfklsdjf</a:t>
-            </a:r>
-            <a:endParaRPr lang="en-US" sz="1200" dirty="0">
-              <a:latin typeface="Calibri Light" panose="020F0302020204030204" pitchFamily="34" charset="0"/>
-              <a:ea typeface="Calibri Light" panose="020F0302020204030204" pitchFamily="34" charset="0"/>
-              <a:cs typeface="Calibri Light" panose="020F0302020204030204" pitchFamily="34" charset="0"/>
+              <a:cs typeface="Calibri Light"/>
             </a:endParaRPr>
           </a:p>
         </p:txBody>
@@ -3719,6 +6395,90 @@
           </a:effectLst>
         </p:spPr>
       </p:pic>
+      <p:sp>
+        <p:nvSpPr>
+          <p:cNvPr id="2" name="textruta 1">
+            <a:extLst>
+              <a:ext uri="{FF2B5EF4-FFF2-40B4-BE49-F238E27FC236}">
+                <a16:creationId xmlns:a16="http://schemas.microsoft.com/office/drawing/2014/main" id="{6C5F4BDA-DE9C-9D0A-CBB8-F292D3FFE10C}"/>
+              </a:ext>
+            </a:extLst>
+          </p:cNvPr>
+          <p:cNvSpPr txBox="1"/>
+          <p:nvPr/>
+        </p:nvSpPr>
+        <p:spPr>
+          <a:xfrm>
+            <a:off x="1513041" y="1138745"/>
+            <a:ext cx="10303213" cy="523220"/>
+          </a:xfrm>
+          <a:prstGeom prst="rect">
+            <a:avLst/>
+          </a:prstGeom>
+          <a:noFill/>
+        </p:spPr>
+        <p:txBody>
+          <a:bodyPr rot="0" spcFirstLastPara="0" vertOverflow="overflow" horzOverflow="overflow" vert="horz" wrap="square" lIns="91440" tIns="45720" rIns="91440" bIns="45720" numCol="1" spcCol="0" rtlCol="0" fromWordArt="0" anchor="t" anchorCtr="0" forceAA="0" compatLnSpc="1">
+            <a:prstTxWarp prst="textNoShape">
+              <a:avLst/>
+            </a:prstTxWarp>
+            <a:spAutoFit/>
+          </a:bodyPr>
+          <a:lstStyle/>
+          <a:p>
+            <a:pPr algn="ctr"/>
+            <a:r>
+              <a:rPr lang="sv-SE" sz="2800" b="1">
+                <a:ln w="6350">
+                  <a:solidFill>
+                    <a:schemeClr val="accent6">
+                      <a:lumMod val="75000"/>
+                    </a:schemeClr>
+                  </a:solidFill>
+                </a:ln>
+                <a:solidFill>
+                  <a:srgbClr val="FFC000"/>
+                </a:solidFill>
+                <a:effectLst>
+                  <a:glow rad="63500">
+                    <a:schemeClr val="accent6">
+                      <a:satMod val="175000"/>
+                      <a:alpha val="40000"/>
+                    </a:schemeClr>
+                  </a:glow>
+                </a:effectLst>
+                <a:latin typeface="Calibri Light"/>
+                <a:ea typeface="Calibri Light"/>
+                <a:cs typeface="Calibri Light"/>
+              </a:rPr>
+              <a:t>Asami, Guy, Mustafa, Pawel, Vidar</a:t>
+            </a:r>
+            <a:endParaRPr lang="sv-SE" sz="2800" b="1">
+              <a:ln w="6350">
+                <a:solidFill>
+                  <a:srgbClr val="E97132">
+                    <a:lumMod val="75000"/>
+                  </a:srgbClr>
+                </a:solidFill>
+              </a:ln>
+              <a:solidFill>
+                <a:srgbClr val="FFC000"/>
+              </a:solidFill>
+              <a:effectLst>
+                <a:glow rad="63500">
+                  <a:srgbClr val="E97132">
+                    <a:satMod val="175000"/>
+                    <a:alpha val="40000"/>
+                  </a:srgbClr>
+                </a:glow>
+              </a:effectLst>
+              <a:latin typeface="Calibri Light"/>
+              <a:ea typeface="Calibri Light"/>
+              <a:cs typeface="Calibri Light"/>
+            </a:endParaRPr>
+          </a:p>
+        </p:txBody>
+      </p:sp>
     </p:spTree>
     <p:extLst>
       <p:ext uri="{BB962C8B-B14F-4D97-AF65-F5344CB8AC3E}">
@@ -3879,7 +6639,7 @@
 </p:sld>
 </file>
 
-<file path=ppt/slides/slide2.xml><?xml version="1.0" encoding="utf-8"?>
+<file path=ppt/slides/slide10.xml><?xml version="1.0" encoding="utf-8"?>
 <p:sld xmlns:a="http://schemas.openxmlformats.org/drawingml/2006/main" xmlns:r="http://schemas.openxmlformats.org/officeDocument/2006/relationships" xmlns:p="http://schemas.openxmlformats.org/presentationml/2006/main">
   <p:cSld>
     <p:bg>
@@ -3956,12 +6716,102 @@
           </a:p>
         </p:txBody>
       </p:sp>
+      <p:pic>
+        <p:nvPicPr>
+          <p:cNvPr id="3" name="Bildobjekt 2" descr="En bild som visar text, skärmbild, Teckensnitt, nummer&#10;&#10;Automatiskt genererad beskrivning">
+            <a:extLst>
+              <a:ext uri="{FF2B5EF4-FFF2-40B4-BE49-F238E27FC236}">
+                <a16:creationId xmlns:a16="http://schemas.microsoft.com/office/drawing/2014/main" id="{69DFF847-5C5F-EFB0-7130-43DC8F7A0126}"/>
+              </a:ext>
+            </a:extLst>
+          </p:cNvPr>
+          <p:cNvPicPr>
+            <a:picLocks noChangeAspect="1"/>
+          </p:cNvPicPr>
+          <p:nvPr/>
+        </p:nvPicPr>
+        <p:blipFill>
+          <a:blip r:embed="rId2"/>
+          <a:stretch>
+            <a:fillRect/>
+          </a:stretch>
+        </p:blipFill>
+        <p:spPr>
+          <a:xfrm>
+            <a:off x="5733159" y="4929019"/>
+            <a:ext cx="2748607" cy="1493109"/>
+          </a:xfrm>
+          <a:prstGeom prst="rect">
+            <a:avLst/>
+          </a:prstGeom>
+        </p:spPr>
+      </p:pic>
+      <p:pic>
+        <p:nvPicPr>
+          <p:cNvPr id="9" name="Bildobjekt 8" descr="En bild som visar text, skärmbild, diagram, Rektangel&#10;&#10;Automatiskt genererad beskrivning">
+            <a:extLst>
+              <a:ext uri="{FF2B5EF4-FFF2-40B4-BE49-F238E27FC236}">
+                <a16:creationId xmlns:a16="http://schemas.microsoft.com/office/drawing/2014/main" id="{C6C1BD9D-9156-2F8A-E298-D8F8FACE4AE5}"/>
+              </a:ext>
+            </a:extLst>
+          </p:cNvPr>
+          <p:cNvPicPr>
+            <a:picLocks noChangeAspect="1"/>
+          </p:cNvPicPr>
+          <p:nvPr/>
+        </p:nvPicPr>
+        <p:blipFill>
+          <a:blip r:embed="rId3"/>
+          <a:stretch>
+            <a:fillRect/>
+          </a:stretch>
+        </p:blipFill>
+        <p:spPr>
+          <a:xfrm>
+            <a:off x="7105256" y="263507"/>
+            <a:ext cx="5106520" cy="2844298"/>
+          </a:xfrm>
+          <a:prstGeom prst="rect">
+            <a:avLst/>
+          </a:prstGeom>
+        </p:spPr>
+      </p:pic>
+      <p:pic>
+        <p:nvPicPr>
+          <p:cNvPr id="11" name="Bildobjekt 10" descr="En bild som visar text, skärmbild, diagram, Rektangel&#10;&#10;Automatiskt genererad beskrivning">
+            <a:extLst>
+              <a:ext uri="{FF2B5EF4-FFF2-40B4-BE49-F238E27FC236}">
+                <a16:creationId xmlns:a16="http://schemas.microsoft.com/office/drawing/2014/main" id="{E13F5F81-5693-D254-2B42-856A988E5920}"/>
+              </a:ext>
+            </a:extLst>
+          </p:cNvPr>
+          <p:cNvPicPr>
+            <a:picLocks noChangeAspect="1"/>
+          </p:cNvPicPr>
+          <p:nvPr/>
+        </p:nvPicPr>
+        <p:blipFill>
+          <a:blip r:embed="rId4"/>
+          <a:stretch>
+            <a:fillRect/>
+          </a:stretch>
+        </p:blipFill>
+        <p:spPr>
+          <a:xfrm>
+            <a:off x="2154545" y="267622"/>
+            <a:ext cx="4900642" cy="2857441"/>
+          </a:xfrm>
+          <a:prstGeom prst="rect">
+            <a:avLst/>
+          </a:prstGeom>
+        </p:spPr>
+      </p:pic>
       <p:sp>
         <p:nvSpPr>
-          <p:cNvPr id="4" name="Rubrik 3">
+          <p:cNvPr id="13" name="Rubrik 3">
             <a:extLst>
               <a:ext uri="{FF2B5EF4-FFF2-40B4-BE49-F238E27FC236}">
-                <a16:creationId xmlns:a16="http://schemas.microsoft.com/office/drawing/2014/main" id="{AB6868EF-DA95-CDCF-E66C-77E6FB2FA094}"/>
+                <a16:creationId xmlns:a16="http://schemas.microsoft.com/office/drawing/2014/main" id="{60E38BBF-3AD8-2B2D-E4CB-2339D4997965}"/>
               </a:ext>
             </a:extLst>
           </p:cNvPr>
@@ -3974,7 +6824,7 @@
         </p:nvSpPr>
         <p:spPr>
           <a:xfrm>
-            <a:off x="135661" y="208714"/>
+            <a:off x="187853" y="219152"/>
             <a:ext cx="1780675" cy="1325563"/>
           </a:xfrm>
         </p:spPr>
@@ -3986,15 +6836,15 @@
           <a:p>
             <a:pPr algn="ctr"/>
             <a:r>
-              <a:rPr lang="sv-SE" sz="2800" dirty="0">
-                <a:latin typeface="Calibri Light" panose="020F0302020204030204" pitchFamily="34" charset="0"/>
+              <a:rPr lang="sv-SE" sz="3200" b="1">
+                <a:latin typeface="Calibri Light"/>
                 <a:ea typeface="Calibri Light" panose="020F0302020204030204" pitchFamily="34" charset="0"/>
-                <a:cs typeface="Calibri Light" panose="020F0302020204030204" pitchFamily="34" charset="0"/>
-              </a:rPr>
-              <a:t>Innehåll</a:t>
-            </a:r>
-            <a:endParaRPr lang="en-US" sz="2800" dirty="0">
-              <a:latin typeface="Calibri Light" panose="020F0302020204030204" pitchFamily="34" charset="0"/>
+                <a:cs typeface="Calibri Light"/>
+              </a:rPr>
+              <a:t>Resultat</a:t>
+            </a:r>
+            <a:endParaRPr lang="sv-SE" sz="3200" b="1">
+              <a:latin typeface="Calibri Light"/>
               <a:ea typeface="Calibri Light" panose="020F0302020204030204" pitchFamily="34" charset="0"/>
               <a:cs typeface="Calibri Light" panose="020F0302020204030204" pitchFamily="34" charset="0"/>
             </a:endParaRPr>
@@ -4003,10 +6853,10 @@
       </p:sp>
       <p:sp>
         <p:nvSpPr>
-          <p:cNvPr id="6" name="textruta 5">
+          <p:cNvPr id="14" name="textruta 13">
             <a:extLst>
               <a:ext uri="{FF2B5EF4-FFF2-40B4-BE49-F238E27FC236}">
-                <a16:creationId xmlns:a16="http://schemas.microsoft.com/office/drawing/2014/main" id="{0F4B7E67-D246-8232-A180-CDC14DBA2397}"/>
+                <a16:creationId xmlns:a16="http://schemas.microsoft.com/office/drawing/2014/main" id="{671F47FD-D2A4-50EB-48E0-9F4B3819958B}"/>
               </a:ext>
             </a:extLst>
           </p:cNvPr>
@@ -4015,8 +6865,8 @@
         </p:nvSpPr>
         <p:spPr>
           <a:xfrm>
-            <a:off x="4824661" y="1534277"/>
-            <a:ext cx="3753855" cy="3339376"/>
+            <a:off x="2684719" y="3744759"/>
+            <a:ext cx="8817428" cy="830997"/>
           </a:xfrm>
           <a:prstGeom prst="rect">
             <a:avLst/>
@@ -4024,161 +6874,73 @@
           <a:noFill/>
         </p:spPr>
         <p:txBody>
-          <a:bodyPr wrap="square" rtlCol="0">
+          <a:bodyPr rot="0" spcFirstLastPara="0" vertOverflow="overflow" horzOverflow="overflow" vert="horz" wrap="square" lIns="91440" tIns="45720" rIns="91440" bIns="45720" numCol="1" spcCol="0" rtlCol="0" fromWordArt="0" anchor="t" anchorCtr="0" forceAA="0" compatLnSpc="1">
+            <a:prstTxWarp prst="textNoShape">
+              <a:avLst/>
+            </a:prstTxWarp>
             <a:spAutoFit/>
           </a:bodyPr>
           <a:lstStyle/>
           <a:p>
             <a:pPr marL="285750" indent="-285750">
-              <a:spcAft>
-                <a:spcPts val="1200"/>
-              </a:spcAft>
-              <a:buFont typeface="Wingdings" panose="05000000000000000000" pitchFamily="2" charset="2"/>
-              <a:buChar char="Ø"/>
+              <a:buFont typeface="Arial"/>
+              <a:buChar char="•"/>
             </a:pPr>
             <a:r>
-              <a:rPr lang="sv-SE" sz="2400" dirty="0">
-                <a:latin typeface="Calibri Light" panose="020F0302020204030204" pitchFamily="34" charset="0"/>
-                <a:ea typeface="Calibri Light" panose="020F0302020204030204" pitchFamily="34" charset="0"/>
-                <a:cs typeface="Calibri Light" panose="020F0302020204030204" pitchFamily="34" charset="0"/>
-              </a:rPr>
-              <a:t>Utforskning av data set</a:t>
-            </a:r>
-          </a:p>
-          <a:p>
-            <a:pPr marL="285750" indent="-285750">
-              <a:spcAft>
-                <a:spcPts val="1200"/>
-              </a:spcAft>
-              <a:buFont typeface="Wingdings" panose="05000000000000000000" pitchFamily="2" charset="2"/>
-              <a:buChar char="Ø"/>
-            </a:pPr>
-            <a:r>
-              <a:rPr lang="sv-SE" sz="2400" dirty="0">
-                <a:latin typeface="Calibri Light" panose="020F0302020204030204" pitchFamily="34" charset="0"/>
-                <a:ea typeface="Calibri Light" panose="020F0302020204030204" pitchFamily="34" charset="0"/>
-                <a:cs typeface="Calibri Light" panose="020F0302020204030204" pitchFamily="34" charset="0"/>
-              </a:rPr>
-              <a:t>Förberedelse</a:t>
-            </a:r>
-            <a:r>
-              <a:rPr lang="en-US" sz="2400" dirty="0">
-                <a:latin typeface="Calibri Light" panose="020F0302020204030204" pitchFamily="34" charset="0"/>
-                <a:ea typeface="Calibri Light" panose="020F0302020204030204" pitchFamily="34" charset="0"/>
-                <a:cs typeface="Calibri Light" panose="020F0302020204030204" pitchFamily="34" charset="0"/>
-              </a:rPr>
-              <a:t> av data</a:t>
-            </a:r>
-          </a:p>
-          <a:p>
-            <a:pPr marL="285750" indent="-285750">
-              <a:spcAft>
-                <a:spcPts val="1200"/>
-              </a:spcAft>
-              <a:buFont typeface="Wingdings" panose="05000000000000000000" pitchFamily="2" charset="2"/>
-              <a:buChar char="Ø"/>
-            </a:pPr>
-            <a:r>
-              <a:rPr lang="en-US" sz="2400" dirty="0" err="1">
-                <a:latin typeface="Calibri Light" panose="020F0302020204030204" pitchFamily="34" charset="0"/>
-                <a:ea typeface="Calibri Light" panose="020F0302020204030204" pitchFamily="34" charset="0"/>
-                <a:cs typeface="Calibri Light" panose="020F0302020204030204" pitchFamily="34" charset="0"/>
-              </a:rPr>
-              <a:t>Träning</a:t>
-            </a:r>
-            <a:r>
-              <a:rPr lang="en-US" sz="2400" dirty="0">
-                <a:latin typeface="Calibri Light" panose="020F0302020204030204" pitchFamily="34" charset="0"/>
-                <a:ea typeface="Calibri Light" panose="020F0302020204030204" pitchFamily="34" charset="0"/>
-                <a:cs typeface="Calibri Light" panose="020F0302020204030204" pitchFamily="34" charset="0"/>
-              </a:rPr>
-              <a:t> av </a:t>
-            </a:r>
-            <a:r>
-              <a:rPr lang="en-US" sz="2400" dirty="0" err="1">
-                <a:latin typeface="Calibri Light" panose="020F0302020204030204" pitchFamily="34" charset="0"/>
-                <a:ea typeface="Calibri Light" panose="020F0302020204030204" pitchFamily="34" charset="0"/>
-                <a:cs typeface="Calibri Light" panose="020F0302020204030204" pitchFamily="34" charset="0"/>
-              </a:rPr>
-              <a:t>modeller</a:t>
-            </a:r>
-            <a:endParaRPr lang="en-US" sz="2400" dirty="0">
-              <a:latin typeface="Calibri Light" panose="020F0302020204030204" pitchFamily="34" charset="0"/>
-              <a:ea typeface="Calibri Light" panose="020F0302020204030204" pitchFamily="34" charset="0"/>
-              <a:cs typeface="Calibri Light" panose="020F0302020204030204" pitchFamily="34" charset="0"/>
-            </a:endParaRPr>
-          </a:p>
-          <a:p>
-            <a:pPr marL="285750" indent="-285750">
-              <a:spcAft>
-                <a:spcPts val="1200"/>
-              </a:spcAft>
-              <a:buFont typeface="Wingdings" panose="05000000000000000000" pitchFamily="2" charset="2"/>
-              <a:buChar char="Ø"/>
-            </a:pPr>
-            <a:r>
-              <a:rPr lang="en-US" sz="2400" dirty="0" err="1">
-                <a:latin typeface="Calibri Light" panose="020F0302020204030204" pitchFamily="34" charset="0"/>
-                <a:ea typeface="Calibri Light" panose="020F0302020204030204" pitchFamily="34" charset="0"/>
-                <a:cs typeface="Calibri Light" panose="020F0302020204030204" pitchFamily="34" charset="0"/>
-              </a:rPr>
-              <a:t>Validering</a:t>
-            </a:r>
-            <a:endParaRPr lang="en-US" sz="2400" dirty="0">
-              <a:latin typeface="Calibri Light" panose="020F0302020204030204" pitchFamily="34" charset="0"/>
-              <a:ea typeface="Calibri Light" panose="020F0302020204030204" pitchFamily="34" charset="0"/>
-              <a:cs typeface="Calibri Light" panose="020F0302020204030204" pitchFamily="34" charset="0"/>
-            </a:endParaRPr>
-          </a:p>
-          <a:p>
-            <a:pPr marL="285750" indent="-285750">
-              <a:spcAft>
-                <a:spcPts val="1200"/>
-              </a:spcAft>
-              <a:buFont typeface="Wingdings" panose="05000000000000000000" pitchFamily="2" charset="2"/>
-              <a:buChar char="Ø"/>
-            </a:pPr>
-            <a:r>
-              <a:rPr lang="en-US" sz="2400" dirty="0">
-                <a:latin typeface="Calibri Light" panose="020F0302020204030204" pitchFamily="34" charset="0"/>
-                <a:ea typeface="Calibri Light" panose="020F0302020204030204" pitchFamily="34" charset="0"/>
-                <a:cs typeface="Calibri Light" panose="020F0302020204030204" pitchFamily="34" charset="0"/>
-              </a:rPr>
-              <a:t>Test av </a:t>
-            </a:r>
-            <a:r>
-              <a:rPr lang="en-US" sz="2400" dirty="0" err="1">
-                <a:latin typeface="Calibri Light" panose="020F0302020204030204" pitchFamily="34" charset="0"/>
-                <a:ea typeface="Calibri Light" panose="020F0302020204030204" pitchFamily="34" charset="0"/>
-                <a:cs typeface="Calibri Light" panose="020F0302020204030204" pitchFamily="34" charset="0"/>
-              </a:rPr>
-              <a:t>modell</a:t>
-            </a:r>
-            <a:endParaRPr lang="en-US" sz="2400" dirty="0">
-              <a:latin typeface="Calibri Light" panose="020F0302020204030204" pitchFamily="34" charset="0"/>
-              <a:ea typeface="Calibri Light" panose="020F0302020204030204" pitchFamily="34" charset="0"/>
-              <a:cs typeface="Calibri Light" panose="020F0302020204030204" pitchFamily="34" charset="0"/>
-            </a:endParaRPr>
-          </a:p>
-          <a:p>
-            <a:pPr>
-              <a:spcAft>
-                <a:spcPts val="600"/>
-              </a:spcAft>
-            </a:pPr>
-            <a:endParaRPr lang="sv-SE" dirty="0"/>
-          </a:p>
-          <a:p>
-            <a:endParaRPr lang="sv-SE" dirty="0"/>
+              <a:rPr lang="sv-SE" sz="2400">
+                <a:latin typeface="Calibri Light"/>
+                <a:cs typeface="Calibri Light"/>
+              </a:rPr>
+              <a:t>Att inkludera longitud och latitud gav betydligt bättre resultat, </a:t>
+            </a:r>
+          </a:p>
+          <a:p>
+            <a:r>
+              <a:rPr lang="sv-SE" sz="2400">
+                <a:latin typeface="Calibri Light"/>
+                <a:cs typeface="Calibri Light"/>
+              </a:rPr>
+              <a:t> särskilt för Random Forest - ca 23% mot 32%</a:t>
+            </a:r>
           </a:p>
         </p:txBody>
       </p:sp>
+      <p:pic>
+        <p:nvPicPr>
+          <p:cNvPr id="2" name="Bildobjekt 1" descr="En bild som visar text, skärmbild, Rektangel, diagram&#10;&#10;Automatiskt genererad beskrivning">
+            <a:extLst>
+              <a:ext uri="{FF2B5EF4-FFF2-40B4-BE49-F238E27FC236}">
+                <a16:creationId xmlns:a16="http://schemas.microsoft.com/office/drawing/2014/main" id="{D7356F1C-3C19-CC0D-B4CD-A28D95DF8AF1}"/>
+              </a:ext>
+            </a:extLst>
+          </p:cNvPr>
+          <p:cNvPicPr>
+            <a:picLocks noChangeAspect="1"/>
+          </p:cNvPicPr>
+          <p:nvPr/>
+        </p:nvPicPr>
+        <p:blipFill>
+          <a:blip r:embed="rId5"/>
+          <a:stretch>
+            <a:fillRect/>
+          </a:stretch>
+        </p:blipFill>
+        <p:spPr>
+          <a:xfrm>
+            <a:off x="2155256" y="270948"/>
+            <a:ext cx="4905375" cy="2847616"/>
+          </a:xfrm>
+          <a:prstGeom prst="rect">
+            <a:avLst/>
+          </a:prstGeom>
+        </p:spPr>
+      </p:pic>
       <p:sp>
         <p:nvSpPr>
-          <p:cNvPr id="7" name="textruta 6">
+          <p:cNvPr id="4" name="textruta 3">
             <a:extLst>
               <a:ext uri="{FF2B5EF4-FFF2-40B4-BE49-F238E27FC236}">
-                <a16:creationId xmlns:a16="http://schemas.microsoft.com/office/drawing/2014/main" id="{CBDE66A4-65B4-297A-262A-49FE32D00C36}"/>
+                <a16:creationId xmlns:a16="http://schemas.microsoft.com/office/drawing/2014/main" id="{5D9BEA0B-18BE-7C15-CB78-393B06C2BC97}"/>
               </a:ext>
             </a:extLst>
           </p:cNvPr>
@@ -4187,8 +6949,8 @@
         </p:nvSpPr>
         <p:spPr>
           <a:xfrm>
-            <a:off x="66368" y="1257278"/>
-            <a:ext cx="2094271" cy="276999"/>
+            <a:off x="2152362" y="3113534"/>
+            <a:ext cx="4906787" cy="338554"/>
           </a:xfrm>
           <a:prstGeom prst="rect">
             <a:avLst/>
@@ -4196,31 +6958,71 @@
           <a:noFill/>
         </p:spPr>
         <p:txBody>
-          <a:bodyPr wrap="square" rtlCol="0">
+          <a:bodyPr rot="0" spcFirstLastPara="0" vertOverflow="overflow" horzOverflow="overflow" vert="horz" wrap="square" lIns="91440" tIns="45720" rIns="91440" bIns="45720" numCol="1" spcCol="0" rtlCol="0" fromWordArt="0" anchor="t" anchorCtr="0" forceAA="0" compatLnSpc="1">
+            <a:prstTxWarp prst="textNoShape">
+              <a:avLst/>
+            </a:prstTxWarp>
             <a:spAutoFit/>
           </a:bodyPr>
           <a:lstStyle/>
           <a:p>
-            <a:r>
-              <a:rPr lang="sv-SE" sz="1200" dirty="0" err="1">
-                <a:latin typeface="Calibri Light" panose="020F0302020204030204" pitchFamily="34" charset="0"/>
-                <a:ea typeface="Calibri Light" panose="020F0302020204030204" pitchFamily="34" charset="0"/>
-                <a:cs typeface="Calibri Light" panose="020F0302020204030204" pitchFamily="34" charset="0"/>
-              </a:rPr>
-              <a:t>skhdjfklsdjf</a:t>
-            </a:r>
-            <a:endParaRPr lang="en-US" sz="1200" dirty="0">
-              <a:latin typeface="Calibri Light" panose="020F0302020204030204" pitchFamily="34" charset="0"/>
-              <a:ea typeface="Calibri Light" panose="020F0302020204030204" pitchFamily="34" charset="0"/>
-              <a:cs typeface="Calibri Light" panose="020F0302020204030204" pitchFamily="34" charset="0"/>
-            </a:endParaRPr>
+            <a:pPr algn="ctr"/>
+            <a:r>
+              <a:rPr lang="sv-SE" sz="1600">
+                <a:latin typeface="Calibri Light"/>
+                <a:cs typeface="Calibri Light"/>
+              </a:rPr>
+              <a:t> Dataset exklusive longitud &amp; latitud</a:t>
+            </a:r>
+          </a:p>
+        </p:txBody>
+      </p:sp>
+      <p:sp>
+        <p:nvSpPr>
+          <p:cNvPr id="6" name="textruta 5">
+            <a:extLst>
+              <a:ext uri="{FF2B5EF4-FFF2-40B4-BE49-F238E27FC236}">
+                <a16:creationId xmlns:a16="http://schemas.microsoft.com/office/drawing/2014/main" id="{65768FC5-89AF-6AA3-66A7-360D98469B04}"/>
+              </a:ext>
+            </a:extLst>
+          </p:cNvPr>
+          <p:cNvSpPr txBox="1"/>
+          <p:nvPr/>
+        </p:nvSpPr>
+        <p:spPr>
+          <a:xfrm>
+            <a:off x="7098173" y="3113533"/>
+            <a:ext cx="4906787" cy="338554"/>
+          </a:xfrm>
+          <a:prstGeom prst="rect">
+            <a:avLst/>
+          </a:prstGeom>
+          <a:noFill/>
+        </p:spPr>
+        <p:txBody>
+          <a:bodyPr rot="0" spcFirstLastPara="0" vertOverflow="overflow" horzOverflow="overflow" vert="horz" wrap="square" lIns="91440" tIns="45720" rIns="91440" bIns="45720" numCol="1" spcCol="0" rtlCol="0" fromWordArt="0" anchor="t" anchorCtr="0" forceAA="0" compatLnSpc="1">
+            <a:prstTxWarp prst="textNoShape">
+              <a:avLst/>
+            </a:prstTxWarp>
+            <a:spAutoFit/>
+          </a:bodyPr>
+          <a:lstStyle/>
+          <a:p>
+            <a:pPr algn="ctr"/>
+            <a:r>
+              <a:rPr lang="sv-SE" sz="1600">
+                <a:latin typeface="Calibri Light"/>
+                <a:cs typeface="Calibri Light"/>
+              </a:rPr>
+              <a:t> Dataset inklusive longitud &amp; latitud</a:t>
+            </a:r>
           </a:p>
         </p:txBody>
       </p:sp>
     </p:spTree>
     <p:extLst>
       <p:ext uri="{BB962C8B-B14F-4D97-AF65-F5344CB8AC3E}">
-        <p14:creationId xmlns:p14="http://schemas.microsoft.com/office/powerpoint/2010/main" val="1121474661"/>
+        <p14:creationId xmlns:p14="http://schemas.microsoft.com/office/powerpoint/2010/main" val="1466891409"/>
       </p:ext>
     </p:extLst>
   </p:cSld>
@@ -4230,7 +7032,7 @@
 </p:sld>
 </file>
 
-<file path=ppt/slides/slide3.xml><?xml version="1.0" encoding="utf-8"?>
+<file path=ppt/slides/slide11.xml><?xml version="1.0" encoding="utf-8"?>
 <p:sld xmlns:a="http://schemas.openxmlformats.org/drawingml/2006/main" xmlns:r="http://schemas.openxmlformats.org/officeDocument/2006/relationships" xmlns:p="http://schemas.openxmlformats.org/presentationml/2006/main">
   <p:cSld>
     <p:bg>
@@ -4270,7 +7072,7 @@
         <p:spPr>
           <a:xfrm>
             <a:off x="-1" y="0"/>
-            <a:ext cx="2160000" cy="6858000"/>
+            <a:ext cx="2160640" cy="6858000"/>
           </a:xfrm>
           <a:prstGeom prst="rect">
             <a:avLst/>
@@ -4312,7 +7114,7 @@
           <p:cNvPr id="4" name="Rubrik 3">
             <a:extLst>
               <a:ext uri="{FF2B5EF4-FFF2-40B4-BE49-F238E27FC236}">
-                <a16:creationId xmlns:a16="http://schemas.microsoft.com/office/drawing/2014/main" id="{14212566-0568-9752-7833-F8E6B97CD4AD}"/>
+                <a16:creationId xmlns:a16="http://schemas.microsoft.com/office/drawing/2014/main" id="{AB6868EF-DA95-CDCF-E66C-77E6FB2FA094}"/>
               </a:ext>
             </a:extLst>
           </p:cNvPr>
@@ -4325,8 +7127,8 @@
         </p:nvSpPr>
         <p:spPr>
           <a:xfrm>
-            <a:off x="0" y="143335"/>
-            <a:ext cx="2021305" cy="1325563"/>
+            <a:off x="187853" y="657563"/>
+            <a:ext cx="1780675" cy="1325563"/>
           </a:xfrm>
         </p:spPr>
         <p:txBody>
@@ -4337,65 +7139,410 @@
           <a:p>
             <a:pPr algn="ctr"/>
             <a:r>
-              <a:rPr lang="sv-SE" sz="1800" dirty="0">
-                <a:latin typeface="Calibri Light" panose="020F0302020204030204" pitchFamily="34" charset="0"/>
-                <a:ea typeface="Calibri Light" panose="020F0302020204030204" pitchFamily="34" charset="0"/>
-                <a:cs typeface="Calibri Light" panose="020F0302020204030204" pitchFamily="34" charset="0"/>
-              </a:rPr>
-              <a:t>Undersöka </a:t>
-            </a:r>
-            <a:r>
-              <a:rPr lang="sv-SE" sz="1800" dirty="0" err="1">
-                <a:latin typeface="Calibri Light" panose="020F0302020204030204" pitchFamily="34" charset="0"/>
-                <a:ea typeface="Calibri Light" panose="020F0302020204030204" pitchFamily="34" charset="0"/>
-                <a:cs typeface="Calibri Light" panose="020F0302020204030204" pitchFamily="34" charset="0"/>
-              </a:rPr>
-              <a:t>dataset</a:t>
-            </a:r>
-            <a:endParaRPr lang="en-US" sz="1800" dirty="0">
-              <a:latin typeface="Calibri Light" panose="020F0302020204030204" pitchFamily="34" charset="0"/>
-              <a:ea typeface="Calibri Light" panose="020F0302020204030204" pitchFamily="34" charset="0"/>
-              <a:cs typeface="Calibri Light" panose="020F0302020204030204" pitchFamily="34" charset="0"/>
-            </a:endParaRPr>
+              <a:rPr lang="sv-SE" sz="2900" b="1">
+                <a:latin typeface="Calibri Light"/>
+                <a:ea typeface="Calibri Light"/>
+                <a:cs typeface="Calibri Light"/>
+              </a:rPr>
+              <a:t>Slutsats</a:t>
+            </a:r>
+            <a:br>
+              <a:rPr lang="sv-SE" sz="2900" b="1">
+                <a:latin typeface="Calibri Light"/>
+                <a:ea typeface="Calibri Light"/>
+                <a:cs typeface="Calibri Light"/>
+              </a:rPr>
+            </a:br>
+            <a:r>
+              <a:rPr lang="sv-SE" sz="2900" b="1">
+                <a:latin typeface="Calibri Light"/>
+                <a:ea typeface="Calibri Light"/>
+                <a:cs typeface="Calibri Light"/>
+              </a:rPr>
+              <a:t>och</a:t>
+            </a:r>
+            <a:br>
+              <a:rPr lang="sv-SE" sz="2900" b="1">
+                <a:latin typeface="Calibri Light"/>
+                <a:ea typeface="Calibri Light"/>
+                <a:cs typeface="Calibri Light"/>
+              </a:rPr>
+            </a:br>
+            <a:r>
+              <a:rPr lang="sv-SE" sz="2900" b="1">
+                <a:latin typeface="Calibri Light"/>
+                <a:ea typeface="Calibri Light"/>
+                <a:cs typeface="Calibri Light"/>
+              </a:rPr>
+              <a:t>reflektion</a:t>
+            </a:r>
+            <a:endParaRPr lang="sv-SE"/>
           </a:p>
         </p:txBody>
       </p:sp>
-      <p:pic>
-        <p:nvPicPr>
-          <p:cNvPr id="2" name="Bildobjekt 1">
+      <p:sp>
+        <p:nvSpPr>
+          <p:cNvPr id="2" name="textruta 1">
             <a:extLst>
               <a:ext uri="{FF2B5EF4-FFF2-40B4-BE49-F238E27FC236}">
-                <a16:creationId xmlns:a16="http://schemas.microsoft.com/office/drawing/2014/main" id="{ED59C338-759B-5C48-F6D4-1A420614BEF8}"/>
+                <a16:creationId xmlns:a16="http://schemas.microsoft.com/office/drawing/2014/main" id="{6EFCD189-3C06-6CA9-7A77-A3AA7B47A70A}"/>
               </a:ext>
             </a:extLst>
           </p:cNvPr>
-          <p:cNvPicPr>
-            <a:picLocks noChangeAspect="1"/>
-          </p:cNvPicPr>
+          <p:cNvSpPr txBox="1"/>
           <p:nvPr/>
-        </p:nvPicPr>
-        <p:blipFill>
-          <a:blip r:embed="rId2"/>
-          <a:stretch>
-            <a:fillRect/>
-          </a:stretch>
-        </p:blipFill>
+        </p:nvSpPr>
         <p:spPr>
           <a:xfrm>
-            <a:off x="3070059" y="304469"/>
-            <a:ext cx="7601952" cy="6249062"/>
+            <a:off x="2158331" y="659864"/>
+            <a:ext cx="10034953" cy="1077218"/>
           </a:xfrm>
           <a:prstGeom prst="rect">
             <a:avLst/>
           </a:prstGeom>
+          <a:noFill/>
         </p:spPr>
-      </p:pic>
+        <p:txBody>
+          <a:bodyPr rot="0" spcFirstLastPara="0" vertOverflow="overflow" horzOverflow="overflow" vert="horz" wrap="square" lIns="91440" tIns="45720" rIns="91440" bIns="45720" numCol="1" spcCol="0" rtlCol="0" fromWordArt="0" anchor="t" anchorCtr="0" forceAA="0" compatLnSpc="1">
+            <a:prstTxWarp prst="textNoShape">
+              <a:avLst/>
+            </a:prstTxWarp>
+            <a:spAutoFit/>
+          </a:bodyPr>
+          <a:lstStyle/>
+          <a:p>
+            <a:r>
+              <a:rPr lang="sv-SE" sz="3200">
+                <a:latin typeface="Calibri Light"/>
+                <a:cs typeface="Arial"/>
+              </a:rPr>
+              <a:t>Vilka </a:t>
+            </a:r>
+            <a:r>
+              <a:rPr lang="sv-SE" sz="3200" b="1">
+                <a:latin typeface="Calibri Light"/>
+                <a:cs typeface="Arial"/>
+              </a:rPr>
+              <a:t>features </a:t>
+            </a:r>
+            <a:r>
+              <a:rPr lang="sv-SE" sz="3200">
+                <a:latin typeface="Calibri Light"/>
+                <a:cs typeface="Arial"/>
+              </a:rPr>
+              <a:t>är viktigast och vilka kan slås ihop för att skapa nya, mer </a:t>
+            </a:r>
+            <a:r>
+              <a:rPr lang="sv-SE" sz="3200" b="1">
+                <a:latin typeface="Calibri Light"/>
+                <a:cs typeface="Arial"/>
+              </a:rPr>
+              <a:t>betydelsefulla </a:t>
+            </a:r>
+            <a:r>
+              <a:rPr lang="sv-SE" sz="3200">
+                <a:latin typeface="Calibri Light"/>
+                <a:cs typeface="Arial"/>
+              </a:rPr>
+              <a:t>features?</a:t>
+            </a:r>
+            <a:endParaRPr lang="sv-SE" sz="3200">
+              <a:latin typeface="Calibri Light"/>
+              <a:ea typeface="Calibri Light"/>
+              <a:cs typeface="Arial"/>
+            </a:endParaRPr>
+          </a:p>
+        </p:txBody>
+      </p:sp>
+      <p:graphicFrame>
+        <p:nvGraphicFramePr>
+          <p:cNvPr id="7" name="Tabell 6">
+            <a:extLst>
+              <a:ext uri="{FF2B5EF4-FFF2-40B4-BE49-F238E27FC236}">
+                <a16:creationId xmlns:a16="http://schemas.microsoft.com/office/drawing/2014/main" id="{8A799C06-967D-FF66-2579-063CCA184E34}"/>
+              </a:ext>
+            </a:extLst>
+          </p:cNvPr>
+          <p:cNvGraphicFramePr>
+            <a:graphicFrameLocks noGrp="1"/>
+          </p:cNvGraphicFramePr>
+          <p:nvPr>
+            <p:extLst>
+              <p:ext uri="{D42A27DB-BD31-4B8C-83A1-F6EECF244321}">
+                <p14:modId xmlns:p14="http://schemas.microsoft.com/office/powerpoint/2010/main" val="34440321"/>
+              </p:ext>
+            </p:extLst>
+          </p:nvPr>
+        </p:nvGraphicFramePr>
+        <p:xfrm>
+          <a:off x="5611950" y="2167687"/>
+          <a:ext cx="3126116" cy="2222906"/>
+        </p:xfrm>
+        <a:graphic>
+          <a:graphicData uri="http://schemas.openxmlformats.org/drawingml/2006/table">
+            <a:tbl>
+              <a:tblPr firstRow="1" bandRow="1">
+                <a:tableStyleId>{912C8C85-51F0-491E-9774-3900AFEF0FD7}</a:tableStyleId>
+              </a:tblPr>
+              <a:tblGrid>
+                <a:gridCol w="3126116">
+                  <a:extLst>
+                    <a:ext uri="{9D8B030D-6E8A-4147-A177-3AD203B41FA5}">
+                      <a16:colId xmlns:a16="http://schemas.microsoft.com/office/drawing/2014/main" val="990533189"/>
+                    </a:ext>
+                  </a:extLst>
+                </a:gridCol>
+              </a:tblGrid>
+              <a:tr h="368709">
+                <a:tc>
+                  <a:txBody>
+                    <a:bodyPr/>
+                    <a:lstStyle/>
+                    <a:p>
+                      <a:r>
+                        <a:rPr lang="sv-SE" b="1"/>
+                        <a:t>Features</a:t>
+                      </a:r>
+                    </a:p>
+                  </a:txBody>
+                  <a:tcPr/>
+                </a:tc>
+                <a:extLst>
+                  <a:ext uri="{0D108BD9-81ED-4DB2-BD59-A6C34878D82A}">
+                    <a16:rowId xmlns:a16="http://schemas.microsoft.com/office/drawing/2014/main" val="3499959171"/>
+                  </a:ext>
+                </a:extLst>
+              </a:tr>
+              <a:tr h="370840">
+                <a:tc>
+                  <a:txBody>
+                    <a:bodyPr/>
+                    <a:lstStyle/>
+                    <a:p>
+                      <a:pPr lvl="0">
+                        <a:buNone/>
+                      </a:pPr>
+                      <a:r>
+                        <a:rPr lang="sv-SE" b="1"/>
+                        <a:t>median_income</a:t>
+                      </a:r>
+                    </a:p>
+                  </a:txBody>
+                  <a:tcPr/>
+                </a:tc>
+                <a:extLst>
+                  <a:ext uri="{0D108BD9-81ED-4DB2-BD59-A6C34878D82A}">
+                    <a16:rowId xmlns:a16="http://schemas.microsoft.com/office/drawing/2014/main" val="3882034428"/>
+                  </a:ext>
+                </a:extLst>
+              </a:tr>
+              <a:tr h="370840">
+                <a:tc>
+                  <a:txBody>
+                    <a:bodyPr/>
+                    <a:lstStyle/>
+                    <a:p>
+                      <a:pPr lvl="0">
+                        <a:buNone/>
+                      </a:pPr>
+                      <a:r>
+                        <a:rPr lang="sv-SE" b="1"/>
+                        <a:t>ocean_proximity_encoded</a:t>
+                      </a:r>
+                    </a:p>
+                  </a:txBody>
+                  <a:tcPr/>
+                </a:tc>
+                <a:extLst>
+                  <a:ext uri="{0D108BD9-81ED-4DB2-BD59-A6C34878D82A}">
+                    <a16:rowId xmlns:a16="http://schemas.microsoft.com/office/drawing/2014/main" val="4067001525"/>
+                  </a:ext>
+                </a:extLst>
+              </a:tr>
+              <a:tr h="370839">
+                <a:tc>
+                  <a:txBody>
+                    <a:bodyPr/>
+                    <a:lstStyle/>
+                    <a:p>
+                      <a:pPr lvl="0">
+                        <a:buNone/>
+                      </a:pPr>
+                      <a:r>
+                        <a:rPr lang="sv-SE" b="1"/>
+                        <a:t>population_per_household</a:t>
+                      </a:r>
+                    </a:p>
+                  </a:txBody>
+                  <a:tcPr/>
+                </a:tc>
+                <a:extLst>
+                  <a:ext uri="{0D108BD9-81ED-4DB2-BD59-A6C34878D82A}">
+                    <a16:rowId xmlns:a16="http://schemas.microsoft.com/office/drawing/2014/main" val="2770626405"/>
+                  </a:ext>
+                </a:extLst>
+              </a:tr>
+              <a:tr h="370839">
+                <a:tc>
+                  <a:txBody>
+                    <a:bodyPr/>
+                    <a:lstStyle/>
+                    <a:p>
+                      <a:pPr lvl="0">
+                        <a:buNone/>
+                      </a:pPr>
+                      <a:r>
+                        <a:rPr lang="sv-SE" b="1"/>
+                        <a:t>longitude</a:t>
+                      </a:r>
+                    </a:p>
+                  </a:txBody>
+                  <a:tcPr/>
+                </a:tc>
+                <a:extLst>
+                  <a:ext uri="{0D108BD9-81ED-4DB2-BD59-A6C34878D82A}">
+                    <a16:rowId xmlns:a16="http://schemas.microsoft.com/office/drawing/2014/main" val="2207657870"/>
+                  </a:ext>
+                </a:extLst>
+              </a:tr>
+              <a:tr h="370839">
+                <a:tc>
+                  <a:txBody>
+                    <a:bodyPr/>
+                    <a:lstStyle/>
+                    <a:p>
+                      <a:pPr lvl="0">
+                        <a:buNone/>
+                      </a:pPr>
+                      <a:r>
+                        <a:rPr lang="sv-SE" b="1"/>
+                        <a:t>latitude</a:t>
+                      </a:r>
+                    </a:p>
+                  </a:txBody>
+                  <a:tcPr/>
+                </a:tc>
+                <a:extLst>
+                  <a:ext uri="{0D108BD9-81ED-4DB2-BD59-A6C34878D82A}">
+                    <a16:rowId xmlns:a16="http://schemas.microsoft.com/office/drawing/2014/main" val="1026914098"/>
+                  </a:ext>
+                </a:extLst>
+              </a:tr>
+            </a:tbl>
+          </a:graphicData>
+        </a:graphic>
+      </p:graphicFrame>
       <p:sp>
         <p:nvSpPr>
-          <p:cNvPr id="11" name="Ellips 10">
+          <p:cNvPr id="11" name="textruta 10">
             <a:extLst>
               <a:ext uri="{FF2B5EF4-FFF2-40B4-BE49-F238E27FC236}">
-                <a16:creationId xmlns:a16="http://schemas.microsoft.com/office/drawing/2014/main" id="{92FE77BF-A5C3-F340-4CF1-A0B7BDA1AB15}"/>
+                <a16:creationId xmlns:a16="http://schemas.microsoft.com/office/drawing/2014/main" id="{D2002DBF-3430-A2A3-F2BC-92B44DB72160}"/>
+              </a:ext>
+            </a:extLst>
+          </p:cNvPr>
+          <p:cNvSpPr txBox="1"/>
+          <p:nvPr/>
+        </p:nvSpPr>
+        <p:spPr>
+          <a:xfrm>
+            <a:off x="2168767" y="4825250"/>
+            <a:ext cx="10023231" cy="1077218"/>
+          </a:xfrm>
+          <a:prstGeom prst="rect">
+            <a:avLst/>
+          </a:prstGeom>
+          <a:noFill/>
+        </p:spPr>
+        <p:txBody>
+          <a:bodyPr rot="0" spcFirstLastPara="0" vertOverflow="overflow" horzOverflow="overflow" vert="horz" wrap="square" lIns="91440" tIns="45720" rIns="91440" bIns="45720" numCol="1" spcCol="0" rtlCol="0" fromWordArt="0" anchor="t" anchorCtr="0" forceAA="0" compatLnSpc="1">
+            <a:prstTxWarp prst="textNoShape">
+              <a:avLst/>
+            </a:prstTxWarp>
+            <a:spAutoFit/>
+          </a:bodyPr>
+          <a:lstStyle/>
+          <a:p>
+            <a:r>
+              <a:rPr lang="sv-SE" sz="3200" b="1">
+                <a:latin typeface="Calibri Light"/>
+                <a:ea typeface="Calibri Light"/>
+                <a:cs typeface="Calibri Light"/>
+              </a:rPr>
+              <a:t>"population_per_household"</a:t>
+            </a:r>
+            <a:r>
+              <a:rPr lang="sv-SE" sz="3200">
+                <a:latin typeface="Calibri Light"/>
+                <a:ea typeface="Calibri Light"/>
+                <a:cs typeface="Calibri Light"/>
+              </a:rPr>
+              <a:t> är en egen </a:t>
+            </a:r>
+            <a:r>
+              <a:rPr lang="sv-SE" sz="3200" b="1">
+                <a:latin typeface="Calibri Light"/>
+                <a:ea typeface="Calibri Light"/>
+                <a:cs typeface="Calibri Light"/>
+              </a:rPr>
+              <a:t>feature </a:t>
+            </a:r>
+            <a:r>
+              <a:rPr lang="sv-SE" sz="3200">
+                <a:latin typeface="Calibri Light"/>
+                <a:ea typeface="Calibri Light"/>
+                <a:cs typeface="Calibri Light"/>
+              </a:rPr>
+              <a:t>som vi har skapat genom att ta population dividerat med households</a:t>
+            </a:r>
+            <a:endParaRPr lang="sv-SE"/>
+          </a:p>
+        </p:txBody>
+      </p:sp>
+    </p:spTree>
+    <p:extLst>
+      <p:ext uri="{BB962C8B-B14F-4D97-AF65-F5344CB8AC3E}">
+        <p14:creationId xmlns:p14="http://schemas.microsoft.com/office/powerpoint/2010/main" val="2378278582"/>
+      </p:ext>
+    </p:extLst>
+  </p:cSld>
+  <p:clrMapOvr>
+    <a:masterClrMapping/>
+  </p:clrMapOvr>
+</p:sld>
+</file>
+
+<file path=ppt/slides/slide12.xml><?xml version="1.0" encoding="utf-8"?>
+<p:sld xmlns:a="http://schemas.openxmlformats.org/drawingml/2006/main" xmlns:r="http://schemas.openxmlformats.org/officeDocument/2006/relationships" xmlns:p="http://schemas.openxmlformats.org/presentationml/2006/main">
+  <p:cSld>
+    <p:bg>
+      <p:bgPr>
+        <a:solidFill>
+          <a:schemeClr val="bg1"/>
+        </a:solidFill>
+        <a:effectLst/>
+      </p:bgPr>
+    </p:bg>
+    <p:spTree>
+      <p:nvGrpSpPr>
+        <p:cNvPr id="1" name=""/>
+        <p:cNvGrpSpPr/>
+        <p:nvPr/>
+      </p:nvGrpSpPr>
+      <p:grpSpPr>
+        <a:xfrm>
+          <a:off x="0" y="0"/>
+          <a:ext cx="0" cy="0"/>
+          <a:chOff x="0" y="0"/>
+          <a:chExt cx="0" cy="0"/>
+        </a:xfrm>
+      </p:grpSpPr>
+      <p:sp>
+        <p:nvSpPr>
+          <p:cNvPr id="5" name="Rektangel 4">
+            <a:extLst>
+              <a:ext uri="{FF2B5EF4-FFF2-40B4-BE49-F238E27FC236}">
+                <a16:creationId xmlns:a16="http://schemas.microsoft.com/office/drawing/2014/main" id="{3BC64304-B6C0-FC94-369A-E33C0C727BBB}"/>
               </a:ext>
             </a:extLst>
           </p:cNvPr>
@@ -4404,17 +7551,17 @@
         </p:nvSpPr>
         <p:spPr>
           <a:xfrm>
-            <a:off x="10270959" y="4640510"/>
-            <a:ext cx="288000" cy="1913021"/>
+            <a:off x="-1" y="0"/>
+            <a:ext cx="2160640" cy="6858000"/>
           </a:xfrm>
-          <a:prstGeom prst="ellipse">
+          <a:prstGeom prst="rect">
             <a:avLst/>
           </a:prstGeom>
-          <a:noFill/>
-          <a:ln w="38100">
-            <a:solidFill>
-              <a:srgbClr val="FFC000"/>
-            </a:solidFill>
+          <a:solidFill>
+            <a:srgbClr val="FFC000"/>
+          </a:solidFill>
+          <a:ln>
+            <a:noFill/>
           </a:ln>
         </p:spPr>
         <p:style>
@@ -4444,10 +7591,354 @@
       </p:sp>
       <p:sp>
         <p:nvSpPr>
-          <p:cNvPr id="12" name="Ellips 11">
+          <p:cNvPr id="4" name="Rubrik 3">
             <a:extLst>
               <a:ext uri="{FF2B5EF4-FFF2-40B4-BE49-F238E27FC236}">
-                <a16:creationId xmlns:a16="http://schemas.microsoft.com/office/drawing/2014/main" id="{A7105219-BF73-9512-BBF8-EF5F712CDC75}"/>
+                <a16:creationId xmlns:a16="http://schemas.microsoft.com/office/drawing/2014/main" id="{AB6868EF-DA95-CDCF-E66C-77E6FB2FA094}"/>
+              </a:ext>
+            </a:extLst>
+          </p:cNvPr>
+          <p:cNvSpPr>
+            <a:spLocks noGrp="1"/>
+          </p:cNvSpPr>
+          <p:nvPr>
+            <p:ph type="title"/>
+          </p:nvPr>
+        </p:nvSpPr>
+        <p:spPr>
+          <a:xfrm>
+            <a:off x="187853" y="208714"/>
+            <a:ext cx="1780675" cy="1325563"/>
+          </a:xfrm>
+        </p:spPr>
+        <p:txBody>
+          <a:bodyPr>
+            <a:normAutofit fontScale="90000"/>
+          </a:bodyPr>
+          <a:lstStyle/>
+          <a:p>
+            <a:pPr algn="ctr"/>
+            <a:r>
+              <a:rPr lang="sv-SE" sz="3200" b="1">
+                <a:latin typeface="Calibri Light"/>
+                <a:ea typeface="Calibri Light"/>
+                <a:cs typeface="Calibri Light"/>
+              </a:rPr>
+              <a:t>Slutsats</a:t>
+            </a:r>
+            <a:br>
+              <a:rPr lang="sv-SE" sz="3200" b="1">
+                <a:latin typeface="Calibri Light"/>
+                <a:ea typeface="Calibri Light"/>
+                <a:cs typeface="Calibri Light"/>
+              </a:rPr>
+            </a:br>
+            <a:r>
+              <a:rPr lang="sv-SE" sz="3200" b="1">
+                <a:latin typeface="Calibri Light"/>
+                <a:ea typeface="Calibri Light"/>
+                <a:cs typeface="Calibri Light"/>
+              </a:rPr>
+              <a:t>och</a:t>
+            </a:r>
+            <a:br>
+              <a:rPr lang="sv-SE" sz="3200" b="1">
+                <a:latin typeface="Calibri Light"/>
+                <a:ea typeface="Calibri Light"/>
+                <a:cs typeface="Calibri Light"/>
+              </a:rPr>
+            </a:br>
+            <a:r>
+              <a:rPr lang="sv-SE" sz="3200" b="1">
+                <a:latin typeface="Calibri Light"/>
+                <a:ea typeface="Calibri Light"/>
+                <a:cs typeface="Calibri Light"/>
+              </a:rPr>
+              <a:t>reflektion</a:t>
+            </a:r>
+            <a:endParaRPr lang="sv-SE" sz="3200" b="1">
+              <a:latin typeface="Calibri Light"/>
+              <a:ea typeface="Calibri Light" panose="020F0302020204030204" pitchFamily="34" charset="0"/>
+              <a:cs typeface="Calibri Light" panose="020F0302020204030204" pitchFamily="34" charset="0"/>
+            </a:endParaRPr>
+          </a:p>
+        </p:txBody>
+      </p:sp>
+      <p:sp>
+        <p:nvSpPr>
+          <p:cNvPr id="2" name="textruta 1">
+            <a:extLst>
+              <a:ext uri="{FF2B5EF4-FFF2-40B4-BE49-F238E27FC236}">
+                <a16:creationId xmlns:a16="http://schemas.microsoft.com/office/drawing/2014/main" id="{6EFCD189-3C06-6CA9-7A77-A3AA7B47A70A}"/>
+              </a:ext>
+            </a:extLst>
+          </p:cNvPr>
+          <p:cNvSpPr txBox="1"/>
+          <p:nvPr/>
+        </p:nvSpPr>
+        <p:spPr>
+          <a:xfrm>
+            <a:off x="2157046" y="211015"/>
+            <a:ext cx="10034953" cy="1077218"/>
+          </a:xfrm>
+          <a:prstGeom prst="rect">
+            <a:avLst/>
+          </a:prstGeom>
+          <a:noFill/>
+        </p:spPr>
+        <p:txBody>
+          <a:bodyPr rot="0" spcFirstLastPara="0" vertOverflow="overflow" horzOverflow="overflow" vert="horz" wrap="square" lIns="91440" tIns="45720" rIns="91440" bIns="45720" numCol="1" spcCol="0" rtlCol="0" fromWordArt="0" anchor="t" anchorCtr="0" forceAA="0" compatLnSpc="1">
+            <a:prstTxWarp prst="textNoShape">
+              <a:avLst/>
+            </a:prstTxWarp>
+            <a:spAutoFit/>
+          </a:bodyPr>
+          <a:lstStyle/>
+          <a:p>
+            <a:r>
+              <a:rPr lang="sv-SE" sz="3200">
+                <a:latin typeface="Calibri Light"/>
+                <a:cs typeface="Arial"/>
+              </a:rPr>
+              <a:t>Vilken modell ger bäst prediktioner och med vilka hyperparametrar?</a:t>
+            </a:r>
+            <a:r>
+              <a:rPr lang="en-US" sz="3200">
+                <a:latin typeface="Calibri Light"/>
+                <a:cs typeface="Arial"/>
+              </a:rPr>
+              <a:t>​</a:t>
+            </a:r>
+            <a:endParaRPr lang="en-US" sz="3200">
+              <a:latin typeface="Calibri Light"/>
+              <a:ea typeface="Calibri Light"/>
+              <a:cs typeface="Arial"/>
+            </a:endParaRPr>
+          </a:p>
+        </p:txBody>
+      </p:sp>
+      <p:pic>
+        <p:nvPicPr>
+          <p:cNvPr id="9" name="Bildobjekt 8" descr="En bild som visar text, skärmbild, linje, Graf&#10;&#10;Automatiskt genererad beskrivning">
+            <a:extLst>
+              <a:ext uri="{FF2B5EF4-FFF2-40B4-BE49-F238E27FC236}">
+                <a16:creationId xmlns:a16="http://schemas.microsoft.com/office/drawing/2014/main" id="{0B8375DB-68FF-733E-6119-017BAA768FF6}"/>
+              </a:ext>
+            </a:extLst>
+          </p:cNvPr>
+          <p:cNvPicPr>
+            <a:picLocks noChangeAspect="1"/>
+          </p:cNvPicPr>
+          <p:nvPr/>
+        </p:nvPicPr>
+        <p:blipFill>
+          <a:blip r:embed="rId2"/>
+          <a:stretch>
+            <a:fillRect/>
+          </a:stretch>
+        </p:blipFill>
+        <p:spPr>
+          <a:xfrm>
+            <a:off x="4010463" y="2890174"/>
+            <a:ext cx="5914708" cy="3420307"/>
+          </a:xfrm>
+          <a:prstGeom prst="rect">
+            <a:avLst/>
+          </a:prstGeom>
+        </p:spPr>
+      </p:pic>
+      <p:graphicFrame>
+        <p:nvGraphicFramePr>
+          <p:cNvPr id="18" name="Tabell 17">
+            <a:extLst>
+              <a:ext uri="{FF2B5EF4-FFF2-40B4-BE49-F238E27FC236}">
+                <a16:creationId xmlns:a16="http://schemas.microsoft.com/office/drawing/2014/main" id="{CEDEA1BF-D521-2DCB-A9B5-B71F4B4C6EA4}"/>
+              </a:ext>
+            </a:extLst>
+          </p:cNvPr>
+          <p:cNvGraphicFramePr>
+            <a:graphicFrameLocks noGrp="1"/>
+          </p:cNvGraphicFramePr>
+          <p:nvPr>
+            <p:extLst>
+              <p:ext uri="{D42A27DB-BD31-4B8C-83A1-F6EECF244321}">
+                <p14:modId xmlns:p14="http://schemas.microsoft.com/office/powerpoint/2010/main" val="775833525"/>
+              </p:ext>
+            </p:extLst>
+          </p:nvPr>
+        </p:nvGraphicFramePr>
+        <p:xfrm>
+          <a:off x="5235526" y="1530948"/>
+          <a:ext cx="3480649" cy="1112520"/>
+        </p:xfrm>
+        <a:graphic>
+          <a:graphicData uri="http://schemas.openxmlformats.org/drawingml/2006/table">
+            <a:tbl>
+              <a:tblPr firstRow="1" bandRow="1">
+                <a:tableStyleId>{912C8C85-51F0-491E-9774-3900AFEF0FD7}</a:tableStyleId>
+              </a:tblPr>
+              <a:tblGrid>
+                <a:gridCol w="2175387">
+                  <a:extLst>
+                    <a:ext uri="{9D8B030D-6E8A-4147-A177-3AD203B41FA5}">
+                      <a16:colId xmlns:a16="http://schemas.microsoft.com/office/drawing/2014/main" val="243073342"/>
+                    </a:ext>
+                  </a:extLst>
+                </a:gridCol>
+                <a:gridCol w="1305262">
+                  <a:extLst>
+                    <a:ext uri="{9D8B030D-6E8A-4147-A177-3AD203B41FA5}">
+                      <a16:colId xmlns:a16="http://schemas.microsoft.com/office/drawing/2014/main" val="3971426697"/>
+                    </a:ext>
+                  </a:extLst>
+                </a:gridCol>
+              </a:tblGrid>
+              <a:tr h="370840">
+                <a:tc>
+                  <a:txBody>
+                    <a:bodyPr/>
+                    <a:lstStyle/>
+                    <a:p>
+                      <a:r>
+                        <a:rPr lang="sv-SE" b="1"/>
+                        <a:t>Bästa parametrar</a:t>
+                      </a:r>
+                    </a:p>
+                  </a:txBody>
+                  <a:tcPr/>
+                </a:tc>
+                <a:tc>
+                  <a:txBody>
+                    <a:bodyPr/>
+                    <a:lstStyle/>
+                    <a:p>
+                      <a:endParaRPr lang="sv-SE" b="1"/>
+                    </a:p>
+                  </a:txBody>
+                  <a:tcPr/>
+                </a:tc>
+                <a:extLst>
+                  <a:ext uri="{0D108BD9-81ED-4DB2-BD59-A6C34878D82A}">
+                    <a16:rowId xmlns:a16="http://schemas.microsoft.com/office/drawing/2014/main" val="2542815565"/>
+                  </a:ext>
+                </a:extLst>
+              </a:tr>
+              <a:tr h="370840">
+                <a:tc>
+                  <a:txBody>
+                    <a:bodyPr/>
+                    <a:lstStyle/>
+                    <a:p>
+                      <a:r>
+                        <a:rPr lang="sv-SE" b="1" err="1"/>
+                        <a:t>Max_features</a:t>
+                      </a:r>
+                    </a:p>
+                  </a:txBody>
+                  <a:tcPr/>
+                </a:tc>
+                <a:tc>
+                  <a:txBody>
+                    <a:bodyPr/>
+                    <a:lstStyle/>
+                    <a:p>
+                      <a:pPr algn="ctr"/>
+                      <a:r>
+                        <a:rPr lang="sv-SE" b="1"/>
+                        <a:t>2</a:t>
+                      </a:r>
+                    </a:p>
+                  </a:txBody>
+                  <a:tcPr/>
+                </a:tc>
+                <a:extLst>
+                  <a:ext uri="{0D108BD9-81ED-4DB2-BD59-A6C34878D82A}">
+                    <a16:rowId xmlns:a16="http://schemas.microsoft.com/office/drawing/2014/main" val="2565422691"/>
+                  </a:ext>
+                </a:extLst>
+              </a:tr>
+              <a:tr h="370840">
+                <a:tc>
+                  <a:txBody>
+                    <a:bodyPr/>
+                    <a:lstStyle/>
+                    <a:p>
+                      <a:r>
+                        <a:rPr lang="sv-SE" b="1" err="1"/>
+                        <a:t>N_estimators</a:t>
+                      </a:r>
+                    </a:p>
+                  </a:txBody>
+                  <a:tcPr/>
+                </a:tc>
+                <a:tc>
+                  <a:txBody>
+                    <a:bodyPr/>
+                    <a:lstStyle/>
+                    <a:p>
+                      <a:pPr algn="ctr"/>
+                      <a:r>
+                        <a:rPr lang="sv-SE" b="1"/>
+                        <a:t>30</a:t>
+                      </a:r>
+                    </a:p>
+                  </a:txBody>
+                  <a:tcPr/>
+                </a:tc>
+                <a:extLst>
+                  <a:ext uri="{0D108BD9-81ED-4DB2-BD59-A6C34878D82A}">
+                    <a16:rowId xmlns:a16="http://schemas.microsoft.com/office/drawing/2014/main" val="1310683432"/>
+                  </a:ext>
+                </a:extLst>
+              </a:tr>
+            </a:tbl>
+          </a:graphicData>
+        </a:graphic>
+      </p:graphicFrame>
+    </p:spTree>
+    <p:extLst>
+      <p:ext uri="{BB962C8B-B14F-4D97-AF65-F5344CB8AC3E}">
+        <p14:creationId xmlns:p14="http://schemas.microsoft.com/office/powerpoint/2010/main" val="4207180296"/>
+      </p:ext>
+    </p:extLst>
+  </p:cSld>
+  <p:clrMapOvr>
+    <a:masterClrMapping/>
+  </p:clrMapOvr>
+</p:sld>
+</file>
+
+<file path=ppt/slides/slide13.xml><?xml version="1.0" encoding="utf-8"?>
+<p:sld xmlns:a="http://schemas.openxmlformats.org/drawingml/2006/main" xmlns:r="http://schemas.openxmlformats.org/officeDocument/2006/relationships" xmlns:p="http://schemas.openxmlformats.org/presentationml/2006/main">
+  <p:cSld>
+    <p:bg>
+      <p:bgPr>
+        <a:solidFill>
+          <a:schemeClr val="bg1"/>
+        </a:solidFill>
+        <a:effectLst/>
+      </p:bgPr>
+    </p:bg>
+    <p:spTree>
+      <p:nvGrpSpPr>
+        <p:cNvPr id="1" name=""/>
+        <p:cNvGrpSpPr/>
+        <p:nvPr/>
+      </p:nvGrpSpPr>
+      <p:grpSpPr>
+        <a:xfrm>
+          <a:off x="0" y="0"/>
+          <a:ext cx="0" cy="0"/>
+          <a:chOff x="0" y="0"/>
+          <a:chExt cx="0" cy="0"/>
+        </a:xfrm>
+      </p:grpSpPr>
+      <p:sp>
+        <p:nvSpPr>
+          <p:cNvPr id="5" name="Rektangel 4">
+            <a:extLst>
+              <a:ext uri="{FF2B5EF4-FFF2-40B4-BE49-F238E27FC236}">
+                <a16:creationId xmlns:a16="http://schemas.microsoft.com/office/drawing/2014/main" id="{3BC64304-B6C0-FC94-369A-E33C0C727BBB}"/>
               </a:ext>
             </a:extLst>
           </p:cNvPr>
@@ -4456,17 +7947,17 @@
         </p:nvSpPr>
         <p:spPr>
           <a:xfrm>
-            <a:off x="10282991" y="830180"/>
-            <a:ext cx="288000" cy="1913021"/>
+            <a:off x="-1" y="0"/>
+            <a:ext cx="2160640" cy="6858000"/>
           </a:xfrm>
-          <a:prstGeom prst="ellipse">
+          <a:prstGeom prst="rect">
             <a:avLst/>
           </a:prstGeom>
-          <a:noFill/>
-          <a:ln w="38100">
-            <a:solidFill>
-              <a:srgbClr val="FFC000"/>
-            </a:solidFill>
+          <a:solidFill>
+            <a:srgbClr val="FFC000"/>
+          </a:solidFill>
+          <a:ln>
+            <a:noFill/>
           </a:ln>
         </p:spPr>
         <p:style>
@@ -4496,10 +7987,81 @@
       </p:sp>
       <p:sp>
         <p:nvSpPr>
-          <p:cNvPr id="13" name="textruta 12">
+          <p:cNvPr id="4" name="Rubrik 3">
             <a:extLst>
               <a:ext uri="{FF2B5EF4-FFF2-40B4-BE49-F238E27FC236}">
-                <a16:creationId xmlns:a16="http://schemas.microsoft.com/office/drawing/2014/main" id="{31B02EFF-7522-EF65-7169-10D038C8F481}"/>
+                <a16:creationId xmlns:a16="http://schemas.microsoft.com/office/drawing/2014/main" id="{AB6868EF-DA95-CDCF-E66C-77E6FB2FA094}"/>
+              </a:ext>
+            </a:extLst>
+          </p:cNvPr>
+          <p:cNvSpPr>
+            <a:spLocks noGrp="1"/>
+          </p:cNvSpPr>
+          <p:nvPr>
+            <p:ph type="title"/>
+          </p:nvPr>
+        </p:nvSpPr>
+        <p:spPr>
+          <a:xfrm>
+            <a:off x="187853" y="574056"/>
+            <a:ext cx="1780675" cy="1325563"/>
+          </a:xfrm>
+        </p:spPr>
+        <p:txBody>
+          <a:bodyPr>
+            <a:normAutofit/>
+          </a:bodyPr>
+          <a:lstStyle/>
+          <a:p>
+            <a:pPr algn="ctr"/>
+            <a:r>
+              <a:rPr lang="sv-SE" sz="2900" b="1">
+                <a:latin typeface="Calibri Light"/>
+                <a:ea typeface="Calibri Light"/>
+                <a:cs typeface="Calibri Light"/>
+              </a:rPr>
+              <a:t>Slutsats</a:t>
+            </a:r>
+            <a:br>
+              <a:rPr lang="sv-SE" sz="2900" b="1">
+                <a:latin typeface="Calibri Light"/>
+                <a:ea typeface="Calibri Light"/>
+                <a:cs typeface="Calibri Light"/>
+              </a:rPr>
+            </a:br>
+            <a:r>
+              <a:rPr lang="sv-SE" sz="2900" b="1">
+                <a:latin typeface="Calibri Light"/>
+                <a:ea typeface="Calibri Light"/>
+                <a:cs typeface="Calibri Light"/>
+              </a:rPr>
+              <a:t>och</a:t>
+            </a:r>
+            <a:br>
+              <a:rPr lang="sv-SE" sz="2900" b="1">
+                <a:latin typeface="Calibri Light"/>
+                <a:ea typeface="Calibri Light"/>
+                <a:cs typeface="Calibri Light"/>
+              </a:rPr>
+            </a:br>
+            <a:r>
+              <a:rPr lang="sv-SE" sz="2900" b="1">
+                <a:latin typeface="Calibri Light"/>
+                <a:ea typeface="Calibri Light"/>
+                <a:cs typeface="Calibri Light"/>
+              </a:rPr>
+              <a:t>reflektion</a:t>
+            </a:r>
+            <a:endParaRPr lang="sv-SE"/>
+          </a:p>
+        </p:txBody>
+      </p:sp>
+      <p:sp>
+        <p:nvSpPr>
+          <p:cNvPr id="2" name="textruta 1">
+            <a:extLst>
+              <a:ext uri="{FF2B5EF4-FFF2-40B4-BE49-F238E27FC236}">
+                <a16:creationId xmlns:a16="http://schemas.microsoft.com/office/drawing/2014/main" id="{6EFCD189-3C06-6CA9-7A77-A3AA7B47A70A}"/>
               </a:ext>
             </a:extLst>
           </p:cNvPr>
@@ -4508,8 +8070,8 @@
         </p:nvSpPr>
         <p:spPr>
           <a:xfrm>
-            <a:off x="66368" y="1076632"/>
-            <a:ext cx="2093631" cy="276999"/>
+            <a:off x="2157046" y="576357"/>
+            <a:ext cx="10034953" cy="584775"/>
           </a:xfrm>
           <a:prstGeom prst="rect">
             <a:avLst/>
@@ -4517,31 +8079,652 @@
           <a:noFill/>
         </p:spPr>
         <p:txBody>
-          <a:bodyPr wrap="square" rtlCol="0">
+          <a:bodyPr rot="0" spcFirstLastPara="0" vertOverflow="overflow" horzOverflow="overflow" vert="horz" wrap="square" lIns="91440" tIns="45720" rIns="91440" bIns="45720" numCol="1" spcCol="0" rtlCol="0" fromWordArt="0" anchor="t" anchorCtr="0" forceAA="0" compatLnSpc="1">
+            <a:prstTxWarp prst="textNoShape">
+              <a:avLst/>
+            </a:prstTxWarp>
             <a:spAutoFit/>
           </a:bodyPr>
           <a:lstStyle/>
           <a:p>
             <a:r>
-              <a:rPr lang="sv-SE" sz="1200" dirty="0" err="1">
-                <a:latin typeface="Calibri Light" panose="020F0302020204030204" pitchFamily="34" charset="0"/>
-                <a:ea typeface="Calibri Light" panose="020F0302020204030204" pitchFamily="34" charset="0"/>
-                <a:cs typeface="Calibri Light" panose="020F0302020204030204" pitchFamily="34" charset="0"/>
-              </a:rPr>
-              <a:t>skhdjfklsdjf</a:t>
-            </a:r>
-            <a:endParaRPr lang="en-US" sz="1200" dirty="0">
-              <a:latin typeface="Calibri Light" panose="020F0302020204030204" pitchFamily="34" charset="0"/>
-              <a:ea typeface="Calibri Light" panose="020F0302020204030204" pitchFamily="34" charset="0"/>
-              <a:cs typeface="Calibri Light" panose="020F0302020204030204" pitchFamily="34" charset="0"/>
+              <a:rPr lang="sv-SE" sz="3200">
+                <a:latin typeface="Calibri Light"/>
+                <a:cs typeface="Arial"/>
+              </a:rPr>
+              <a:t>Hur kan vi utvärdera felmarginalen?</a:t>
+            </a:r>
+            <a:r>
+              <a:rPr lang="en-US" sz="3200">
+                <a:latin typeface="Calibri Light"/>
+                <a:cs typeface="Arial"/>
+              </a:rPr>
+              <a:t>​</a:t>
+            </a:r>
+            <a:endParaRPr lang="en-US"/>
+          </a:p>
+        </p:txBody>
+      </p:sp>
+      <p:sp>
+        <p:nvSpPr>
+          <p:cNvPr id="8" name="textruta 7">
+            <a:extLst>
+              <a:ext uri="{FF2B5EF4-FFF2-40B4-BE49-F238E27FC236}">
+                <a16:creationId xmlns:a16="http://schemas.microsoft.com/office/drawing/2014/main" id="{45BED702-FE40-C2F2-AAB4-11E6D4B749AE}"/>
+              </a:ext>
+            </a:extLst>
+          </p:cNvPr>
+          <p:cNvSpPr txBox="1"/>
+          <p:nvPr/>
+        </p:nvSpPr>
+        <p:spPr>
+          <a:xfrm>
+            <a:off x="2157045" y="1565431"/>
+            <a:ext cx="10034953" cy="1569660"/>
+          </a:xfrm>
+          <a:prstGeom prst="rect">
+            <a:avLst/>
+          </a:prstGeom>
+          <a:noFill/>
+        </p:spPr>
+        <p:txBody>
+          <a:bodyPr rot="0" spcFirstLastPara="0" vertOverflow="overflow" horzOverflow="overflow" vert="horz" wrap="square" lIns="91440" tIns="45720" rIns="91440" bIns="45720" numCol="1" spcCol="0" rtlCol="0" fromWordArt="0" anchor="t" anchorCtr="0" forceAA="0" compatLnSpc="1">
+            <a:prstTxWarp prst="textNoShape">
+              <a:avLst/>
+            </a:prstTxWarp>
+            <a:spAutoFit/>
+          </a:bodyPr>
+          <a:lstStyle/>
+          <a:p>
+            <a:r>
+              <a:rPr lang="en-US" sz="3200">
+                <a:latin typeface="Calibri Light"/>
+                <a:ea typeface="Calibri Light"/>
+                <a:cs typeface="Arial"/>
+              </a:rPr>
+              <a:t>Genom RMSE för </a:t>
+            </a:r>
+            <a:r>
+              <a:rPr lang="en-US" sz="3200" err="1">
+                <a:latin typeface="Calibri Light"/>
+                <a:ea typeface="Calibri Light"/>
+                <a:cs typeface="Arial"/>
+              </a:rPr>
+              <a:t>att</a:t>
+            </a:r>
+            <a:r>
+              <a:rPr lang="en-US" sz="3200">
+                <a:latin typeface="Calibri Light"/>
+                <a:ea typeface="Calibri Light"/>
+                <a:cs typeface="Arial"/>
+              </a:rPr>
+              <a:t> </a:t>
+            </a:r>
+            <a:r>
+              <a:rPr lang="en-US" sz="3200" err="1">
+                <a:latin typeface="Calibri Light"/>
+                <a:ea typeface="Calibri Light"/>
+                <a:cs typeface="Arial"/>
+              </a:rPr>
+              <a:t>få</a:t>
+            </a:r>
+            <a:r>
+              <a:rPr lang="en-US" sz="3200">
+                <a:latin typeface="Calibri Light"/>
+                <a:ea typeface="Calibri Light"/>
+                <a:cs typeface="Arial"/>
+              </a:rPr>
+              <a:t> </a:t>
+            </a:r>
+            <a:r>
+              <a:rPr lang="en-US" sz="3200" err="1">
+                <a:latin typeface="Calibri Light"/>
+                <a:ea typeface="Calibri Light"/>
+                <a:cs typeface="Arial"/>
+              </a:rPr>
+              <a:t>en</a:t>
+            </a:r>
+            <a:r>
+              <a:rPr lang="en-US" sz="3200">
+                <a:latin typeface="Calibri Light"/>
+                <a:ea typeface="Calibri Light"/>
+                <a:cs typeface="Arial"/>
+              </a:rPr>
+              <a:t> </a:t>
+            </a:r>
+            <a:r>
+              <a:rPr lang="en-US" sz="3200" err="1">
+                <a:latin typeface="Calibri Light"/>
+                <a:ea typeface="Calibri Light"/>
+                <a:cs typeface="Arial"/>
+              </a:rPr>
+              <a:t>ungefärlig</a:t>
+            </a:r>
+            <a:r>
+              <a:rPr lang="en-US" sz="3200">
+                <a:latin typeface="Calibri Light"/>
+                <a:ea typeface="Calibri Light"/>
+                <a:cs typeface="Arial"/>
+              </a:rPr>
+              <a:t> </a:t>
+            </a:r>
+            <a:r>
+              <a:rPr lang="en-US" sz="3200" err="1">
+                <a:latin typeface="Calibri Light"/>
+                <a:ea typeface="Calibri Light"/>
+                <a:cs typeface="Arial"/>
+              </a:rPr>
+              <a:t>differens</a:t>
+            </a:r>
+            <a:r>
+              <a:rPr lang="en-US" sz="3200">
+                <a:latin typeface="Calibri Light"/>
+                <a:ea typeface="Calibri Light"/>
+                <a:cs typeface="Arial"/>
+              </a:rPr>
+              <a:t>, </a:t>
+            </a:r>
+            <a:r>
+              <a:rPr lang="en-US" sz="3200" err="1">
+                <a:latin typeface="Calibri Light"/>
+                <a:ea typeface="Calibri Light"/>
+                <a:cs typeface="Arial"/>
+              </a:rPr>
+              <a:t>från</a:t>
+            </a:r>
+            <a:r>
+              <a:rPr lang="en-US" sz="3200">
+                <a:latin typeface="Calibri Light"/>
+                <a:ea typeface="Calibri Light"/>
+                <a:cs typeface="Arial"/>
+              </a:rPr>
+              <a:t> </a:t>
+            </a:r>
+            <a:r>
+              <a:rPr lang="en-US" sz="3200" err="1">
+                <a:latin typeface="Calibri Light"/>
+                <a:ea typeface="Calibri Light"/>
+                <a:cs typeface="Arial"/>
+              </a:rPr>
+              <a:t>vilken</a:t>
+            </a:r>
+            <a:r>
+              <a:rPr lang="en-US" sz="3200">
+                <a:latin typeface="Calibri Light"/>
+                <a:ea typeface="Calibri Light"/>
+                <a:cs typeface="Arial"/>
+              </a:rPr>
+              <a:t> vi </a:t>
+            </a:r>
+            <a:r>
+              <a:rPr lang="en-US" sz="3200" err="1">
+                <a:latin typeface="Calibri Light"/>
+                <a:ea typeface="Calibri Light"/>
+                <a:cs typeface="Arial"/>
+              </a:rPr>
+              <a:t>kan</a:t>
+            </a:r>
+            <a:r>
+              <a:rPr lang="en-US" sz="3200">
+                <a:latin typeface="Calibri Light"/>
+                <a:ea typeface="Calibri Light"/>
+                <a:cs typeface="Arial"/>
+              </a:rPr>
+              <a:t> </a:t>
+            </a:r>
+            <a:r>
+              <a:rPr lang="en-US" sz="3200" err="1">
+                <a:latin typeface="Calibri Light"/>
+                <a:ea typeface="Calibri Light"/>
+                <a:cs typeface="Arial"/>
+              </a:rPr>
+              <a:t>skapa</a:t>
+            </a:r>
+            <a:r>
+              <a:rPr lang="en-US" sz="3200">
+                <a:latin typeface="Calibri Light"/>
+                <a:ea typeface="Calibri Light"/>
+                <a:cs typeface="Arial"/>
+              </a:rPr>
+              <a:t> </a:t>
+            </a:r>
+            <a:r>
+              <a:rPr lang="en-US" sz="3200" err="1">
+                <a:latin typeface="Calibri Light"/>
+                <a:ea typeface="Calibri Light"/>
+                <a:cs typeface="Arial"/>
+              </a:rPr>
+              <a:t>en</a:t>
+            </a:r>
+            <a:r>
+              <a:rPr lang="en-US" sz="3200">
+                <a:latin typeface="Calibri Light"/>
+                <a:ea typeface="Calibri Light"/>
+                <a:cs typeface="Arial"/>
+              </a:rPr>
+              <a:t> </a:t>
+            </a:r>
+            <a:r>
+              <a:rPr lang="en-US" sz="3200" err="1">
+                <a:latin typeface="Calibri Light"/>
+                <a:ea typeface="Calibri Light"/>
+                <a:cs typeface="Arial"/>
+              </a:rPr>
+              <a:t>procentfelmarginal</a:t>
+            </a:r>
+            <a:r>
+              <a:rPr lang="en-US" sz="3200">
+                <a:latin typeface="Calibri Light"/>
+                <a:ea typeface="Calibri Light"/>
+                <a:cs typeface="Arial"/>
+              </a:rPr>
+              <a:t> med </a:t>
+            </a:r>
+            <a:r>
+              <a:rPr lang="en-US" sz="3200" err="1">
+                <a:latin typeface="Calibri Light"/>
+                <a:ea typeface="Calibri Light"/>
+                <a:cs typeface="Arial"/>
+              </a:rPr>
+              <a:t>hjälp</a:t>
+            </a:r>
+            <a:r>
+              <a:rPr lang="en-US" sz="3200">
+                <a:latin typeface="Calibri Light"/>
+                <a:ea typeface="Calibri Light"/>
+                <a:cs typeface="Arial"/>
+              </a:rPr>
+              <a:t> av </a:t>
+            </a:r>
+            <a:r>
+              <a:rPr lang="en-US" sz="3200" err="1">
+                <a:latin typeface="Calibri Light"/>
+                <a:ea typeface="Calibri Light"/>
+                <a:cs typeface="Arial"/>
+              </a:rPr>
+              <a:t>medelvärdet</a:t>
+            </a:r>
+            <a:r>
+              <a:rPr lang="en-US" sz="3200">
+                <a:latin typeface="Calibri Light"/>
+                <a:ea typeface="Calibri Light"/>
+                <a:cs typeface="Arial"/>
+              </a:rPr>
+              <a:t> av </a:t>
+            </a:r>
+            <a:r>
+              <a:rPr lang="en-US" sz="3200">
+                <a:ea typeface="+mn-lt"/>
+                <a:cs typeface="+mn-lt"/>
+              </a:rPr>
+              <a:t>median_house_value</a:t>
+            </a:r>
+          </a:p>
+        </p:txBody>
+      </p:sp>
+      <p:sp>
+        <p:nvSpPr>
+          <p:cNvPr id="7" name="textruta 6">
+            <a:extLst>
+              <a:ext uri="{FF2B5EF4-FFF2-40B4-BE49-F238E27FC236}">
+                <a16:creationId xmlns:a16="http://schemas.microsoft.com/office/drawing/2014/main" id="{FFD16E7C-2BEC-4C2A-F7B4-941F5161DDB0}"/>
+              </a:ext>
+            </a:extLst>
+          </p:cNvPr>
+          <p:cNvSpPr txBox="1"/>
+          <p:nvPr/>
+        </p:nvSpPr>
+        <p:spPr>
+          <a:xfrm>
+            <a:off x="2157044" y="3433895"/>
+            <a:ext cx="10034953" cy="3046988"/>
+          </a:xfrm>
+          <a:prstGeom prst="rect">
+            <a:avLst/>
+          </a:prstGeom>
+          <a:noFill/>
+        </p:spPr>
+        <p:txBody>
+          <a:bodyPr rot="0" spcFirstLastPara="0" vertOverflow="overflow" horzOverflow="overflow" vert="horz" wrap="square" lIns="91440" tIns="45720" rIns="91440" bIns="45720" numCol="1" spcCol="0" rtlCol="0" fromWordArt="0" anchor="t" anchorCtr="0" forceAA="0" compatLnSpc="1">
+            <a:prstTxWarp prst="textNoShape">
+              <a:avLst/>
+            </a:prstTxWarp>
+            <a:spAutoFit/>
+          </a:bodyPr>
+          <a:lstStyle/>
+          <a:p>
+            <a:r>
+              <a:rPr lang="en-US" sz="3200" err="1">
+                <a:latin typeface="Calibri Light"/>
+                <a:ea typeface="+mn-lt"/>
+                <a:cs typeface="+mn-lt"/>
+              </a:rPr>
+              <a:t>Reflektioner</a:t>
+            </a:r>
+            <a:r>
+              <a:rPr lang="en-US" sz="3200">
+                <a:latin typeface="Calibri Light"/>
+                <a:ea typeface="+mn-lt"/>
+                <a:cs typeface="+mn-lt"/>
+              </a:rPr>
+              <a:t>:</a:t>
+            </a:r>
+          </a:p>
+          <a:p>
+            <a:endParaRPr lang="en-US" sz="3200">
+              <a:latin typeface="Calibri Light"/>
+              <a:ea typeface="+mn-lt"/>
+              <a:cs typeface="+mn-lt"/>
             </a:endParaRPr>
+          </a:p>
+          <a:p>
+            <a:r>
+              <a:rPr lang="en-US" sz="3200">
+                <a:latin typeface="Calibri Light"/>
+                <a:ea typeface="+mn-lt"/>
+                <a:cs typeface="+mn-lt"/>
+              </a:rPr>
+              <a:t>Val av features </a:t>
+            </a:r>
+            <a:r>
+              <a:rPr lang="en-US" sz="3200" err="1">
+                <a:latin typeface="Calibri Light"/>
+                <a:ea typeface="+mn-lt"/>
+                <a:cs typeface="+mn-lt"/>
+              </a:rPr>
+              <a:t>och</a:t>
+            </a:r>
+            <a:r>
+              <a:rPr lang="en-US" sz="3200">
+                <a:latin typeface="Calibri Light"/>
+                <a:ea typeface="+mn-lt"/>
+                <a:cs typeface="+mn-lt"/>
+              </a:rPr>
+              <a:t> </a:t>
+            </a:r>
+            <a:r>
+              <a:rPr lang="en-US" sz="3200" err="1">
+                <a:latin typeface="Calibri Light"/>
+                <a:ea typeface="+mn-lt"/>
+                <a:cs typeface="+mn-lt"/>
+              </a:rPr>
+              <a:t>modell</a:t>
+            </a:r>
+            <a:r>
+              <a:rPr lang="en-US" sz="3200">
+                <a:latin typeface="Calibri Light"/>
+                <a:ea typeface="+mn-lt"/>
+                <a:cs typeface="+mn-lt"/>
+              </a:rPr>
+              <a:t> </a:t>
+            </a:r>
+            <a:r>
+              <a:rPr lang="sv-SE" sz="3200">
+                <a:latin typeface="Calibri Light"/>
+                <a:ea typeface="+mn-lt"/>
+                <a:cs typeface="+mn-lt"/>
+              </a:rPr>
+              <a:t>påverkar</a:t>
+            </a:r>
+            <a:r>
+              <a:rPr lang="en-US" sz="3200">
+                <a:latin typeface="Calibri Light"/>
+                <a:ea typeface="+mn-lt"/>
+                <a:cs typeface="+mn-lt"/>
+              </a:rPr>
+              <a:t> </a:t>
+            </a:r>
+            <a:r>
+              <a:rPr lang="en-US" sz="3200" err="1">
+                <a:latin typeface="Calibri Light"/>
+                <a:ea typeface="+mn-lt"/>
+                <a:cs typeface="+mn-lt"/>
+              </a:rPr>
+              <a:t>utfallet</a:t>
+            </a:r>
+            <a:r>
+              <a:rPr lang="en-US" sz="3200">
+                <a:latin typeface="Calibri Light"/>
+                <a:ea typeface="+mn-lt"/>
+                <a:cs typeface="+mn-lt"/>
+              </a:rPr>
+              <a:t> </a:t>
+            </a:r>
+            <a:r>
+              <a:rPr lang="en-US" sz="3200" err="1">
+                <a:latin typeface="Calibri Light"/>
+                <a:ea typeface="+mn-lt"/>
+                <a:cs typeface="+mn-lt"/>
+              </a:rPr>
+              <a:t>mycket</a:t>
+            </a:r>
+            <a:r>
+              <a:rPr lang="en-US" sz="3200">
+                <a:latin typeface="Calibri Light"/>
+                <a:ea typeface="+mn-lt"/>
+                <a:cs typeface="+mn-lt"/>
+              </a:rPr>
+              <a:t>.</a:t>
+            </a:r>
+          </a:p>
+          <a:p>
+            <a:r>
+              <a:rPr lang="en-US" sz="3200" err="1">
+                <a:latin typeface="Calibri Light"/>
+                <a:ea typeface="+mn-lt"/>
+                <a:cs typeface="+mn-lt"/>
+              </a:rPr>
+              <a:t>Tydliga</a:t>
+            </a:r>
+            <a:r>
+              <a:rPr lang="en-US" sz="3200">
+                <a:latin typeface="Calibri Light"/>
+                <a:ea typeface="+mn-lt"/>
+                <a:cs typeface="+mn-lt"/>
+              </a:rPr>
+              <a:t> </a:t>
+            </a:r>
+            <a:r>
+              <a:rPr lang="en-US" sz="3200" err="1">
+                <a:latin typeface="Calibri Light"/>
+                <a:ea typeface="+mn-lt"/>
+                <a:cs typeface="+mn-lt"/>
+              </a:rPr>
+              <a:t>korrelationer</a:t>
+            </a:r>
+            <a:r>
+              <a:rPr lang="en-US" sz="3200">
+                <a:latin typeface="Calibri Light"/>
+                <a:ea typeface="+mn-lt"/>
+                <a:cs typeface="+mn-lt"/>
+              </a:rPr>
+              <a:t> </a:t>
+            </a:r>
+            <a:r>
+              <a:rPr lang="en-US" sz="3200" err="1">
+                <a:latin typeface="Calibri Light"/>
+                <a:ea typeface="+mn-lt"/>
+                <a:cs typeface="+mn-lt"/>
+              </a:rPr>
+              <a:t>kan</a:t>
+            </a:r>
+            <a:r>
+              <a:rPr lang="en-US" sz="3200">
+                <a:latin typeface="Calibri Light"/>
+                <a:ea typeface="+mn-lt"/>
+                <a:cs typeface="+mn-lt"/>
+              </a:rPr>
+              <a:t> visa sig ha </a:t>
+            </a:r>
+            <a:r>
+              <a:rPr lang="en-US" sz="3200" err="1">
+                <a:latin typeface="Calibri Light"/>
+                <a:ea typeface="+mn-lt"/>
+                <a:cs typeface="+mn-lt"/>
+              </a:rPr>
+              <a:t>mindre</a:t>
+            </a:r>
+            <a:r>
+              <a:rPr lang="en-US" sz="3200">
+                <a:latin typeface="Calibri Light"/>
+                <a:ea typeface="+mn-lt"/>
+                <a:cs typeface="+mn-lt"/>
+              </a:rPr>
+              <a:t> </a:t>
+            </a:r>
+            <a:r>
+              <a:rPr lang="en-US" sz="3200" err="1">
+                <a:latin typeface="Calibri Light"/>
+                <a:ea typeface="+mn-lt"/>
+                <a:cs typeface="+mn-lt"/>
+              </a:rPr>
+              <a:t>betydelse</a:t>
+            </a:r>
+            <a:r>
+              <a:rPr lang="en-US" sz="3200">
+                <a:latin typeface="Calibri Light"/>
+                <a:ea typeface="+mn-lt"/>
+                <a:cs typeface="+mn-lt"/>
+              </a:rPr>
+              <a:t> </a:t>
+            </a:r>
+          </a:p>
+          <a:p>
+            <a:r>
+              <a:rPr lang="en-US" sz="3200" err="1">
+                <a:latin typeface="Calibri Light"/>
+                <a:ea typeface="+mn-lt"/>
+                <a:cs typeface="+mn-lt"/>
+              </a:rPr>
+              <a:t>medan</a:t>
+            </a:r>
+            <a:r>
+              <a:rPr lang="en-US" sz="3200">
+                <a:latin typeface="Calibri Light"/>
+                <a:ea typeface="+mn-lt"/>
+                <a:cs typeface="+mn-lt"/>
+              </a:rPr>
+              <a:t> </a:t>
+            </a:r>
+            <a:r>
+              <a:rPr lang="en-US" sz="3200" err="1">
+                <a:latin typeface="Calibri Light"/>
+                <a:ea typeface="+mn-lt"/>
+                <a:cs typeface="+mn-lt"/>
+              </a:rPr>
+              <a:t>korrelationer</a:t>
+            </a:r>
+            <a:r>
+              <a:rPr lang="en-US" sz="3200">
+                <a:latin typeface="Calibri Light"/>
+                <a:ea typeface="+mn-lt"/>
+                <a:cs typeface="+mn-lt"/>
+              </a:rPr>
+              <a:t> </a:t>
+            </a:r>
+            <a:r>
+              <a:rPr lang="en-US" sz="3200" err="1">
+                <a:latin typeface="Calibri Light"/>
+                <a:ea typeface="+mn-lt"/>
+                <a:cs typeface="+mn-lt"/>
+              </a:rPr>
+              <a:t>som</a:t>
+            </a:r>
+            <a:r>
+              <a:rPr lang="en-US" sz="3200">
+                <a:latin typeface="Calibri Light"/>
+                <a:ea typeface="+mn-lt"/>
+                <a:cs typeface="+mn-lt"/>
+              </a:rPr>
+              <a:t> </a:t>
+            </a:r>
+            <a:r>
+              <a:rPr lang="en-US" sz="3200" err="1">
+                <a:latin typeface="Calibri Light"/>
+                <a:ea typeface="+mn-lt"/>
+                <a:cs typeface="+mn-lt"/>
+              </a:rPr>
+              <a:t>är</a:t>
+            </a:r>
+            <a:r>
+              <a:rPr lang="en-US" sz="3200">
+                <a:latin typeface="Calibri Light"/>
+                <a:ea typeface="+mn-lt"/>
+                <a:cs typeface="+mn-lt"/>
+              </a:rPr>
+              <a:t> </a:t>
+            </a:r>
+            <a:r>
+              <a:rPr lang="en-US" sz="3200" err="1">
+                <a:latin typeface="Calibri Light"/>
+                <a:ea typeface="+mn-lt"/>
+                <a:cs typeface="+mn-lt"/>
+              </a:rPr>
+              <a:t>svårare</a:t>
+            </a:r>
+            <a:r>
+              <a:rPr lang="en-US" sz="3200">
+                <a:latin typeface="Calibri Light"/>
+                <a:ea typeface="+mn-lt"/>
+                <a:cs typeface="+mn-lt"/>
+              </a:rPr>
+              <a:t> </a:t>
+            </a:r>
+            <a:r>
+              <a:rPr lang="en-US" sz="3200" err="1">
+                <a:latin typeface="Calibri Light"/>
+                <a:ea typeface="+mn-lt"/>
+                <a:cs typeface="+mn-lt"/>
+              </a:rPr>
+              <a:t>att</a:t>
+            </a:r>
+            <a:r>
+              <a:rPr lang="en-US" sz="3200">
+                <a:latin typeface="Calibri Light"/>
+                <a:ea typeface="+mn-lt"/>
+                <a:cs typeface="+mn-lt"/>
+              </a:rPr>
+              <a:t> </a:t>
+            </a:r>
+            <a:r>
+              <a:rPr lang="en-US" sz="3200" err="1">
+                <a:latin typeface="Calibri Light"/>
+                <a:ea typeface="+mn-lt"/>
+                <a:cs typeface="+mn-lt"/>
+              </a:rPr>
+              <a:t>upptäcka</a:t>
+            </a:r>
+            <a:r>
+              <a:rPr lang="en-US" sz="3200">
+                <a:latin typeface="Calibri Light"/>
+                <a:ea typeface="+mn-lt"/>
+                <a:cs typeface="+mn-lt"/>
+              </a:rPr>
+              <a:t> </a:t>
+            </a:r>
+            <a:endParaRPr lang="en-US">
+              <a:latin typeface="Aptos" panose="02110004020202020204"/>
+              <a:ea typeface="+mn-lt"/>
+              <a:cs typeface="+mn-lt"/>
+            </a:endParaRPr>
+          </a:p>
+          <a:p>
+            <a:r>
+              <a:rPr lang="en-US" sz="3200">
+                <a:latin typeface="Calibri Light"/>
+                <a:ea typeface="+mn-lt"/>
+                <a:cs typeface="+mn-lt"/>
+              </a:rPr>
+              <a:t>kan vara viktiga.</a:t>
+            </a:r>
+            <a:endParaRPr lang="en-US"/>
           </a:p>
         </p:txBody>
       </p:sp>
     </p:spTree>
     <p:extLst>
       <p:ext uri="{BB962C8B-B14F-4D97-AF65-F5344CB8AC3E}">
-        <p14:creationId xmlns:p14="http://schemas.microsoft.com/office/powerpoint/2010/main" val="4055604317"/>
+        <p14:creationId xmlns:p14="http://schemas.microsoft.com/office/powerpoint/2010/main" val="270228202"/>
       </p:ext>
     </p:extLst>
   </p:cSld>
@@ -4551,7 +8734,566 @@
 </p:sld>
 </file>
 
-<file path=ppt/slides/slide4.xml><?xml version="1.0" encoding="utf-8"?>
+<file path=ppt/slides/slide14.xml><?xml version="1.0" encoding="utf-8"?>
+<p:sld xmlns:a="http://schemas.openxmlformats.org/drawingml/2006/main" xmlns:r="http://schemas.openxmlformats.org/officeDocument/2006/relationships" xmlns:p="http://schemas.openxmlformats.org/presentationml/2006/main">
+  <p:cSld>
+    <p:bg>
+      <p:bgPr>
+        <a:solidFill>
+          <a:schemeClr val="bg1"/>
+        </a:solidFill>
+        <a:effectLst/>
+      </p:bgPr>
+    </p:bg>
+    <p:spTree>
+      <p:nvGrpSpPr>
+        <p:cNvPr id="1" name=""/>
+        <p:cNvGrpSpPr/>
+        <p:nvPr/>
+      </p:nvGrpSpPr>
+      <p:grpSpPr>
+        <a:xfrm>
+          <a:off x="0" y="0"/>
+          <a:ext cx="0" cy="0"/>
+          <a:chOff x="0" y="0"/>
+          <a:chExt cx="0" cy="0"/>
+        </a:xfrm>
+      </p:grpSpPr>
+      <p:sp>
+        <p:nvSpPr>
+          <p:cNvPr id="5" name="Rektangel 4">
+            <a:extLst>
+              <a:ext uri="{FF2B5EF4-FFF2-40B4-BE49-F238E27FC236}">
+                <a16:creationId xmlns:a16="http://schemas.microsoft.com/office/drawing/2014/main" id="{3BC64304-B6C0-FC94-369A-E33C0C727BBB}"/>
+              </a:ext>
+            </a:extLst>
+          </p:cNvPr>
+          <p:cNvSpPr/>
+          <p:nvPr/>
+        </p:nvSpPr>
+        <p:spPr>
+          <a:xfrm>
+            <a:off x="-1" y="0"/>
+            <a:ext cx="2160640" cy="6858000"/>
+          </a:xfrm>
+          <a:prstGeom prst="rect">
+            <a:avLst/>
+          </a:prstGeom>
+          <a:solidFill>
+            <a:srgbClr val="FFC000"/>
+          </a:solidFill>
+          <a:ln>
+            <a:noFill/>
+          </a:ln>
+        </p:spPr>
+        <p:style>
+          <a:lnRef idx="2">
+            <a:schemeClr val="accent1">
+              <a:shade val="15000"/>
+            </a:schemeClr>
+          </a:lnRef>
+          <a:fillRef idx="1">
+            <a:schemeClr val="accent1"/>
+          </a:fillRef>
+          <a:effectRef idx="0">
+            <a:schemeClr val="accent1"/>
+          </a:effectRef>
+          <a:fontRef idx="minor">
+            <a:schemeClr val="lt1"/>
+          </a:fontRef>
+        </p:style>
+        <p:txBody>
+          <a:bodyPr rtlCol="0" anchor="ctr"/>
+          <a:lstStyle/>
+          <a:p>
+            <a:pPr algn="ctr"/>
+            <a:endParaRPr lang="en-US"/>
+          </a:p>
+        </p:txBody>
+      </p:sp>
+      <p:sp>
+        <p:nvSpPr>
+          <p:cNvPr id="4" name="Rubrik 3">
+            <a:extLst>
+              <a:ext uri="{FF2B5EF4-FFF2-40B4-BE49-F238E27FC236}">
+                <a16:creationId xmlns:a16="http://schemas.microsoft.com/office/drawing/2014/main" id="{AB6868EF-DA95-CDCF-E66C-77E6FB2FA094}"/>
+              </a:ext>
+            </a:extLst>
+          </p:cNvPr>
+          <p:cNvSpPr>
+            <a:spLocks noGrp="1"/>
+          </p:cNvSpPr>
+          <p:nvPr>
+            <p:ph type="title"/>
+          </p:nvPr>
+        </p:nvSpPr>
+        <p:spPr>
+          <a:xfrm>
+            <a:off x="4088740" y="678545"/>
+            <a:ext cx="6052492" cy="1325563"/>
+          </a:xfrm>
+        </p:spPr>
+        <p:txBody>
+          <a:bodyPr>
+            <a:normAutofit/>
+          </a:bodyPr>
+          <a:lstStyle/>
+          <a:p>
+            <a:pPr algn="ctr"/>
+            <a:r>
+              <a:rPr lang="sv-SE" sz="3200" b="1">
+                <a:latin typeface="Calibri Light"/>
+                <a:ea typeface="Calibri Light" panose="020F0302020204030204" pitchFamily="34" charset="0"/>
+                <a:cs typeface="Calibri Light"/>
+              </a:rPr>
+              <a:t>Tankar, frågor, funderingar? 🤔</a:t>
+            </a:r>
+            <a:endParaRPr lang="sv-SE" sz="3200" b="1">
+              <a:latin typeface="Calibri Light"/>
+              <a:ea typeface="Calibri Light" panose="020F0302020204030204" pitchFamily="34" charset="0"/>
+              <a:cs typeface="Calibri Light" panose="020F0302020204030204" pitchFamily="34" charset="0"/>
+            </a:endParaRPr>
+          </a:p>
+        </p:txBody>
+      </p:sp>
+      <p:pic>
+        <p:nvPicPr>
+          <p:cNvPr id="2" name="Bildobjekt 1" descr="terminator arnold schwarzenegger - Imgflip">
+            <a:extLst>
+              <a:ext uri="{FF2B5EF4-FFF2-40B4-BE49-F238E27FC236}">
+                <a16:creationId xmlns:a16="http://schemas.microsoft.com/office/drawing/2014/main" id="{3639B572-8017-E577-F641-A5EF6599973C}"/>
+              </a:ext>
+            </a:extLst>
+          </p:cNvPr>
+          <p:cNvPicPr>
+            <a:picLocks noChangeAspect="1"/>
+          </p:cNvPicPr>
+          <p:nvPr/>
+        </p:nvPicPr>
+        <p:blipFill>
+          <a:blip r:embed="rId2"/>
+          <a:stretch>
+            <a:fillRect/>
+          </a:stretch>
+        </p:blipFill>
+        <p:spPr>
+          <a:xfrm>
+            <a:off x="5747359" y="2002338"/>
+            <a:ext cx="2743200" cy="3771900"/>
+          </a:xfrm>
+          <a:prstGeom prst="rect">
+            <a:avLst/>
+          </a:prstGeom>
+        </p:spPr>
+      </p:pic>
+    </p:spTree>
+    <p:extLst>
+      <p:ext uri="{BB962C8B-B14F-4D97-AF65-F5344CB8AC3E}">
+        <p14:creationId xmlns:p14="http://schemas.microsoft.com/office/powerpoint/2010/main" val="3986378545"/>
+      </p:ext>
+    </p:extLst>
+  </p:cSld>
+  <p:clrMapOvr>
+    <a:masterClrMapping/>
+  </p:clrMapOvr>
+</p:sld>
+</file>
+
+<file path=ppt/slides/slide2.xml><?xml version="1.0" encoding="utf-8"?>
+<p:sld xmlns:a="http://schemas.openxmlformats.org/drawingml/2006/main" xmlns:r="http://schemas.openxmlformats.org/officeDocument/2006/relationships" xmlns:p="http://schemas.openxmlformats.org/presentationml/2006/main">
+  <p:cSld>
+    <p:bg>
+      <p:bgPr>
+        <a:solidFill>
+          <a:schemeClr val="bg1"/>
+        </a:solidFill>
+        <a:effectLst/>
+      </p:bgPr>
+    </p:bg>
+    <p:spTree>
+      <p:nvGrpSpPr>
+        <p:cNvPr id="1" name=""/>
+        <p:cNvGrpSpPr/>
+        <p:nvPr/>
+      </p:nvGrpSpPr>
+      <p:grpSpPr>
+        <a:xfrm>
+          <a:off x="0" y="0"/>
+          <a:ext cx="0" cy="0"/>
+          <a:chOff x="0" y="0"/>
+          <a:chExt cx="0" cy="0"/>
+        </a:xfrm>
+      </p:grpSpPr>
+      <p:sp>
+        <p:nvSpPr>
+          <p:cNvPr id="5" name="Rektangel 4">
+            <a:extLst>
+              <a:ext uri="{FF2B5EF4-FFF2-40B4-BE49-F238E27FC236}">
+                <a16:creationId xmlns:a16="http://schemas.microsoft.com/office/drawing/2014/main" id="{3BC64304-B6C0-FC94-369A-E33C0C727BBB}"/>
+              </a:ext>
+            </a:extLst>
+          </p:cNvPr>
+          <p:cNvSpPr/>
+          <p:nvPr/>
+        </p:nvSpPr>
+        <p:spPr>
+          <a:xfrm>
+            <a:off x="-1" y="0"/>
+            <a:ext cx="2160640" cy="6855148"/>
+          </a:xfrm>
+          <a:prstGeom prst="rect">
+            <a:avLst/>
+          </a:prstGeom>
+          <a:solidFill>
+            <a:srgbClr val="FFC000"/>
+          </a:solidFill>
+          <a:ln>
+            <a:noFill/>
+          </a:ln>
+        </p:spPr>
+        <p:style>
+          <a:lnRef idx="2">
+            <a:schemeClr val="accent1">
+              <a:shade val="15000"/>
+            </a:schemeClr>
+          </a:lnRef>
+          <a:fillRef idx="1">
+            <a:schemeClr val="accent1"/>
+          </a:fillRef>
+          <a:effectRef idx="0">
+            <a:schemeClr val="accent1"/>
+          </a:effectRef>
+          <a:fontRef idx="minor">
+            <a:schemeClr val="lt1"/>
+          </a:fontRef>
+        </p:style>
+        <p:txBody>
+          <a:bodyPr rtlCol="0" anchor="ctr"/>
+          <a:lstStyle/>
+          <a:p>
+            <a:pPr algn="ctr"/>
+            <a:endParaRPr lang="en-US"/>
+          </a:p>
+        </p:txBody>
+      </p:sp>
+      <p:sp>
+        <p:nvSpPr>
+          <p:cNvPr id="4" name="Rubrik 3">
+            <a:extLst>
+              <a:ext uri="{FF2B5EF4-FFF2-40B4-BE49-F238E27FC236}">
+                <a16:creationId xmlns:a16="http://schemas.microsoft.com/office/drawing/2014/main" id="{AB6868EF-DA95-CDCF-E66C-77E6FB2FA094}"/>
+              </a:ext>
+            </a:extLst>
+          </p:cNvPr>
+          <p:cNvSpPr>
+            <a:spLocks noGrp="1"/>
+          </p:cNvSpPr>
+          <p:nvPr>
+            <p:ph type="title"/>
+          </p:nvPr>
+        </p:nvSpPr>
+        <p:spPr>
+          <a:xfrm>
+            <a:off x="135661" y="208714"/>
+            <a:ext cx="1780675" cy="1325563"/>
+          </a:xfrm>
+        </p:spPr>
+        <p:txBody>
+          <a:bodyPr>
+            <a:normAutofit/>
+          </a:bodyPr>
+          <a:lstStyle/>
+          <a:p>
+            <a:pPr algn="ctr"/>
+            <a:r>
+              <a:rPr lang="sv-SE" sz="3200" b="1">
+                <a:latin typeface="Calibri Light"/>
+                <a:ea typeface="Calibri Light" panose="020F0302020204030204" pitchFamily="34" charset="0"/>
+                <a:cs typeface="Calibri Light"/>
+              </a:rPr>
+              <a:t>Innehåll</a:t>
+            </a:r>
+            <a:endParaRPr lang="en-US" sz="3200" b="1">
+              <a:latin typeface="Calibri Light"/>
+              <a:ea typeface="Calibri Light" panose="020F0302020204030204" pitchFamily="34" charset="0"/>
+              <a:cs typeface="Calibri Light"/>
+            </a:endParaRPr>
+          </a:p>
+        </p:txBody>
+      </p:sp>
+      <p:sp>
+        <p:nvSpPr>
+          <p:cNvPr id="6" name="textruta 5">
+            <a:extLst>
+              <a:ext uri="{FF2B5EF4-FFF2-40B4-BE49-F238E27FC236}">
+                <a16:creationId xmlns:a16="http://schemas.microsoft.com/office/drawing/2014/main" id="{0F4B7E67-D246-8232-A180-CDC14DBA2397}"/>
+              </a:ext>
+            </a:extLst>
+          </p:cNvPr>
+          <p:cNvSpPr txBox="1"/>
+          <p:nvPr/>
+        </p:nvSpPr>
+        <p:spPr>
+          <a:xfrm>
+            <a:off x="2538661" y="480003"/>
+            <a:ext cx="4682868" cy="5893921"/>
+          </a:xfrm>
+          <a:prstGeom prst="rect">
+            <a:avLst/>
+          </a:prstGeom>
+          <a:noFill/>
+        </p:spPr>
+        <p:txBody>
+          <a:bodyPr wrap="square" lIns="91440" tIns="45720" rIns="91440" bIns="45720" rtlCol="0" anchor="t">
+            <a:spAutoFit/>
+          </a:bodyPr>
+          <a:lstStyle/>
+          <a:p>
+            <a:pPr marL="285750" indent="-285750">
+              <a:spcAft>
+                <a:spcPts val="1200"/>
+              </a:spcAft>
+              <a:buFont typeface="Wingdings" panose="05000000000000000000" pitchFamily="2" charset="2"/>
+              <a:buChar char="Ø"/>
+            </a:pPr>
+            <a:r>
+              <a:rPr lang="sv-SE" sz="3200">
+                <a:latin typeface="Calibri Light"/>
+                <a:ea typeface="Calibri Light"/>
+                <a:cs typeface="Calibri Light"/>
+              </a:rPr>
+              <a:t>Data</a:t>
+            </a:r>
+            <a:endParaRPr lang="sv-SE" sz="3200">
+              <a:latin typeface="Calibri Light"/>
+              <a:ea typeface="Calibri Light"/>
+              <a:cs typeface="Calibri Light" panose="020F0302020204030204" pitchFamily="34" charset="0"/>
+            </a:endParaRPr>
+          </a:p>
+          <a:p>
+            <a:pPr marL="285750" indent="-285750">
+              <a:spcAft>
+                <a:spcPts val="1200"/>
+              </a:spcAft>
+              <a:buFont typeface="Wingdings" panose="05000000000000000000" pitchFamily="2" charset="2"/>
+              <a:buChar char="Ø"/>
+            </a:pPr>
+            <a:r>
+              <a:rPr lang="sv-SE" sz="3200">
+                <a:latin typeface="Calibri Light"/>
+                <a:ea typeface="Calibri Light"/>
+                <a:cs typeface="Calibri Light"/>
+              </a:rPr>
+              <a:t>Syfte och frågeställningar</a:t>
+            </a:r>
+            <a:endParaRPr lang="sv-SE" sz="3200">
+              <a:latin typeface="Calibri Light"/>
+              <a:ea typeface="Calibri Light"/>
+              <a:cs typeface="Calibri Light" panose="020F0302020204030204" pitchFamily="34" charset="0"/>
+            </a:endParaRPr>
+          </a:p>
+          <a:p>
+            <a:pPr marL="285750" indent="-285750">
+              <a:spcAft>
+                <a:spcPts val="1200"/>
+              </a:spcAft>
+              <a:buFont typeface="Wingdings" panose="05000000000000000000" pitchFamily="2" charset="2"/>
+              <a:buChar char="Ø"/>
+            </a:pPr>
+            <a:r>
+              <a:rPr lang="sv-SE" sz="3200">
+                <a:latin typeface="Calibri Light"/>
+                <a:ea typeface="Calibri Light"/>
+                <a:cs typeface="Calibri Light"/>
+              </a:rPr>
+              <a:t>Metod</a:t>
+            </a:r>
+          </a:p>
+          <a:p>
+            <a:pPr marL="285750" indent="-285750">
+              <a:spcAft>
+                <a:spcPts val="1200"/>
+              </a:spcAft>
+              <a:buFont typeface="Wingdings" panose="05000000000000000000" pitchFamily="2" charset="2"/>
+              <a:buChar char="Ø"/>
+            </a:pPr>
+            <a:r>
+              <a:rPr lang="sv-SE" sz="3200">
+                <a:latin typeface="Calibri Light"/>
+                <a:ea typeface="Calibri Light"/>
+                <a:cs typeface="Calibri Light"/>
+              </a:rPr>
+              <a:t>Databearbetning</a:t>
+            </a:r>
+            <a:endParaRPr lang="sv-SE" sz="3200">
+              <a:latin typeface="Calibri Light"/>
+              <a:ea typeface="Calibri Light"/>
+              <a:cs typeface="Calibri Light" panose="020F0302020204030204" pitchFamily="34" charset="0"/>
+            </a:endParaRPr>
+          </a:p>
+          <a:p>
+            <a:pPr marL="285750" indent="-285750">
+              <a:spcAft>
+                <a:spcPts val="1200"/>
+              </a:spcAft>
+              <a:buFont typeface="Wingdings" panose="05000000000000000000" pitchFamily="2" charset="2"/>
+              <a:buChar char="Ø"/>
+            </a:pPr>
+            <a:r>
+              <a:rPr lang="sv-SE" sz="3200">
+                <a:latin typeface="Calibri Light"/>
+                <a:ea typeface="Calibri Light"/>
+                <a:cs typeface="Calibri Light"/>
+              </a:rPr>
+              <a:t>Features</a:t>
+            </a:r>
+          </a:p>
+          <a:p>
+            <a:pPr marL="285750" indent="-285750">
+              <a:spcAft>
+                <a:spcPts val="1200"/>
+              </a:spcAft>
+              <a:buFont typeface="Wingdings" panose="05000000000000000000" pitchFamily="2" charset="2"/>
+              <a:buChar char="Ø"/>
+            </a:pPr>
+            <a:r>
+              <a:rPr lang="sv-SE" sz="3200">
+                <a:latin typeface="Calibri Light"/>
+                <a:ea typeface="Calibri Light"/>
+                <a:cs typeface="Calibri Light"/>
+              </a:rPr>
+              <a:t>Resultat</a:t>
+            </a:r>
+            <a:endParaRPr lang="sv-SE" sz="3200">
+              <a:latin typeface="Calibri Light"/>
+              <a:ea typeface="Calibri Light" panose="020F0302020204030204" pitchFamily="34" charset="0"/>
+              <a:cs typeface="Calibri Light" panose="020F0302020204030204" pitchFamily="34" charset="0"/>
+            </a:endParaRPr>
+          </a:p>
+          <a:p>
+            <a:pPr marL="285750" indent="-285750">
+              <a:spcAft>
+                <a:spcPts val="1200"/>
+              </a:spcAft>
+              <a:buFont typeface="Wingdings" panose="05000000000000000000" pitchFamily="2" charset="2"/>
+              <a:buChar char="Ø"/>
+            </a:pPr>
+            <a:r>
+              <a:rPr lang="sv-SE" sz="3200">
+                <a:latin typeface="Calibri Light"/>
+                <a:cs typeface="Calibri Light"/>
+              </a:rPr>
+              <a:t>Slutsats och reflektion</a:t>
+            </a:r>
+          </a:p>
+          <a:p>
+            <a:pPr marL="285750" indent="-285750">
+              <a:spcAft>
+                <a:spcPts val="1200"/>
+              </a:spcAft>
+              <a:buFont typeface="Wingdings" panose="05000000000000000000" pitchFamily="2" charset="2"/>
+              <a:buChar char="Ø"/>
+            </a:pPr>
+            <a:r>
+              <a:rPr lang="sv-SE" sz="3200">
+                <a:latin typeface="Calibri Light"/>
+                <a:cs typeface="Calibri Light"/>
+              </a:rPr>
+              <a:t>Frågor på det?</a:t>
+            </a:r>
+            <a:endParaRPr lang="sv-SE" sz="3200">
+              <a:latin typeface="Calibri Light"/>
+              <a:ea typeface="Calibri Light"/>
+              <a:cs typeface="Calibri Light"/>
+            </a:endParaRPr>
+          </a:p>
+          <a:p>
+            <a:pPr>
+              <a:spcAft>
+                <a:spcPts val="600"/>
+              </a:spcAft>
+            </a:pPr>
+            <a:endParaRPr lang="sv-SE"/>
+          </a:p>
+          <a:p>
+            <a:endParaRPr lang="sv-SE"/>
+          </a:p>
+        </p:txBody>
+      </p:sp>
+      <p:pic>
+        <p:nvPicPr>
+          <p:cNvPr id="3" name="Bildobjekt 2" descr="My box cover for Get to the Chopper!!!">
+            <a:extLst>
+              <a:ext uri="{FF2B5EF4-FFF2-40B4-BE49-F238E27FC236}">
+                <a16:creationId xmlns:a16="http://schemas.microsoft.com/office/drawing/2014/main" id="{8B3991A4-8855-AB45-36C8-B8CF8CBC3B02}"/>
+              </a:ext>
+            </a:extLst>
+          </p:cNvPr>
+          <p:cNvPicPr>
+            <a:picLocks noChangeAspect="1"/>
+          </p:cNvPicPr>
+          <p:nvPr/>
+        </p:nvPicPr>
+        <p:blipFill>
+          <a:blip r:embed="rId2"/>
+          <a:stretch>
+            <a:fillRect/>
+          </a:stretch>
+        </p:blipFill>
+        <p:spPr>
+          <a:xfrm>
+            <a:off x="7599264" y="477358"/>
+            <a:ext cx="4324350" cy="5715000"/>
+          </a:xfrm>
+          <a:prstGeom prst="rect">
+            <a:avLst/>
+          </a:prstGeom>
+        </p:spPr>
+      </p:pic>
+      <p:pic>
+        <p:nvPicPr>
+          <p:cNvPr id="8" name="Bildobjekt 7" descr="En bild som visar text, person, Människoansikte, person&#10;&#10;Automatiskt genererad beskrivning">
+            <a:extLst>
+              <a:ext uri="{FF2B5EF4-FFF2-40B4-BE49-F238E27FC236}">
+                <a16:creationId xmlns:a16="http://schemas.microsoft.com/office/drawing/2014/main" id="{3979358E-CF07-6FB4-A393-0EFBF69A6F05}"/>
+              </a:ext>
+            </a:extLst>
+          </p:cNvPr>
+          <p:cNvPicPr>
+            <a:picLocks noChangeAspect="1"/>
+          </p:cNvPicPr>
+          <p:nvPr/>
+        </p:nvPicPr>
+        <p:blipFill>
+          <a:blip r:embed="rId3"/>
+          <a:stretch>
+            <a:fillRect/>
+          </a:stretch>
+        </p:blipFill>
+        <p:spPr>
+          <a:xfrm>
+            <a:off x="7595202" y="474453"/>
+            <a:ext cx="4305297" cy="5722189"/>
+          </a:xfrm>
+          <a:prstGeom prst="rect">
+            <a:avLst/>
+          </a:prstGeom>
+        </p:spPr>
+      </p:pic>
+    </p:spTree>
+    <p:extLst>
+      <p:ext uri="{BB962C8B-B14F-4D97-AF65-F5344CB8AC3E}">
+        <p14:creationId xmlns:p14="http://schemas.microsoft.com/office/powerpoint/2010/main" val="1121474661"/>
+      </p:ext>
+    </p:extLst>
+  </p:cSld>
+  <p:clrMapOvr>
+    <a:masterClrMapping/>
+  </p:clrMapOvr>
+</p:sld>
+</file>
+
+<file path=ppt/slides/slide3.xml><?xml version="1.0" encoding="utf-8"?>
 <p:sld xmlns:a="http://schemas.openxmlformats.org/drawingml/2006/main" xmlns:r="http://schemas.openxmlformats.org/officeDocument/2006/relationships" xmlns:p="http://schemas.openxmlformats.org/presentationml/2006/main">
   <p:cSld>
     <p:bg>
@@ -4624,311 +9366,10 @@
           <a:lstStyle/>
           <a:p>
             <a:pPr algn="ctr"/>
-            <a:endParaRPr lang="en-US"/>
-          </a:p>
-        </p:txBody>
-      </p:sp>
-      <p:grpSp>
-        <p:nvGrpSpPr>
-          <p:cNvPr id="7" name="Grupp 6">
-            <a:extLst>
-              <a:ext uri="{FF2B5EF4-FFF2-40B4-BE49-F238E27FC236}">
-                <a16:creationId xmlns:a16="http://schemas.microsoft.com/office/drawing/2014/main" id="{D415D885-C076-BC9C-5C94-7EE3F8556FC7}"/>
-              </a:ext>
-            </a:extLst>
-          </p:cNvPr>
-          <p:cNvGrpSpPr/>
-          <p:nvPr/>
-        </p:nvGrpSpPr>
-        <p:grpSpPr>
-          <a:xfrm>
-            <a:off x="4517622" y="1860446"/>
-            <a:ext cx="4229336" cy="3137108"/>
-            <a:chOff x="2003022" y="1690687"/>
-            <a:chExt cx="4310296" cy="3194133"/>
-          </a:xfrm>
-        </p:grpSpPr>
-        <p:pic>
-          <p:nvPicPr>
-            <p:cNvPr id="10" name="Bildobjekt 9">
-              <a:extLst>
-                <a:ext uri="{FF2B5EF4-FFF2-40B4-BE49-F238E27FC236}">
-                  <a16:creationId xmlns:a16="http://schemas.microsoft.com/office/drawing/2014/main" id="{2DB686EB-84B4-EBDC-3B89-C2C7DC81E0FE}"/>
-                </a:ext>
-              </a:extLst>
-            </p:cNvPr>
-            <p:cNvPicPr>
-              <a:picLocks noChangeAspect="1"/>
-            </p:cNvPicPr>
-            <p:nvPr/>
-          </p:nvPicPr>
-          <p:blipFill rotWithShape="1">
-            <a:blip r:embed="rId2"/>
-            <a:srcRect r="22801"/>
-            <a:stretch/>
-          </p:blipFill>
-          <p:spPr>
-            <a:xfrm>
-              <a:off x="2003022" y="1690687"/>
-              <a:ext cx="4310296" cy="3194133"/>
-            </a:xfrm>
-            <a:prstGeom prst="rect">
-              <a:avLst/>
-            </a:prstGeom>
-          </p:spPr>
-        </p:pic>
-        <p:sp>
-          <p:nvSpPr>
-            <p:cNvPr id="6" name="Rektangel: rundade hörn 5">
-              <a:extLst>
-                <a:ext uri="{FF2B5EF4-FFF2-40B4-BE49-F238E27FC236}">
-                  <a16:creationId xmlns:a16="http://schemas.microsoft.com/office/drawing/2014/main" id="{F029BBAC-3B95-70DE-9D40-7766C22A422E}"/>
-                </a:ext>
-              </a:extLst>
-            </p:cNvPr>
-            <p:cNvSpPr/>
-            <p:nvPr/>
-          </p:nvSpPr>
-          <p:spPr>
-            <a:xfrm>
-              <a:off x="2153653" y="3465096"/>
-              <a:ext cx="4078705" cy="216000"/>
-            </a:xfrm>
-            <a:prstGeom prst="roundRect">
-              <a:avLst/>
-            </a:prstGeom>
-            <a:noFill/>
-            <a:ln w="38100">
-              <a:solidFill>
-                <a:srgbClr val="FFC000"/>
-              </a:solidFill>
-            </a:ln>
-            <a:effectLst/>
-          </p:spPr>
-          <p:style>
-            <a:lnRef idx="2">
-              <a:schemeClr val="accent1">
-                <a:shade val="15000"/>
-              </a:schemeClr>
-            </a:lnRef>
-            <a:fillRef idx="1">
-              <a:schemeClr val="accent1"/>
-            </a:fillRef>
-            <a:effectRef idx="0">
-              <a:schemeClr val="accent1"/>
-            </a:effectRef>
-            <a:fontRef idx="minor">
-              <a:schemeClr val="lt1"/>
-            </a:fontRef>
-          </p:style>
-          <p:txBody>
-            <a:bodyPr rtlCol="0" anchor="ctr"/>
-            <a:lstStyle/>
-            <a:p>
-              <a:pPr algn="ctr"/>
-              <a:endParaRPr lang="en-US">
-                <a:noFill/>
-                <a:effectLst/>
-              </a:endParaRPr>
-            </a:p>
-          </p:txBody>
-        </p:sp>
-      </p:grpSp>
-      <p:sp>
-        <p:nvSpPr>
-          <p:cNvPr id="8" name="Rubrik 3">
-            <a:extLst>
-              <a:ext uri="{FF2B5EF4-FFF2-40B4-BE49-F238E27FC236}">
-                <a16:creationId xmlns:a16="http://schemas.microsoft.com/office/drawing/2014/main" id="{9D837B85-F895-131F-B762-D9582BF033ED}"/>
-              </a:ext>
-            </a:extLst>
-          </p:cNvPr>
-          <p:cNvSpPr txBox="1">
-            <a:spLocks/>
-          </p:cNvSpPr>
-          <p:nvPr/>
-        </p:nvSpPr>
-        <p:spPr>
-          <a:xfrm>
-            <a:off x="0" y="143335"/>
-            <a:ext cx="2021305" cy="1325563"/>
-          </a:xfrm>
-          <a:prstGeom prst="rect">
-            <a:avLst/>
-          </a:prstGeom>
-        </p:spPr>
-        <p:txBody>
-          <a:bodyPr vert="horz" lIns="91440" tIns="45720" rIns="91440" bIns="45720" rtlCol="0" anchor="ctr">
-            <a:normAutofit/>
-          </a:bodyPr>
-          <a:lstStyle>
-            <a:lvl1pPr algn="l" defTabSz="914400" rtl="0" eaLnBrk="1" latinLnBrk="0" hangingPunct="1">
-              <a:lnSpc>
-                <a:spcPct val="90000"/>
-              </a:lnSpc>
-              <a:spcBef>
-                <a:spcPct val="0"/>
-              </a:spcBef>
-              <a:buNone/>
-              <a:defRPr sz="4400" kern="1200">
-                <a:solidFill>
-                  <a:schemeClr val="tx1"/>
-                </a:solidFill>
-                <a:latin typeface="+mj-lt"/>
-                <a:ea typeface="+mj-ea"/>
-                <a:cs typeface="+mj-cs"/>
-              </a:defRPr>
-            </a:lvl1pPr>
-          </a:lstStyle>
-          <a:p>
-            <a:pPr algn="ctr"/>
-            <a:r>
-              <a:rPr lang="sv-SE" sz="1800">
-                <a:latin typeface="Calibri Light" panose="020F0302020204030204" pitchFamily="34" charset="0"/>
-                <a:ea typeface="Calibri Light" panose="020F0302020204030204" pitchFamily="34" charset="0"/>
-                <a:cs typeface="Calibri Light" panose="020F0302020204030204" pitchFamily="34" charset="0"/>
-              </a:rPr>
-              <a:t>Undersöka dataset</a:t>
-            </a:r>
-            <a:endParaRPr lang="en-US" sz="1800" dirty="0">
-              <a:latin typeface="Calibri Light" panose="020F0302020204030204" pitchFamily="34" charset="0"/>
-              <a:ea typeface="Calibri Light" panose="020F0302020204030204" pitchFamily="34" charset="0"/>
-              <a:cs typeface="Calibri Light" panose="020F0302020204030204" pitchFamily="34" charset="0"/>
+            <a:endParaRPr lang="en-US">
+              <a:latin typeface="Calibri Light"/>
+              <a:cs typeface="Calibri Light"/>
             </a:endParaRPr>
-          </a:p>
-        </p:txBody>
-      </p:sp>
-      <p:sp>
-        <p:nvSpPr>
-          <p:cNvPr id="9" name="textruta 8">
-            <a:extLst>
-              <a:ext uri="{FF2B5EF4-FFF2-40B4-BE49-F238E27FC236}">
-                <a16:creationId xmlns:a16="http://schemas.microsoft.com/office/drawing/2014/main" id="{73B1D6D3-D780-0C66-1CFE-F5BCFE33499F}"/>
-              </a:ext>
-            </a:extLst>
-          </p:cNvPr>
-          <p:cNvSpPr txBox="1"/>
-          <p:nvPr/>
-        </p:nvSpPr>
-        <p:spPr>
-          <a:xfrm>
-            <a:off x="66368" y="1076632"/>
-            <a:ext cx="2093632" cy="276999"/>
-          </a:xfrm>
-          <a:prstGeom prst="rect">
-            <a:avLst/>
-          </a:prstGeom>
-          <a:noFill/>
-        </p:spPr>
-        <p:txBody>
-          <a:bodyPr wrap="square" rtlCol="0">
-            <a:spAutoFit/>
-          </a:bodyPr>
-          <a:lstStyle/>
-          <a:p>
-            <a:r>
-              <a:rPr lang="sv-SE" sz="1200" dirty="0" err="1">
-                <a:latin typeface="Calibri Light" panose="020F0302020204030204" pitchFamily="34" charset="0"/>
-                <a:ea typeface="Calibri Light" panose="020F0302020204030204" pitchFamily="34" charset="0"/>
-                <a:cs typeface="Calibri Light" panose="020F0302020204030204" pitchFamily="34" charset="0"/>
-              </a:rPr>
-              <a:t>skhdjfklsdjf</a:t>
-            </a:r>
-            <a:endParaRPr lang="en-US" sz="1200" dirty="0">
-              <a:latin typeface="Calibri Light" panose="020F0302020204030204" pitchFamily="34" charset="0"/>
-              <a:ea typeface="Calibri Light" panose="020F0302020204030204" pitchFamily="34" charset="0"/>
-              <a:cs typeface="Calibri Light" panose="020F0302020204030204" pitchFamily="34" charset="0"/>
-            </a:endParaRPr>
-          </a:p>
-        </p:txBody>
-      </p:sp>
-    </p:spTree>
-    <p:extLst>
-      <p:ext uri="{BB962C8B-B14F-4D97-AF65-F5344CB8AC3E}">
-        <p14:creationId xmlns:p14="http://schemas.microsoft.com/office/powerpoint/2010/main" val="2918011769"/>
-      </p:ext>
-    </p:extLst>
-  </p:cSld>
-  <p:clrMapOvr>
-    <a:masterClrMapping/>
-  </p:clrMapOvr>
-</p:sld>
-</file>
-
-<file path=ppt/slides/slide5.xml><?xml version="1.0" encoding="utf-8"?>
-<p:sld xmlns:a="http://schemas.openxmlformats.org/drawingml/2006/main" xmlns:r="http://schemas.openxmlformats.org/officeDocument/2006/relationships" xmlns:p="http://schemas.openxmlformats.org/presentationml/2006/main">
-  <p:cSld>
-    <p:bg>
-      <p:bgPr>
-        <a:solidFill>
-          <a:schemeClr val="bg1"/>
-        </a:solidFill>
-        <a:effectLst/>
-      </p:bgPr>
-    </p:bg>
-    <p:spTree>
-      <p:nvGrpSpPr>
-        <p:cNvPr id="1" name=""/>
-        <p:cNvGrpSpPr/>
-        <p:nvPr/>
-      </p:nvGrpSpPr>
-      <p:grpSpPr>
-        <a:xfrm>
-          <a:off x="0" y="0"/>
-          <a:ext cx="0" cy="0"/>
-          <a:chOff x="0" y="0"/>
-          <a:chExt cx="0" cy="0"/>
-        </a:xfrm>
-      </p:grpSpPr>
-      <p:sp>
-        <p:nvSpPr>
-          <p:cNvPr id="5" name="Rektangel 4">
-            <a:extLst>
-              <a:ext uri="{FF2B5EF4-FFF2-40B4-BE49-F238E27FC236}">
-                <a16:creationId xmlns:a16="http://schemas.microsoft.com/office/drawing/2014/main" id="{3BC64304-B6C0-FC94-369A-E33C0C727BBB}"/>
-              </a:ext>
-            </a:extLst>
-          </p:cNvPr>
-          <p:cNvSpPr/>
-          <p:nvPr/>
-        </p:nvSpPr>
-        <p:spPr>
-          <a:xfrm>
-            <a:off x="0" y="0"/>
-            <a:ext cx="2160000" cy="6858000"/>
-          </a:xfrm>
-          <a:prstGeom prst="rect">
-            <a:avLst/>
-          </a:prstGeom>
-          <a:solidFill>
-            <a:srgbClr val="FFC000"/>
-          </a:solidFill>
-          <a:ln>
-            <a:noFill/>
-          </a:ln>
-        </p:spPr>
-        <p:style>
-          <a:lnRef idx="2">
-            <a:schemeClr val="accent1">
-              <a:shade val="15000"/>
-            </a:schemeClr>
-          </a:lnRef>
-          <a:fillRef idx="1">
-            <a:schemeClr val="accent1"/>
-          </a:fillRef>
-          <a:effectRef idx="0">
-            <a:schemeClr val="accent1"/>
-          </a:effectRef>
-          <a:fontRef idx="minor">
-            <a:schemeClr val="lt1"/>
-          </a:fontRef>
-        </p:style>
-        <p:txBody>
-          <a:bodyPr rtlCol="0" anchor="ctr"/>
-          <a:lstStyle/>
-          <a:p>
-            <a:pPr algn="ctr"/>
-            <a:endParaRPr lang="en-US"/>
           </a:p>
         </p:txBody>
       </p:sp>
@@ -4947,14 +9388,14 @@
           <p:nvPr/>
         </p:nvPicPr>
         <p:blipFill>
-          <a:blip r:embed="rId2"/>
+          <a:blip r:embed="rId3"/>
           <a:stretch>
             <a:fillRect/>
           </a:stretch>
         </p:blipFill>
         <p:spPr>
           <a:xfrm>
-            <a:off x="6749714" y="1789673"/>
+            <a:off x="6748429" y="441519"/>
             <a:ext cx="5090524" cy="3762891"/>
           </a:xfrm>
           <a:prstGeom prst="rect">
@@ -4977,7 +9418,7 @@
           <p:nvPr/>
         </p:nvPicPr>
         <p:blipFill rotWithShape="1">
-          <a:blip r:embed="rId3">
+          <a:blip r:embed="rId4">
             <a:extLst>
               <a:ext uri="{28A0092B-C50C-407E-A947-70E740481C1C}">
                 <a14:useLocalDpi xmlns:a14="http://schemas.microsoft.com/office/drawing/2010/main" val="0"/>
@@ -4989,7 +9430,7 @@
         </p:blipFill>
         <p:spPr>
           <a:xfrm>
-            <a:off x="2672938" y="1789672"/>
+            <a:off x="2744722" y="441518"/>
             <a:ext cx="3446936" cy="3673709"/>
           </a:xfrm>
           <a:prstGeom prst="rect">
@@ -5046,15 +9487,15 @@
           <a:p>
             <a:pPr algn="ctr"/>
             <a:r>
-              <a:rPr lang="sv-SE" sz="1800">
-                <a:latin typeface="Calibri Light" panose="020F0302020204030204" pitchFamily="34" charset="0"/>
+              <a:rPr lang="sv-SE" sz="3200" b="1">
+                <a:latin typeface="Calibri Light"/>
                 <a:ea typeface="Calibri Light" panose="020F0302020204030204" pitchFamily="34" charset="0"/>
-                <a:cs typeface="Calibri Light" panose="020F0302020204030204" pitchFamily="34" charset="0"/>
-              </a:rPr>
-              <a:t>Undersöka dataset</a:t>
-            </a:r>
-            <a:endParaRPr lang="en-US" sz="1800" dirty="0">
-              <a:latin typeface="Calibri Light" panose="020F0302020204030204" pitchFamily="34" charset="0"/>
+                <a:cs typeface="Calibri Light"/>
+              </a:rPr>
+              <a:t>Data</a:t>
+            </a:r>
+            <a:endParaRPr lang="sv-SE" sz="3200" b="1">
+              <a:latin typeface="Calibri Light"/>
               <a:ea typeface="Calibri Light" panose="020F0302020204030204" pitchFamily="34" charset="0"/>
               <a:cs typeface="Calibri Light" panose="020F0302020204030204" pitchFamily="34" charset="0"/>
             </a:endParaRPr>
@@ -5063,10 +9504,10 @@
       </p:sp>
       <p:sp>
         <p:nvSpPr>
-          <p:cNvPr id="17" name="textruta 16">
+          <p:cNvPr id="3" name="textruta 2">
             <a:extLst>
               <a:ext uri="{FF2B5EF4-FFF2-40B4-BE49-F238E27FC236}">
-                <a16:creationId xmlns:a16="http://schemas.microsoft.com/office/drawing/2014/main" id="{2C2FA215-49E1-EF12-1D86-891517E53E2A}"/>
+                <a16:creationId xmlns:a16="http://schemas.microsoft.com/office/drawing/2014/main" id="{8B9DF840-4D7B-4CC9-DB15-1541B6C9E98C}"/>
               </a:ext>
             </a:extLst>
           </p:cNvPr>
@@ -5075,8 +9516,8 @@
         </p:nvSpPr>
         <p:spPr>
           <a:xfrm>
-            <a:off x="66368" y="1076632"/>
-            <a:ext cx="2093632" cy="276999"/>
+            <a:off x="2639018" y="4779556"/>
+            <a:ext cx="3650643" cy="369332"/>
           </a:xfrm>
           <a:prstGeom prst="rect">
             <a:avLst/>
@@ -5084,23 +9525,453 @@
           <a:noFill/>
         </p:spPr>
         <p:txBody>
-          <a:bodyPr wrap="square" rtlCol="0">
+          <a:bodyPr rot="0" spcFirstLastPara="0" vertOverflow="overflow" horzOverflow="overflow" vert="horz" wrap="square" lIns="91440" tIns="45720" rIns="91440" bIns="45720" numCol="1" spcCol="0" rtlCol="0" fromWordArt="0" anchor="t" anchorCtr="0" forceAA="0" compatLnSpc="1">
+            <a:prstTxWarp prst="textNoShape">
+              <a:avLst/>
+            </a:prstTxWarp>
             <a:spAutoFit/>
           </a:bodyPr>
           <a:lstStyle/>
           <a:p>
-            <a:r>
-              <a:rPr lang="sv-SE" sz="1200" dirty="0" err="1">
-                <a:latin typeface="Calibri Light" panose="020F0302020204030204" pitchFamily="34" charset="0"/>
+            <a:pPr algn="l"/>
+            <a:endParaRPr lang="sv-SE">
+              <a:latin typeface="Calibri Light"/>
+              <a:cs typeface="Calibri Light"/>
+            </a:endParaRPr>
+          </a:p>
+        </p:txBody>
+      </p:sp>
+      <p:sp>
+        <p:nvSpPr>
+          <p:cNvPr id="4" name="textruta 3">
+            <a:extLst>
+              <a:ext uri="{FF2B5EF4-FFF2-40B4-BE49-F238E27FC236}">
+                <a16:creationId xmlns:a16="http://schemas.microsoft.com/office/drawing/2014/main" id="{B48E9DAD-12E5-67B3-26FA-09D34E6ABF87}"/>
+              </a:ext>
+            </a:extLst>
+          </p:cNvPr>
+          <p:cNvSpPr txBox="1"/>
+          <p:nvPr/>
+        </p:nvSpPr>
+        <p:spPr>
+          <a:xfrm>
+            <a:off x="2638679" y="4315095"/>
+            <a:ext cx="9517596" cy="1292662"/>
+          </a:xfrm>
+          <a:prstGeom prst="rect">
+            <a:avLst/>
+          </a:prstGeom>
+          <a:noFill/>
+        </p:spPr>
+        <p:txBody>
+          <a:bodyPr rot="0" spcFirstLastPara="0" vertOverflow="overflow" horzOverflow="overflow" vert="horz" wrap="square" lIns="91440" tIns="45720" rIns="91440" bIns="45720" numCol="1" spcCol="0" rtlCol="0" fromWordArt="0" anchor="t" anchorCtr="0" forceAA="0" compatLnSpc="1">
+            <a:prstTxWarp prst="textNoShape">
+              <a:avLst/>
+            </a:prstTxWarp>
+            <a:spAutoFit/>
+          </a:bodyPr>
+          <a:lstStyle/>
+          <a:p>
+            <a:pPr marL="285750" indent="-285750">
+              <a:buFont typeface="Arial"/>
+              <a:buChar char="•"/>
+            </a:pPr>
+            <a:r>
+              <a:rPr lang="sv-SE" sz="2000">
+                <a:latin typeface="Calibri Light"/>
+                <a:ea typeface="+mn-lt"/>
+                <a:cs typeface="Calibri Light"/>
+              </a:rPr>
+              <a:t>Median House Valu</a:t>
+            </a:r>
+            <a:r>
+              <a:rPr lang="sv-SE" sz="2000">
+                <a:latin typeface="Calibri Light"/>
+                <a:cs typeface="Calibri Light"/>
+              </a:rPr>
+              <a:t>e högre i tätbefolkade områden och närmre kusten</a:t>
+            </a:r>
+          </a:p>
+          <a:p>
+            <a:pPr marL="285750" indent="-285750">
+              <a:buFont typeface="Arial"/>
+              <a:buChar char="•"/>
+            </a:pPr>
+            <a:r>
+              <a:rPr lang="sv-SE" sz="2000">
+                <a:latin typeface="Calibri Light"/>
+                <a:cs typeface="Calibri Light"/>
+              </a:rPr>
+              <a:t>Lägre i glesare områden och längre inåt land</a:t>
+            </a:r>
+          </a:p>
+          <a:p>
+            <a:pPr marL="285750" indent="-285750">
+              <a:buFont typeface="Arial"/>
+              <a:buChar char="•"/>
+            </a:pPr>
+            <a:r>
+              <a:rPr lang="sv-SE" sz="2000">
+                <a:latin typeface="Calibri Light"/>
+                <a:cs typeface="Calibri Light"/>
+              </a:rPr>
+              <a:t>Befolkning och position spelar roll</a:t>
+            </a:r>
+          </a:p>
+          <a:p>
+            <a:r>
+              <a:rPr lang="sv-SE">
+                <a:latin typeface="Calibri Light"/>
+                <a:cs typeface="Calibri Light"/>
+              </a:rPr>
+              <a:t>     </a:t>
+            </a:r>
+          </a:p>
+        </p:txBody>
+      </p:sp>
+      <p:pic>
+        <p:nvPicPr>
+          <p:cNvPr id="6" name="Bildobjekt 5" descr="En bild som visar text, Teckensnitt, nummer, skärmbild&#10;&#10;Automatiskt genererad beskrivning">
+            <a:extLst>
+              <a:ext uri="{FF2B5EF4-FFF2-40B4-BE49-F238E27FC236}">
+                <a16:creationId xmlns:a16="http://schemas.microsoft.com/office/drawing/2014/main" id="{4A3A0986-B187-D8B4-6545-75EA7926AAD2}"/>
+              </a:ext>
+            </a:extLst>
+          </p:cNvPr>
+          <p:cNvPicPr>
+            <a:picLocks noChangeAspect="1"/>
+          </p:cNvPicPr>
+          <p:nvPr/>
+        </p:nvPicPr>
+        <p:blipFill>
+          <a:blip r:embed="rId5"/>
+          <a:stretch>
+            <a:fillRect/>
+          </a:stretch>
+        </p:blipFill>
+        <p:spPr>
+          <a:xfrm>
+            <a:off x="2642383" y="5361114"/>
+            <a:ext cx="9187133" cy="1281881"/>
+          </a:xfrm>
+          <a:prstGeom prst="rect">
+            <a:avLst/>
+          </a:prstGeom>
+        </p:spPr>
+      </p:pic>
+    </p:spTree>
+    <p:extLst>
+      <p:ext uri="{BB962C8B-B14F-4D97-AF65-F5344CB8AC3E}">
+        <p14:creationId xmlns:p14="http://schemas.microsoft.com/office/powerpoint/2010/main" val="538095569"/>
+      </p:ext>
+    </p:extLst>
+  </p:cSld>
+  <p:clrMapOvr>
+    <a:masterClrMapping/>
+  </p:clrMapOvr>
+</p:sld>
+</file>
+
+<file path=ppt/slides/slide4.xml><?xml version="1.0" encoding="utf-8"?>
+<p:sld xmlns:a="http://schemas.openxmlformats.org/drawingml/2006/main" xmlns:r="http://schemas.openxmlformats.org/officeDocument/2006/relationships" xmlns:p="http://schemas.openxmlformats.org/presentationml/2006/main">
+  <p:cSld>
+    <p:bg>
+      <p:bgPr>
+        <a:solidFill>
+          <a:schemeClr val="bg1"/>
+        </a:solidFill>
+        <a:effectLst/>
+      </p:bgPr>
+    </p:bg>
+    <p:spTree>
+      <p:nvGrpSpPr>
+        <p:cNvPr id="1" name=""/>
+        <p:cNvGrpSpPr/>
+        <p:nvPr/>
+      </p:nvGrpSpPr>
+      <p:grpSpPr>
+        <a:xfrm>
+          <a:off x="0" y="0"/>
+          <a:ext cx="0" cy="0"/>
+          <a:chOff x="0" y="0"/>
+          <a:chExt cx="0" cy="0"/>
+        </a:xfrm>
+      </p:grpSpPr>
+      <p:sp>
+        <p:nvSpPr>
+          <p:cNvPr id="5" name="Rektangel 4">
+            <a:extLst>
+              <a:ext uri="{FF2B5EF4-FFF2-40B4-BE49-F238E27FC236}">
+                <a16:creationId xmlns:a16="http://schemas.microsoft.com/office/drawing/2014/main" id="{3BC64304-B6C0-FC94-369A-E33C0C727BBB}"/>
+              </a:ext>
+            </a:extLst>
+          </p:cNvPr>
+          <p:cNvSpPr/>
+          <p:nvPr/>
+        </p:nvSpPr>
+        <p:spPr>
+          <a:xfrm>
+            <a:off x="-1" y="0"/>
+            <a:ext cx="2160640" cy="6858000"/>
+          </a:xfrm>
+          <a:prstGeom prst="rect">
+            <a:avLst/>
+          </a:prstGeom>
+          <a:solidFill>
+            <a:srgbClr val="FFC000"/>
+          </a:solidFill>
+          <a:ln>
+            <a:noFill/>
+          </a:ln>
+        </p:spPr>
+        <p:style>
+          <a:lnRef idx="2">
+            <a:schemeClr val="accent1">
+              <a:shade val="15000"/>
+            </a:schemeClr>
+          </a:lnRef>
+          <a:fillRef idx="1">
+            <a:schemeClr val="accent1"/>
+          </a:fillRef>
+          <a:effectRef idx="0">
+            <a:schemeClr val="accent1"/>
+          </a:effectRef>
+          <a:fontRef idx="minor">
+            <a:schemeClr val="lt1"/>
+          </a:fontRef>
+        </p:style>
+        <p:txBody>
+          <a:bodyPr rtlCol="0" anchor="ctr"/>
+          <a:lstStyle/>
+          <a:p>
+            <a:pPr algn="ctr"/>
+            <a:endParaRPr lang="en-US"/>
+          </a:p>
+        </p:txBody>
+      </p:sp>
+      <p:sp>
+        <p:nvSpPr>
+          <p:cNvPr id="4" name="Rubrik 3">
+            <a:extLst>
+              <a:ext uri="{FF2B5EF4-FFF2-40B4-BE49-F238E27FC236}">
+                <a16:creationId xmlns:a16="http://schemas.microsoft.com/office/drawing/2014/main" id="{AB6868EF-DA95-CDCF-E66C-77E6FB2FA094}"/>
+              </a:ext>
+            </a:extLst>
+          </p:cNvPr>
+          <p:cNvSpPr>
+            <a:spLocks noGrp="1"/>
+          </p:cNvSpPr>
+          <p:nvPr>
+            <p:ph type="title"/>
+          </p:nvPr>
+        </p:nvSpPr>
+        <p:spPr>
+          <a:xfrm>
+            <a:off x="187853" y="647125"/>
+            <a:ext cx="1780675" cy="1325563"/>
+          </a:xfrm>
+        </p:spPr>
+        <p:txBody>
+          <a:bodyPr>
+            <a:normAutofit fontScale="90000"/>
+          </a:bodyPr>
+          <a:lstStyle/>
+          <a:p>
+            <a:pPr algn="ctr"/>
+            <a:r>
+              <a:rPr lang="sv-SE" sz="3200" b="1">
+                <a:latin typeface="Calibri Light"/>
                 <a:ea typeface="Calibri Light" panose="020F0302020204030204" pitchFamily="34" charset="0"/>
-                <a:cs typeface="Calibri Light" panose="020F0302020204030204" pitchFamily="34" charset="0"/>
-              </a:rPr>
-              <a:t>skhdjfklsdjf</a:t>
-            </a:r>
-            <a:endParaRPr lang="en-US" sz="1200" dirty="0">
-              <a:latin typeface="Calibri Light" panose="020F0302020204030204" pitchFamily="34" charset="0"/>
+                <a:cs typeface="Calibri Light"/>
+              </a:rPr>
+              <a:t>Syfte</a:t>
+            </a:r>
+            <a:br>
+              <a:rPr lang="sv-SE" sz="3200" b="1">
+                <a:latin typeface="Calibri Light"/>
+                <a:ea typeface="Calibri Light" panose="020F0302020204030204" pitchFamily="34" charset="0"/>
+                <a:cs typeface="Calibri Light"/>
+              </a:rPr>
+            </a:br>
+            <a:r>
+              <a:rPr lang="sv-SE" sz="3200" b="1">
+                <a:latin typeface="Calibri Light"/>
+                <a:ea typeface="Calibri Light" panose="020F0302020204030204" pitchFamily="34" charset="0"/>
+                <a:cs typeface="Calibri Light"/>
+              </a:rPr>
+              <a:t>och</a:t>
+            </a:r>
+            <a:br>
+              <a:rPr lang="sv-SE" sz="3200" b="1">
+                <a:latin typeface="Calibri Light"/>
+                <a:ea typeface="Calibri Light" panose="020F0302020204030204" pitchFamily="34" charset="0"/>
+                <a:cs typeface="Calibri Light"/>
+              </a:rPr>
+            </a:br>
+            <a:r>
+              <a:rPr lang="sv-SE" sz="3200" b="1">
+                <a:latin typeface="Calibri Light"/>
+                <a:ea typeface="Calibri Light" panose="020F0302020204030204" pitchFamily="34" charset="0"/>
+                <a:cs typeface="Calibri Light"/>
+              </a:rPr>
+              <a:t>frågor</a:t>
+            </a:r>
+            <a:endParaRPr lang="sv-SE" sz="3200" b="1">
+              <a:latin typeface="Calibri Light"/>
               <a:ea typeface="Calibri Light" panose="020F0302020204030204" pitchFamily="34" charset="0"/>
               <a:cs typeface="Calibri Light" panose="020F0302020204030204" pitchFamily="34" charset="0"/>
+            </a:endParaRPr>
+          </a:p>
+        </p:txBody>
+      </p:sp>
+      <p:sp>
+        <p:nvSpPr>
+          <p:cNvPr id="2" name="textruta 1">
+            <a:extLst>
+              <a:ext uri="{FF2B5EF4-FFF2-40B4-BE49-F238E27FC236}">
+                <a16:creationId xmlns:a16="http://schemas.microsoft.com/office/drawing/2014/main" id="{97D012D7-687C-FC95-6F12-10350EE0CB16}"/>
+              </a:ext>
+            </a:extLst>
+          </p:cNvPr>
+          <p:cNvSpPr txBox="1"/>
+          <p:nvPr/>
+        </p:nvSpPr>
+        <p:spPr>
+          <a:xfrm>
+            <a:off x="2484805" y="649438"/>
+            <a:ext cx="9430964" cy="5847755"/>
+          </a:xfrm>
+          <a:prstGeom prst="rect">
+            <a:avLst/>
+          </a:prstGeom>
+          <a:noFill/>
+        </p:spPr>
+        <p:txBody>
+          <a:bodyPr rot="0" spcFirstLastPara="0" vertOverflow="overflow" horzOverflow="overflow" vert="horz" wrap="square" lIns="91440" tIns="45720" rIns="91440" bIns="45720" numCol="1" spcCol="0" rtlCol="0" fromWordArt="0" anchor="t" anchorCtr="0" forceAA="0" compatLnSpc="1">
+            <a:prstTxWarp prst="textNoShape">
+              <a:avLst/>
+            </a:prstTxWarp>
+            <a:spAutoFit/>
+          </a:bodyPr>
+          <a:lstStyle/>
+          <a:p>
+            <a:pPr marL="285750" indent="-285750">
+              <a:buFont typeface="Arial"/>
+              <a:buChar char="•"/>
+            </a:pPr>
+            <a:r>
+              <a:rPr lang="sv-SE" sz="3200">
+                <a:latin typeface="Calibri Light"/>
+                <a:cs typeface="Calibri Light"/>
+              </a:rPr>
+              <a:t>Använda ML för att skapa modeller som kan prediktera medelhuspriser så bra som möjligt.</a:t>
+            </a:r>
+          </a:p>
+          <a:p>
+            <a:pPr marL="285750" indent="-285750">
+              <a:buFont typeface="Arial"/>
+              <a:buChar char="•"/>
+            </a:pPr>
+            <a:endParaRPr lang="sv-SE" sz="3200">
+              <a:latin typeface="Calibri Light"/>
+              <a:cs typeface="Calibri Light"/>
+            </a:endParaRPr>
+          </a:p>
+          <a:p>
+            <a:pPr marL="285750" indent="-285750">
+              <a:buFont typeface="Arial"/>
+              <a:buChar char="•"/>
+            </a:pPr>
+            <a:r>
+              <a:rPr lang="sv-SE" sz="3200">
+                <a:latin typeface="Calibri Light"/>
+                <a:cs typeface="Calibri Light"/>
+              </a:rPr>
+              <a:t>Vilka features är viktigast och vilka</a:t>
+            </a:r>
+            <a:r>
+              <a:rPr lang="sv-SE" sz="3200">
+                <a:latin typeface="Calibri Light"/>
+                <a:ea typeface="+mn-lt"/>
+                <a:cs typeface="Calibri Light"/>
+              </a:rPr>
+              <a:t> kan slås ihop för att skapa nya, mer betydelsefulla features?</a:t>
+            </a:r>
+            <a:endParaRPr lang="sv-SE" sz="3200">
+              <a:latin typeface="Calibri Light"/>
+              <a:cs typeface="Calibri Light"/>
+            </a:endParaRPr>
+          </a:p>
+          <a:p>
+            <a:pPr marL="285750" indent="-285750">
+              <a:buFont typeface="Arial"/>
+              <a:buChar char="•"/>
+            </a:pPr>
+            <a:endParaRPr lang="sv-SE" sz="3200">
+              <a:latin typeface="Calibri Light"/>
+              <a:cs typeface="Calibri Light"/>
+            </a:endParaRPr>
+          </a:p>
+          <a:p>
+            <a:pPr marL="285750" indent="-285750">
+              <a:buFont typeface="Arial"/>
+              <a:buChar char="•"/>
+            </a:pPr>
+            <a:r>
+              <a:rPr lang="sv-SE" sz="3200">
+                <a:latin typeface="Calibri Light"/>
+                <a:cs typeface="Calibri Light"/>
+              </a:rPr>
+              <a:t>Vilken modell ger bäst prediktioner och med vilka hyperparametrar?</a:t>
+            </a:r>
+          </a:p>
+          <a:p>
+            <a:pPr marL="285750" indent="-285750">
+              <a:buFont typeface="Arial"/>
+              <a:buChar char="•"/>
+            </a:pPr>
+            <a:endParaRPr lang="sv-SE" sz="3200">
+              <a:latin typeface="Calibri Light"/>
+              <a:cs typeface="Calibri Light"/>
+            </a:endParaRPr>
+          </a:p>
+          <a:p>
+            <a:pPr marL="285750" indent="-285750">
+              <a:buFont typeface="Arial"/>
+              <a:buChar char="•"/>
+            </a:pPr>
+            <a:r>
+              <a:rPr lang="sv-SE" sz="3200">
+                <a:latin typeface="Calibri Light"/>
+                <a:cs typeface="Calibri Light"/>
+              </a:rPr>
+              <a:t>Hur kan vi utvärdera felmarginalen?</a:t>
+            </a:r>
+          </a:p>
+          <a:p>
+            <a:pPr marL="285750" indent="-285750">
+              <a:buFont typeface="Arial"/>
+              <a:buChar char="•"/>
+            </a:pPr>
+            <a:endParaRPr lang="sv-SE">
+              <a:latin typeface="Calibri Light"/>
+              <a:cs typeface="Calibri Light"/>
+            </a:endParaRPr>
+          </a:p>
+          <a:p>
+            <a:pPr marL="285750" indent="-285750">
+              <a:buFont typeface="Arial"/>
+              <a:buChar char="•"/>
+            </a:pPr>
+            <a:endParaRPr lang="sv-SE">
+              <a:latin typeface="Calibri Light"/>
+              <a:cs typeface="Calibri Light"/>
+            </a:endParaRPr>
+          </a:p>
+          <a:p>
+            <a:endParaRPr lang="sv-SE">
+              <a:latin typeface="Calibri Light"/>
+              <a:cs typeface="Calibri Light"/>
             </a:endParaRPr>
           </a:p>
         </p:txBody>
@@ -5108,7 +9979,480 @@
     </p:spTree>
     <p:extLst>
       <p:ext uri="{BB962C8B-B14F-4D97-AF65-F5344CB8AC3E}">
-        <p14:creationId xmlns:p14="http://schemas.microsoft.com/office/powerpoint/2010/main" val="538095569"/>
+        <p14:creationId xmlns:p14="http://schemas.microsoft.com/office/powerpoint/2010/main" val="2390436597"/>
+      </p:ext>
+    </p:extLst>
+  </p:cSld>
+  <p:clrMapOvr>
+    <a:masterClrMapping/>
+  </p:clrMapOvr>
+</p:sld>
+</file>
+
+<file path=ppt/slides/slide5.xml><?xml version="1.0" encoding="utf-8"?>
+<p:sld xmlns:a="http://schemas.openxmlformats.org/drawingml/2006/main" xmlns:r="http://schemas.openxmlformats.org/officeDocument/2006/relationships" xmlns:p="http://schemas.openxmlformats.org/presentationml/2006/main">
+  <p:cSld>
+    <p:bg>
+      <p:bgPr>
+        <a:solidFill>
+          <a:schemeClr val="bg1"/>
+        </a:solidFill>
+        <a:effectLst/>
+      </p:bgPr>
+    </p:bg>
+    <p:spTree>
+      <p:nvGrpSpPr>
+        <p:cNvPr id="1" name=""/>
+        <p:cNvGrpSpPr/>
+        <p:nvPr/>
+      </p:nvGrpSpPr>
+      <p:grpSpPr>
+        <a:xfrm>
+          <a:off x="0" y="0"/>
+          <a:ext cx="0" cy="0"/>
+          <a:chOff x="0" y="0"/>
+          <a:chExt cx="0" cy="0"/>
+        </a:xfrm>
+      </p:grpSpPr>
+      <p:sp>
+        <p:nvSpPr>
+          <p:cNvPr id="5" name="Rektangel 4">
+            <a:extLst>
+              <a:ext uri="{FF2B5EF4-FFF2-40B4-BE49-F238E27FC236}">
+                <a16:creationId xmlns:a16="http://schemas.microsoft.com/office/drawing/2014/main" id="{3BC64304-B6C0-FC94-369A-E33C0C727BBB}"/>
+              </a:ext>
+            </a:extLst>
+          </p:cNvPr>
+          <p:cNvSpPr/>
+          <p:nvPr/>
+        </p:nvSpPr>
+        <p:spPr>
+          <a:xfrm>
+            <a:off x="-1" y="0"/>
+            <a:ext cx="2160640" cy="6858000"/>
+          </a:xfrm>
+          <a:prstGeom prst="rect">
+            <a:avLst/>
+          </a:prstGeom>
+          <a:solidFill>
+            <a:srgbClr val="FFC000"/>
+          </a:solidFill>
+          <a:ln>
+            <a:noFill/>
+          </a:ln>
+        </p:spPr>
+        <p:style>
+          <a:lnRef idx="2">
+            <a:schemeClr val="accent1">
+              <a:shade val="15000"/>
+            </a:schemeClr>
+          </a:lnRef>
+          <a:fillRef idx="1">
+            <a:schemeClr val="accent1"/>
+          </a:fillRef>
+          <a:effectRef idx="0">
+            <a:schemeClr val="accent1"/>
+          </a:effectRef>
+          <a:fontRef idx="minor">
+            <a:schemeClr val="lt1"/>
+          </a:fontRef>
+        </p:style>
+        <p:txBody>
+          <a:bodyPr rtlCol="0" anchor="ctr"/>
+          <a:lstStyle/>
+          <a:p>
+            <a:pPr algn="ctr"/>
+            <a:endParaRPr lang="en-US"/>
+          </a:p>
+        </p:txBody>
+      </p:sp>
+      <p:sp>
+        <p:nvSpPr>
+          <p:cNvPr id="4" name="Rubrik 3">
+            <a:extLst>
+              <a:ext uri="{FF2B5EF4-FFF2-40B4-BE49-F238E27FC236}">
+                <a16:creationId xmlns:a16="http://schemas.microsoft.com/office/drawing/2014/main" id="{AB6868EF-DA95-CDCF-E66C-77E6FB2FA094}"/>
+              </a:ext>
+            </a:extLst>
+          </p:cNvPr>
+          <p:cNvSpPr>
+            <a:spLocks noGrp="1"/>
+          </p:cNvSpPr>
+          <p:nvPr>
+            <p:ph type="title"/>
+          </p:nvPr>
+        </p:nvSpPr>
+        <p:spPr>
+          <a:xfrm>
+            <a:off x="135661" y="208714"/>
+            <a:ext cx="1780675" cy="1325563"/>
+          </a:xfrm>
+        </p:spPr>
+        <p:txBody>
+          <a:bodyPr>
+            <a:normAutofit/>
+          </a:bodyPr>
+          <a:lstStyle/>
+          <a:p>
+            <a:pPr algn="ctr"/>
+            <a:r>
+              <a:rPr lang="sv-SE" sz="3200" b="1">
+                <a:latin typeface="Calibri Light"/>
+                <a:ea typeface="Calibri Light" panose="020F0302020204030204" pitchFamily="34" charset="0"/>
+                <a:cs typeface="Calibri Light"/>
+              </a:rPr>
+              <a:t>Metod</a:t>
+            </a:r>
+            <a:endParaRPr lang="sv-SE" sz="3200" b="1">
+              <a:latin typeface="Calibri Light"/>
+              <a:ea typeface="Calibri Light" panose="020F0302020204030204" pitchFamily="34" charset="0"/>
+              <a:cs typeface="Calibri Light" panose="020F0302020204030204" pitchFamily="34" charset="0"/>
+            </a:endParaRPr>
+          </a:p>
+        </p:txBody>
+      </p:sp>
+      <p:sp>
+        <p:nvSpPr>
+          <p:cNvPr id="2" name="textruta 1">
+            <a:extLst>
+              <a:ext uri="{FF2B5EF4-FFF2-40B4-BE49-F238E27FC236}">
+                <a16:creationId xmlns:a16="http://schemas.microsoft.com/office/drawing/2014/main" id="{06B03ED2-F212-E49D-38F9-3EFF480E3BEB}"/>
+              </a:ext>
+            </a:extLst>
+          </p:cNvPr>
+          <p:cNvSpPr txBox="1"/>
+          <p:nvPr/>
+        </p:nvSpPr>
+        <p:spPr>
+          <a:xfrm>
+            <a:off x="2401583" y="210133"/>
+            <a:ext cx="9654662" cy="7232749"/>
+          </a:xfrm>
+          <a:prstGeom prst="rect">
+            <a:avLst/>
+          </a:prstGeom>
+          <a:noFill/>
+        </p:spPr>
+        <p:txBody>
+          <a:bodyPr rot="0" spcFirstLastPara="0" vertOverflow="overflow" horzOverflow="overflow" vert="horz" wrap="square" lIns="91440" tIns="45720" rIns="91440" bIns="45720" numCol="1" spcCol="0" rtlCol="0" fromWordArt="0" anchor="t" anchorCtr="0" forceAA="0" compatLnSpc="1">
+            <a:prstTxWarp prst="textNoShape">
+              <a:avLst/>
+            </a:prstTxWarp>
+            <a:spAutoFit/>
+          </a:bodyPr>
+          <a:lstStyle/>
+          <a:p>
+            <a:pPr marL="285750" indent="-285750">
+              <a:buFont typeface="Arial"/>
+              <a:buChar char="•"/>
+            </a:pPr>
+            <a:r>
+              <a:rPr lang="sv-SE" sz="2800">
+                <a:latin typeface="Calibri Light"/>
+                <a:cs typeface="Calibri Light"/>
+              </a:rPr>
+              <a:t>Förbereda data</a:t>
+            </a:r>
+            <a:br>
+              <a:rPr lang="sv-SE" sz="2800">
+                <a:latin typeface="Calibri Light"/>
+                <a:cs typeface="Calibri Light"/>
+              </a:rPr>
+            </a:br>
+            <a:endParaRPr lang="sv-SE"/>
+          </a:p>
+          <a:p>
+            <a:pPr marL="285750" indent="-285750">
+              <a:buFont typeface="Arial"/>
+              <a:buChar char="•"/>
+            </a:pPr>
+            <a:r>
+              <a:rPr lang="sv-SE" sz="2800">
+                <a:latin typeface="Calibri Light"/>
+                <a:cs typeface="Calibri Light"/>
+              </a:rPr>
+              <a:t>Korrelationsanalys</a:t>
+            </a:r>
+            <a:br>
+              <a:rPr lang="sv-SE" sz="2800">
+                <a:latin typeface="Calibri Light"/>
+                <a:cs typeface="Calibri Light"/>
+              </a:rPr>
+            </a:br>
+            <a:endParaRPr lang="sv-SE" sz="2800">
+              <a:latin typeface="Calibri Light"/>
+              <a:cs typeface="Calibri Light"/>
+            </a:endParaRPr>
+          </a:p>
+          <a:p>
+            <a:pPr marL="285750" indent="-285750">
+              <a:buFont typeface="Arial"/>
+              <a:buChar char="•"/>
+            </a:pPr>
+            <a:r>
+              <a:rPr lang="sv-SE" sz="2800">
+                <a:latin typeface="Calibri Light"/>
+                <a:cs typeface="Calibri Light"/>
+              </a:rPr>
+              <a:t>Hitta de viktigaste features genom att använda </a:t>
+            </a:r>
+          </a:p>
+          <a:p>
+            <a:r>
+              <a:rPr lang="sv-SE" sz="2800">
+                <a:latin typeface="Calibri Light"/>
+                <a:cs typeface="Calibri Light"/>
+              </a:rPr>
+              <a:t>    </a:t>
+            </a:r>
+            <a:r>
+              <a:rPr lang="sv-SE" sz="2800" err="1">
+                <a:latin typeface="Calibri Light"/>
+                <a:cs typeface="Calibri Light"/>
+              </a:rPr>
+              <a:t>Random</a:t>
+            </a:r>
+            <a:r>
+              <a:rPr lang="sv-SE" sz="2800">
+                <a:latin typeface="Calibri Light"/>
+                <a:cs typeface="Calibri Light"/>
+              </a:rPr>
+              <a:t> Forest </a:t>
+            </a:r>
+            <a:r>
+              <a:rPr lang="sv-SE" sz="2800" err="1">
+                <a:latin typeface="Calibri Light"/>
+                <a:cs typeface="Calibri Light"/>
+              </a:rPr>
+              <a:t>Regressor</a:t>
+            </a:r>
+            <a:br>
+              <a:rPr lang="sv-SE" sz="2800">
+                <a:latin typeface="Calibri Light"/>
+                <a:cs typeface="Calibri Light"/>
+              </a:rPr>
+            </a:br>
+            <a:endParaRPr lang="sv-SE" sz="2800">
+              <a:latin typeface="Calibri Light"/>
+              <a:cs typeface="Calibri Light"/>
+            </a:endParaRPr>
+          </a:p>
+          <a:p>
+            <a:pPr marL="285750" indent="-285750">
+              <a:buFont typeface="Arial"/>
+              <a:buChar char="•"/>
+            </a:pPr>
+            <a:r>
+              <a:rPr lang="sv-SE" sz="2800">
+                <a:latin typeface="Calibri Light"/>
+                <a:cs typeface="Calibri Light"/>
+              </a:rPr>
+              <a:t>Träna och utvärdera modeller</a:t>
+            </a:r>
+          </a:p>
+          <a:p>
+            <a:r>
+              <a:rPr lang="sv-SE" sz="2800">
+                <a:latin typeface="Calibri Light"/>
+                <a:cs typeface="Calibri Light"/>
+              </a:rPr>
+              <a:t>        - </a:t>
+            </a:r>
+            <a:r>
+              <a:rPr lang="sv-SE" sz="2800" err="1">
+                <a:latin typeface="Calibri Light"/>
+                <a:cs typeface="Calibri Light"/>
+              </a:rPr>
+              <a:t>Linear</a:t>
+            </a:r>
+            <a:r>
+              <a:rPr lang="sv-SE" sz="2800">
+                <a:latin typeface="Calibri Light"/>
+                <a:cs typeface="Calibri Light"/>
+              </a:rPr>
+              <a:t> Regression</a:t>
+            </a:r>
+            <a:endParaRPr lang="sv-SE" sz="2800">
+              <a:latin typeface="Calibri Light"/>
+              <a:ea typeface="+mn-lt"/>
+              <a:cs typeface="Calibri Light"/>
+            </a:endParaRPr>
+          </a:p>
+          <a:p>
+            <a:r>
+              <a:rPr lang="sv-SE" sz="2800">
+                <a:latin typeface="Calibri Light"/>
+                <a:ea typeface="+mn-lt"/>
+                <a:cs typeface="+mn-lt"/>
+              </a:rPr>
+              <a:t>        - Support </a:t>
+            </a:r>
+            <a:r>
+              <a:rPr lang="sv-SE" sz="2800" err="1">
+                <a:latin typeface="Calibri Light"/>
+                <a:ea typeface="+mn-lt"/>
+                <a:cs typeface="+mn-lt"/>
+              </a:rPr>
+              <a:t>Vector</a:t>
+            </a:r>
+            <a:r>
+              <a:rPr lang="sv-SE" sz="2800">
+                <a:latin typeface="Calibri Light"/>
+                <a:ea typeface="+mn-lt"/>
+                <a:cs typeface="+mn-lt"/>
+              </a:rPr>
+              <a:t> </a:t>
+            </a:r>
+            <a:r>
+              <a:rPr lang="sv-SE" sz="2800" err="1">
+                <a:latin typeface="Calibri Light"/>
+                <a:ea typeface="+mn-lt"/>
+                <a:cs typeface="+mn-lt"/>
+              </a:rPr>
+              <a:t>Regressor</a:t>
+            </a:r>
+            <a:endParaRPr lang="sv-SE" sz="2800" err="1">
+              <a:latin typeface="Calibri Light"/>
+              <a:cs typeface="Calibri Light"/>
+            </a:endParaRPr>
+          </a:p>
+          <a:p>
+            <a:r>
+              <a:rPr lang="sv-SE" sz="2800">
+                <a:latin typeface="Calibri Light"/>
+                <a:ea typeface="+mn-lt"/>
+                <a:cs typeface="+mn-lt"/>
+              </a:rPr>
+              <a:t>        - </a:t>
+            </a:r>
+            <a:r>
+              <a:rPr lang="sv-SE" sz="2800" err="1">
+                <a:latin typeface="Calibri Light"/>
+                <a:ea typeface="+mn-lt"/>
+                <a:cs typeface="+mn-lt"/>
+              </a:rPr>
+              <a:t>Random</a:t>
+            </a:r>
+            <a:r>
+              <a:rPr lang="sv-SE" sz="2800">
+                <a:latin typeface="Calibri Light"/>
+                <a:ea typeface="+mn-lt"/>
+                <a:cs typeface="+mn-lt"/>
+              </a:rPr>
+              <a:t> Forest </a:t>
+            </a:r>
+            <a:r>
+              <a:rPr lang="sv-SE" sz="2800" err="1">
+                <a:latin typeface="Calibri Light"/>
+                <a:ea typeface="+mn-lt"/>
+                <a:cs typeface="+mn-lt"/>
+              </a:rPr>
+              <a:t>Regressor</a:t>
+            </a:r>
+            <a:br>
+              <a:rPr lang="sv-SE" sz="2800">
+                <a:latin typeface="Calibri Light"/>
+                <a:ea typeface="+mn-lt"/>
+                <a:cs typeface="+mn-lt"/>
+              </a:rPr>
+            </a:br>
+            <a:endParaRPr lang="sv-SE" sz="2800">
+              <a:latin typeface="Calibri Light"/>
+              <a:cs typeface="Calibri Light"/>
+            </a:endParaRPr>
+          </a:p>
+          <a:p>
+            <a:pPr marL="285750" indent="-285750">
+              <a:buFont typeface="Arial"/>
+              <a:buChar char="•"/>
+            </a:pPr>
+            <a:r>
+              <a:rPr lang="sv-SE" sz="2800">
+                <a:latin typeface="Calibri Light"/>
+                <a:cs typeface="Calibri Light"/>
+              </a:rPr>
+              <a:t>Hitta bästa hyperparameterna</a:t>
+            </a:r>
+            <a:br>
+              <a:rPr lang="sv-SE" sz="2800">
+                <a:latin typeface="Calibri Light"/>
+                <a:cs typeface="Calibri Light"/>
+              </a:rPr>
+            </a:br>
+            <a:endParaRPr lang="sv-SE" sz="2800">
+              <a:latin typeface="Calibri Light"/>
+              <a:cs typeface="Calibri Light"/>
+            </a:endParaRPr>
+          </a:p>
+          <a:p>
+            <a:pPr marL="285750" indent="-285750">
+              <a:buFont typeface="Arial"/>
+              <a:buChar char="•"/>
+            </a:pPr>
+            <a:r>
+              <a:rPr lang="sv-SE" sz="2800">
+                <a:latin typeface="Calibri Light"/>
+                <a:cs typeface="Calibri Light"/>
+              </a:rPr>
+              <a:t>Träna om och köra bästa modellen på </a:t>
+            </a:r>
+            <a:r>
+              <a:rPr lang="sv-SE" sz="2800" err="1">
+                <a:latin typeface="Calibri Light"/>
+                <a:cs typeface="Calibri Light"/>
+              </a:rPr>
+              <a:t>testdatan</a:t>
+            </a:r>
+          </a:p>
+          <a:p>
+            <a:endParaRPr lang="sv-SE"/>
+          </a:p>
+          <a:p>
+            <a:endParaRPr lang="sv-SE"/>
+          </a:p>
+          <a:p>
+            <a:pPr marL="285750" indent="-285750">
+              <a:buFont typeface="Arial"/>
+              <a:buChar char="•"/>
+            </a:pPr>
+            <a:endParaRPr lang="sv-SE"/>
+          </a:p>
+        </p:txBody>
+      </p:sp>
+      <p:pic>
+        <p:nvPicPr>
+          <p:cNvPr id="3" name="Bildobjekt 2" descr="Arnold Schwarzenegger - Hasta la vista, Schwarzy! | Cinema Austriaco">
+            <a:extLst>
+              <a:ext uri="{FF2B5EF4-FFF2-40B4-BE49-F238E27FC236}">
+                <a16:creationId xmlns:a16="http://schemas.microsoft.com/office/drawing/2014/main" id="{EA5BA625-372C-8D5E-A4D3-FCD22334A180}"/>
+              </a:ext>
+            </a:extLst>
+          </p:cNvPr>
+          <p:cNvPicPr>
+            <a:picLocks noChangeAspect="1"/>
+          </p:cNvPicPr>
+          <p:nvPr/>
+        </p:nvPicPr>
+        <p:blipFill>
+          <a:blip r:embed="rId2"/>
+          <a:stretch>
+            <a:fillRect/>
+          </a:stretch>
+        </p:blipFill>
+        <p:spPr>
+          <a:xfrm>
+            <a:off x="7793277" y="2755596"/>
+            <a:ext cx="3693090" cy="2495028"/>
+          </a:xfrm>
+          <a:prstGeom prst="rect">
+            <a:avLst/>
+          </a:prstGeom>
+        </p:spPr>
+      </p:pic>
+    </p:spTree>
+    <p:extLst>
+      <p:ext uri="{BB962C8B-B14F-4D97-AF65-F5344CB8AC3E}">
+        <p14:creationId xmlns:p14="http://schemas.microsoft.com/office/powerpoint/2010/main" val="2475600775"/>
       </p:ext>
     </p:extLst>
   </p:cSld>
@@ -5220,7 +10564,7 @@
         </p:spPr>
         <p:txBody>
           <a:bodyPr vert="horz" lIns="91440" tIns="45720" rIns="91440" bIns="45720" rtlCol="0" anchor="ctr">
-            <a:normAutofit/>
+            <a:noAutofit/>
           </a:bodyPr>
           <a:lstStyle>
             <a:lvl1pPr algn="l" defTabSz="914400" rtl="0" eaLnBrk="1" latinLnBrk="0" hangingPunct="1">
@@ -5244,15 +10588,15 @@
           <a:p>
             <a:pPr algn="ctr"/>
             <a:r>
-              <a:rPr lang="sv-SE" sz="1800">
-                <a:latin typeface="Calibri Light" panose="020F0302020204030204" pitchFamily="34" charset="0"/>
+              <a:rPr lang="sv-SE" sz="2800" b="1">
+                <a:latin typeface="Calibri Light"/>
                 <a:ea typeface="Calibri Light" panose="020F0302020204030204" pitchFamily="34" charset="0"/>
-                <a:cs typeface="Calibri Light" panose="020F0302020204030204" pitchFamily="34" charset="0"/>
-              </a:rPr>
-              <a:t>Undersöka dataset</a:t>
-            </a:r>
-            <a:endParaRPr lang="en-US" sz="1800" dirty="0">
-              <a:latin typeface="Calibri Light" panose="020F0302020204030204" pitchFamily="34" charset="0"/>
+                <a:cs typeface="Calibri Light"/>
+              </a:rPr>
+              <a:t>Data-bearbetning</a:t>
+            </a:r>
+            <a:endParaRPr lang="sv-SE" sz="2800" b="1">
+              <a:latin typeface="Calibri Light"/>
               <a:ea typeface="Calibri Light" panose="020F0302020204030204" pitchFamily="34" charset="0"/>
               <a:cs typeface="Calibri Light" panose="020F0302020204030204" pitchFamily="34" charset="0"/>
             </a:endParaRPr>
@@ -5281,7 +10625,7 @@
         </p:blipFill>
         <p:spPr>
           <a:xfrm>
-            <a:off x="10140001" y="1187264"/>
+            <a:off x="8532495" y="202365"/>
             <a:ext cx="1733792" cy="1261098"/>
           </a:xfrm>
           <a:prstGeom prst="rect">
@@ -5303,16 +10647,15 @@
           </p:cNvPicPr>
           <p:nvPr/>
         </p:nvPicPr>
-        <p:blipFill>
+        <p:blipFill rotWithShape="1">
           <a:blip r:embed="rId3"/>
-          <a:stretch>
-            <a:fillRect/>
-          </a:stretch>
+          <a:srcRect l="-1258" r="153"/>
+          <a:stretch/>
         </p:blipFill>
         <p:spPr>
           <a:xfrm>
-            <a:off x="2269224" y="543139"/>
-            <a:ext cx="7653552" cy="5051545"/>
+            <a:off x="2160194" y="144554"/>
+            <a:ext cx="6207463" cy="3775775"/>
           </a:xfrm>
           <a:prstGeom prst="rect">
             <a:avLst/>
@@ -5321,10 +10664,123 @@
       </p:pic>
       <p:sp>
         <p:nvSpPr>
-          <p:cNvPr id="13" name="textruta 12">
+          <p:cNvPr id="15" name="Rektangel: rundade hörn 14">
             <a:extLst>
               <a:ext uri="{FF2B5EF4-FFF2-40B4-BE49-F238E27FC236}">
-                <a16:creationId xmlns:a16="http://schemas.microsoft.com/office/drawing/2014/main" id="{D37B68F4-F971-1BAF-720B-957C1D2AF45B}"/>
+                <a16:creationId xmlns:a16="http://schemas.microsoft.com/office/drawing/2014/main" id="{997456D9-6748-B0D0-460F-5CE36D520E48}"/>
+              </a:ext>
+            </a:extLst>
+          </p:cNvPr>
+          <p:cNvSpPr/>
+          <p:nvPr/>
+        </p:nvSpPr>
+        <p:spPr>
+          <a:xfrm>
+            <a:off x="8535692" y="1068176"/>
+            <a:ext cx="1227266" cy="154636"/>
+          </a:xfrm>
+          <a:prstGeom prst="roundRect">
+            <a:avLst/>
+          </a:prstGeom>
+          <a:noFill/>
+          <a:ln w="38100">
+            <a:solidFill>
+              <a:srgbClr val="FFC000"/>
+            </a:solidFill>
+          </a:ln>
+          <a:effectLst/>
+        </p:spPr>
+        <p:style>
+          <a:lnRef idx="2">
+            <a:schemeClr val="accent1">
+              <a:shade val="15000"/>
+            </a:schemeClr>
+          </a:lnRef>
+          <a:fillRef idx="1">
+            <a:schemeClr val="accent1"/>
+          </a:fillRef>
+          <a:effectRef idx="0">
+            <a:schemeClr val="accent1"/>
+          </a:effectRef>
+          <a:fontRef idx="minor">
+            <a:schemeClr val="lt1"/>
+          </a:fontRef>
+        </p:style>
+        <p:txBody>
+          <a:bodyPr rtlCol="0" anchor="ctr"/>
+          <a:lstStyle/>
+          <a:p>
+            <a:pPr algn="ctr"/>
+            <a:endParaRPr lang="en-US"/>
+          </a:p>
+        </p:txBody>
+      </p:sp>
+      <p:pic>
+        <p:nvPicPr>
+          <p:cNvPr id="18" name="Bildobjekt 17" descr="En bild som visar Graf, skärmbild, diagram, linje&#10;&#10;Automatiskt genererad beskrivning">
+            <a:extLst>
+              <a:ext uri="{FF2B5EF4-FFF2-40B4-BE49-F238E27FC236}">
+                <a16:creationId xmlns:a16="http://schemas.microsoft.com/office/drawing/2014/main" id="{34C66F9D-B39B-61E3-FCB0-3B1B84D8A2B7}"/>
+              </a:ext>
+            </a:extLst>
+          </p:cNvPr>
+          <p:cNvPicPr>
+            <a:picLocks noChangeAspect="1"/>
+          </p:cNvPicPr>
+          <p:nvPr/>
+        </p:nvPicPr>
+        <p:blipFill>
+          <a:blip r:embed="rId4"/>
+          <a:stretch>
+            <a:fillRect/>
+          </a:stretch>
+        </p:blipFill>
+        <p:spPr>
+          <a:xfrm>
+            <a:off x="8530708" y="4210988"/>
+            <a:ext cx="2977542" cy="2468672"/>
+          </a:xfrm>
+          <a:prstGeom prst="rect">
+            <a:avLst/>
+          </a:prstGeom>
+        </p:spPr>
+      </p:pic>
+      <p:pic>
+        <p:nvPicPr>
+          <p:cNvPr id="19" name="Bildobjekt 18" descr="En bild som visar skärmbild, Graf, diagram, design&#10;&#10;Automatiskt genererad beskrivning">
+            <a:extLst>
+              <a:ext uri="{FF2B5EF4-FFF2-40B4-BE49-F238E27FC236}">
+                <a16:creationId xmlns:a16="http://schemas.microsoft.com/office/drawing/2014/main" id="{40BDEFC4-7387-748E-9E83-9598728712CC}"/>
+              </a:ext>
+            </a:extLst>
+          </p:cNvPr>
+          <p:cNvPicPr>
+            <a:picLocks noChangeAspect="1"/>
+          </p:cNvPicPr>
+          <p:nvPr/>
+        </p:nvPicPr>
+        <p:blipFill>
+          <a:blip r:embed="rId5"/>
+          <a:stretch>
+            <a:fillRect/>
+          </a:stretch>
+        </p:blipFill>
+        <p:spPr>
+          <a:xfrm>
+            <a:off x="7795567" y="1575907"/>
+            <a:ext cx="3706400" cy="2492288"/>
+          </a:xfrm>
+          <a:prstGeom prst="rect">
+            <a:avLst/>
+          </a:prstGeom>
+        </p:spPr>
+      </p:pic>
+      <p:sp>
+        <p:nvSpPr>
+          <p:cNvPr id="20" name="textruta 19">
+            <a:extLst>
+              <a:ext uri="{FF2B5EF4-FFF2-40B4-BE49-F238E27FC236}">
+                <a16:creationId xmlns:a16="http://schemas.microsoft.com/office/drawing/2014/main" id="{B84B3F4C-C36B-09A6-0559-867AB2E497AD}"/>
               </a:ext>
             </a:extLst>
           </p:cNvPr>
@@ -5333,8 +10789,8 @@
         </p:nvSpPr>
         <p:spPr>
           <a:xfrm>
-            <a:off x="66368" y="1076632"/>
-            <a:ext cx="2093631" cy="276999"/>
+            <a:off x="2269190" y="4160184"/>
+            <a:ext cx="6079191" cy="2677656"/>
           </a:xfrm>
           <a:prstGeom prst="rect">
             <a:avLst/>
@@ -5342,24 +10798,140 @@
           <a:noFill/>
         </p:spPr>
         <p:txBody>
-          <a:bodyPr wrap="square" rtlCol="0">
+          <a:bodyPr rot="0" spcFirstLastPara="0" vertOverflow="overflow" horzOverflow="overflow" vert="horz" wrap="square" lIns="91440" tIns="45720" rIns="91440" bIns="45720" numCol="1" spcCol="0" rtlCol="0" fromWordArt="0" anchor="t" anchorCtr="0" forceAA="0" compatLnSpc="1">
+            <a:prstTxWarp prst="textNoShape">
+              <a:avLst/>
+            </a:prstTxWarp>
             <a:spAutoFit/>
           </a:bodyPr>
           <a:lstStyle/>
           <a:p>
-            <a:r>
-              <a:rPr lang="sv-SE" sz="1200" dirty="0" err="1">
-                <a:latin typeface="Calibri Light" panose="020F0302020204030204" pitchFamily="34" charset="0"/>
-                <a:ea typeface="Calibri Light" panose="020F0302020204030204" pitchFamily="34" charset="0"/>
-                <a:cs typeface="Calibri Light" panose="020F0302020204030204" pitchFamily="34" charset="0"/>
-              </a:rPr>
-              <a:t>skhdjfklsdjf</a:t>
-            </a:r>
-            <a:endParaRPr lang="en-US" sz="1200" dirty="0">
-              <a:latin typeface="Calibri Light" panose="020F0302020204030204" pitchFamily="34" charset="0"/>
-              <a:ea typeface="Calibri Light" panose="020F0302020204030204" pitchFamily="34" charset="0"/>
-              <a:cs typeface="Calibri Light" panose="020F0302020204030204" pitchFamily="34" charset="0"/>
+            <a:pPr marL="285750" indent="-285750">
+              <a:spcAft>
+                <a:spcPts val="1200"/>
+              </a:spcAft>
+              <a:buFont typeface="Arial,Sans-Serif"/>
+              <a:buChar char="•"/>
+            </a:pPr>
+            <a:r>
+              <a:rPr lang="sv-SE" sz="2400">
+                <a:latin typeface="Calibri Light"/>
+                <a:cs typeface="Calibri Light"/>
+              </a:rPr>
+              <a:t>Tog bort värden &gt; 500,000 från median_house_value</a:t>
+            </a:r>
+          </a:p>
+          <a:p>
+            <a:pPr marL="285750" indent="-285750">
+              <a:spcAft>
+                <a:spcPts val="1200"/>
+              </a:spcAft>
+              <a:buFont typeface="Arial,Sans-Serif"/>
+              <a:buChar char="•"/>
+            </a:pPr>
+            <a:r>
+              <a:rPr lang="sv-SE" sz="2400">
+                <a:latin typeface="Calibri Light"/>
+                <a:cs typeface="Calibri Light"/>
+              </a:rPr>
+              <a:t>Tog bort värden &gt; 51 från median_house_age</a:t>
+            </a:r>
+          </a:p>
+          <a:p>
+            <a:pPr marL="285750" indent="-285750">
+              <a:spcAft>
+                <a:spcPts val="1200"/>
+              </a:spcAft>
+              <a:buFont typeface="Arial,Sans-Serif"/>
+              <a:buChar char="•"/>
+            </a:pPr>
+            <a:r>
+              <a:rPr lang="sv-SE" sz="2400">
+                <a:latin typeface="Calibri Light"/>
+                <a:cs typeface="Calibri Light"/>
+              </a:rPr>
+              <a:t>Konverterade ocean_proximity med ordinal encoding, tog bort ISLAND</a:t>
+            </a:r>
+            <a:endParaRPr lang="en-US" sz="2400">
+              <a:latin typeface="Calibri Light"/>
+              <a:cs typeface="Calibri Light"/>
             </a:endParaRPr>
+          </a:p>
+          <a:p>
+            <a:pPr algn="l"/>
+            <a:endParaRPr lang="sv-SE"/>
+          </a:p>
+        </p:txBody>
+      </p:sp>
+      <p:sp>
+        <p:nvSpPr>
+          <p:cNvPr id="2" name="textruta 1">
+            <a:extLst>
+              <a:ext uri="{FF2B5EF4-FFF2-40B4-BE49-F238E27FC236}">
+                <a16:creationId xmlns:a16="http://schemas.microsoft.com/office/drawing/2014/main" id="{5F7F4788-8A99-EE0B-B294-485491E8E394}"/>
+              </a:ext>
+            </a:extLst>
+          </p:cNvPr>
+          <p:cNvSpPr txBox="1"/>
+          <p:nvPr/>
+        </p:nvSpPr>
+        <p:spPr>
+          <a:xfrm>
+            <a:off x="10274060" y="209910"/>
+            <a:ext cx="1923690" cy="830997"/>
+          </a:xfrm>
+          <a:prstGeom prst="rect">
+            <a:avLst/>
+          </a:prstGeom>
+          <a:noFill/>
+        </p:spPr>
+        <p:txBody>
+          <a:bodyPr rot="0" spcFirstLastPara="0" vertOverflow="overflow" horzOverflow="overflow" vert="horz" wrap="square" lIns="91440" tIns="45720" rIns="91440" bIns="45720" numCol="1" spcCol="0" rtlCol="0" fromWordArt="0" anchor="t" anchorCtr="0" forceAA="0" compatLnSpc="1">
+            <a:prstTxWarp prst="textNoShape">
+              <a:avLst/>
+            </a:prstTxWarp>
+            <a:spAutoFit/>
+          </a:bodyPr>
+          <a:lstStyle/>
+          <a:p>
+            <a:r>
+              <a:rPr lang="en-US" sz="1200"/>
+              <a:t>&gt;= 52 år: </a:t>
+            </a:r>
+            <a:r>
+              <a:rPr lang="en-US" sz="1200" b="1"/>
+              <a:t>  1273</a:t>
+            </a:r>
+          </a:p>
+          <a:p>
+            <a:r>
+              <a:rPr lang="en-US" sz="1200"/>
+              <a:t>&gt;= $500,001): </a:t>
+            </a:r>
+            <a:r>
+              <a:rPr lang="en-US" sz="1200" b="1"/>
+              <a:t>965</a:t>
+            </a:r>
+          </a:p>
+          <a:p>
+            <a:r>
+              <a:rPr lang="en-US" sz="1200"/>
+              <a:t>ISLAND: </a:t>
+            </a:r>
+            <a:r>
+              <a:rPr lang="en-US" sz="1200" b="1"/>
+              <a:t>   5</a:t>
+            </a:r>
+          </a:p>
+          <a:p>
+            <a:r>
+              <a:rPr lang="en-US" sz="1200"/>
+              <a:t>Outliers combined: </a:t>
+            </a:r>
+            <a:r>
+              <a:rPr lang="en-US" sz="1200" b="1"/>
+              <a:t>2070</a:t>
+            </a:r>
           </a:p>
         </p:txBody>
       </p:sp>
@@ -5403,40 +10975,6 @@
       </p:grpSpPr>
       <p:sp>
         <p:nvSpPr>
-          <p:cNvPr id="17" name="textruta 16">
-            <a:extLst>
-              <a:ext uri="{FF2B5EF4-FFF2-40B4-BE49-F238E27FC236}">
-                <a16:creationId xmlns:a16="http://schemas.microsoft.com/office/drawing/2014/main" id="{DAD19E80-8A59-86B2-85AA-801971B4BC62}"/>
-              </a:ext>
-            </a:extLst>
-          </p:cNvPr>
-          <p:cNvSpPr txBox="1"/>
-          <p:nvPr/>
-        </p:nvSpPr>
-        <p:spPr>
-          <a:xfrm>
-            <a:off x="2159999" y="0"/>
-            <a:ext cx="10032001" cy="1887591"/>
-          </a:xfrm>
-          <a:prstGeom prst="rect">
-            <a:avLst/>
-          </a:prstGeom>
-          <a:solidFill>
-            <a:schemeClr val="bg2"/>
-          </a:solidFill>
-        </p:spPr>
-        <p:txBody>
-          <a:bodyPr wrap="square" rtlCol="0">
-            <a:spAutoFit/>
-          </a:bodyPr>
-          <a:lstStyle/>
-          <a:p>
-            <a:endParaRPr lang="en-US" dirty="0"/>
-          </a:p>
-        </p:txBody>
-      </p:sp>
-      <p:sp>
-        <p:nvSpPr>
           <p:cNvPr id="5" name="Rektangel 4">
             <a:extLst>
               <a:ext uri="{FF2B5EF4-FFF2-40B4-BE49-F238E27FC236}">
@@ -5449,8 +10987,8 @@
         </p:nvSpPr>
         <p:spPr>
           <a:xfrm>
-            <a:off x="-7124" y="0"/>
-            <a:ext cx="2160000" cy="6858000"/>
+            <a:off x="-1" y="0"/>
+            <a:ext cx="2160640" cy="6858000"/>
           </a:xfrm>
           <a:prstGeom prst="rect">
             <a:avLst/>
@@ -5489,295 +11027,50 @@
       </p:sp>
       <p:sp>
         <p:nvSpPr>
-          <p:cNvPr id="6" name="Rubrik 3">
+          <p:cNvPr id="4" name="Rubrik 3">
             <a:extLst>
               <a:ext uri="{FF2B5EF4-FFF2-40B4-BE49-F238E27FC236}">
-                <a16:creationId xmlns:a16="http://schemas.microsoft.com/office/drawing/2014/main" id="{CE3C1C24-EEE9-3523-B02D-AC2663E78BAC}"/>
+                <a16:creationId xmlns:a16="http://schemas.microsoft.com/office/drawing/2014/main" id="{AB6868EF-DA95-CDCF-E66C-77E6FB2FA094}"/>
               </a:ext>
             </a:extLst>
           </p:cNvPr>
-          <p:cNvSpPr txBox="1">
-            <a:spLocks/>
+          <p:cNvSpPr>
+            <a:spLocks noGrp="1"/>
           </p:cNvSpPr>
-          <p:nvPr/>
+          <p:nvPr>
+            <p:ph type="title"/>
+          </p:nvPr>
         </p:nvSpPr>
         <p:spPr>
           <a:xfrm>
-            <a:off x="0" y="143335"/>
-            <a:ext cx="2189747" cy="1325563"/>
+            <a:off x="135661" y="208714"/>
+            <a:ext cx="1780675" cy="1325563"/>
           </a:xfrm>
-          <a:prstGeom prst="rect">
-            <a:avLst/>
-          </a:prstGeom>
         </p:spPr>
         <p:txBody>
-          <a:bodyPr vert="horz" lIns="91440" tIns="45720" rIns="91440" bIns="45720" rtlCol="0" anchor="ctr">
+          <a:bodyPr>
             <a:normAutofit/>
           </a:bodyPr>
-          <a:lstStyle>
-            <a:lvl1pPr algn="l" defTabSz="914400" rtl="0" eaLnBrk="1" latinLnBrk="0" hangingPunct="1">
-              <a:lnSpc>
-                <a:spcPct val="90000"/>
-              </a:lnSpc>
-              <a:spcBef>
-                <a:spcPct val="0"/>
-              </a:spcBef>
-              <a:buNone/>
-              <a:defRPr sz="4400" kern="1200">
-                <a:solidFill>
-                  <a:schemeClr val="tx1"/>
-                </a:solidFill>
-                <a:latin typeface="+mj-lt"/>
-                <a:ea typeface="+mj-ea"/>
-                <a:cs typeface="+mj-cs"/>
-              </a:defRPr>
-            </a:lvl1pPr>
-          </a:lstStyle>
-          <a:p>
-            <a:pPr algn="ctr">
-              <a:spcAft>
-                <a:spcPts val="1200"/>
-              </a:spcAft>
-            </a:pPr>
-            <a:r>
-              <a:rPr lang="sv-SE" sz="1800" dirty="0">
-                <a:latin typeface="Calibri Light" panose="020F0302020204030204" pitchFamily="34" charset="0"/>
-                <a:ea typeface="Calibri Light" panose="020F0302020204030204" pitchFamily="34" charset="0"/>
-                <a:cs typeface="Calibri Light" panose="020F0302020204030204" pitchFamily="34" charset="0"/>
-              </a:rPr>
-              <a:t>Förberedelse</a:t>
-            </a:r>
-            <a:r>
-              <a:rPr lang="en-US" sz="1800" dirty="0">
-                <a:latin typeface="Calibri Light" panose="020F0302020204030204" pitchFamily="34" charset="0"/>
-                <a:ea typeface="Calibri Light" panose="020F0302020204030204" pitchFamily="34" charset="0"/>
-                <a:cs typeface="Calibri Light" panose="020F0302020204030204" pitchFamily="34" charset="0"/>
-              </a:rPr>
-              <a:t> av data</a:t>
-            </a:r>
+          <a:lstStyle/>
+          <a:p>
+            <a:pPr algn="ctr"/>
+            <a:r>
+              <a:rPr lang="sv-SE" sz="3200" b="1">
+                <a:latin typeface="Calibri Light"/>
+                <a:cs typeface="Calibri Light"/>
+              </a:rPr>
+              <a:t>Databe-arbetning</a:t>
+            </a:r>
+            <a:endParaRPr lang="sv-SE" sz="3200"/>
           </a:p>
         </p:txBody>
       </p:sp>
-      <p:sp>
-        <p:nvSpPr>
-          <p:cNvPr id="2" name="textruta 1">
+      <p:grpSp>
+        <p:nvGrpSpPr>
+          <p:cNvPr id="11" name="Grupp 10">
             <a:extLst>
               <a:ext uri="{FF2B5EF4-FFF2-40B4-BE49-F238E27FC236}">
-                <a16:creationId xmlns:a16="http://schemas.microsoft.com/office/drawing/2014/main" id="{DDB40523-EF05-017E-8260-7C18778FED72}"/>
-              </a:ext>
-            </a:extLst>
-          </p:cNvPr>
-          <p:cNvSpPr txBox="1"/>
-          <p:nvPr/>
-        </p:nvSpPr>
-        <p:spPr>
-          <a:xfrm>
-            <a:off x="2565778" y="279033"/>
-            <a:ext cx="6773780" cy="1354217"/>
-          </a:xfrm>
-          <a:prstGeom prst="rect">
-            <a:avLst/>
-          </a:prstGeom>
-          <a:noFill/>
-        </p:spPr>
-        <p:txBody>
-          <a:bodyPr wrap="square" rtlCol="0">
-            <a:spAutoFit/>
-          </a:bodyPr>
-          <a:lstStyle/>
-          <a:p>
-            <a:pPr marL="285750" indent="-285750">
-              <a:spcAft>
-                <a:spcPts val="1200"/>
-              </a:spcAft>
-              <a:buFont typeface="Arial" panose="020B0604020202020204" pitchFamily="34" charset="0"/>
-              <a:buChar char="•"/>
-            </a:pPr>
-            <a:r>
-              <a:rPr lang="sv-SE" sz="1300" dirty="0">
-                <a:latin typeface="Calibri Light" panose="020F0302020204030204" pitchFamily="34" charset="0"/>
-                <a:ea typeface="Calibri Light" panose="020F0302020204030204" pitchFamily="34" charset="0"/>
-                <a:cs typeface="Calibri Light" panose="020F0302020204030204" pitchFamily="34" charset="0"/>
-              </a:rPr>
-              <a:t>Att ta bort värden &gt; 500,000 från kolumnen </a:t>
-            </a:r>
-            <a:r>
-              <a:rPr lang="sv-SE" sz="1300" dirty="0" err="1">
-                <a:latin typeface="Calibri Light" panose="020F0302020204030204" pitchFamily="34" charset="0"/>
-                <a:ea typeface="Calibri Light" panose="020F0302020204030204" pitchFamily="34" charset="0"/>
-                <a:cs typeface="Calibri Light" panose="020F0302020204030204" pitchFamily="34" charset="0"/>
-              </a:rPr>
-              <a:t>median_house_value</a:t>
-            </a:r>
-            <a:endParaRPr lang="sv-SE" sz="1300" dirty="0">
-              <a:latin typeface="Calibri Light" panose="020F0302020204030204" pitchFamily="34" charset="0"/>
-              <a:ea typeface="Calibri Light" panose="020F0302020204030204" pitchFamily="34" charset="0"/>
-              <a:cs typeface="Calibri Light" panose="020F0302020204030204" pitchFamily="34" charset="0"/>
-            </a:endParaRPr>
-          </a:p>
-          <a:p>
-            <a:pPr marL="285750" indent="-285750">
-              <a:spcAft>
-                <a:spcPts val="1200"/>
-              </a:spcAft>
-              <a:buFont typeface="Arial" panose="020B0604020202020204" pitchFamily="34" charset="0"/>
-              <a:buChar char="•"/>
-            </a:pPr>
-            <a:r>
-              <a:rPr lang="sv-SE" sz="1300" dirty="0">
-                <a:latin typeface="Calibri Light" panose="020F0302020204030204" pitchFamily="34" charset="0"/>
-                <a:ea typeface="Calibri Light" panose="020F0302020204030204" pitchFamily="34" charset="0"/>
-                <a:cs typeface="Calibri Light" panose="020F0302020204030204" pitchFamily="34" charset="0"/>
-              </a:rPr>
-              <a:t>Att ta bort värden &gt; 51 från kolumnen </a:t>
-            </a:r>
-            <a:r>
-              <a:rPr lang="sv-SE" sz="1300" dirty="0" err="1">
-                <a:latin typeface="Calibri Light" panose="020F0302020204030204" pitchFamily="34" charset="0"/>
-                <a:ea typeface="Calibri Light" panose="020F0302020204030204" pitchFamily="34" charset="0"/>
-                <a:cs typeface="Calibri Light" panose="020F0302020204030204" pitchFamily="34" charset="0"/>
-              </a:rPr>
-              <a:t>median_house_age</a:t>
-            </a:r>
-            <a:endParaRPr lang="sv-SE" sz="1300" dirty="0">
-              <a:latin typeface="Calibri Light" panose="020F0302020204030204" pitchFamily="34" charset="0"/>
-              <a:ea typeface="Calibri Light" panose="020F0302020204030204" pitchFamily="34" charset="0"/>
-              <a:cs typeface="Calibri Light" panose="020F0302020204030204" pitchFamily="34" charset="0"/>
-            </a:endParaRPr>
-          </a:p>
-          <a:p>
-            <a:pPr marL="285750" indent="-285750">
-              <a:spcAft>
-                <a:spcPts val="1200"/>
-              </a:spcAft>
-              <a:buFont typeface="Arial" panose="020B0604020202020204" pitchFamily="34" charset="0"/>
-              <a:buChar char="•"/>
-            </a:pPr>
-            <a:r>
-              <a:rPr lang="sv-SE" sz="1300" dirty="0">
-                <a:latin typeface="Calibri Light" panose="020F0302020204030204" pitchFamily="34" charset="0"/>
-                <a:ea typeface="Calibri Light" panose="020F0302020204030204" pitchFamily="34" charset="0"/>
-                <a:cs typeface="Calibri Light" panose="020F0302020204030204" pitchFamily="34" charset="0"/>
-              </a:rPr>
-              <a:t>Konvertera </a:t>
-            </a:r>
-            <a:r>
-              <a:rPr lang="sv-SE" sz="1300" dirty="0" err="1">
-                <a:latin typeface="Calibri Light" panose="020F0302020204030204" pitchFamily="34" charset="0"/>
-                <a:ea typeface="Calibri Light" panose="020F0302020204030204" pitchFamily="34" charset="0"/>
-                <a:cs typeface="Calibri Light" panose="020F0302020204030204" pitchFamily="34" charset="0"/>
-              </a:rPr>
-              <a:t>ocean_proximity</a:t>
-            </a:r>
-            <a:r>
-              <a:rPr lang="sv-SE" sz="1300" dirty="0">
-                <a:latin typeface="Calibri Light" panose="020F0302020204030204" pitchFamily="34" charset="0"/>
-                <a:ea typeface="Calibri Light" panose="020F0302020204030204" pitchFamily="34" charset="0"/>
-                <a:cs typeface="Calibri Light" panose="020F0302020204030204" pitchFamily="34" charset="0"/>
-              </a:rPr>
-              <a:t> med </a:t>
-            </a:r>
-            <a:r>
-              <a:rPr lang="sv-SE" sz="1300" dirty="0" err="1">
-                <a:latin typeface="Calibri Light" panose="020F0302020204030204" pitchFamily="34" charset="0"/>
-                <a:ea typeface="Calibri Light" panose="020F0302020204030204" pitchFamily="34" charset="0"/>
-                <a:cs typeface="Calibri Light" panose="020F0302020204030204" pitchFamily="34" charset="0"/>
-              </a:rPr>
-              <a:t>ordinal</a:t>
-            </a:r>
-            <a:r>
-              <a:rPr lang="sv-SE" sz="1300" dirty="0">
-                <a:latin typeface="Calibri Light" panose="020F0302020204030204" pitchFamily="34" charset="0"/>
-                <a:ea typeface="Calibri Light" panose="020F0302020204030204" pitchFamily="34" charset="0"/>
-                <a:cs typeface="Calibri Light" panose="020F0302020204030204" pitchFamily="34" charset="0"/>
-              </a:rPr>
-              <a:t> </a:t>
-            </a:r>
-            <a:r>
-              <a:rPr lang="sv-SE" sz="1300" dirty="0" err="1">
-                <a:latin typeface="Calibri Light" panose="020F0302020204030204" pitchFamily="34" charset="0"/>
-                <a:ea typeface="Calibri Light" panose="020F0302020204030204" pitchFamily="34" charset="0"/>
-                <a:cs typeface="Calibri Light" panose="020F0302020204030204" pitchFamily="34" charset="0"/>
-              </a:rPr>
-              <a:t>encoding</a:t>
-            </a:r>
-            <a:r>
-              <a:rPr lang="sv-SE" sz="1300" dirty="0">
-                <a:latin typeface="Calibri Light" panose="020F0302020204030204" pitchFamily="34" charset="0"/>
-                <a:ea typeface="Calibri Light" panose="020F0302020204030204" pitchFamily="34" charset="0"/>
-                <a:cs typeface="Calibri Light" panose="020F0302020204030204" pitchFamily="34" charset="0"/>
-              </a:rPr>
-              <a:t> (1-4), ta bort ISLAND</a:t>
-            </a:r>
-          </a:p>
-          <a:p>
-            <a:pPr marL="285750" indent="-285750">
-              <a:spcAft>
-                <a:spcPts val="1200"/>
-              </a:spcAft>
-              <a:buFont typeface="Arial" panose="020B0604020202020204" pitchFamily="34" charset="0"/>
-              <a:buChar char="•"/>
-            </a:pPr>
-            <a:r>
-              <a:rPr lang="sv-SE" sz="1300" dirty="0">
-                <a:latin typeface="Calibri Light" panose="020F0302020204030204" pitchFamily="34" charset="0"/>
-                <a:ea typeface="Calibri Light" panose="020F0302020204030204" pitchFamily="34" charset="0"/>
-                <a:cs typeface="Calibri Light" panose="020F0302020204030204" pitchFamily="34" charset="0"/>
-              </a:rPr>
-              <a:t>Fyll tomma värden med medelvärde/median i kolumnen </a:t>
-            </a:r>
-            <a:r>
-              <a:rPr lang="sv-SE" sz="1300" dirty="0" err="1">
-                <a:latin typeface="Calibri Light" panose="020F0302020204030204" pitchFamily="34" charset="0"/>
-                <a:ea typeface="Calibri Light" panose="020F0302020204030204" pitchFamily="34" charset="0"/>
-                <a:cs typeface="Calibri Light" panose="020F0302020204030204" pitchFamily="34" charset="0"/>
-              </a:rPr>
-              <a:t>total_bedrooms</a:t>
-            </a:r>
-            <a:endParaRPr lang="en-US" sz="1300" dirty="0">
-              <a:latin typeface="Calibri Light" panose="020F0302020204030204" pitchFamily="34" charset="0"/>
-              <a:ea typeface="Calibri Light" panose="020F0302020204030204" pitchFamily="34" charset="0"/>
-              <a:cs typeface="Calibri Light" panose="020F0302020204030204" pitchFamily="34" charset="0"/>
-            </a:endParaRPr>
-          </a:p>
-        </p:txBody>
-      </p:sp>
-      <p:pic>
-        <p:nvPicPr>
-          <p:cNvPr id="14" name="Bildobjekt 13">
-            <a:extLst>
-              <a:ext uri="{FF2B5EF4-FFF2-40B4-BE49-F238E27FC236}">
-                <a16:creationId xmlns:a16="http://schemas.microsoft.com/office/drawing/2014/main" id="{6350561B-EFDC-365F-5202-39F668FBFF2D}"/>
-              </a:ext>
-            </a:extLst>
-          </p:cNvPr>
-          <p:cNvPicPr>
-            <a:picLocks noChangeAspect="1"/>
-          </p:cNvPicPr>
-          <p:nvPr/>
-        </p:nvPicPr>
-        <p:blipFill>
-          <a:blip r:embed="rId2"/>
-          <a:stretch>
-            <a:fillRect/>
-          </a:stretch>
-        </p:blipFill>
-        <p:spPr>
-          <a:xfrm>
-            <a:off x="2565778" y="2061594"/>
-            <a:ext cx="8147148" cy="628064"/>
-          </a:xfrm>
-          <a:prstGeom prst="rect">
-            <a:avLst/>
-          </a:prstGeom>
-        </p:spPr>
-      </p:pic>
-      <p:grpSp>
-        <p:nvGrpSpPr>
-          <p:cNvPr id="20" name="Grupp 19">
-            <a:extLst>
-              <a:ext uri="{FF2B5EF4-FFF2-40B4-BE49-F238E27FC236}">
-                <a16:creationId xmlns:a16="http://schemas.microsoft.com/office/drawing/2014/main" id="{6C8EECEE-2CF6-36A4-3517-EE30D393EE16}"/>
+                <a16:creationId xmlns:a16="http://schemas.microsoft.com/office/drawing/2014/main" id="{5F4A5773-4491-7BB1-3BEE-D74A0691A928}"/>
               </a:ext>
             </a:extLst>
           </p:cNvPr>
@@ -5786,18 +11079,18 @@
         </p:nvGrpSpPr>
         <p:grpSpPr>
           <a:xfrm>
-            <a:off x="2718178" y="3960121"/>
-            <a:ext cx="3116299" cy="2592623"/>
-            <a:chOff x="2565778" y="3807721"/>
-            <a:chExt cx="3116299" cy="2592623"/>
+            <a:off x="5049978" y="472144"/>
+            <a:ext cx="4229336" cy="3137108"/>
+            <a:chOff x="2003022" y="1690687"/>
+            <a:chExt cx="4310296" cy="3194133"/>
           </a:xfrm>
         </p:grpSpPr>
         <p:pic>
           <p:nvPicPr>
-            <p:cNvPr id="21" name="Bildobjekt 20">
+            <p:cNvPr id="9" name="Bildobjekt 8">
               <a:extLst>
                 <a:ext uri="{FF2B5EF4-FFF2-40B4-BE49-F238E27FC236}">
-                  <a16:creationId xmlns:a16="http://schemas.microsoft.com/office/drawing/2014/main" id="{48E71F51-7ADC-84C6-4CBC-9FD608B7FBD7}"/>
+                  <a16:creationId xmlns:a16="http://schemas.microsoft.com/office/drawing/2014/main" id="{547CDF88-8DE0-D914-D567-BEF16BE60A7F}"/>
                 </a:ext>
               </a:extLst>
             </p:cNvPr>
@@ -5806,16 +11099,15 @@
             </p:cNvPicPr>
             <p:nvPr/>
           </p:nvPicPr>
-          <p:blipFill>
-            <a:blip r:embed="rId3"/>
-            <a:stretch>
-              <a:fillRect/>
-            </a:stretch>
+          <p:blipFill rotWithShape="1">
+            <a:blip r:embed="rId2"/>
+            <a:srcRect r="22801"/>
+            <a:stretch/>
           </p:blipFill>
           <p:spPr>
             <a:xfrm>
-              <a:off x="2565778" y="3807721"/>
-              <a:ext cx="3116299" cy="2592623"/>
+              <a:off x="2003022" y="1690687"/>
+              <a:ext cx="4310296" cy="3194133"/>
             </a:xfrm>
             <a:prstGeom prst="rect">
               <a:avLst/>
@@ -5824,10 +11116,10 @@
         </p:pic>
         <p:sp>
           <p:nvSpPr>
-            <p:cNvPr id="22" name="Rektangel: rundade hörn 21">
+            <p:cNvPr id="10" name="Rektangel: rundade hörn 9">
               <a:extLst>
                 <a:ext uri="{FF2B5EF4-FFF2-40B4-BE49-F238E27FC236}">
-                  <a16:creationId xmlns:a16="http://schemas.microsoft.com/office/drawing/2014/main" id="{C561D7BA-D1EC-60CE-0940-E3656CA47E0D}"/>
+                  <a16:creationId xmlns:a16="http://schemas.microsoft.com/office/drawing/2014/main" id="{41C770EF-3269-16DE-F13B-CFE55DA112D6}"/>
                 </a:ext>
               </a:extLst>
             </p:cNvPr>
@@ -5836,14 +11128,14 @@
           </p:nvSpPr>
           <p:spPr>
             <a:xfrm>
-              <a:off x="2581570" y="5027456"/>
-              <a:ext cx="3096000" cy="144000"/>
+              <a:off x="2153653" y="3465096"/>
+              <a:ext cx="4078705" cy="216000"/>
             </a:xfrm>
             <a:prstGeom prst="roundRect">
               <a:avLst/>
             </a:prstGeom>
             <a:noFill/>
-            <a:ln w="28575">
+            <a:ln w="38100">
               <a:solidFill>
                 <a:srgbClr val="FFC000"/>
               </a:solidFill>
@@ -5871,114 +11163,7 @@
             <a:lstStyle/>
             <a:p>
               <a:pPr algn="ctr"/>
-              <a:endParaRPr lang="en-US" dirty="0">
-                <a:noFill/>
-                <a:effectLst/>
-              </a:endParaRPr>
-            </a:p>
-          </p:txBody>
-        </p:sp>
-      </p:grpSp>
-      <p:grpSp>
-        <p:nvGrpSpPr>
-          <p:cNvPr id="24" name="Grupp 23">
-            <a:extLst>
-              <a:ext uri="{FF2B5EF4-FFF2-40B4-BE49-F238E27FC236}">
-                <a16:creationId xmlns:a16="http://schemas.microsoft.com/office/drawing/2014/main" id="{29C19026-B04E-C4B5-257B-9ECBF8C41010}"/>
-              </a:ext>
-            </a:extLst>
-          </p:cNvPr>
-          <p:cNvGrpSpPr/>
-          <p:nvPr/>
-        </p:nvGrpSpPr>
-        <p:grpSpPr>
-          <a:xfrm>
-            <a:off x="2565778" y="2863661"/>
-            <a:ext cx="9501270" cy="670053"/>
-            <a:chOff x="2565778" y="2863661"/>
-            <a:chExt cx="9501270" cy="670053"/>
-          </a:xfrm>
-        </p:grpSpPr>
-        <p:pic>
-          <p:nvPicPr>
-            <p:cNvPr id="16" name="Bildobjekt 15">
-              <a:extLst>
-                <a:ext uri="{FF2B5EF4-FFF2-40B4-BE49-F238E27FC236}">
-                  <a16:creationId xmlns:a16="http://schemas.microsoft.com/office/drawing/2014/main" id="{63FF6273-576C-AF31-803C-134C88911E59}"/>
-                </a:ext>
-              </a:extLst>
-            </p:cNvPr>
-            <p:cNvPicPr>
-              <a:picLocks noChangeAspect="1"/>
-            </p:cNvPicPr>
-            <p:nvPr/>
-          </p:nvPicPr>
-          <p:blipFill>
-            <a:blip r:embed="rId4"/>
-            <a:stretch>
-              <a:fillRect/>
-            </a:stretch>
-          </p:blipFill>
-          <p:spPr>
-            <a:xfrm>
-              <a:off x="2565778" y="2863661"/>
-              <a:ext cx="9477725" cy="670053"/>
-            </a:xfrm>
-            <a:prstGeom prst="rect">
-              <a:avLst/>
-            </a:prstGeom>
-          </p:spPr>
-        </p:pic>
-        <p:sp>
-          <p:nvSpPr>
-            <p:cNvPr id="23" name="Rektangel: rundade hörn 22">
-              <a:extLst>
-                <a:ext uri="{FF2B5EF4-FFF2-40B4-BE49-F238E27FC236}">
-                  <a16:creationId xmlns:a16="http://schemas.microsoft.com/office/drawing/2014/main" id="{28CB8EBF-22B7-933F-B6C3-98F8DFE36B16}"/>
-                </a:ext>
-              </a:extLst>
-            </p:cNvPr>
-            <p:cNvSpPr/>
-            <p:nvPr/>
-          </p:nvSpPr>
-          <p:spPr>
-            <a:xfrm>
-              <a:off x="10735048" y="3156155"/>
-              <a:ext cx="1332000" cy="377559"/>
-            </a:xfrm>
-            <a:prstGeom prst="roundRect">
-              <a:avLst/>
-            </a:prstGeom>
-            <a:noFill/>
-            <a:ln w="28575">
-              <a:solidFill>
-                <a:srgbClr val="FFC000"/>
-              </a:solidFill>
-            </a:ln>
-            <a:effectLst/>
-          </p:spPr>
-          <p:style>
-            <a:lnRef idx="2">
-              <a:schemeClr val="accent1">
-                <a:shade val="15000"/>
-              </a:schemeClr>
-            </a:lnRef>
-            <a:fillRef idx="1">
-              <a:schemeClr val="accent1"/>
-            </a:fillRef>
-            <a:effectRef idx="0">
-              <a:schemeClr val="accent1"/>
-            </a:effectRef>
-            <a:fontRef idx="minor">
-              <a:schemeClr val="lt1"/>
-            </a:fontRef>
-          </p:style>
-          <p:txBody>
-            <a:bodyPr rtlCol="0" anchor="ctr"/>
-            <a:lstStyle/>
-            <a:p>
-              <a:pPr algn="ctr"/>
-              <a:endParaRPr lang="en-US" dirty="0">
+              <a:endParaRPr lang="en-US">
                 <a:noFill/>
                 <a:effectLst/>
               </a:endParaRPr>
@@ -5988,10 +11173,10 @@
       </p:grpSp>
       <p:sp>
         <p:nvSpPr>
-          <p:cNvPr id="25" name="textruta 24">
+          <p:cNvPr id="13" name="textruta 12">
             <a:extLst>
               <a:ext uri="{FF2B5EF4-FFF2-40B4-BE49-F238E27FC236}">
-                <a16:creationId xmlns:a16="http://schemas.microsoft.com/office/drawing/2014/main" id="{41DDF326-DA94-DE55-617B-16F4968D3D15}"/>
+                <a16:creationId xmlns:a16="http://schemas.microsoft.com/office/drawing/2014/main" id="{3617EFE8-73B2-EFA2-845B-C35507A1521F}"/>
               </a:ext>
             </a:extLst>
           </p:cNvPr>
@@ -6000,8 +11185,8 @@
         </p:nvSpPr>
         <p:spPr>
           <a:xfrm>
-            <a:off x="66368" y="1076632"/>
-            <a:ext cx="2123378" cy="276999"/>
+            <a:off x="2783894" y="4060252"/>
+            <a:ext cx="8768602" cy="2062103"/>
           </a:xfrm>
           <a:prstGeom prst="rect">
             <a:avLst/>
@@ -6009,23 +11194,43 @@
           <a:noFill/>
         </p:spPr>
         <p:txBody>
-          <a:bodyPr wrap="square" rtlCol="0">
+          <a:bodyPr rot="0" spcFirstLastPara="0" vertOverflow="overflow" horzOverflow="overflow" vert="horz" wrap="square" lIns="91440" tIns="45720" rIns="91440" bIns="45720" numCol="1" spcCol="0" rtlCol="0" fromWordArt="0" anchor="t" anchorCtr="0" forceAA="0" compatLnSpc="1">
+            <a:prstTxWarp prst="textNoShape">
+              <a:avLst/>
+            </a:prstTxWarp>
             <a:spAutoFit/>
           </a:bodyPr>
           <a:lstStyle/>
           <a:p>
-            <a:r>
-              <a:rPr lang="sv-SE" sz="1200" dirty="0" err="1">
-                <a:latin typeface="Calibri Light" panose="020F0302020204030204" pitchFamily="34" charset="0"/>
-                <a:ea typeface="Calibri Light" panose="020F0302020204030204" pitchFamily="34" charset="0"/>
-                <a:cs typeface="Calibri Light" panose="020F0302020204030204" pitchFamily="34" charset="0"/>
-              </a:rPr>
-              <a:t>skhdjfklsdjf</a:t>
-            </a:r>
-            <a:endParaRPr lang="en-US" sz="1200" dirty="0">
-              <a:latin typeface="Calibri Light" panose="020F0302020204030204" pitchFamily="34" charset="0"/>
-              <a:ea typeface="Calibri Light" panose="020F0302020204030204" pitchFamily="34" charset="0"/>
-              <a:cs typeface="Calibri Light" panose="020F0302020204030204" pitchFamily="34" charset="0"/>
+            <a:pPr marL="457200" indent="-457200">
+              <a:buFont typeface="Arial"/>
+              <a:buChar char="•"/>
+            </a:pPr>
+            <a:r>
+              <a:rPr lang="sv-SE" sz="3200">
+                <a:latin typeface="Calibri Light"/>
+                <a:cs typeface="Calibri Light"/>
+              </a:rPr>
+              <a:t>Fyllde tomma värden med medelvärde i total_bedrooms</a:t>
+            </a:r>
+          </a:p>
+          <a:p>
+            <a:pPr marL="457200" indent="-457200">
+              <a:buFont typeface="Arial"/>
+              <a:buChar char="•"/>
+            </a:pPr>
+            <a:r>
+              <a:rPr lang="sv-SE" sz="3200">
+                <a:latin typeface="Calibri Light"/>
+                <a:cs typeface="Calibri Light"/>
+              </a:rPr>
+              <a:t>20 640 entries blev 18 570</a:t>
+            </a:r>
+          </a:p>
+          <a:p>
+            <a:endParaRPr lang="sv-SE" sz="3200">
+              <a:latin typeface="Calibri Light"/>
+              <a:cs typeface="Calibri Light"/>
             </a:endParaRPr>
           </a:p>
         </p:txBody>
@@ -6033,7 +11238,7 @@
     </p:spTree>
     <p:extLst>
       <p:ext uri="{BB962C8B-B14F-4D97-AF65-F5344CB8AC3E}">
-        <p14:creationId xmlns:p14="http://schemas.microsoft.com/office/powerpoint/2010/main" val="3148306597"/>
+        <p14:creationId xmlns:p14="http://schemas.microsoft.com/office/powerpoint/2010/main" val="3813097769"/>
       </p:ext>
     </p:extLst>
   </p:cSld>
@@ -6083,7 +11288,7 @@
         <p:spPr>
           <a:xfrm>
             <a:off x="-1" y="0"/>
-            <a:ext cx="2160000" cy="6858000"/>
+            <a:ext cx="2160640" cy="6858000"/>
           </a:xfrm>
           <a:prstGeom prst="rect">
             <a:avLst/>
@@ -6122,390 +11327,115 @@
       </p:sp>
       <p:sp>
         <p:nvSpPr>
-          <p:cNvPr id="6" name="Rubrik 3">
+          <p:cNvPr id="4" name="Rubrik 3">
             <a:extLst>
               <a:ext uri="{FF2B5EF4-FFF2-40B4-BE49-F238E27FC236}">
-                <a16:creationId xmlns:a16="http://schemas.microsoft.com/office/drawing/2014/main" id="{CE3C1C24-EEE9-3523-B02D-AC2663E78BAC}"/>
+                <a16:creationId xmlns:a16="http://schemas.microsoft.com/office/drawing/2014/main" id="{AB6868EF-DA95-CDCF-E66C-77E6FB2FA094}"/>
               </a:ext>
             </a:extLst>
           </p:cNvPr>
-          <p:cNvSpPr txBox="1">
-            <a:spLocks/>
+          <p:cNvSpPr>
+            <a:spLocks noGrp="1"/>
           </p:cNvSpPr>
-          <p:nvPr/>
+          <p:nvPr>
+            <p:ph type="title"/>
+          </p:nvPr>
         </p:nvSpPr>
         <p:spPr>
           <a:xfrm>
-            <a:off x="0" y="143335"/>
-            <a:ext cx="2189747" cy="1325563"/>
+            <a:off x="135661" y="208714"/>
+            <a:ext cx="1780675" cy="1325563"/>
+          </a:xfrm>
+        </p:spPr>
+        <p:txBody>
+          <a:bodyPr>
+            <a:normAutofit/>
+          </a:bodyPr>
+          <a:lstStyle/>
+          <a:p>
+            <a:pPr algn="ctr"/>
+            <a:r>
+              <a:rPr lang="sv-SE" sz="3200" b="1">
+                <a:latin typeface="Calibri Light"/>
+                <a:ea typeface="Calibri Light" panose="020F0302020204030204" pitchFamily="34" charset="0"/>
+                <a:cs typeface="Calibri Light"/>
+              </a:rPr>
+              <a:t>Features</a:t>
+            </a:r>
+            <a:endParaRPr lang="sv-SE" sz="3200" b="1">
+              <a:latin typeface="Calibri Light"/>
+              <a:ea typeface="Calibri Light" panose="020F0302020204030204" pitchFamily="34" charset="0"/>
+              <a:cs typeface="Calibri Light" panose="020F0302020204030204" pitchFamily="34" charset="0"/>
+            </a:endParaRPr>
+          </a:p>
+        </p:txBody>
+      </p:sp>
+      <p:pic>
+        <p:nvPicPr>
+          <p:cNvPr id="3" name="Bildobjekt 2" descr="En bild som visar text, skärmbild, kvadrat, diagram&#10;&#10;Automatiskt genererad beskrivning">
+            <a:extLst>
+              <a:ext uri="{FF2B5EF4-FFF2-40B4-BE49-F238E27FC236}">
+                <a16:creationId xmlns:a16="http://schemas.microsoft.com/office/drawing/2014/main" id="{B27C9A95-DC26-5565-1F94-EEF2D9645046}"/>
+              </a:ext>
+            </a:extLst>
+          </p:cNvPr>
+          <p:cNvPicPr>
+            <a:picLocks noChangeAspect="1"/>
+          </p:cNvPicPr>
+          <p:nvPr/>
+        </p:nvPicPr>
+        <p:blipFill>
+          <a:blip r:embed="rId2"/>
+          <a:stretch>
+            <a:fillRect/>
+          </a:stretch>
+        </p:blipFill>
+        <p:spPr>
+          <a:xfrm>
+            <a:off x="2159343" y="485168"/>
+            <a:ext cx="5846806" cy="4182762"/>
           </a:xfrm>
           <a:prstGeom prst="rect">
             <a:avLst/>
           </a:prstGeom>
         </p:spPr>
-        <p:txBody>
-          <a:bodyPr vert="horz" lIns="91440" tIns="45720" rIns="91440" bIns="45720" rtlCol="0" anchor="ctr">
-            <a:normAutofit/>
-          </a:bodyPr>
-          <a:lstStyle>
-            <a:lvl1pPr algn="l" defTabSz="914400" rtl="0" eaLnBrk="1" latinLnBrk="0" hangingPunct="1">
-              <a:lnSpc>
-                <a:spcPct val="90000"/>
-              </a:lnSpc>
-              <a:spcBef>
-                <a:spcPct val="0"/>
-              </a:spcBef>
-              <a:buNone/>
-              <a:defRPr sz="4400" kern="1200">
-                <a:solidFill>
-                  <a:schemeClr val="tx1"/>
-                </a:solidFill>
-                <a:latin typeface="+mj-lt"/>
-                <a:ea typeface="+mj-ea"/>
-                <a:cs typeface="+mj-cs"/>
-              </a:defRPr>
-            </a:lvl1pPr>
-          </a:lstStyle>
-          <a:p>
-            <a:pPr algn="ctr">
-              <a:spcAft>
-                <a:spcPts val="1200"/>
-              </a:spcAft>
-            </a:pPr>
-            <a:r>
-              <a:rPr lang="sv-SE" sz="1800" dirty="0">
-                <a:latin typeface="Calibri Light" panose="020F0302020204030204" pitchFamily="34" charset="0"/>
-                <a:ea typeface="Calibri Light" panose="020F0302020204030204" pitchFamily="34" charset="0"/>
-                <a:cs typeface="Calibri Light" panose="020F0302020204030204" pitchFamily="34" charset="0"/>
-              </a:rPr>
-              <a:t>Förberedelse</a:t>
-            </a:r>
-            <a:r>
-              <a:rPr lang="en-US" sz="1800" dirty="0">
-                <a:latin typeface="Calibri Light" panose="020F0302020204030204" pitchFamily="34" charset="0"/>
-                <a:ea typeface="Calibri Light" panose="020F0302020204030204" pitchFamily="34" charset="0"/>
-                <a:cs typeface="Calibri Light" panose="020F0302020204030204" pitchFamily="34" charset="0"/>
-              </a:rPr>
-              <a:t> av data</a:t>
-            </a:r>
-          </a:p>
-        </p:txBody>
-      </p:sp>
-      <p:grpSp>
-        <p:nvGrpSpPr>
-          <p:cNvPr id="28" name="Grupp 27">
+      </p:pic>
+      <p:pic>
+        <p:nvPicPr>
+          <p:cNvPr id="7" name="Bildobjekt 6" descr="En bild som visar text, skärmbild, diagram, nummer&#10;&#10;Automatiskt genererad beskrivning">
             <a:extLst>
               <a:ext uri="{FF2B5EF4-FFF2-40B4-BE49-F238E27FC236}">
-                <a16:creationId xmlns:a16="http://schemas.microsoft.com/office/drawing/2014/main" id="{1F032EFD-B4D9-7E00-5261-F0F35006643C}"/>
+                <a16:creationId xmlns:a16="http://schemas.microsoft.com/office/drawing/2014/main" id="{5395A73B-9660-90F7-E1BC-99B5817F9266}"/>
               </a:ext>
             </a:extLst>
           </p:cNvPr>
-          <p:cNvGrpSpPr/>
+          <p:cNvPicPr>
+            <a:picLocks noChangeAspect="1"/>
+          </p:cNvPicPr>
           <p:nvPr/>
-        </p:nvGrpSpPr>
-        <p:grpSpPr>
+        </p:nvPicPr>
+        <p:blipFill>
+          <a:blip r:embed="rId3"/>
+          <a:stretch>
+            <a:fillRect/>
+          </a:stretch>
+        </p:blipFill>
+        <p:spPr>
           <a:xfrm>
-            <a:off x="2700489" y="3590437"/>
-            <a:ext cx="4258904" cy="2944272"/>
-            <a:chOff x="2700489" y="3590437"/>
-            <a:chExt cx="4258904" cy="2944272"/>
+            <a:off x="7507270" y="778477"/>
+            <a:ext cx="4544942" cy="3058298"/>
           </a:xfrm>
-        </p:grpSpPr>
-        <p:pic>
-          <p:nvPicPr>
-            <p:cNvPr id="10" name="Bildobjekt 9">
-              <a:extLst>
-                <a:ext uri="{FF2B5EF4-FFF2-40B4-BE49-F238E27FC236}">
-                  <a16:creationId xmlns:a16="http://schemas.microsoft.com/office/drawing/2014/main" id="{6D52847C-BDD5-B613-F8B9-6D561D4ECA41}"/>
-                </a:ext>
-              </a:extLst>
-            </p:cNvPr>
-            <p:cNvPicPr>
-              <a:picLocks noChangeAspect="1"/>
-            </p:cNvPicPr>
-            <p:nvPr/>
-          </p:nvPicPr>
-          <p:blipFill>
-            <a:blip r:embed="rId2"/>
-            <a:stretch>
-              <a:fillRect/>
-            </a:stretch>
-          </p:blipFill>
-          <p:spPr>
-            <a:xfrm>
-              <a:off x="2700489" y="3590437"/>
-              <a:ext cx="4258904" cy="2944272"/>
-            </a:xfrm>
-            <a:prstGeom prst="rect">
-              <a:avLst/>
-            </a:prstGeom>
-          </p:spPr>
-        </p:pic>
-        <p:sp>
-          <p:nvSpPr>
-            <p:cNvPr id="18" name="Ellips 17">
-              <a:extLst>
-                <a:ext uri="{FF2B5EF4-FFF2-40B4-BE49-F238E27FC236}">
-                  <a16:creationId xmlns:a16="http://schemas.microsoft.com/office/drawing/2014/main" id="{0C7B265D-07D4-9910-8103-83C7679C64E0}"/>
-                </a:ext>
-              </a:extLst>
-            </p:cNvPr>
-            <p:cNvSpPr/>
-            <p:nvPr/>
-          </p:nvSpPr>
-          <p:spPr>
-            <a:xfrm>
-              <a:off x="4486874" y="5589640"/>
-              <a:ext cx="247358" cy="656304"/>
-            </a:xfrm>
-            <a:prstGeom prst="ellipse">
-              <a:avLst/>
-            </a:prstGeom>
-            <a:noFill/>
-            <a:ln w="38100">
-              <a:solidFill>
-                <a:srgbClr val="FFC000"/>
-              </a:solidFill>
-            </a:ln>
-          </p:spPr>
-          <p:style>
-            <a:lnRef idx="2">
-              <a:schemeClr val="accent1">
-                <a:shade val="15000"/>
-              </a:schemeClr>
-            </a:lnRef>
-            <a:fillRef idx="1">
-              <a:schemeClr val="accent1"/>
-            </a:fillRef>
-            <a:effectRef idx="0">
-              <a:schemeClr val="accent1"/>
-            </a:effectRef>
-            <a:fontRef idx="minor">
-              <a:schemeClr val="lt1"/>
-            </a:fontRef>
-          </p:style>
-          <p:txBody>
-            <a:bodyPr rtlCol="0" anchor="ctr"/>
-            <a:lstStyle/>
-            <a:p>
-              <a:pPr algn="ctr"/>
-              <a:endParaRPr lang="en-US"/>
-            </a:p>
-          </p:txBody>
-        </p:sp>
-      </p:grpSp>
-      <p:grpSp>
-        <p:nvGrpSpPr>
-          <p:cNvPr id="27" name="Grupp 26">
+          <a:prstGeom prst="rect">
+            <a:avLst/>
+          </a:prstGeom>
+        </p:spPr>
+      </p:pic>
+      <p:sp>
+        <p:nvSpPr>
+          <p:cNvPr id="6" name="textruta 5">
             <a:extLst>
               <a:ext uri="{FF2B5EF4-FFF2-40B4-BE49-F238E27FC236}">
-                <a16:creationId xmlns:a16="http://schemas.microsoft.com/office/drawing/2014/main" id="{F3088D07-AD72-8AF1-5EC3-6DB8DE5D1688}"/>
-              </a:ext>
-            </a:extLst>
-          </p:cNvPr>
-          <p:cNvGrpSpPr/>
-          <p:nvPr/>
-        </p:nvGrpSpPr>
-        <p:grpSpPr>
-          <a:xfrm>
-            <a:off x="7233771" y="718522"/>
-            <a:ext cx="4852897" cy="2614510"/>
-            <a:chOff x="7233771" y="718522"/>
-            <a:chExt cx="4852897" cy="2614510"/>
-          </a:xfrm>
-        </p:grpSpPr>
-        <p:pic>
-          <p:nvPicPr>
-            <p:cNvPr id="8" name="Bildobjekt 7">
-              <a:extLst>
-                <a:ext uri="{FF2B5EF4-FFF2-40B4-BE49-F238E27FC236}">
-                  <a16:creationId xmlns:a16="http://schemas.microsoft.com/office/drawing/2014/main" id="{4D936E01-74DC-9F83-BA53-E520FB2E162D}"/>
-                </a:ext>
-              </a:extLst>
-            </p:cNvPr>
-            <p:cNvPicPr>
-              <a:picLocks noChangeAspect="1"/>
-            </p:cNvPicPr>
-            <p:nvPr/>
-          </p:nvPicPr>
-          <p:blipFill>
-            <a:blip r:embed="rId3"/>
-            <a:stretch>
-              <a:fillRect/>
-            </a:stretch>
-          </p:blipFill>
-          <p:spPr>
-            <a:xfrm>
-              <a:off x="7233771" y="718522"/>
-              <a:ext cx="4852897" cy="2614510"/>
-            </a:xfrm>
-            <a:prstGeom prst="rect">
-              <a:avLst/>
-            </a:prstGeom>
-          </p:spPr>
-        </p:pic>
-        <p:sp>
-          <p:nvSpPr>
-            <p:cNvPr id="19" name="Ellips 18">
-              <a:extLst>
-                <a:ext uri="{FF2B5EF4-FFF2-40B4-BE49-F238E27FC236}">
-                  <a16:creationId xmlns:a16="http://schemas.microsoft.com/office/drawing/2014/main" id="{CEE6C2F3-79FE-A41C-75A2-B6578957A0E1}"/>
-                </a:ext>
-              </a:extLst>
-            </p:cNvPr>
-            <p:cNvSpPr/>
-            <p:nvPr/>
-          </p:nvSpPr>
-          <p:spPr>
-            <a:xfrm>
-              <a:off x="9394343" y="830180"/>
-              <a:ext cx="288000" cy="2222736"/>
-            </a:xfrm>
-            <a:prstGeom prst="ellipse">
-              <a:avLst/>
-            </a:prstGeom>
-            <a:noFill/>
-            <a:ln w="38100">
-              <a:solidFill>
-                <a:srgbClr val="FFC000"/>
-              </a:solidFill>
-            </a:ln>
-          </p:spPr>
-          <p:style>
-            <a:lnRef idx="2">
-              <a:schemeClr val="accent1">
-                <a:shade val="15000"/>
-              </a:schemeClr>
-            </a:lnRef>
-            <a:fillRef idx="1">
-              <a:schemeClr val="accent1"/>
-            </a:fillRef>
-            <a:effectRef idx="0">
-              <a:schemeClr val="accent1"/>
-            </a:effectRef>
-            <a:fontRef idx="minor">
-              <a:schemeClr val="lt1"/>
-            </a:fontRef>
-          </p:style>
-          <p:txBody>
-            <a:bodyPr rtlCol="0" anchor="ctr"/>
-            <a:lstStyle/>
-            <a:p>
-              <a:pPr algn="ctr"/>
-              <a:endParaRPr lang="en-US"/>
-            </a:p>
-          </p:txBody>
-        </p:sp>
-      </p:grpSp>
-      <p:grpSp>
-        <p:nvGrpSpPr>
-          <p:cNvPr id="26" name="Grupp 25">
-            <a:extLst>
-              <a:ext uri="{FF2B5EF4-FFF2-40B4-BE49-F238E27FC236}">
-                <a16:creationId xmlns:a16="http://schemas.microsoft.com/office/drawing/2014/main" id="{6E48F1BD-CAE8-ABC5-19A4-7D6A8BAEDF3D}"/>
-              </a:ext>
-            </a:extLst>
-          </p:cNvPr>
-          <p:cNvGrpSpPr/>
-          <p:nvPr/>
-        </p:nvGrpSpPr>
-        <p:grpSpPr>
-          <a:xfrm>
-            <a:off x="2344993" y="718522"/>
-            <a:ext cx="4866659" cy="2614510"/>
-            <a:chOff x="2344993" y="718522"/>
-            <a:chExt cx="4866659" cy="2614510"/>
-          </a:xfrm>
-        </p:grpSpPr>
-        <p:pic>
-          <p:nvPicPr>
-            <p:cNvPr id="4" name="Bildobjekt 3">
-              <a:extLst>
-                <a:ext uri="{FF2B5EF4-FFF2-40B4-BE49-F238E27FC236}">
-                  <a16:creationId xmlns:a16="http://schemas.microsoft.com/office/drawing/2014/main" id="{ECE59D0B-361A-45C9-B090-4E0FA3554A1C}"/>
-                </a:ext>
-              </a:extLst>
-            </p:cNvPr>
-            <p:cNvPicPr>
-              <a:picLocks noChangeAspect="1"/>
-            </p:cNvPicPr>
-            <p:nvPr/>
-          </p:nvPicPr>
-          <p:blipFill>
-            <a:blip r:embed="rId4"/>
-            <a:stretch>
-              <a:fillRect/>
-            </a:stretch>
-          </p:blipFill>
-          <p:spPr>
-            <a:xfrm>
-              <a:off x="2344993" y="718522"/>
-              <a:ext cx="4866659" cy="2614510"/>
-            </a:xfrm>
-            <a:prstGeom prst="rect">
-              <a:avLst/>
-            </a:prstGeom>
-          </p:spPr>
-        </p:pic>
-        <p:sp>
-          <p:nvSpPr>
-            <p:cNvPr id="24" name="Ellips 23">
-              <a:extLst>
-                <a:ext uri="{FF2B5EF4-FFF2-40B4-BE49-F238E27FC236}">
-                  <a16:creationId xmlns:a16="http://schemas.microsoft.com/office/drawing/2014/main" id="{9524CB07-B33E-1519-7973-045F971151CD}"/>
-                </a:ext>
-              </a:extLst>
-            </p:cNvPr>
-            <p:cNvSpPr/>
-            <p:nvPr/>
-          </p:nvSpPr>
-          <p:spPr>
-            <a:xfrm>
-              <a:off x="4505633" y="830180"/>
-              <a:ext cx="291132" cy="2222736"/>
-            </a:xfrm>
-            <a:prstGeom prst="ellipse">
-              <a:avLst/>
-            </a:prstGeom>
-            <a:noFill/>
-            <a:ln w="38100">
-              <a:solidFill>
-                <a:srgbClr val="FFC000"/>
-              </a:solidFill>
-            </a:ln>
-          </p:spPr>
-          <p:style>
-            <a:lnRef idx="2">
-              <a:schemeClr val="accent1">
-                <a:shade val="15000"/>
-              </a:schemeClr>
-            </a:lnRef>
-            <a:fillRef idx="1">
-              <a:schemeClr val="accent1"/>
-            </a:fillRef>
-            <a:effectRef idx="0">
-              <a:schemeClr val="accent1"/>
-            </a:effectRef>
-            <a:fontRef idx="minor">
-              <a:schemeClr val="lt1"/>
-            </a:fontRef>
-          </p:style>
-          <p:txBody>
-            <a:bodyPr rtlCol="0" anchor="ctr"/>
-            <a:lstStyle/>
-            <a:p>
-              <a:pPr algn="ctr"/>
-              <a:endParaRPr lang="en-US"/>
-            </a:p>
-          </p:txBody>
-        </p:sp>
-      </p:grpSp>
-      <p:sp>
-        <p:nvSpPr>
-          <p:cNvPr id="25" name="textruta 24">
-            <a:extLst>
-              <a:ext uri="{FF2B5EF4-FFF2-40B4-BE49-F238E27FC236}">
-                <a16:creationId xmlns:a16="http://schemas.microsoft.com/office/drawing/2014/main" id="{E0E31B12-9CAA-4CFB-C884-EE4E2075EC4F}"/>
+                <a16:creationId xmlns:a16="http://schemas.microsoft.com/office/drawing/2014/main" id="{48FC8053-4EB7-63BC-91EB-F26DEE55BEE5}"/>
               </a:ext>
             </a:extLst>
           </p:cNvPr>
@@ -6514,8 +11444,8 @@
         </p:nvSpPr>
         <p:spPr>
           <a:xfrm>
-            <a:off x="66368" y="1076632"/>
-            <a:ext cx="2093631" cy="276999"/>
+            <a:off x="2323652" y="4922802"/>
+            <a:ext cx="9606642" cy="1569660"/>
           </a:xfrm>
           <a:prstGeom prst="rect">
             <a:avLst/>
@@ -6523,31 +11453,372 @@
           <a:noFill/>
         </p:spPr>
         <p:txBody>
-          <a:bodyPr wrap="square" rtlCol="0">
+          <a:bodyPr rot="0" spcFirstLastPara="0" vertOverflow="overflow" horzOverflow="overflow" vert="horz" wrap="square" lIns="91440" tIns="45720" rIns="91440" bIns="45720" numCol="1" spcCol="0" rtlCol="0" fromWordArt="0" anchor="t" anchorCtr="0" forceAA="0" compatLnSpc="1">
+            <a:prstTxWarp prst="textNoShape">
+              <a:avLst/>
+            </a:prstTxWarp>
             <a:spAutoFit/>
           </a:bodyPr>
           <a:lstStyle/>
           <a:p>
-            <a:r>
-              <a:rPr lang="sv-SE" sz="1200" dirty="0" err="1">
-                <a:latin typeface="Calibri Light" panose="020F0302020204030204" pitchFamily="34" charset="0"/>
-                <a:ea typeface="Calibri Light" panose="020F0302020204030204" pitchFamily="34" charset="0"/>
-                <a:cs typeface="Calibri Light" panose="020F0302020204030204" pitchFamily="34" charset="0"/>
-              </a:rPr>
-              <a:t>skhdjfklsdjf</a:t>
-            </a:r>
-            <a:endParaRPr lang="en-US" sz="1200" dirty="0">
-              <a:latin typeface="Calibri Light" panose="020F0302020204030204" pitchFamily="34" charset="0"/>
-              <a:ea typeface="Calibri Light" panose="020F0302020204030204" pitchFamily="34" charset="0"/>
-              <a:cs typeface="Calibri Light" panose="020F0302020204030204" pitchFamily="34" charset="0"/>
+            <a:pPr marL="285750" indent="-285750">
+              <a:buFont typeface="Arial"/>
+              <a:buChar char="•"/>
+            </a:pPr>
+            <a:r>
+              <a:rPr lang="sv-SE" sz="2400">
+                <a:latin typeface="Calibri Light"/>
+                <a:cs typeface="Calibri Light"/>
+              </a:rPr>
+              <a:t>Ägnade ganska mycket tid åt korrelationsmatriser och </a:t>
+            </a:r>
+            <a:endParaRPr lang="sv-SE">
+              <a:latin typeface="Aptos" panose="02110004020202020204"/>
+              <a:cs typeface="Calibri Light"/>
             </a:endParaRPr>
+          </a:p>
+          <a:p>
+            <a:r>
+              <a:rPr lang="sv-SE" sz="2400">
+                <a:latin typeface="Calibri Light"/>
+                <a:cs typeface="Calibri Light"/>
+              </a:rPr>
+              <a:t> skapade nya features utifrån det</a:t>
+            </a:r>
+            <a:endParaRPr lang="sv-SE"/>
+          </a:p>
+          <a:p>
+            <a:pPr marL="285750" indent="-285750">
+              <a:buFont typeface="Arial"/>
+              <a:buChar char="•"/>
+            </a:pPr>
+            <a:r>
+              <a:rPr lang="sv-SE" sz="2400">
+                <a:latin typeface="Calibri Light"/>
+                <a:cs typeface="Calibri Light"/>
+              </a:rPr>
+              <a:t>Använde Random Forest Regressor och feature importance för att välja ut viktigaste features</a:t>
+            </a:r>
           </a:p>
         </p:txBody>
       </p:sp>
     </p:spTree>
     <p:extLst>
       <p:ext uri="{BB962C8B-B14F-4D97-AF65-F5344CB8AC3E}">
-        <p14:creationId xmlns:p14="http://schemas.microsoft.com/office/powerpoint/2010/main" val="4039465091"/>
+        <p14:creationId xmlns:p14="http://schemas.microsoft.com/office/powerpoint/2010/main" val="3703693321"/>
+      </p:ext>
+    </p:extLst>
+  </p:cSld>
+  <p:clrMapOvr>
+    <a:masterClrMapping/>
+  </p:clrMapOvr>
+</p:sld>
+</file>
+
+<file path=ppt/slides/slide9.xml><?xml version="1.0" encoding="utf-8"?>
+<p:sld xmlns:a="http://schemas.openxmlformats.org/drawingml/2006/main" xmlns:r="http://schemas.openxmlformats.org/officeDocument/2006/relationships" xmlns:p="http://schemas.openxmlformats.org/presentationml/2006/main">
+  <p:cSld>
+    <p:bg>
+      <p:bgPr>
+        <a:solidFill>
+          <a:schemeClr val="bg1"/>
+        </a:solidFill>
+        <a:effectLst/>
+      </p:bgPr>
+    </p:bg>
+    <p:spTree>
+      <p:nvGrpSpPr>
+        <p:cNvPr id="1" name=""/>
+        <p:cNvGrpSpPr/>
+        <p:nvPr/>
+      </p:nvGrpSpPr>
+      <p:grpSpPr>
+        <a:xfrm>
+          <a:off x="0" y="0"/>
+          <a:ext cx="0" cy="0"/>
+          <a:chOff x="0" y="0"/>
+          <a:chExt cx="0" cy="0"/>
+        </a:xfrm>
+      </p:grpSpPr>
+      <p:sp>
+        <p:nvSpPr>
+          <p:cNvPr id="5" name="Rektangel 4">
+            <a:extLst>
+              <a:ext uri="{FF2B5EF4-FFF2-40B4-BE49-F238E27FC236}">
+                <a16:creationId xmlns:a16="http://schemas.microsoft.com/office/drawing/2014/main" id="{3BC64304-B6C0-FC94-369A-E33C0C727BBB}"/>
+              </a:ext>
+            </a:extLst>
+          </p:cNvPr>
+          <p:cNvSpPr/>
+          <p:nvPr/>
+        </p:nvSpPr>
+        <p:spPr>
+          <a:xfrm>
+            <a:off x="-1" y="0"/>
+            <a:ext cx="2160640" cy="6858000"/>
+          </a:xfrm>
+          <a:prstGeom prst="rect">
+            <a:avLst/>
+          </a:prstGeom>
+          <a:solidFill>
+            <a:srgbClr val="FFC000"/>
+          </a:solidFill>
+          <a:ln>
+            <a:noFill/>
+          </a:ln>
+        </p:spPr>
+        <p:style>
+          <a:lnRef idx="2">
+            <a:schemeClr val="accent1">
+              <a:shade val="15000"/>
+            </a:schemeClr>
+          </a:lnRef>
+          <a:fillRef idx="1">
+            <a:schemeClr val="accent1"/>
+          </a:fillRef>
+          <a:effectRef idx="0">
+            <a:schemeClr val="accent1"/>
+          </a:effectRef>
+          <a:fontRef idx="minor">
+            <a:schemeClr val="lt1"/>
+          </a:fontRef>
+        </p:style>
+        <p:txBody>
+          <a:bodyPr rtlCol="0" anchor="ctr"/>
+          <a:lstStyle/>
+          <a:p>
+            <a:pPr algn="ctr"/>
+            <a:endParaRPr lang="en-US"/>
+          </a:p>
+        </p:txBody>
+      </p:sp>
+      <p:sp>
+        <p:nvSpPr>
+          <p:cNvPr id="4" name="Rubrik 3">
+            <a:extLst>
+              <a:ext uri="{FF2B5EF4-FFF2-40B4-BE49-F238E27FC236}">
+                <a16:creationId xmlns:a16="http://schemas.microsoft.com/office/drawing/2014/main" id="{AB6868EF-DA95-CDCF-E66C-77E6FB2FA094}"/>
+              </a:ext>
+            </a:extLst>
+          </p:cNvPr>
+          <p:cNvSpPr>
+            <a:spLocks noGrp="1"/>
+          </p:cNvSpPr>
+          <p:nvPr>
+            <p:ph type="title"/>
+          </p:nvPr>
+        </p:nvSpPr>
+        <p:spPr>
+          <a:xfrm>
+            <a:off x="135661" y="208714"/>
+            <a:ext cx="1780675" cy="1325563"/>
+          </a:xfrm>
+        </p:spPr>
+        <p:txBody>
+          <a:bodyPr>
+            <a:normAutofit/>
+          </a:bodyPr>
+          <a:lstStyle/>
+          <a:p>
+            <a:pPr algn="ctr"/>
+            <a:r>
+              <a:rPr lang="sv-SE" sz="3200" b="1">
+                <a:latin typeface="Calibri Light"/>
+                <a:ea typeface="Calibri Light" panose="020F0302020204030204" pitchFamily="34" charset="0"/>
+                <a:cs typeface="Calibri Light"/>
+              </a:rPr>
+              <a:t>Resultat</a:t>
+            </a:r>
+            <a:endParaRPr lang="sv-SE" sz="3200" b="1">
+              <a:latin typeface="Calibri Light"/>
+              <a:ea typeface="Calibri Light" panose="020F0302020204030204" pitchFamily="34" charset="0"/>
+              <a:cs typeface="Calibri Light" panose="020F0302020204030204" pitchFamily="34" charset="0"/>
+            </a:endParaRPr>
+          </a:p>
+        </p:txBody>
+      </p:sp>
+      <p:pic>
+        <p:nvPicPr>
+          <p:cNvPr id="9" name="Bildobjekt 8" descr="En bild som visar skärmbild, text, linje, Graf&#10;&#10;Automatiskt genererad beskrivning">
+            <a:extLst>
+              <a:ext uri="{FF2B5EF4-FFF2-40B4-BE49-F238E27FC236}">
+                <a16:creationId xmlns:a16="http://schemas.microsoft.com/office/drawing/2014/main" id="{3F827E2A-74B2-BB86-058C-2B3D247AEBFA}"/>
+              </a:ext>
+            </a:extLst>
+          </p:cNvPr>
+          <p:cNvPicPr>
+            <a:picLocks noChangeAspect="1"/>
+          </p:cNvPicPr>
+          <p:nvPr/>
+        </p:nvPicPr>
+        <p:blipFill>
+          <a:blip r:embed="rId2"/>
+          <a:stretch>
+            <a:fillRect/>
+          </a:stretch>
+        </p:blipFill>
+        <p:spPr>
+          <a:xfrm>
+            <a:off x="7525024" y="214601"/>
+            <a:ext cx="4172768" cy="2541225"/>
+          </a:xfrm>
+          <a:prstGeom prst="rect">
+            <a:avLst/>
+          </a:prstGeom>
+        </p:spPr>
+      </p:pic>
+      <p:pic>
+        <p:nvPicPr>
+          <p:cNvPr id="10" name="Bildobjekt 9" descr="En bild som visar text, skärmbild, linje, Graf&#10;&#10;Automatiskt genererad beskrivning">
+            <a:extLst>
+              <a:ext uri="{FF2B5EF4-FFF2-40B4-BE49-F238E27FC236}">
+                <a16:creationId xmlns:a16="http://schemas.microsoft.com/office/drawing/2014/main" id="{D7613664-205E-F6DA-197F-26BEA8C0383C}"/>
+              </a:ext>
+            </a:extLst>
+          </p:cNvPr>
+          <p:cNvPicPr>
+            <a:picLocks noChangeAspect="1"/>
+          </p:cNvPicPr>
+          <p:nvPr/>
+        </p:nvPicPr>
+        <p:blipFill>
+          <a:blip r:embed="rId3"/>
+          <a:stretch>
+            <a:fillRect/>
+          </a:stretch>
+        </p:blipFill>
+        <p:spPr>
+          <a:xfrm>
+            <a:off x="2406620" y="3841509"/>
+            <a:ext cx="4461047" cy="2740369"/>
+          </a:xfrm>
+          <a:prstGeom prst="rect">
+            <a:avLst/>
+          </a:prstGeom>
+        </p:spPr>
+      </p:pic>
+      <p:pic>
+        <p:nvPicPr>
+          <p:cNvPr id="13" name="Bildobjekt 12" descr="En bild som visar text, skärmbild, linje, Graf&#10;&#10;Automatiskt genererad beskrivning">
+            <a:extLst>
+              <a:ext uri="{FF2B5EF4-FFF2-40B4-BE49-F238E27FC236}">
+                <a16:creationId xmlns:a16="http://schemas.microsoft.com/office/drawing/2014/main" id="{0A1DBA61-8043-ACEF-2B21-66E970A55CD3}"/>
+              </a:ext>
+            </a:extLst>
+          </p:cNvPr>
+          <p:cNvPicPr>
+            <a:picLocks noChangeAspect="1"/>
+          </p:cNvPicPr>
+          <p:nvPr/>
+        </p:nvPicPr>
+        <p:blipFill>
+          <a:blip r:embed="rId4"/>
+          <a:stretch>
+            <a:fillRect/>
+          </a:stretch>
+        </p:blipFill>
+        <p:spPr>
+          <a:xfrm>
+            <a:off x="2411212" y="212686"/>
+            <a:ext cx="4205832" cy="2548240"/>
+          </a:xfrm>
+          <a:prstGeom prst="rect">
+            <a:avLst/>
+          </a:prstGeom>
+        </p:spPr>
+      </p:pic>
+      <p:sp>
+        <p:nvSpPr>
+          <p:cNvPr id="14" name="textruta 13">
+            <a:extLst>
+              <a:ext uri="{FF2B5EF4-FFF2-40B4-BE49-F238E27FC236}">
+                <a16:creationId xmlns:a16="http://schemas.microsoft.com/office/drawing/2014/main" id="{E9DAD1DE-6EF4-504C-021D-5D74A33E66F1}"/>
+              </a:ext>
+            </a:extLst>
+          </p:cNvPr>
+          <p:cNvSpPr txBox="1"/>
+          <p:nvPr/>
+        </p:nvSpPr>
+        <p:spPr>
+          <a:xfrm>
+            <a:off x="2411633" y="2910436"/>
+            <a:ext cx="9524999" cy="830997"/>
+          </a:xfrm>
+          <a:prstGeom prst="rect">
+            <a:avLst/>
+          </a:prstGeom>
+          <a:noFill/>
+        </p:spPr>
+        <p:txBody>
+          <a:bodyPr rot="0" spcFirstLastPara="0" vertOverflow="overflow" horzOverflow="overflow" vert="horz" wrap="square" lIns="91440" tIns="45720" rIns="91440" bIns="45720" numCol="1" spcCol="0" rtlCol="0" fromWordArt="0" anchor="t" anchorCtr="0" forceAA="0" compatLnSpc="1">
+            <a:prstTxWarp prst="textNoShape">
+              <a:avLst/>
+            </a:prstTxWarp>
+            <a:spAutoFit/>
+          </a:bodyPr>
+          <a:lstStyle/>
+          <a:p>
+            <a:pPr marL="285750" indent="-285750">
+              <a:buFont typeface="Arial"/>
+              <a:buChar char="•"/>
+            </a:pPr>
+            <a:r>
+              <a:rPr lang="sv-SE" sz="2400">
+                <a:latin typeface="Calibri Light"/>
+                <a:cs typeface="Calibri Light"/>
+              </a:rPr>
+              <a:t>Random Forest gav bäst resultat med minst RMSE</a:t>
+            </a:r>
+          </a:p>
+          <a:p>
+            <a:pPr marL="285750" indent="-285750">
+              <a:buFont typeface="Arial"/>
+              <a:buChar char="•"/>
+            </a:pPr>
+            <a:r>
+              <a:rPr lang="sv-SE" sz="2400">
+                <a:latin typeface="Calibri Light"/>
+                <a:cs typeface="Calibri Light"/>
+              </a:rPr>
+              <a:t>Ingen av modellerna är bra på att prediktera värden över 3-400 000</a:t>
+            </a:r>
+          </a:p>
+        </p:txBody>
+      </p:sp>
+      <p:pic>
+        <p:nvPicPr>
+          <p:cNvPr id="15" name="Bildobjekt 14" descr="En bild som visar text, skärmbild, diagram, Rektangel&#10;&#10;Automatiskt genererad beskrivning">
+            <a:extLst>
+              <a:ext uri="{FF2B5EF4-FFF2-40B4-BE49-F238E27FC236}">
+                <a16:creationId xmlns:a16="http://schemas.microsoft.com/office/drawing/2014/main" id="{A8ED86F9-5478-7D74-BA91-ECBA36466886}"/>
+              </a:ext>
+            </a:extLst>
+          </p:cNvPr>
+          <p:cNvPicPr>
+            <a:picLocks noChangeAspect="1"/>
+          </p:cNvPicPr>
+          <p:nvPr/>
+        </p:nvPicPr>
+        <p:blipFill>
+          <a:blip r:embed="rId5"/>
+          <a:stretch>
+            <a:fillRect/>
+          </a:stretch>
+        </p:blipFill>
+        <p:spPr>
+          <a:xfrm>
+            <a:off x="7284864" y="3836684"/>
+            <a:ext cx="4657725" cy="2733675"/>
+          </a:xfrm>
+          <a:prstGeom prst="rect">
+            <a:avLst/>
+          </a:prstGeom>
+        </p:spPr>
+      </p:pic>
+    </p:spTree>
+    <p:extLst>
+      <p:ext uri="{BB962C8B-B14F-4D97-AF65-F5344CB8AC3E}">
+        <p14:creationId xmlns:p14="http://schemas.microsoft.com/office/powerpoint/2010/main" val="2713108800"/>
       </p:ext>
     </p:extLst>
   </p:cSld>
@@ -6870,4 +12141,299 @@
     </a:ext>
   </a:extLst>
 </a:theme>
+</file>
+
+<file path=ppt/theme/theme2.xml><?xml version="1.0" encoding="utf-8"?>
+<a:theme xmlns:a="http://schemas.openxmlformats.org/drawingml/2006/main" name="Office-tema">
+  <a:themeElements>
+    <a:clrScheme name="Office">
+      <a:dk1>
+        <a:sysClr val="windowText" lastClr="000000"/>
+      </a:dk1>
+      <a:lt1>
+        <a:sysClr val="window" lastClr="FFFFFF"/>
+      </a:lt1>
+      <a:dk2>
+        <a:srgbClr val="44546A"/>
+      </a:dk2>
+      <a:lt2>
+        <a:srgbClr val="E7E6E6"/>
+      </a:lt2>
+      <a:accent1>
+        <a:srgbClr val="4472C4"/>
+      </a:accent1>
+      <a:accent2>
+        <a:srgbClr val="ED7D31"/>
+      </a:accent2>
+      <a:accent3>
+        <a:srgbClr val="A5A5A5"/>
+      </a:accent3>
+      <a:accent4>
+        <a:srgbClr val="FFC000"/>
+      </a:accent4>
+      <a:accent5>
+        <a:srgbClr val="5B9BD5"/>
+      </a:accent5>
+      <a:accent6>
+        <a:srgbClr val="70AD47"/>
+      </a:accent6>
+      <a:hlink>
+        <a:srgbClr val="0563C1"/>
+      </a:hlink>
+      <a:folHlink>
+        <a:srgbClr val="954F72"/>
+      </a:folHlink>
+    </a:clrScheme>
+    <a:fontScheme name="Office">
+      <a:majorFont>
+        <a:latin typeface="Calibri Light" panose="020F0302020204030204"/>
+        <a:ea typeface=""/>
+        <a:cs typeface=""/>
+        <a:font script="Jpan" typeface="游ゴシック Light"/>
+        <a:font script="Hang" typeface="맑은 고딕"/>
+        <a:font script="Hans" typeface="等线 Light"/>
+        <a:font script="Hant" typeface="新細明體"/>
+        <a:font script="Arab" typeface="Times New Roman"/>
+        <a:font script="Hebr" typeface="Times New Roman"/>
+        <a:font script="Thai" typeface="Angsana New"/>
+        <a:font script="Ethi" typeface="Nyala"/>
+        <a:font script="Beng" typeface="Vrinda"/>
+        <a:font script="Gujr" typeface="Shruti"/>
+        <a:font script="Khmr" typeface="MoolBoran"/>
+        <a:font script="Knda" typeface="Tunga"/>
+        <a:font script="Guru" typeface="Raavi"/>
+        <a:font script="Cans" typeface="Euphemia"/>
+        <a:font script="Cher" typeface="Plantagenet Cherokee"/>
+        <a:font script="Yiii" typeface="Microsoft Yi Baiti"/>
+        <a:font script="Tibt" typeface="Microsoft Himalaya"/>
+        <a:font script="Thaa" typeface="MV Boli"/>
+        <a:font script="Deva" typeface="Mangal"/>
+        <a:font script="Telu" typeface="Gautami"/>
+        <a:font script="Taml" typeface="Latha"/>
+        <a:font script="Syrc" typeface="Estrangelo Edessa"/>
+        <a:font script="Orya" typeface="Kalinga"/>
+        <a:font script="Mlym" typeface="Kartika"/>
+        <a:font script="Laoo" typeface="DokChampa"/>
+        <a:font script="Sinh" typeface="Iskoola Pota"/>
+        <a:font script="Mong" typeface="Mongolian Baiti"/>
+        <a:font script="Viet" typeface="Times New Roman"/>
+        <a:font script="Uigh" typeface="Microsoft Uighur"/>
+        <a:font script="Geor" typeface="Sylfaen"/>
+        <a:font script="Armn" typeface="Arial"/>
+        <a:font script="Bugi" typeface="Leelawadee UI"/>
+        <a:font script="Bopo" typeface="Microsoft JhengHei"/>
+        <a:font script="Java" typeface="Javanese Text"/>
+        <a:font script="Lisu" typeface="Segoe UI"/>
+        <a:font script="Mymr" typeface="Myanmar Text"/>
+        <a:font script="Nkoo" typeface="Ebrima"/>
+        <a:font script="Olck" typeface="Nirmala UI"/>
+        <a:font script="Osma" typeface="Ebrima"/>
+        <a:font script="Phag" typeface="Phagspa"/>
+        <a:font script="Syrn" typeface="Estrangelo Edessa"/>
+        <a:font script="Syrj" typeface="Estrangelo Edessa"/>
+        <a:font script="Syre" typeface="Estrangelo Edessa"/>
+        <a:font script="Sora" typeface="Nirmala UI"/>
+        <a:font script="Tale" typeface="Microsoft Tai Le"/>
+        <a:font script="Talu" typeface="Microsoft New Tai Lue"/>
+        <a:font script="Tfng" typeface="Ebrima"/>
+      </a:majorFont>
+      <a:minorFont>
+        <a:latin typeface="Calibri" panose="020F0502020204030204"/>
+        <a:ea typeface=""/>
+        <a:cs typeface=""/>
+        <a:font script="Jpan" typeface="游ゴシック"/>
+        <a:font script="Hang" typeface="맑은 고딕"/>
+        <a:font script="Hans" typeface="等线"/>
+        <a:font script="Hant" typeface="新細明體"/>
+        <a:font script="Arab" typeface="Arial"/>
+        <a:font script="Hebr" typeface="Arial"/>
+        <a:font script="Thai" typeface="Cordia New"/>
+        <a:font script="Ethi" typeface="Nyala"/>
+        <a:font script="Beng" typeface="Vrinda"/>
+        <a:font script="Gujr" typeface="Shruti"/>
+        <a:font script="Khmr" typeface="DaunPenh"/>
+        <a:font script="Knda" typeface="Tunga"/>
+        <a:font script="Guru" typeface="Raavi"/>
+        <a:font script="Cans" typeface="Euphemia"/>
+        <a:font script="Cher" typeface="Plantagenet Cherokee"/>
+        <a:font script="Yiii" typeface="Microsoft Yi Baiti"/>
+        <a:font script="Tibt" typeface="Microsoft Himalaya"/>
+        <a:font script="Thaa" typeface="MV Boli"/>
+        <a:font script="Deva" typeface="Mangal"/>
+        <a:font script="Telu" typeface="Gautami"/>
+        <a:font script="Taml" typeface="Latha"/>
+        <a:font script="Syrc" typeface="Estrangelo Edessa"/>
+        <a:font script="Orya" typeface="Kalinga"/>
+        <a:font script="Mlym" typeface="Kartika"/>
+        <a:font script="Laoo" typeface="DokChampa"/>
+        <a:font script="Sinh" typeface="Iskoola Pota"/>
+        <a:font script="Mong" typeface="Mongolian Baiti"/>
+        <a:font script="Viet" typeface="Arial"/>
+        <a:font script="Uigh" typeface="Microsoft Uighur"/>
+        <a:font script="Geor" typeface="Sylfaen"/>
+        <a:font script="Armn" typeface="Arial"/>
+        <a:font script="Bugi" typeface="Leelawadee UI"/>
+        <a:font script="Bopo" typeface="Microsoft JhengHei"/>
+        <a:font script="Java" typeface="Javanese Text"/>
+        <a:font script="Lisu" typeface="Segoe UI"/>
+        <a:font script="Mymr" typeface="Myanmar Text"/>
+        <a:font script="Nkoo" typeface="Ebrima"/>
+        <a:font script="Olck" typeface="Nirmala UI"/>
+        <a:font script="Osma" typeface="Ebrima"/>
+        <a:font script="Phag" typeface="Phagspa"/>
+        <a:font script="Syrn" typeface="Estrangelo Edessa"/>
+        <a:font script="Syrj" typeface="Estrangelo Edessa"/>
+        <a:font script="Syre" typeface="Estrangelo Edessa"/>
+        <a:font script="Sora" typeface="Nirmala UI"/>
+        <a:font script="Tale" typeface="Microsoft Tai Le"/>
+        <a:font script="Talu" typeface="Microsoft New Tai Lue"/>
+        <a:font script="Tfng" typeface="Ebrima"/>
+      </a:minorFont>
+    </a:fontScheme>
+    <a:fmtScheme name="Office">
+      <a:fillStyleLst>
+        <a:solidFill>
+          <a:schemeClr val="phClr"/>
+        </a:solidFill>
+        <a:gradFill rotWithShape="1">
+          <a:gsLst>
+            <a:gs pos="0">
+              <a:schemeClr val="phClr">
+                <a:lumMod val="110000"/>
+                <a:satMod val="105000"/>
+                <a:tint val="67000"/>
+              </a:schemeClr>
+            </a:gs>
+            <a:gs pos="50000">
+              <a:schemeClr val="phClr">
+                <a:lumMod val="105000"/>
+                <a:satMod val="103000"/>
+                <a:tint val="73000"/>
+              </a:schemeClr>
+            </a:gs>
+            <a:gs pos="100000">
+              <a:schemeClr val="phClr">
+                <a:lumMod val="105000"/>
+                <a:satMod val="109000"/>
+                <a:tint val="81000"/>
+              </a:schemeClr>
+            </a:gs>
+          </a:gsLst>
+          <a:lin ang="5400000" scaled="0"/>
+        </a:gradFill>
+        <a:gradFill rotWithShape="1">
+          <a:gsLst>
+            <a:gs pos="0">
+              <a:schemeClr val="phClr">
+                <a:satMod val="103000"/>
+                <a:lumMod val="102000"/>
+                <a:tint val="94000"/>
+              </a:schemeClr>
+            </a:gs>
+            <a:gs pos="50000">
+              <a:schemeClr val="phClr">
+                <a:satMod val="110000"/>
+                <a:lumMod val="100000"/>
+                <a:shade val="100000"/>
+              </a:schemeClr>
+            </a:gs>
+            <a:gs pos="100000">
+              <a:schemeClr val="phClr">
+                <a:lumMod val="99000"/>
+                <a:satMod val="120000"/>
+                <a:shade val="78000"/>
+              </a:schemeClr>
+            </a:gs>
+          </a:gsLst>
+          <a:lin ang="5400000" scaled="0"/>
+        </a:gradFill>
+      </a:fillStyleLst>
+      <a:lnStyleLst>
+        <a:ln w="6350" cap="flat" cmpd="sng" algn="ctr">
+          <a:solidFill>
+            <a:schemeClr val="phClr"/>
+          </a:solidFill>
+          <a:prstDash val="solid"/>
+          <a:miter lim="800000"/>
+        </a:ln>
+        <a:ln w="12700" cap="flat" cmpd="sng" algn="ctr">
+          <a:solidFill>
+            <a:schemeClr val="phClr"/>
+          </a:solidFill>
+          <a:prstDash val="solid"/>
+          <a:miter lim="800000"/>
+        </a:ln>
+        <a:ln w="19050" cap="flat" cmpd="sng" algn="ctr">
+          <a:solidFill>
+            <a:schemeClr val="phClr"/>
+          </a:solidFill>
+          <a:prstDash val="solid"/>
+          <a:miter lim="800000"/>
+        </a:ln>
+      </a:lnStyleLst>
+      <a:effectStyleLst>
+        <a:effectStyle>
+          <a:effectLst/>
+        </a:effectStyle>
+        <a:effectStyle>
+          <a:effectLst/>
+        </a:effectStyle>
+        <a:effectStyle>
+          <a:effectLst>
+            <a:outerShdw blurRad="57150" dist="19050" dir="5400000" algn="ctr" rotWithShape="0">
+              <a:srgbClr val="000000">
+                <a:alpha val="63000"/>
+              </a:srgbClr>
+            </a:outerShdw>
+          </a:effectLst>
+        </a:effectStyle>
+      </a:effectStyleLst>
+      <a:bgFillStyleLst>
+        <a:solidFill>
+          <a:schemeClr val="phClr"/>
+        </a:solidFill>
+        <a:solidFill>
+          <a:schemeClr val="phClr">
+            <a:tint val="95000"/>
+            <a:satMod val="170000"/>
+          </a:schemeClr>
+        </a:solidFill>
+        <a:gradFill rotWithShape="1">
+          <a:gsLst>
+            <a:gs pos="0">
+              <a:schemeClr val="phClr">
+                <a:tint val="93000"/>
+                <a:satMod val="150000"/>
+                <a:shade val="98000"/>
+                <a:lumMod val="102000"/>
+              </a:schemeClr>
+            </a:gs>
+            <a:gs pos="50000">
+              <a:schemeClr val="phClr">
+                <a:tint val="98000"/>
+                <a:satMod val="130000"/>
+                <a:shade val="90000"/>
+                <a:lumMod val="103000"/>
+              </a:schemeClr>
+            </a:gs>
+            <a:gs pos="100000">
+              <a:schemeClr val="phClr">
+                <a:shade val="63000"/>
+                <a:satMod val="120000"/>
+              </a:schemeClr>
+            </a:gs>
+          </a:gsLst>
+          <a:lin ang="5400000" scaled="0"/>
+        </a:gradFill>
+      </a:bgFillStyleLst>
+    </a:fmtScheme>
+  </a:themeElements>
+  <a:objectDefaults/>
+  <a:extraClrSchemeLst/>
+  <a:extLst>
+    <a:ext uri="{05A4C25C-085E-4340-85A3-A5531E510DB2}">
+      <thm15:themeFamily xmlns:thm15="http://schemas.microsoft.com/office/thememl/2012/main" name="Office Theme" id="{62F939B6-93AF-4DB8-9C6B-D6C7DFDC589F}" vid="{4A3C46E8-61CC-4603-A589-7422A47A8E4A}"/>
+    </a:ext>
+  </a:extLst>
+</a:theme>
 </file>